--- a/Reports/Fault_Tolerance.pptx
+++ b/Reports/Fault_Tolerance.pptx
@@ -2,21 +2,25 @@
 <file path=ppt/presentation.xml><?xml version="1.0" encoding="utf-8"?>
 <p:presentation xmlns:a="http://schemas.openxmlformats.org/drawingml/2006/main" xmlns:r="http://schemas.openxmlformats.org/officeDocument/2006/relationships" xmlns:p="http://schemas.openxmlformats.org/presentationml/2006/main" saveSubsetFonts="1">
   <p:sldMasterIdLst>
-    <p:sldMasterId id="2147483648" r:id="rId1"/>
+    <p:sldMasterId id="2147483660" r:id="rId1"/>
   </p:sldMasterIdLst>
   <p:sldIdLst>
     <p:sldId id="256" r:id="rId2"/>
     <p:sldId id="257" r:id="rId3"/>
     <p:sldId id="258" r:id="rId4"/>
     <p:sldId id="259" r:id="rId5"/>
+    <p:sldId id="262" r:id="rId6"/>
+    <p:sldId id="260" r:id="rId7"/>
+    <p:sldId id="261" r:id="rId8"/>
+    <p:sldId id="263" r:id="rId9"/>
   </p:sldIdLst>
   <p:sldSz cx="12192000" cy="6858000"/>
   <p:notesSz cx="6858000" cy="9144000"/>
   <p:defaultTextStyle>
     <a:defPPr>
-      <a:defRPr lang="tr-TR"/>
+      <a:defRPr lang="en-US"/>
     </a:defPPr>
-    <a:lvl1pPr marL="0" algn="l" defTabSz="914400" rtl="0" eaLnBrk="1" latinLnBrk="0" hangingPunct="1">
+    <a:lvl1pPr marL="0" algn="l" defTabSz="457200" rtl="0" eaLnBrk="1" latinLnBrk="0" hangingPunct="1">
       <a:defRPr sz="1800" kern="1200">
         <a:solidFill>
           <a:schemeClr val="tx1"/>
@@ -26,7 +30,7 @@
         <a:cs typeface="+mn-cs"/>
       </a:defRPr>
     </a:lvl1pPr>
-    <a:lvl2pPr marL="457200" algn="l" defTabSz="914400" rtl="0" eaLnBrk="1" latinLnBrk="0" hangingPunct="1">
+    <a:lvl2pPr marL="457200" algn="l" defTabSz="457200" rtl="0" eaLnBrk="1" latinLnBrk="0" hangingPunct="1">
       <a:defRPr sz="1800" kern="1200">
         <a:solidFill>
           <a:schemeClr val="tx1"/>
@@ -36,7 +40,7 @@
         <a:cs typeface="+mn-cs"/>
       </a:defRPr>
     </a:lvl2pPr>
-    <a:lvl3pPr marL="914400" algn="l" defTabSz="914400" rtl="0" eaLnBrk="1" latinLnBrk="0" hangingPunct="1">
+    <a:lvl3pPr marL="914400" algn="l" defTabSz="457200" rtl="0" eaLnBrk="1" latinLnBrk="0" hangingPunct="1">
       <a:defRPr sz="1800" kern="1200">
         <a:solidFill>
           <a:schemeClr val="tx1"/>
@@ -46,7 +50,7 @@
         <a:cs typeface="+mn-cs"/>
       </a:defRPr>
     </a:lvl3pPr>
-    <a:lvl4pPr marL="1371600" algn="l" defTabSz="914400" rtl="0" eaLnBrk="1" latinLnBrk="0" hangingPunct="1">
+    <a:lvl4pPr marL="1371600" algn="l" defTabSz="457200" rtl="0" eaLnBrk="1" latinLnBrk="0" hangingPunct="1">
       <a:defRPr sz="1800" kern="1200">
         <a:solidFill>
           <a:schemeClr val="tx1"/>
@@ -56,7 +60,7 @@
         <a:cs typeface="+mn-cs"/>
       </a:defRPr>
     </a:lvl4pPr>
-    <a:lvl5pPr marL="1828800" algn="l" defTabSz="914400" rtl="0" eaLnBrk="1" latinLnBrk="0" hangingPunct="1">
+    <a:lvl5pPr marL="1828800" algn="l" defTabSz="457200" rtl="0" eaLnBrk="1" latinLnBrk="0" hangingPunct="1">
       <a:defRPr sz="1800" kern="1200">
         <a:solidFill>
           <a:schemeClr val="tx1"/>
@@ -66,7 +70,7 @@
         <a:cs typeface="+mn-cs"/>
       </a:defRPr>
     </a:lvl5pPr>
-    <a:lvl6pPr marL="2286000" algn="l" defTabSz="914400" rtl="0" eaLnBrk="1" latinLnBrk="0" hangingPunct="1">
+    <a:lvl6pPr marL="2286000" algn="l" defTabSz="457200" rtl="0" eaLnBrk="1" latinLnBrk="0" hangingPunct="1">
       <a:defRPr sz="1800" kern="1200">
         <a:solidFill>
           <a:schemeClr val="tx1"/>
@@ -76,7 +80,7 @@
         <a:cs typeface="+mn-cs"/>
       </a:defRPr>
     </a:lvl6pPr>
-    <a:lvl7pPr marL="2743200" algn="l" defTabSz="914400" rtl="0" eaLnBrk="1" latinLnBrk="0" hangingPunct="1">
+    <a:lvl7pPr marL="2743200" algn="l" defTabSz="457200" rtl="0" eaLnBrk="1" latinLnBrk="0" hangingPunct="1">
       <a:defRPr sz="1800" kern="1200">
         <a:solidFill>
           <a:schemeClr val="tx1"/>
@@ -86,7 +90,7 @@
         <a:cs typeface="+mn-cs"/>
       </a:defRPr>
     </a:lvl7pPr>
-    <a:lvl8pPr marL="3200400" algn="l" defTabSz="914400" rtl="0" eaLnBrk="1" latinLnBrk="0" hangingPunct="1">
+    <a:lvl8pPr marL="3200400" algn="l" defTabSz="457200" rtl="0" eaLnBrk="1" latinLnBrk="0" hangingPunct="1">
       <a:defRPr sz="1800" kern="1200">
         <a:solidFill>
           <a:schemeClr val="tx1"/>
@@ -96,7 +100,7 @@
         <a:cs typeface="+mn-cs"/>
       </a:defRPr>
     </a:lvl8pPr>
-    <a:lvl9pPr marL="3657600" algn="l" defTabSz="914400" rtl="0" eaLnBrk="1" latinLnBrk="0" hangingPunct="1">
+    <a:lvl9pPr marL="3657600" algn="l" defTabSz="457200" rtl="0" eaLnBrk="1" latinLnBrk="0" hangingPunct="1">
       <a:defRPr sz="1800" kern="1200">
         <a:solidFill>
           <a:schemeClr val="tx1"/>
@@ -107,6 +111,11 @@
       </a:defRPr>
     </a:lvl9pPr>
   </p:defaultTextStyle>
+  <p:extLst>
+    <p:ext uri="{EFAFB233-063F-42B5-8137-9DF3F51BA10A}">
+      <p15:sldGuideLst xmlns:p15="http://schemas.microsoft.com/office/powerpoint/2012/main"/>
+    </p:ext>
+  </p:extLst>
 </p:presentation>
 </file>
 
@@ -129,13 +138,7 @@
       </p:grpSpPr>
       <p:sp>
         <p:nvSpPr>
-          <p:cNvPr id="2" name="Title 1">
-            <a:extLst>
-              <a:ext uri="{FF2B5EF4-FFF2-40B4-BE49-F238E27FC236}">
-                <a16:creationId xmlns:a16="http://schemas.microsoft.com/office/drawing/2014/main" id="{59A7516D-6803-449C-7CA8-F3F75A3B013D}"/>
-              </a:ext>
-            </a:extLst>
-          </p:cNvPr>
+          <p:cNvPr id="2" name="Title 1"/>
           <p:cNvSpPr>
             <a:spLocks noGrp="1"/>
           </p:cNvSpPr>
@@ -161,19 +164,13 @@
               <a:rPr lang="en-US"/>
               <a:t>Click to edit Master title style</a:t>
             </a:r>
-            <a:endParaRPr lang="tr-TR"/>
-          </a:p>
-        </p:txBody>
-      </p:sp>
-      <p:sp>
-        <p:nvSpPr>
-          <p:cNvPr id="3" name="Subtitle 2">
-            <a:extLst>
-              <a:ext uri="{FF2B5EF4-FFF2-40B4-BE49-F238E27FC236}">
-                <a16:creationId xmlns:a16="http://schemas.microsoft.com/office/drawing/2014/main" id="{7D760760-702E-7536-D197-4804C947D720}"/>
-              </a:ext>
-            </a:extLst>
-          </p:cNvPr>
+            <a:endParaRPr lang="en-US" dirty="0"/>
+          </a:p>
+        </p:txBody>
+      </p:sp>
+      <p:sp>
+        <p:nvSpPr>
+          <p:cNvPr id="3" name="Subtitle 2"/>
           <p:cNvSpPr>
             <a:spLocks noGrp="1"/>
           </p:cNvSpPr>
@@ -232,19 +229,13 @@
               <a:rPr lang="en-US"/>
               <a:t>Click to edit Master subtitle style</a:t>
             </a:r>
-            <a:endParaRPr lang="tr-TR"/>
-          </a:p>
-        </p:txBody>
-      </p:sp>
-      <p:sp>
-        <p:nvSpPr>
-          <p:cNvPr id="4" name="Date Placeholder 3">
-            <a:extLst>
-              <a:ext uri="{FF2B5EF4-FFF2-40B4-BE49-F238E27FC236}">
-                <a16:creationId xmlns:a16="http://schemas.microsoft.com/office/drawing/2014/main" id="{B27C664A-6F13-1832-A689-28DFA14CCB7C}"/>
-              </a:ext>
-            </a:extLst>
-          </p:cNvPr>
+            <a:endParaRPr lang="en-US" dirty="0"/>
+          </a:p>
+        </p:txBody>
+      </p:sp>
+      <p:sp>
+        <p:nvSpPr>
+          <p:cNvPr id="4" name="Date Placeholder 3"/>
           <p:cNvSpPr>
             <a:spLocks noGrp="1"/>
           </p:cNvSpPr>
@@ -259,7 +250,7 @@
           <a:p>
             <a:fld id="{524C83C5-A6E3-467E-88A3-7867E1892419}" type="datetimeFigureOut">
               <a:rPr lang="tr-TR" smtClean="0"/>
-              <a:t>13.02.2024</a:t>
+              <a:t>14.02.2024</a:t>
             </a:fld>
             <a:endParaRPr lang="tr-TR"/>
           </a:p>
@@ -267,13 +258,7 @@
       </p:sp>
       <p:sp>
         <p:nvSpPr>
-          <p:cNvPr id="5" name="Footer Placeholder 4">
-            <a:extLst>
-              <a:ext uri="{FF2B5EF4-FFF2-40B4-BE49-F238E27FC236}">
-                <a16:creationId xmlns:a16="http://schemas.microsoft.com/office/drawing/2014/main" id="{15344075-0F09-9A4B-DB2D-6680FC6D2296}"/>
-              </a:ext>
-            </a:extLst>
-          </p:cNvPr>
+          <p:cNvPr id="5" name="Footer Placeholder 4"/>
           <p:cNvSpPr>
             <a:spLocks noGrp="1"/>
           </p:cNvSpPr>
@@ -292,13 +277,7 @@
       </p:sp>
       <p:sp>
         <p:nvSpPr>
-          <p:cNvPr id="6" name="Slide Number Placeholder 5">
-            <a:extLst>
-              <a:ext uri="{FF2B5EF4-FFF2-40B4-BE49-F238E27FC236}">
-                <a16:creationId xmlns:a16="http://schemas.microsoft.com/office/drawing/2014/main" id="{95152EB5-7322-5BB6-E654-E485297A1262}"/>
-              </a:ext>
-            </a:extLst>
-          </p:cNvPr>
+          <p:cNvPr id="6" name="Slide Number Placeholder 5"/>
           <p:cNvSpPr>
             <a:spLocks noGrp="1"/>
           </p:cNvSpPr>
@@ -322,7 +301,7 @@
     </p:spTree>
     <p:extLst>
       <p:ext uri="{BB962C8B-B14F-4D97-AF65-F5344CB8AC3E}">
-        <p14:creationId xmlns:p14="http://schemas.microsoft.com/office/powerpoint/2010/main" val="3504489863"/>
+        <p14:creationId xmlns:p14="http://schemas.microsoft.com/office/powerpoint/2010/main" val="199440685"/>
       </p:ext>
     </p:extLst>
   </p:cSld>
@@ -351,13 +330,7 @@
       </p:grpSpPr>
       <p:sp>
         <p:nvSpPr>
-          <p:cNvPr id="2" name="Title 1">
-            <a:extLst>
-              <a:ext uri="{FF2B5EF4-FFF2-40B4-BE49-F238E27FC236}">
-                <a16:creationId xmlns:a16="http://schemas.microsoft.com/office/drawing/2014/main" id="{7658088E-A138-E7B3-222E-0EC8D8987DE6}"/>
-              </a:ext>
-            </a:extLst>
-          </p:cNvPr>
+          <p:cNvPr id="2" name="Title 1"/>
           <p:cNvSpPr>
             <a:spLocks noGrp="1"/>
           </p:cNvSpPr>
@@ -374,19 +347,13 @@
               <a:rPr lang="en-US"/>
               <a:t>Click to edit Master title style</a:t>
             </a:r>
-            <a:endParaRPr lang="tr-TR"/>
-          </a:p>
-        </p:txBody>
-      </p:sp>
-      <p:sp>
-        <p:nvSpPr>
-          <p:cNvPr id="3" name="Vertical Text Placeholder 2">
-            <a:extLst>
-              <a:ext uri="{FF2B5EF4-FFF2-40B4-BE49-F238E27FC236}">
-                <a16:creationId xmlns:a16="http://schemas.microsoft.com/office/drawing/2014/main" id="{A78C8388-6B11-72FC-3F64-67E22B85EC17}"/>
-              </a:ext>
-            </a:extLst>
-          </p:cNvPr>
+            <a:endParaRPr lang="en-US" dirty="0"/>
+          </a:p>
+        </p:txBody>
+      </p:sp>
+      <p:sp>
+        <p:nvSpPr>
+          <p:cNvPr id="3" name="Vertical Text Placeholder 2"/>
           <p:cNvSpPr>
             <a:spLocks noGrp="1"/>
           </p:cNvSpPr>
@@ -432,19 +399,13 @@
               <a:rPr lang="en-US"/>
               <a:t>Fifth level</a:t>
             </a:r>
-            <a:endParaRPr lang="tr-TR"/>
-          </a:p>
-        </p:txBody>
-      </p:sp>
-      <p:sp>
-        <p:nvSpPr>
-          <p:cNvPr id="4" name="Date Placeholder 3">
-            <a:extLst>
-              <a:ext uri="{FF2B5EF4-FFF2-40B4-BE49-F238E27FC236}">
-                <a16:creationId xmlns:a16="http://schemas.microsoft.com/office/drawing/2014/main" id="{29E35066-A590-08B9-C63C-D2D041802C56}"/>
-              </a:ext>
-            </a:extLst>
-          </p:cNvPr>
+            <a:endParaRPr lang="en-US" dirty="0"/>
+          </a:p>
+        </p:txBody>
+      </p:sp>
+      <p:sp>
+        <p:nvSpPr>
+          <p:cNvPr id="4" name="Date Placeholder 3"/>
           <p:cNvSpPr>
             <a:spLocks noGrp="1"/>
           </p:cNvSpPr>
@@ -459,7 +420,7 @@
           <a:p>
             <a:fld id="{524C83C5-A6E3-467E-88A3-7867E1892419}" type="datetimeFigureOut">
               <a:rPr lang="tr-TR" smtClean="0"/>
-              <a:t>13.02.2024</a:t>
+              <a:t>14.02.2024</a:t>
             </a:fld>
             <a:endParaRPr lang="tr-TR"/>
           </a:p>
@@ -467,13 +428,7 @@
       </p:sp>
       <p:sp>
         <p:nvSpPr>
-          <p:cNvPr id="5" name="Footer Placeholder 4">
-            <a:extLst>
-              <a:ext uri="{FF2B5EF4-FFF2-40B4-BE49-F238E27FC236}">
-                <a16:creationId xmlns:a16="http://schemas.microsoft.com/office/drawing/2014/main" id="{B4B8F3E9-C4BC-9CB9-04E7-18270A382AD9}"/>
-              </a:ext>
-            </a:extLst>
-          </p:cNvPr>
+          <p:cNvPr id="5" name="Footer Placeholder 4"/>
           <p:cNvSpPr>
             <a:spLocks noGrp="1"/>
           </p:cNvSpPr>
@@ -492,13 +447,7 @@
       </p:sp>
       <p:sp>
         <p:nvSpPr>
-          <p:cNvPr id="6" name="Slide Number Placeholder 5">
-            <a:extLst>
-              <a:ext uri="{FF2B5EF4-FFF2-40B4-BE49-F238E27FC236}">
-                <a16:creationId xmlns:a16="http://schemas.microsoft.com/office/drawing/2014/main" id="{87786B15-26DF-A577-1D10-3CDF92420F52}"/>
-              </a:ext>
-            </a:extLst>
-          </p:cNvPr>
+          <p:cNvPr id="6" name="Slide Number Placeholder 5"/>
           <p:cNvSpPr>
             <a:spLocks noGrp="1"/>
           </p:cNvSpPr>
@@ -522,7 +471,7 @@
     </p:spTree>
     <p:extLst>
       <p:ext uri="{BB962C8B-B14F-4D97-AF65-F5344CB8AC3E}">
-        <p14:creationId xmlns:p14="http://schemas.microsoft.com/office/powerpoint/2010/main" val="3516635662"/>
+        <p14:creationId xmlns:p14="http://schemas.microsoft.com/office/powerpoint/2010/main" val="220768360"/>
       </p:ext>
     </p:extLst>
   </p:cSld>
@@ -551,13 +500,7 @@
       </p:grpSpPr>
       <p:sp>
         <p:nvSpPr>
-          <p:cNvPr id="2" name="Vertical Title 1">
-            <a:extLst>
-              <a:ext uri="{FF2B5EF4-FFF2-40B4-BE49-F238E27FC236}">
-                <a16:creationId xmlns:a16="http://schemas.microsoft.com/office/drawing/2014/main" id="{B0A0FFB0-23BD-0CA1-C364-553F6D6B6041}"/>
-              </a:ext>
-            </a:extLst>
-          </p:cNvPr>
+          <p:cNvPr id="2" name="Vertical Title 1"/>
           <p:cNvSpPr>
             <a:spLocks noGrp="1"/>
           </p:cNvSpPr>
@@ -579,19 +522,13 @@
               <a:rPr lang="en-US"/>
               <a:t>Click to edit Master title style</a:t>
             </a:r>
-            <a:endParaRPr lang="tr-TR"/>
-          </a:p>
-        </p:txBody>
-      </p:sp>
-      <p:sp>
-        <p:nvSpPr>
-          <p:cNvPr id="3" name="Vertical Text Placeholder 2">
-            <a:extLst>
-              <a:ext uri="{FF2B5EF4-FFF2-40B4-BE49-F238E27FC236}">
-                <a16:creationId xmlns:a16="http://schemas.microsoft.com/office/drawing/2014/main" id="{B0E25D0D-EE87-6FCB-AF18-C30A7F80B3EE}"/>
-              </a:ext>
-            </a:extLst>
-          </p:cNvPr>
+            <a:endParaRPr lang="en-US" dirty="0"/>
+          </a:p>
+        </p:txBody>
+      </p:sp>
+      <p:sp>
+        <p:nvSpPr>
+          <p:cNvPr id="3" name="Vertical Text Placeholder 2"/>
           <p:cNvSpPr>
             <a:spLocks noGrp="1"/>
           </p:cNvSpPr>
@@ -642,19 +579,13 @@
               <a:rPr lang="en-US"/>
               <a:t>Fifth level</a:t>
             </a:r>
-            <a:endParaRPr lang="tr-TR"/>
-          </a:p>
-        </p:txBody>
-      </p:sp>
-      <p:sp>
-        <p:nvSpPr>
-          <p:cNvPr id="4" name="Date Placeholder 3">
-            <a:extLst>
-              <a:ext uri="{FF2B5EF4-FFF2-40B4-BE49-F238E27FC236}">
-                <a16:creationId xmlns:a16="http://schemas.microsoft.com/office/drawing/2014/main" id="{80CC4D8C-F5D8-9CE7-5D6B-9777356AA755}"/>
-              </a:ext>
-            </a:extLst>
-          </p:cNvPr>
+            <a:endParaRPr lang="en-US" dirty="0"/>
+          </a:p>
+        </p:txBody>
+      </p:sp>
+      <p:sp>
+        <p:nvSpPr>
+          <p:cNvPr id="4" name="Date Placeholder 3"/>
           <p:cNvSpPr>
             <a:spLocks noGrp="1"/>
           </p:cNvSpPr>
@@ -669,7 +600,7 @@
           <a:p>
             <a:fld id="{524C83C5-A6E3-467E-88A3-7867E1892419}" type="datetimeFigureOut">
               <a:rPr lang="tr-TR" smtClean="0"/>
-              <a:t>13.02.2024</a:t>
+              <a:t>14.02.2024</a:t>
             </a:fld>
             <a:endParaRPr lang="tr-TR"/>
           </a:p>
@@ -677,13 +608,7 @@
       </p:sp>
       <p:sp>
         <p:nvSpPr>
-          <p:cNvPr id="5" name="Footer Placeholder 4">
-            <a:extLst>
-              <a:ext uri="{FF2B5EF4-FFF2-40B4-BE49-F238E27FC236}">
-                <a16:creationId xmlns:a16="http://schemas.microsoft.com/office/drawing/2014/main" id="{4D17C3BB-DAF6-00B4-495A-2D86B70CA7D0}"/>
-              </a:ext>
-            </a:extLst>
-          </p:cNvPr>
+          <p:cNvPr id="5" name="Footer Placeholder 4"/>
           <p:cNvSpPr>
             <a:spLocks noGrp="1"/>
           </p:cNvSpPr>
@@ -702,13 +627,7 @@
       </p:sp>
       <p:sp>
         <p:nvSpPr>
-          <p:cNvPr id="6" name="Slide Number Placeholder 5">
-            <a:extLst>
-              <a:ext uri="{FF2B5EF4-FFF2-40B4-BE49-F238E27FC236}">
-                <a16:creationId xmlns:a16="http://schemas.microsoft.com/office/drawing/2014/main" id="{E30D630D-8E68-4DBC-667C-C628F68BD53D}"/>
-              </a:ext>
-            </a:extLst>
-          </p:cNvPr>
+          <p:cNvPr id="6" name="Slide Number Placeholder 5"/>
           <p:cNvSpPr>
             <a:spLocks noGrp="1"/>
           </p:cNvSpPr>
@@ -732,7 +651,7 @@
     </p:spTree>
     <p:extLst>
       <p:ext uri="{BB962C8B-B14F-4D97-AF65-F5344CB8AC3E}">
-        <p14:creationId xmlns:p14="http://schemas.microsoft.com/office/powerpoint/2010/main" val="1461503473"/>
+        <p14:creationId xmlns:p14="http://schemas.microsoft.com/office/powerpoint/2010/main" val="2950795630"/>
       </p:ext>
     </p:extLst>
   </p:cSld>
@@ -761,13 +680,7 @@
       </p:grpSpPr>
       <p:sp>
         <p:nvSpPr>
-          <p:cNvPr id="2" name="Title 1">
-            <a:extLst>
-              <a:ext uri="{FF2B5EF4-FFF2-40B4-BE49-F238E27FC236}">
-                <a16:creationId xmlns:a16="http://schemas.microsoft.com/office/drawing/2014/main" id="{258D6430-8772-DCB6-B562-124B0A3F10A7}"/>
-              </a:ext>
-            </a:extLst>
-          </p:cNvPr>
+          <p:cNvPr id="2" name="Title 1"/>
           <p:cNvSpPr>
             <a:spLocks noGrp="1"/>
           </p:cNvSpPr>
@@ -784,19 +697,13 @@
               <a:rPr lang="en-US"/>
               <a:t>Click to edit Master title style</a:t>
             </a:r>
-            <a:endParaRPr lang="tr-TR"/>
-          </a:p>
-        </p:txBody>
-      </p:sp>
-      <p:sp>
-        <p:nvSpPr>
-          <p:cNvPr id="3" name="Content Placeholder 2">
-            <a:extLst>
-              <a:ext uri="{FF2B5EF4-FFF2-40B4-BE49-F238E27FC236}">
-                <a16:creationId xmlns:a16="http://schemas.microsoft.com/office/drawing/2014/main" id="{21535B72-0079-1DF8-BBD4-8760EFF8C097}"/>
-              </a:ext>
-            </a:extLst>
-          </p:cNvPr>
+            <a:endParaRPr lang="en-US" dirty="0"/>
+          </a:p>
+        </p:txBody>
+      </p:sp>
+      <p:sp>
+        <p:nvSpPr>
+          <p:cNvPr id="3" name="Content Placeholder 2"/>
           <p:cNvSpPr>
             <a:spLocks noGrp="1"/>
           </p:cNvSpPr>
@@ -842,19 +749,13 @@
               <a:rPr lang="en-US"/>
               <a:t>Fifth level</a:t>
             </a:r>
-            <a:endParaRPr lang="tr-TR"/>
-          </a:p>
-        </p:txBody>
-      </p:sp>
-      <p:sp>
-        <p:nvSpPr>
-          <p:cNvPr id="4" name="Date Placeholder 3">
-            <a:extLst>
-              <a:ext uri="{FF2B5EF4-FFF2-40B4-BE49-F238E27FC236}">
-                <a16:creationId xmlns:a16="http://schemas.microsoft.com/office/drawing/2014/main" id="{43C1AB7B-6F9F-7AEC-2C37-1560BDD935DF}"/>
-              </a:ext>
-            </a:extLst>
-          </p:cNvPr>
+            <a:endParaRPr lang="en-US" dirty="0"/>
+          </a:p>
+        </p:txBody>
+      </p:sp>
+      <p:sp>
+        <p:nvSpPr>
+          <p:cNvPr id="4" name="Date Placeholder 3"/>
           <p:cNvSpPr>
             <a:spLocks noGrp="1"/>
           </p:cNvSpPr>
@@ -869,7 +770,7 @@
           <a:p>
             <a:fld id="{524C83C5-A6E3-467E-88A3-7867E1892419}" type="datetimeFigureOut">
               <a:rPr lang="tr-TR" smtClean="0"/>
-              <a:t>13.02.2024</a:t>
+              <a:t>14.02.2024</a:t>
             </a:fld>
             <a:endParaRPr lang="tr-TR"/>
           </a:p>
@@ -877,13 +778,7 @@
       </p:sp>
       <p:sp>
         <p:nvSpPr>
-          <p:cNvPr id="5" name="Footer Placeholder 4">
-            <a:extLst>
-              <a:ext uri="{FF2B5EF4-FFF2-40B4-BE49-F238E27FC236}">
-                <a16:creationId xmlns:a16="http://schemas.microsoft.com/office/drawing/2014/main" id="{60E1F819-FE88-95FE-4B0F-224DA4B0FB5F}"/>
-              </a:ext>
-            </a:extLst>
-          </p:cNvPr>
+          <p:cNvPr id="5" name="Footer Placeholder 4"/>
           <p:cNvSpPr>
             <a:spLocks noGrp="1"/>
           </p:cNvSpPr>
@@ -902,13 +797,7 @@
       </p:sp>
       <p:sp>
         <p:nvSpPr>
-          <p:cNvPr id="6" name="Slide Number Placeholder 5">
-            <a:extLst>
-              <a:ext uri="{FF2B5EF4-FFF2-40B4-BE49-F238E27FC236}">
-                <a16:creationId xmlns:a16="http://schemas.microsoft.com/office/drawing/2014/main" id="{E4718011-BD81-0E9C-59AD-7BA59289BE15}"/>
-              </a:ext>
-            </a:extLst>
-          </p:cNvPr>
+          <p:cNvPr id="6" name="Slide Number Placeholder 5"/>
           <p:cNvSpPr>
             <a:spLocks noGrp="1"/>
           </p:cNvSpPr>
@@ -932,7 +821,7 @@
     </p:spTree>
     <p:extLst>
       <p:ext uri="{BB962C8B-B14F-4D97-AF65-F5344CB8AC3E}">
-        <p14:creationId xmlns:p14="http://schemas.microsoft.com/office/powerpoint/2010/main" val="962785748"/>
+        <p14:creationId xmlns:p14="http://schemas.microsoft.com/office/powerpoint/2010/main" val="1330241896"/>
       </p:ext>
     </p:extLst>
   </p:cSld>
@@ -961,13 +850,7 @@
       </p:grpSpPr>
       <p:sp>
         <p:nvSpPr>
-          <p:cNvPr id="2" name="Title 1">
-            <a:extLst>
-              <a:ext uri="{FF2B5EF4-FFF2-40B4-BE49-F238E27FC236}">
-                <a16:creationId xmlns:a16="http://schemas.microsoft.com/office/drawing/2014/main" id="{09816902-5EF0-FF7B-1552-6876B71AAF9E}"/>
-              </a:ext>
-            </a:extLst>
-          </p:cNvPr>
+          <p:cNvPr id="2" name="Title 1"/>
           <p:cNvSpPr>
             <a:spLocks noGrp="1"/>
           </p:cNvSpPr>
@@ -993,19 +876,13 @@
               <a:rPr lang="en-US"/>
               <a:t>Click to edit Master title style</a:t>
             </a:r>
-            <a:endParaRPr lang="tr-TR"/>
-          </a:p>
-        </p:txBody>
-      </p:sp>
-      <p:sp>
-        <p:nvSpPr>
-          <p:cNvPr id="3" name="Text Placeholder 2">
-            <a:extLst>
-              <a:ext uri="{FF2B5EF4-FFF2-40B4-BE49-F238E27FC236}">
-                <a16:creationId xmlns:a16="http://schemas.microsoft.com/office/drawing/2014/main" id="{1A4473E3-29AD-2C7C-06AC-2CD17231E589}"/>
-              </a:ext>
-            </a:extLst>
-          </p:cNvPr>
+            <a:endParaRPr lang="en-US" dirty="0"/>
+          </a:p>
+        </p:txBody>
+      </p:sp>
+      <p:sp>
+        <p:nvSpPr>
+          <p:cNvPr id="3" name="Text Placeholder 2"/>
           <p:cNvSpPr>
             <a:spLocks noGrp="1"/>
           </p:cNvSpPr>
@@ -1124,13 +1001,7 @@
       </p:sp>
       <p:sp>
         <p:nvSpPr>
-          <p:cNvPr id="4" name="Date Placeholder 3">
-            <a:extLst>
-              <a:ext uri="{FF2B5EF4-FFF2-40B4-BE49-F238E27FC236}">
-                <a16:creationId xmlns:a16="http://schemas.microsoft.com/office/drawing/2014/main" id="{AAD6BE8B-C20F-6A41-2947-5C5907AC1F07}"/>
-              </a:ext>
-            </a:extLst>
-          </p:cNvPr>
+          <p:cNvPr id="4" name="Date Placeholder 3"/>
           <p:cNvSpPr>
             <a:spLocks noGrp="1"/>
           </p:cNvSpPr>
@@ -1145,7 +1016,7 @@
           <a:p>
             <a:fld id="{524C83C5-A6E3-467E-88A3-7867E1892419}" type="datetimeFigureOut">
               <a:rPr lang="tr-TR" smtClean="0"/>
-              <a:t>13.02.2024</a:t>
+              <a:t>14.02.2024</a:t>
             </a:fld>
             <a:endParaRPr lang="tr-TR"/>
           </a:p>
@@ -1153,13 +1024,7 @@
       </p:sp>
       <p:sp>
         <p:nvSpPr>
-          <p:cNvPr id="5" name="Footer Placeholder 4">
-            <a:extLst>
-              <a:ext uri="{FF2B5EF4-FFF2-40B4-BE49-F238E27FC236}">
-                <a16:creationId xmlns:a16="http://schemas.microsoft.com/office/drawing/2014/main" id="{F955EFC4-4CD7-7520-40BE-17D6CA3F6ABB}"/>
-              </a:ext>
-            </a:extLst>
-          </p:cNvPr>
+          <p:cNvPr id="5" name="Footer Placeholder 4"/>
           <p:cNvSpPr>
             <a:spLocks noGrp="1"/>
           </p:cNvSpPr>
@@ -1178,13 +1043,7 @@
       </p:sp>
       <p:sp>
         <p:nvSpPr>
-          <p:cNvPr id="6" name="Slide Number Placeholder 5">
-            <a:extLst>
-              <a:ext uri="{FF2B5EF4-FFF2-40B4-BE49-F238E27FC236}">
-                <a16:creationId xmlns:a16="http://schemas.microsoft.com/office/drawing/2014/main" id="{11FF939D-8A92-865F-FB2B-B3C773E6476E}"/>
-              </a:ext>
-            </a:extLst>
-          </p:cNvPr>
+          <p:cNvPr id="6" name="Slide Number Placeholder 5"/>
           <p:cNvSpPr>
             <a:spLocks noGrp="1"/>
           </p:cNvSpPr>
@@ -1208,7 +1067,7 @@
     </p:spTree>
     <p:extLst>
       <p:ext uri="{BB962C8B-B14F-4D97-AF65-F5344CB8AC3E}">
-        <p14:creationId xmlns:p14="http://schemas.microsoft.com/office/powerpoint/2010/main" val="4216823767"/>
+        <p14:creationId xmlns:p14="http://schemas.microsoft.com/office/powerpoint/2010/main" val="2712976074"/>
       </p:ext>
     </p:extLst>
   </p:cSld>
@@ -1237,13 +1096,7 @@
       </p:grpSpPr>
       <p:sp>
         <p:nvSpPr>
-          <p:cNvPr id="2" name="Title 1">
-            <a:extLst>
-              <a:ext uri="{FF2B5EF4-FFF2-40B4-BE49-F238E27FC236}">
-                <a16:creationId xmlns:a16="http://schemas.microsoft.com/office/drawing/2014/main" id="{0313E08D-8175-39ED-2F33-3441F1F08AA6}"/>
-              </a:ext>
-            </a:extLst>
-          </p:cNvPr>
+          <p:cNvPr id="2" name="Title 1"/>
           <p:cNvSpPr>
             <a:spLocks noGrp="1"/>
           </p:cNvSpPr>
@@ -1260,19 +1113,13 @@
               <a:rPr lang="en-US"/>
               <a:t>Click to edit Master title style</a:t>
             </a:r>
-            <a:endParaRPr lang="tr-TR"/>
-          </a:p>
-        </p:txBody>
-      </p:sp>
-      <p:sp>
-        <p:nvSpPr>
-          <p:cNvPr id="3" name="Content Placeholder 2">
-            <a:extLst>
-              <a:ext uri="{FF2B5EF4-FFF2-40B4-BE49-F238E27FC236}">
-                <a16:creationId xmlns:a16="http://schemas.microsoft.com/office/drawing/2014/main" id="{60D2AFB8-3B16-C7C9-CD8A-340261B007DB}"/>
-              </a:ext>
-            </a:extLst>
-          </p:cNvPr>
+            <a:endParaRPr lang="en-US" dirty="0"/>
+          </a:p>
+        </p:txBody>
+      </p:sp>
+      <p:sp>
+        <p:nvSpPr>
+          <p:cNvPr id="3" name="Content Placeholder 2"/>
           <p:cNvSpPr>
             <a:spLocks noGrp="1"/>
           </p:cNvSpPr>
@@ -1323,19 +1170,13 @@
               <a:rPr lang="en-US"/>
               <a:t>Fifth level</a:t>
             </a:r>
-            <a:endParaRPr lang="tr-TR"/>
-          </a:p>
-        </p:txBody>
-      </p:sp>
-      <p:sp>
-        <p:nvSpPr>
-          <p:cNvPr id="4" name="Content Placeholder 3">
-            <a:extLst>
-              <a:ext uri="{FF2B5EF4-FFF2-40B4-BE49-F238E27FC236}">
-                <a16:creationId xmlns:a16="http://schemas.microsoft.com/office/drawing/2014/main" id="{2BC5FEC0-F583-6735-2B04-E86E5DED03C5}"/>
-              </a:ext>
-            </a:extLst>
-          </p:cNvPr>
+            <a:endParaRPr lang="en-US" dirty="0"/>
+          </a:p>
+        </p:txBody>
+      </p:sp>
+      <p:sp>
+        <p:nvSpPr>
+          <p:cNvPr id="4" name="Content Placeholder 3"/>
           <p:cNvSpPr>
             <a:spLocks noGrp="1"/>
           </p:cNvSpPr>
@@ -1386,19 +1227,13 @@
               <a:rPr lang="en-US"/>
               <a:t>Fifth level</a:t>
             </a:r>
-            <a:endParaRPr lang="tr-TR"/>
-          </a:p>
-        </p:txBody>
-      </p:sp>
-      <p:sp>
-        <p:nvSpPr>
-          <p:cNvPr id="5" name="Date Placeholder 4">
-            <a:extLst>
-              <a:ext uri="{FF2B5EF4-FFF2-40B4-BE49-F238E27FC236}">
-                <a16:creationId xmlns:a16="http://schemas.microsoft.com/office/drawing/2014/main" id="{55E2DAB8-31BC-EAFA-D39B-35EBB047E301}"/>
-              </a:ext>
-            </a:extLst>
-          </p:cNvPr>
+            <a:endParaRPr lang="en-US" dirty="0"/>
+          </a:p>
+        </p:txBody>
+      </p:sp>
+      <p:sp>
+        <p:nvSpPr>
+          <p:cNvPr id="5" name="Date Placeholder 4"/>
           <p:cNvSpPr>
             <a:spLocks noGrp="1"/>
           </p:cNvSpPr>
@@ -1413,7 +1248,7 @@
           <a:p>
             <a:fld id="{524C83C5-A6E3-467E-88A3-7867E1892419}" type="datetimeFigureOut">
               <a:rPr lang="tr-TR" smtClean="0"/>
-              <a:t>13.02.2024</a:t>
+              <a:t>14.02.2024</a:t>
             </a:fld>
             <a:endParaRPr lang="tr-TR"/>
           </a:p>
@@ -1421,13 +1256,7 @@
       </p:sp>
       <p:sp>
         <p:nvSpPr>
-          <p:cNvPr id="6" name="Footer Placeholder 5">
-            <a:extLst>
-              <a:ext uri="{FF2B5EF4-FFF2-40B4-BE49-F238E27FC236}">
-                <a16:creationId xmlns:a16="http://schemas.microsoft.com/office/drawing/2014/main" id="{84458157-2369-06C3-9634-A7F6D87FFFDC}"/>
-              </a:ext>
-            </a:extLst>
-          </p:cNvPr>
+          <p:cNvPr id="6" name="Footer Placeholder 5"/>
           <p:cNvSpPr>
             <a:spLocks noGrp="1"/>
           </p:cNvSpPr>
@@ -1446,13 +1275,7 @@
       </p:sp>
       <p:sp>
         <p:nvSpPr>
-          <p:cNvPr id="7" name="Slide Number Placeholder 6">
-            <a:extLst>
-              <a:ext uri="{FF2B5EF4-FFF2-40B4-BE49-F238E27FC236}">
-                <a16:creationId xmlns:a16="http://schemas.microsoft.com/office/drawing/2014/main" id="{4D493D50-0F35-E8C0-BC69-77A5F6BBC4DE}"/>
-              </a:ext>
-            </a:extLst>
-          </p:cNvPr>
+          <p:cNvPr id="7" name="Slide Number Placeholder 6"/>
           <p:cNvSpPr>
             <a:spLocks noGrp="1"/>
           </p:cNvSpPr>
@@ -1476,7 +1299,7 @@
     </p:spTree>
     <p:extLst>
       <p:ext uri="{BB962C8B-B14F-4D97-AF65-F5344CB8AC3E}">
-        <p14:creationId xmlns:p14="http://schemas.microsoft.com/office/powerpoint/2010/main" val="1599163253"/>
+        <p14:creationId xmlns:p14="http://schemas.microsoft.com/office/powerpoint/2010/main" val="4002345213"/>
       </p:ext>
     </p:extLst>
   </p:cSld>
@@ -1505,13 +1328,7 @@
       </p:grpSpPr>
       <p:sp>
         <p:nvSpPr>
-          <p:cNvPr id="2" name="Title 1">
-            <a:extLst>
-              <a:ext uri="{FF2B5EF4-FFF2-40B4-BE49-F238E27FC236}">
-                <a16:creationId xmlns:a16="http://schemas.microsoft.com/office/drawing/2014/main" id="{BEE17AA5-88AD-C2FA-15CD-19EB11F5350E}"/>
-              </a:ext>
-            </a:extLst>
-          </p:cNvPr>
+          <p:cNvPr id="2" name="Title 1"/>
           <p:cNvSpPr>
             <a:spLocks noGrp="1"/>
           </p:cNvSpPr>
@@ -1533,19 +1350,13 @@
               <a:rPr lang="en-US"/>
               <a:t>Click to edit Master title style</a:t>
             </a:r>
-            <a:endParaRPr lang="tr-TR"/>
-          </a:p>
-        </p:txBody>
-      </p:sp>
-      <p:sp>
-        <p:nvSpPr>
-          <p:cNvPr id="3" name="Text Placeholder 2">
-            <a:extLst>
-              <a:ext uri="{FF2B5EF4-FFF2-40B4-BE49-F238E27FC236}">
-                <a16:creationId xmlns:a16="http://schemas.microsoft.com/office/drawing/2014/main" id="{B878E157-9F0B-65D4-0563-2891620317BB}"/>
-              </a:ext>
-            </a:extLst>
-          </p:cNvPr>
+            <a:endParaRPr lang="en-US" dirty="0"/>
+          </a:p>
+        </p:txBody>
+      </p:sp>
+      <p:sp>
+        <p:nvSpPr>
+          <p:cNvPr id="3" name="Text Placeholder 2"/>
           <p:cNvSpPr>
             <a:spLocks noGrp="1"/>
           </p:cNvSpPr>
@@ -1610,13 +1421,7 @@
       </p:sp>
       <p:sp>
         <p:nvSpPr>
-          <p:cNvPr id="4" name="Content Placeholder 3">
-            <a:extLst>
-              <a:ext uri="{FF2B5EF4-FFF2-40B4-BE49-F238E27FC236}">
-                <a16:creationId xmlns:a16="http://schemas.microsoft.com/office/drawing/2014/main" id="{685714A4-E709-70CA-D5E3-172517FA6B26}"/>
-              </a:ext>
-            </a:extLst>
-          </p:cNvPr>
+          <p:cNvPr id="4" name="Content Placeholder 3"/>
           <p:cNvSpPr>
             <a:spLocks noGrp="1"/>
           </p:cNvSpPr>
@@ -1667,19 +1472,13 @@
               <a:rPr lang="en-US"/>
               <a:t>Fifth level</a:t>
             </a:r>
-            <a:endParaRPr lang="tr-TR"/>
-          </a:p>
-        </p:txBody>
-      </p:sp>
-      <p:sp>
-        <p:nvSpPr>
-          <p:cNvPr id="5" name="Text Placeholder 4">
-            <a:extLst>
-              <a:ext uri="{FF2B5EF4-FFF2-40B4-BE49-F238E27FC236}">
-                <a16:creationId xmlns:a16="http://schemas.microsoft.com/office/drawing/2014/main" id="{285E90A9-0888-C0A3-8E99-9F23DD438F47}"/>
-              </a:ext>
-            </a:extLst>
-          </p:cNvPr>
+            <a:endParaRPr lang="en-US" dirty="0"/>
+          </a:p>
+        </p:txBody>
+      </p:sp>
+      <p:sp>
+        <p:nvSpPr>
+          <p:cNvPr id="5" name="Text Placeholder 4"/>
           <p:cNvSpPr>
             <a:spLocks noGrp="1"/>
           </p:cNvSpPr>
@@ -1744,13 +1543,7 @@
       </p:sp>
       <p:sp>
         <p:nvSpPr>
-          <p:cNvPr id="6" name="Content Placeholder 5">
-            <a:extLst>
-              <a:ext uri="{FF2B5EF4-FFF2-40B4-BE49-F238E27FC236}">
-                <a16:creationId xmlns:a16="http://schemas.microsoft.com/office/drawing/2014/main" id="{21666836-40C9-A52E-BF08-D7A3B12EA32F}"/>
-              </a:ext>
-            </a:extLst>
-          </p:cNvPr>
+          <p:cNvPr id="6" name="Content Placeholder 5"/>
           <p:cNvSpPr>
             <a:spLocks noGrp="1"/>
           </p:cNvSpPr>
@@ -1801,19 +1594,13 @@
               <a:rPr lang="en-US"/>
               <a:t>Fifth level</a:t>
             </a:r>
-            <a:endParaRPr lang="tr-TR"/>
-          </a:p>
-        </p:txBody>
-      </p:sp>
-      <p:sp>
-        <p:nvSpPr>
-          <p:cNvPr id="7" name="Date Placeholder 6">
-            <a:extLst>
-              <a:ext uri="{FF2B5EF4-FFF2-40B4-BE49-F238E27FC236}">
-                <a16:creationId xmlns:a16="http://schemas.microsoft.com/office/drawing/2014/main" id="{5D75F353-8576-33E2-D692-048C73031B71}"/>
-              </a:ext>
-            </a:extLst>
-          </p:cNvPr>
+            <a:endParaRPr lang="en-US" dirty="0"/>
+          </a:p>
+        </p:txBody>
+      </p:sp>
+      <p:sp>
+        <p:nvSpPr>
+          <p:cNvPr id="7" name="Date Placeholder 6"/>
           <p:cNvSpPr>
             <a:spLocks noGrp="1"/>
           </p:cNvSpPr>
@@ -1828,7 +1615,7 @@
           <a:p>
             <a:fld id="{524C83C5-A6E3-467E-88A3-7867E1892419}" type="datetimeFigureOut">
               <a:rPr lang="tr-TR" smtClean="0"/>
-              <a:t>13.02.2024</a:t>
+              <a:t>14.02.2024</a:t>
             </a:fld>
             <a:endParaRPr lang="tr-TR"/>
           </a:p>
@@ -1836,13 +1623,7 @@
       </p:sp>
       <p:sp>
         <p:nvSpPr>
-          <p:cNvPr id="8" name="Footer Placeholder 7">
-            <a:extLst>
-              <a:ext uri="{FF2B5EF4-FFF2-40B4-BE49-F238E27FC236}">
-                <a16:creationId xmlns:a16="http://schemas.microsoft.com/office/drawing/2014/main" id="{5BC85C5B-33E5-F041-57E3-A61C5B62DE8E}"/>
-              </a:ext>
-            </a:extLst>
-          </p:cNvPr>
+          <p:cNvPr id="8" name="Footer Placeholder 7"/>
           <p:cNvSpPr>
             <a:spLocks noGrp="1"/>
           </p:cNvSpPr>
@@ -1861,13 +1642,7 @@
       </p:sp>
       <p:sp>
         <p:nvSpPr>
-          <p:cNvPr id="9" name="Slide Number Placeholder 8">
-            <a:extLst>
-              <a:ext uri="{FF2B5EF4-FFF2-40B4-BE49-F238E27FC236}">
-                <a16:creationId xmlns:a16="http://schemas.microsoft.com/office/drawing/2014/main" id="{CDA7BE84-D426-2FF8-23D4-077B1C53ACBF}"/>
-              </a:ext>
-            </a:extLst>
-          </p:cNvPr>
+          <p:cNvPr id="9" name="Slide Number Placeholder 8"/>
           <p:cNvSpPr>
             <a:spLocks noGrp="1"/>
           </p:cNvSpPr>
@@ -1891,7 +1666,7 @@
     </p:spTree>
     <p:extLst>
       <p:ext uri="{BB962C8B-B14F-4D97-AF65-F5344CB8AC3E}">
-        <p14:creationId xmlns:p14="http://schemas.microsoft.com/office/powerpoint/2010/main" val="1985378339"/>
+        <p14:creationId xmlns:p14="http://schemas.microsoft.com/office/powerpoint/2010/main" val="2884413657"/>
       </p:ext>
     </p:extLst>
   </p:cSld>
@@ -1920,13 +1695,7 @@
       </p:grpSpPr>
       <p:sp>
         <p:nvSpPr>
-          <p:cNvPr id="2" name="Title 1">
-            <a:extLst>
-              <a:ext uri="{FF2B5EF4-FFF2-40B4-BE49-F238E27FC236}">
-                <a16:creationId xmlns:a16="http://schemas.microsoft.com/office/drawing/2014/main" id="{631260F1-4B8F-87BF-FECA-C00CC9B63603}"/>
-              </a:ext>
-            </a:extLst>
-          </p:cNvPr>
+          <p:cNvPr id="2" name="Title 1"/>
           <p:cNvSpPr>
             <a:spLocks noGrp="1"/>
           </p:cNvSpPr>
@@ -1943,19 +1712,13 @@
               <a:rPr lang="en-US"/>
               <a:t>Click to edit Master title style</a:t>
             </a:r>
-            <a:endParaRPr lang="tr-TR"/>
-          </a:p>
-        </p:txBody>
-      </p:sp>
-      <p:sp>
-        <p:nvSpPr>
-          <p:cNvPr id="3" name="Date Placeholder 2">
-            <a:extLst>
-              <a:ext uri="{FF2B5EF4-FFF2-40B4-BE49-F238E27FC236}">
-                <a16:creationId xmlns:a16="http://schemas.microsoft.com/office/drawing/2014/main" id="{27AC569A-7AA3-8194-15B6-E885DA2C8B24}"/>
-              </a:ext>
-            </a:extLst>
-          </p:cNvPr>
+            <a:endParaRPr lang="en-US" dirty="0"/>
+          </a:p>
+        </p:txBody>
+      </p:sp>
+      <p:sp>
+        <p:nvSpPr>
+          <p:cNvPr id="3" name="Date Placeholder 2"/>
           <p:cNvSpPr>
             <a:spLocks noGrp="1"/>
           </p:cNvSpPr>
@@ -1970,7 +1733,7 @@
           <a:p>
             <a:fld id="{524C83C5-A6E3-467E-88A3-7867E1892419}" type="datetimeFigureOut">
               <a:rPr lang="tr-TR" smtClean="0"/>
-              <a:t>13.02.2024</a:t>
+              <a:t>14.02.2024</a:t>
             </a:fld>
             <a:endParaRPr lang="tr-TR"/>
           </a:p>
@@ -1978,13 +1741,7 @@
       </p:sp>
       <p:sp>
         <p:nvSpPr>
-          <p:cNvPr id="4" name="Footer Placeholder 3">
-            <a:extLst>
-              <a:ext uri="{FF2B5EF4-FFF2-40B4-BE49-F238E27FC236}">
-                <a16:creationId xmlns:a16="http://schemas.microsoft.com/office/drawing/2014/main" id="{21144702-4C83-21F6-57CD-5B6F7904C1FB}"/>
-              </a:ext>
-            </a:extLst>
-          </p:cNvPr>
+          <p:cNvPr id="4" name="Footer Placeholder 3"/>
           <p:cNvSpPr>
             <a:spLocks noGrp="1"/>
           </p:cNvSpPr>
@@ -2003,13 +1760,7 @@
       </p:sp>
       <p:sp>
         <p:nvSpPr>
-          <p:cNvPr id="5" name="Slide Number Placeholder 4">
-            <a:extLst>
-              <a:ext uri="{FF2B5EF4-FFF2-40B4-BE49-F238E27FC236}">
-                <a16:creationId xmlns:a16="http://schemas.microsoft.com/office/drawing/2014/main" id="{12BE01A3-9A05-C945-F08D-94E57E1A6995}"/>
-              </a:ext>
-            </a:extLst>
-          </p:cNvPr>
+          <p:cNvPr id="5" name="Slide Number Placeholder 4"/>
           <p:cNvSpPr>
             <a:spLocks noGrp="1"/>
           </p:cNvSpPr>
@@ -2033,7 +1784,7 @@
     </p:spTree>
     <p:extLst>
       <p:ext uri="{BB962C8B-B14F-4D97-AF65-F5344CB8AC3E}">
-        <p14:creationId xmlns:p14="http://schemas.microsoft.com/office/powerpoint/2010/main" val="3341021577"/>
+        <p14:creationId xmlns:p14="http://schemas.microsoft.com/office/powerpoint/2010/main" val="3992371172"/>
       </p:ext>
     </p:extLst>
   </p:cSld>
@@ -2062,13 +1813,7 @@
       </p:grpSpPr>
       <p:sp>
         <p:nvSpPr>
-          <p:cNvPr id="2" name="Date Placeholder 1">
-            <a:extLst>
-              <a:ext uri="{FF2B5EF4-FFF2-40B4-BE49-F238E27FC236}">
-                <a16:creationId xmlns:a16="http://schemas.microsoft.com/office/drawing/2014/main" id="{46E5C718-F670-368F-2E02-D002E69EE050}"/>
-              </a:ext>
-            </a:extLst>
-          </p:cNvPr>
+          <p:cNvPr id="2" name="Date Placeholder 1"/>
           <p:cNvSpPr>
             <a:spLocks noGrp="1"/>
           </p:cNvSpPr>
@@ -2083,7 +1828,7 @@
           <a:p>
             <a:fld id="{524C83C5-A6E3-467E-88A3-7867E1892419}" type="datetimeFigureOut">
               <a:rPr lang="tr-TR" smtClean="0"/>
-              <a:t>13.02.2024</a:t>
+              <a:t>14.02.2024</a:t>
             </a:fld>
             <a:endParaRPr lang="tr-TR"/>
           </a:p>
@@ -2091,13 +1836,7 @@
       </p:sp>
       <p:sp>
         <p:nvSpPr>
-          <p:cNvPr id="3" name="Footer Placeholder 2">
-            <a:extLst>
-              <a:ext uri="{FF2B5EF4-FFF2-40B4-BE49-F238E27FC236}">
-                <a16:creationId xmlns:a16="http://schemas.microsoft.com/office/drawing/2014/main" id="{A540940E-3517-4261-5DB1-9A96409238FD}"/>
-              </a:ext>
-            </a:extLst>
-          </p:cNvPr>
+          <p:cNvPr id="3" name="Footer Placeholder 2"/>
           <p:cNvSpPr>
             <a:spLocks noGrp="1"/>
           </p:cNvSpPr>
@@ -2116,13 +1855,7 @@
       </p:sp>
       <p:sp>
         <p:nvSpPr>
-          <p:cNvPr id="4" name="Slide Number Placeholder 3">
-            <a:extLst>
-              <a:ext uri="{FF2B5EF4-FFF2-40B4-BE49-F238E27FC236}">
-                <a16:creationId xmlns:a16="http://schemas.microsoft.com/office/drawing/2014/main" id="{AA7DFF42-25B0-F442-316E-11F3EEB7A669}"/>
-              </a:ext>
-            </a:extLst>
-          </p:cNvPr>
+          <p:cNvPr id="4" name="Slide Number Placeholder 3"/>
           <p:cNvSpPr>
             <a:spLocks noGrp="1"/>
           </p:cNvSpPr>
@@ -2146,7 +1879,7 @@
     </p:spTree>
     <p:extLst>
       <p:ext uri="{BB962C8B-B14F-4D97-AF65-F5344CB8AC3E}">
-        <p14:creationId xmlns:p14="http://schemas.microsoft.com/office/powerpoint/2010/main" val="1037119543"/>
+        <p14:creationId xmlns:p14="http://schemas.microsoft.com/office/powerpoint/2010/main" val="1299039929"/>
       </p:ext>
     </p:extLst>
   </p:cSld>
@@ -2175,13 +1908,7 @@
       </p:grpSpPr>
       <p:sp>
         <p:nvSpPr>
-          <p:cNvPr id="2" name="Title 1">
-            <a:extLst>
-              <a:ext uri="{FF2B5EF4-FFF2-40B4-BE49-F238E27FC236}">
-                <a16:creationId xmlns:a16="http://schemas.microsoft.com/office/drawing/2014/main" id="{941B7262-9E99-BEE3-0E71-D4D790DC433B}"/>
-              </a:ext>
-            </a:extLst>
-          </p:cNvPr>
+          <p:cNvPr id="2" name="Title 1"/>
           <p:cNvSpPr>
             <a:spLocks noGrp="1"/>
           </p:cNvSpPr>
@@ -2207,19 +1934,13 @@
               <a:rPr lang="en-US"/>
               <a:t>Click to edit Master title style</a:t>
             </a:r>
-            <a:endParaRPr lang="tr-TR"/>
-          </a:p>
-        </p:txBody>
-      </p:sp>
-      <p:sp>
-        <p:nvSpPr>
-          <p:cNvPr id="3" name="Content Placeholder 2">
-            <a:extLst>
-              <a:ext uri="{FF2B5EF4-FFF2-40B4-BE49-F238E27FC236}">
-                <a16:creationId xmlns:a16="http://schemas.microsoft.com/office/drawing/2014/main" id="{7D63EE15-446C-79EA-81DE-0FA8ED710DE9}"/>
-              </a:ext>
-            </a:extLst>
-          </p:cNvPr>
+            <a:endParaRPr lang="en-US" dirty="0"/>
+          </a:p>
+        </p:txBody>
+      </p:sp>
+      <p:sp>
+        <p:nvSpPr>
+          <p:cNvPr id="3" name="Content Placeholder 2"/>
           <p:cNvSpPr>
             <a:spLocks noGrp="1"/>
           </p:cNvSpPr>
@@ -2298,19 +2019,13 @@
               <a:rPr lang="en-US"/>
               <a:t>Fifth level</a:t>
             </a:r>
-            <a:endParaRPr lang="tr-TR"/>
-          </a:p>
-        </p:txBody>
-      </p:sp>
-      <p:sp>
-        <p:nvSpPr>
-          <p:cNvPr id="4" name="Text Placeholder 3">
-            <a:extLst>
-              <a:ext uri="{FF2B5EF4-FFF2-40B4-BE49-F238E27FC236}">
-                <a16:creationId xmlns:a16="http://schemas.microsoft.com/office/drawing/2014/main" id="{BAB42858-25AD-69BF-374C-60E1ECF0BC3F}"/>
-              </a:ext>
-            </a:extLst>
-          </p:cNvPr>
+            <a:endParaRPr lang="en-US" dirty="0"/>
+          </a:p>
+        </p:txBody>
+      </p:sp>
+      <p:sp>
+        <p:nvSpPr>
+          <p:cNvPr id="4" name="Text Placeholder 3"/>
           <p:cNvSpPr>
             <a:spLocks noGrp="1"/>
           </p:cNvSpPr>
@@ -2375,13 +2090,7 @@
       </p:sp>
       <p:sp>
         <p:nvSpPr>
-          <p:cNvPr id="5" name="Date Placeholder 4">
-            <a:extLst>
-              <a:ext uri="{FF2B5EF4-FFF2-40B4-BE49-F238E27FC236}">
-                <a16:creationId xmlns:a16="http://schemas.microsoft.com/office/drawing/2014/main" id="{60B7AF5C-4494-A42A-ABF4-F03ACE7EF7A3}"/>
-              </a:ext>
-            </a:extLst>
-          </p:cNvPr>
+          <p:cNvPr id="5" name="Date Placeholder 4"/>
           <p:cNvSpPr>
             <a:spLocks noGrp="1"/>
           </p:cNvSpPr>
@@ -2396,7 +2105,7 @@
           <a:p>
             <a:fld id="{524C83C5-A6E3-467E-88A3-7867E1892419}" type="datetimeFigureOut">
               <a:rPr lang="tr-TR" smtClean="0"/>
-              <a:t>13.02.2024</a:t>
+              <a:t>14.02.2024</a:t>
             </a:fld>
             <a:endParaRPr lang="tr-TR"/>
           </a:p>
@@ -2404,13 +2113,7 @@
       </p:sp>
       <p:sp>
         <p:nvSpPr>
-          <p:cNvPr id="6" name="Footer Placeholder 5">
-            <a:extLst>
-              <a:ext uri="{FF2B5EF4-FFF2-40B4-BE49-F238E27FC236}">
-                <a16:creationId xmlns:a16="http://schemas.microsoft.com/office/drawing/2014/main" id="{5FC98893-03D9-58A7-D97D-253B5CD00C64}"/>
-              </a:ext>
-            </a:extLst>
-          </p:cNvPr>
+          <p:cNvPr id="6" name="Footer Placeholder 5"/>
           <p:cNvSpPr>
             <a:spLocks noGrp="1"/>
           </p:cNvSpPr>
@@ -2429,13 +2132,7 @@
       </p:sp>
       <p:sp>
         <p:nvSpPr>
-          <p:cNvPr id="7" name="Slide Number Placeholder 6">
-            <a:extLst>
-              <a:ext uri="{FF2B5EF4-FFF2-40B4-BE49-F238E27FC236}">
-                <a16:creationId xmlns:a16="http://schemas.microsoft.com/office/drawing/2014/main" id="{1F13EA2F-6F86-A7C6-4C88-DDF3DD85B596}"/>
-              </a:ext>
-            </a:extLst>
-          </p:cNvPr>
+          <p:cNvPr id="7" name="Slide Number Placeholder 6"/>
           <p:cNvSpPr>
             <a:spLocks noGrp="1"/>
           </p:cNvSpPr>
@@ -2459,7 +2156,7 @@
     </p:spTree>
     <p:extLst>
       <p:ext uri="{BB962C8B-B14F-4D97-AF65-F5344CB8AC3E}">
-        <p14:creationId xmlns:p14="http://schemas.microsoft.com/office/powerpoint/2010/main" val="2111440569"/>
+        <p14:creationId xmlns:p14="http://schemas.microsoft.com/office/powerpoint/2010/main" val="3552471098"/>
       </p:ext>
     </p:extLst>
   </p:cSld>
@@ -2488,13 +2185,7 @@
       </p:grpSpPr>
       <p:sp>
         <p:nvSpPr>
-          <p:cNvPr id="2" name="Title 1">
-            <a:extLst>
-              <a:ext uri="{FF2B5EF4-FFF2-40B4-BE49-F238E27FC236}">
-                <a16:creationId xmlns:a16="http://schemas.microsoft.com/office/drawing/2014/main" id="{F496319A-E657-E6D5-80A8-C7121783195F}"/>
-              </a:ext>
-            </a:extLst>
-          </p:cNvPr>
+          <p:cNvPr id="2" name="Title 1"/>
           <p:cNvSpPr>
             <a:spLocks noGrp="1"/>
           </p:cNvSpPr>
@@ -2520,21 +2211,15 @@
               <a:rPr lang="en-US"/>
               <a:t>Click to edit Master title style</a:t>
             </a:r>
-            <a:endParaRPr lang="tr-TR"/>
-          </a:p>
-        </p:txBody>
-      </p:sp>
-      <p:sp>
-        <p:nvSpPr>
-          <p:cNvPr id="3" name="Picture Placeholder 2">
-            <a:extLst>
-              <a:ext uri="{FF2B5EF4-FFF2-40B4-BE49-F238E27FC236}">
-                <a16:creationId xmlns:a16="http://schemas.microsoft.com/office/drawing/2014/main" id="{1F1B2DAF-1564-317C-47E6-ED27D1E59052}"/>
-              </a:ext>
-            </a:extLst>
-          </p:cNvPr>
-          <p:cNvSpPr>
-            <a:spLocks noGrp="1"/>
+            <a:endParaRPr lang="en-US" dirty="0"/>
+          </a:p>
+        </p:txBody>
+      </p:sp>
+      <p:sp>
+        <p:nvSpPr>
+          <p:cNvPr id="3" name="Picture Placeholder 2"/>
+          <p:cNvSpPr>
+            <a:spLocks noGrp="1" noChangeAspect="1"/>
           </p:cNvSpPr>
           <p:nvPr>
             <p:ph type="pic" idx="1"/>
@@ -2547,7 +2232,7 @@
           </a:xfrm>
         </p:spPr>
         <p:txBody>
-          <a:bodyPr/>
+          <a:bodyPr anchor="t"/>
           <a:lstStyle>
             <a:lvl1pPr marL="0" indent="0">
               <a:buNone/>
@@ -2587,19 +2272,17 @@
             </a:lvl9pPr>
           </a:lstStyle>
           <a:p>
-            <a:endParaRPr lang="tr-TR"/>
-          </a:p>
-        </p:txBody>
-      </p:sp>
-      <p:sp>
-        <p:nvSpPr>
-          <p:cNvPr id="4" name="Text Placeholder 3">
-            <a:extLst>
-              <a:ext uri="{FF2B5EF4-FFF2-40B4-BE49-F238E27FC236}">
-                <a16:creationId xmlns:a16="http://schemas.microsoft.com/office/drawing/2014/main" id="{E1A39C52-C14E-E7A1-99D3-4424C159E9AB}"/>
-              </a:ext>
-            </a:extLst>
-          </p:cNvPr>
+            <a:r>
+              <a:rPr lang="en-US"/>
+              <a:t>Click icon to add picture</a:t>
+            </a:r>
+            <a:endParaRPr lang="en-US" dirty="0"/>
+          </a:p>
+        </p:txBody>
+      </p:sp>
+      <p:sp>
+        <p:nvSpPr>
+          <p:cNvPr id="4" name="Text Placeholder 3"/>
           <p:cNvSpPr>
             <a:spLocks noGrp="1"/>
           </p:cNvSpPr>
@@ -2664,13 +2347,7 @@
       </p:sp>
       <p:sp>
         <p:nvSpPr>
-          <p:cNvPr id="5" name="Date Placeholder 4">
-            <a:extLst>
-              <a:ext uri="{FF2B5EF4-FFF2-40B4-BE49-F238E27FC236}">
-                <a16:creationId xmlns:a16="http://schemas.microsoft.com/office/drawing/2014/main" id="{68516874-2A11-BFF6-B7CA-0A28C8000A91}"/>
-              </a:ext>
-            </a:extLst>
-          </p:cNvPr>
+          <p:cNvPr id="5" name="Date Placeholder 4"/>
           <p:cNvSpPr>
             <a:spLocks noGrp="1"/>
           </p:cNvSpPr>
@@ -2685,7 +2362,7 @@
           <a:p>
             <a:fld id="{524C83C5-A6E3-467E-88A3-7867E1892419}" type="datetimeFigureOut">
               <a:rPr lang="tr-TR" smtClean="0"/>
-              <a:t>13.02.2024</a:t>
+              <a:t>14.02.2024</a:t>
             </a:fld>
             <a:endParaRPr lang="tr-TR"/>
           </a:p>
@@ -2693,13 +2370,7 @@
       </p:sp>
       <p:sp>
         <p:nvSpPr>
-          <p:cNvPr id="6" name="Footer Placeholder 5">
-            <a:extLst>
-              <a:ext uri="{FF2B5EF4-FFF2-40B4-BE49-F238E27FC236}">
-                <a16:creationId xmlns:a16="http://schemas.microsoft.com/office/drawing/2014/main" id="{5DF72A15-F92F-D9C7-36F5-F08ADF60BD5C}"/>
-              </a:ext>
-            </a:extLst>
-          </p:cNvPr>
+          <p:cNvPr id="6" name="Footer Placeholder 5"/>
           <p:cNvSpPr>
             <a:spLocks noGrp="1"/>
           </p:cNvSpPr>
@@ -2718,13 +2389,7 @@
       </p:sp>
       <p:sp>
         <p:nvSpPr>
-          <p:cNvPr id="7" name="Slide Number Placeholder 6">
-            <a:extLst>
-              <a:ext uri="{FF2B5EF4-FFF2-40B4-BE49-F238E27FC236}">
-                <a16:creationId xmlns:a16="http://schemas.microsoft.com/office/drawing/2014/main" id="{A4886B50-7AA1-BE72-DF1B-B987C776762A}"/>
-              </a:ext>
-            </a:extLst>
-          </p:cNvPr>
+          <p:cNvPr id="7" name="Slide Number Placeholder 6"/>
           <p:cNvSpPr>
             <a:spLocks noGrp="1"/>
           </p:cNvSpPr>
@@ -2748,7 +2413,7 @@
     </p:spTree>
     <p:extLst>
       <p:ext uri="{BB962C8B-B14F-4D97-AF65-F5344CB8AC3E}">
-        <p14:creationId xmlns:p14="http://schemas.microsoft.com/office/powerpoint/2010/main" val="4054329669"/>
+        <p14:creationId xmlns:p14="http://schemas.microsoft.com/office/powerpoint/2010/main" val="3359635815"/>
       </p:ext>
     </p:extLst>
   </p:cSld>
@@ -2782,13 +2447,7 @@
       </p:grpSpPr>
       <p:sp>
         <p:nvSpPr>
-          <p:cNvPr id="2" name="Title Placeholder 1">
-            <a:extLst>
-              <a:ext uri="{FF2B5EF4-FFF2-40B4-BE49-F238E27FC236}">
-                <a16:creationId xmlns:a16="http://schemas.microsoft.com/office/drawing/2014/main" id="{8613285C-B601-24DE-98CF-0D95A2143774}"/>
-              </a:ext>
-            </a:extLst>
-          </p:cNvPr>
+          <p:cNvPr id="2" name="Title Placeholder 1"/>
           <p:cNvSpPr>
             <a:spLocks noGrp="1"/>
           </p:cNvSpPr>
@@ -2815,19 +2474,13 @@
               <a:rPr lang="en-US"/>
               <a:t>Click to edit Master title style</a:t>
             </a:r>
-            <a:endParaRPr lang="tr-TR"/>
-          </a:p>
-        </p:txBody>
-      </p:sp>
-      <p:sp>
-        <p:nvSpPr>
-          <p:cNvPr id="3" name="Text Placeholder 2">
-            <a:extLst>
-              <a:ext uri="{FF2B5EF4-FFF2-40B4-BE49-F238E27FC236}">
-                <a16:creationId xmlns:a16="http://schemas.microsoft.com/office/drawing/2014/main" id="{1597288C-5314-2AB3-608C-C4D9D7F03D8C}"/>
-              </a:ext>
-            </a:extLst>
-          </p:cNvPr>
+            <a:endParaRPr lang="en-US" dirty="0"/>
+          </a:p>
+        </p:txBody>
+      </p:sp>
+      <p:sp>
+        <p:nvSpPr>
+          <p:cNvPr id="3" name="Text Placeholder 2"/>
           <p:cNvSpPr>
             <a:spLocks noGrp="1"/>
           </p:cNvSpPr>
@@ -2883,19 +2536,13 @@
               <a:rPr lang="en-US"/>
               <a:t>Fifth level</a:t>
             </a:r>
-            <a:endParaRPr lang="tr-TR"/>
-          </a:p>
-        </p:txBody>
-      </p:sp>
-      <p:sp>
-        <p:nvSpPr>
-          <p:cNvPr id="4" name="Date Placeholder 3">
-            <a:extLst>
-              <a:ext uri="{FF2B5EF4-FFF2-40B4-BE49-F238E27FC236}">
-                <a16:creationId xmlns:a16="http://schemas.microsoft.com/office/drawing/2014/main" id="{3FAB73D1-7866-A509-520B-ECB8DF028A97}"/>
-              </a:ext>
-            </a:extLst>
-          </p:cNvPr>
+            <a:endParaRPr lang="en-US" dirty="0"/>
+          </a:p>
+        </p:txBody>
+      </p:sp>
+      <p:sp>
+        <p:nvSpPr>
+          <p:cNvPr id="4" name="Date Placeholder 3"/>
           <p:cNvSpPr>
             <a:spLocks noGrp="1"/>
           </p:cNvSpPr>
@@ -2928,7 +2575,7 @@
           <a:p>
             <a:fld id="{524C83C5-A6E3-467E-88A3-7867E1892419}" type="datetimeFigureOut">
               <a:rPr lang="tr-TR" smtClean="0"/>
-              <a:t>13.02.2024</a:t>
+              <a:t>14.02.2024</a:t>
             </a:fld>
             <a:endParaRPr lang="tr-TR"/>
           </a:p>
@@ -2936,13 +2583,7 @@
       </p:sp>
       <p:sp>
         <p:nvSpPr>
-          <p:cNvPr id="5" name="Footer Placeholder 4">
-            <a:extLst>
-              <a:ext uri="{FF2B5EF4-FFF2-40B4-BE49-F238E27FC236}">
-                <a16:creationId xmlns:a16="http://schemas.microsoft.com/office/drawing/2014/main" id="{8FFC0EF4-38C7-E161-8AA7-697B1BF8440E}"/>
-              </a:ext>
-            </a:extLst>
-          </p:cNvPr>
+          <p:cNvPr id="5" name="Footer Placeholder 4"/>
           <p:cNvSpPr>
             <a:spLocks noGrp="1"/>
           </p:cNvSpPr>
@@ -2979,13 +2620,7 @@
       </p:sp>
       <p:sp>
         <p:nvSpPr>
-          <p:cNvPr id="6" name="Slide Number Placeholder 5">
-            <a:extLst>
-              <a:ext uri="{FF2B5EF4-FFF2-40B4-BE49-F238E27FC236}">
-                <a16:creationId xmlns:a16="http://schemas.microsoft.com/office/drawing/2014/main" id="{30487045-92F3-68DC-2331-28146D04A4A7}"/>
-              </a:ext>
-            </a:extLst>
-          </p:cNvPr>
+          <p:cNvPr id="6" name="Slide Number Placeholder 5"/>
           <p:cNvSpPr>
             <a:spLocks noGrp="1"/>
           </p:cNvSpPr>
@@ -3027,23 +2662,23 @@
     </p:spTree>
     <p:extLst>
       <p:ext uri="{BB962C8B-B14F-4D97-AF65-F5344CB8AC3E}">
-        <p14:creationId xmlns:p14="http://schemas.microsoft.com/office/powerpoint/2010/main" val="3477763351"/>
+        <p14:creationId xmlns:p14="http://schemas.microsoft.com/office/powerpoint/2010/main" val="1440148028"/>
       </p:ext>
     </p:extLst>
   </p:cSld>
   <p:clrMap bg1="lt1" tx1="dk1" bg2="lt2" tx2="dk2" accent1="accent1" accent2="accent2" accent3="accent3" accent4="accent4" accent5="accent5" accent6="accent6" hlink="hlink" folHlink="folHlink"/>
   <p:sldLayoutIdLst>
-    <p:sldLayoutId id="2147483649" r:id="rId1"/>
-    <p:sldLayoutId id="2147483650" r:id="rId2"/>
-    <p:sldLayoutId id="2147483651" r:id="rId3"/>
-    <p:sldLayoutId id="2147483652" r:id="rId4"/>
-    <p:sldLayoutId id="2147483653" r:id="rId5"/>
-    <p:sldLayoutId id="2147483654" r:id="rId6"/>
-    <p:sldLayoutId id="2147483655" r:id="rId7"/>
-    <p:sldLayoutId id="2147483656" r:id="rId8"/>
-    <p:sldLayoutId id="2147483657" r:id="rId9"/>
-    <p:sldLayoutId id="2147483658" r:id="rId10"/>
-    <p:sldLayoutId id="2147483659" r:id="rId11"/>
+    <p:sldLayoutId id="2147483661" r:id="rId1"/>
+    <p:sldLayoutId id="2147483662" r:id="rId2"/>
+    <p:sldLayoutId id="2147483663" r:id="rId3"/>
+    <p:sldLayoutId id="2147483664" r:id="rId4"/>
+    <p:sldLayoutId id="2147483665" r:id="rId5"/>
+    <p:sldLayoutId id="2147483666" r:id="rId6"/>
+    <p:sldLayoutId id="2147483667" r:id="rId7"/>
+    <p:sldLayoutId id="2147483668" r:id="rId8"/>
+    <p:sldLayoutId id="2147483669" r:id="rId9"/>
+    <p:sldLayoutId id="2147483670" r:id="rId10"/>
+    <p:sldLayoutId id="2147483671" r:id="rId11"/>
   </p:sldLayoutIdLst>
   <p:txStyles>
     <p:titleStyle>
@@ -3231,7 +2866,7 @@
     </p:bodyStyle>
     <p:otherStyle>
       <a:defPPr>
-        <a:defRPr lang="tr-TR"/>
+        <a:defRPr lang="en-US"/>
       </a:defPPr>
       <a:lvl1pPr marL="0" algn="l" defTabSz="914400" rtl="0" eaLnBrk="1" latinLnBrk="0" hangingPunct="1">
         <a:defRPr sz="1800" kern="1200">
@@ -3415,6 +3050,14 @@
 <file path=ppt/slides/slide2.xml><?xml version="1.0" encoding="utf-8"?>
 <p:sld xmlns:a="http://schemas.openxmlformats.org/drawingml/2006/main" xmlns:r="http://schemas.openxmlformats.org/officeDocument/2006/relationships" xmlns:p="http://schemas.openxmlformats.org/presentationml/2006/main">
   <p:cSld>
+    <p:bg>
+      <p:bgPr>
+        <a:solidFill>
+          <a:schemeClr val="bg1"/>
+        </a:solidFill>
+        <a:effectLst/>
+      </p:bgPr>
+    </p:bg>
     <p:spTree>
       <p:nvGrpSpPr>
         <p:cNvPr id="1" name=""/>
@@ -3445,16 +3088,23 @@
             <p:ph type="title"/>
           </p:nvPr>
         </p:nvSpPr>
-        <p:spPr/>
-        <p:txBody>
-          <a:bodyPr/>
-          <a:lstStyle/>
-          <a:p>
-            <a:r>
-              <a:rPr lang="en-US" dirty="0"/>
+        <p:spPr>
+          <a:xfrm>
+            <a:off x="838200" y="1060682"/>
+            <a:ext cx="3411071" cy="3047235"/>
+          </a:xfrm>
+        </p:spPr>
+        <p:txBody>
+          <a:bodyPr anchor="t">
+            <a:normAutofit/>
+          </a:bodyPr>
+          <a:lstStyle/>
+          <a:p>
+            <a:r>
+              <a:rPr lang="en-US" sz="3200"/>
               <a:t>Definition</a:t>
             </a:r>
-            <a:endParaRPr lang="tr-TR" dirty="0"/>
+            <a:endParaRPr lang="tr-TR" sz="3200"/>
           </a:p>
         </p:txBody>
       </p:sp>
@@ -3474,13 +3124,20 @@
             <p:ph idx="1"/>
           </p:nvPr>
         </p:nvSpPr>
-        <p:spPr/>
-        <p:txBody>
-          <a:bodyPr/>
-          <a:lstStyle/>
-          <a:p>
-            <a:r>
-              <a:rPr lang="en-US" sz="1800" b="1" dirty="0">
+        <p:spPr>
+          <a:xfrm>
+            <a:off x="5348087" y="1035843"/>
+            <a:ext cx="5793134" cy="4945857"/>
+          </a:xfrm>
+        </p:spPr>
+        <p:txBody>
+          <a:bodyPr>
+            <a:normAutofit/>
+          </a:bodyPr>
+          <a:lstStyle/>
+          <a:p>
+            <a:r>
+              <a:rPr lang="en-US" sz="1900" b="1">
                 <a:effectLst/>
                 <a:latin typeface="Calibri" panose="020F0502020204030204" pitchFamily="34" charset="0"/>
                 <a:ea typeface="Calibri" panose="020F0502020204030204" pitchFamily="34" charset="0"/>
@@ -3489,7 +3146,7 @@
               <a:t>Fault Tolerance:</a:t>
             </a:r>
             <a:r>
-              <a:rPr lang="en-US" sz="1800" dirty="0">
+              <a:rPr lang="en-US" sz="1900">
                 <a:effectLst/>
                 <a:latin typeface="Calibri" panose="020F0502020204030204" pitchFamily="34" charset="0"/>
                 <a:ea typeface="Calibri" panose="020F0502020204030204" pitchFamily="34" charset="0"/>
@@ -3498,10 +3155,7 @@
               <a:t> </a:t>
             </a:r>
             <a:r>
-              <a:rPr lang="tr-TR" sz="1800" dirty="0">
-                <a:solidFill>
-                  <a:srgbClr val="202122"/>
-                </a:solidFill>
+              <a:rPr lang="tr-TR" sz="1900">
                 <a:effectLst/>
                 <a:latin typeface="Arial" panose="020B0604020202020204" pitchFamily="34" charset="0"/>
                 <a:ea typeface="Calibri" panose="020F0502020204030204" pitchFamily="34" charset="0"/>
@@ -3509,7 +3163,7 @@
               </a:rPr>
               <a:t>is ability of a system to maintain proper operation in the event of failures or faults in one or more of its components.</a:t>
             </a:r>
-            <a:endParaRPr lang="tr-TR" sz="1800" dirty="0">
+            <a:endParaRPr lang="tr-TR" sz="1900">
               <a:effectLst/>
               <a:latin typeface="Calibri" panose="020F0502020204030204" pitchFamily="34" charset="0"/>
               <a:ea typeface="Calibri" panose="020F0502020204030204" pitchFamily="34" charset="0"/>
@@ -3517,17 +3171,17 @@
             </a:endParaRPr>
           </a:p>
           <a:p>
-            <a:endParaRPr lang="en-US" dirty="0"/>
-          </a:p>
-          <a:p>
-            <a:endParaRPr lang="en-US" dirty="0"/>
-          </a:p>
-          <a:p>
-            <a:endParaRPr lang="en-US" dirty="0"/>
-          </a:p>
-          <a:p>
-            <a:r>
-              <a:rPr lang="en-US" sz="1800" b="1" dirty="0">
+            <a:endParaRPr lang="en-US" sz="1900"/>
+          </a:p>
+          <a:p>
+            <a:endParaRPr lang="en-US" sz="1900"/>
+          </a:p>
+          <a:p>
+            <a:endParaRPr lang="en-US" sz="1900"/>
+          </a:p>
+          <a:p>
+            <a:r>
+              <a:rPr lang="en-US" sz="1900" b="1">
                 <a:effectLst/>
                 <a:latin typeface="Calibri" panose="020F0502020204030204" pitchFamily="34" charset="0"/>
                 <a:ea typeface="Calibri" panose="020F0502020204030204" pitchFamily="34" charset="0"/>
@@ -3536,7 +3190,7 @@
               <a:t>Detection of faults</a:t>
             </a:r>
             <a:r>
-              <a:rPr lang="en-US" sz="1800" dirty="0">
+              <a:rPr lang="en-US" sz="1900">
                 <a:effectLst/>
                 <a:latin typeface="Calibri" panose="020F0502020204030204" pitchFamily="34" charset="0"/>
                 <a:ea typeface="Calibri" panose="020F0502020204030204" pitchFamily="34" charset="0"/>
@@ -3544,7 +3198,7 @@
               </a:rPr>
               <a:t>: Due to the high number of components, the detection of a fault can be complicated in principle. However, the availability of powerful microprocessors made it possible to develop very intelligent methods for fault detection. Some examples of these advanced methods are techniques based on frequency analysis [4], [5], the use of neural networks (NNs) to search for some specific patterns [6], and the study of the time behavior in voltages and currents at the load [7]–[9].</a:t>
             </a:r>
-            <a:endParaRPr lang="tr-TR" sz="1800" dirty="0">
+            <a:endParaRPr lang="tr-TR" sz="1900">
               <a:effectLst/>
               <a:latin typeface="Calibri" panose="020F0502020204030204" pitchFamily="34" charset="0"/>
               <a:ea typeface="Calibri" panose="020F0502020204030204" pitchFamily="34" charset="0"/>
@@ -3552,7 +3206,7 @@
             </a:endParaRPr>
           </a:p>
           <a:p>
-            <a:endParaRPr lang="tr-TR" dirty="0"/>
+            <a:endParaRPr lang="tr-TR" sz="1900"/>
           </a:p>
         </p:txBody>
       </p:sp>
@@ -3572,6 +3226,14 @@
 <file path=ppt/slides/slide3.xml><?xml version="1.0" encoding="utf-8"?>
 <p:sld xmlns:a="http://schemas.openxmlformats.org/drawingml/2006/main" xmlns:r="http://schemas.openxmlformats.org/officeDocument/2006/relationships" xmlns:p="http://schemas.openxmlformats.org/presentationml/2006/main">
   <p:cSld>
+    <p:bg>
+      <p:bgPr>
+        <a:solidFill>
+          <a:schemeClr val="bg1"/>
+        </a:solidFill>
+        <a:effectLst/>
+      </p:bgPr>
+    </p:bg>
     <p:spTree>
       <p:nvGrpSpPr>
         <p:cNvPr id="1" name=""/>
@@ -3602,16 +3264,23 @@
             <p:ph type="title"/>
           </p:nvPr>
         </p:nvSpPr>
-        <p:spPr/>
-        <p:txBody>
-          <a:bodyPr/>
-          <a:lstStyle/>
-          <a:p>
-            <a:r>
-              <a:rPr lang="en-US" dirty="0"/>
+        <p:spPr>
+          <a:xfrm>
+            <a:off x="838200" y="1060682"/>
+            <a:ext cx="3411071" cy="3047235"/>
+          </a:xfrm>
+        </p:spPr>
+        <p:txBody>
+          <a:bodyPr anchor="t">
+            <a:normAutofit/>
+          </a:bodyPr>
+          <a:lstStyle/>
+          <a:p>
+            <a:r>
+              <a:rPr lang="en-US" sz="3200"/>
               <a:t>Operation with Faults</a:t>
             </a:r>
-            <a:endParaRPr lang="tr-TR" dirty="0"/>
+            <a:endParaRPr lang="tr-TR" sz="3200"/>
           </a:p>
         </p:txBody>
       </p:sp>
@@ -3631,13 +3300,20 @@
             <p:ph idx="1"/>
           </p:nvPr>
         </p:nvSpPr>
-        <p:spPr/>
-        <p:txBody>
-          <a:bodyPr/>
-          <a:lstStyle/>
-          <a:p>
-            <a:r>
-              <a:rPr lang="en-US" sz="1800" dirty="0">
+        <p:spPr>
+          <a:xfrm>
+            <a:off x="5348087" y="1035843"/>
+            <a:ext cx="5793134" cy="4945857"/>
+          </a:xfrm>
+        </p:spPr>
+        <p:txBody>
+          <a:bodyPr>
+            <a:normAutofit/>
+          </a:bodyPr>
+          <a:lstStyle/>
+          <a:p>
+            <a:r>
+              <a:rPr lang="en-US" sz="2000">
                 <a:effectLst/>
                 <a:latin typeface="Calibri" panose="020F0502020204030204" pitchFamily="34" charset="0"/>
                 <a:ea typeface="Calibri" panose="020F0502020204030204" pitchFamily="34" charset="0"/>
@@ -3647,7 +3323,7 @@
             </a:r>
           </a:p>
           <a:p>
-            <a:endParaRPr lang="tr-TR" sz="1800" dirty="0">
+            <a:endParaRPr lang="tr-TR" sz="2000">
               <a:effectLst/>
               <a:latin typeface="Calibri" panose="020F0502020204030204" pitchFamily="34" charset="0"/>
               <a:ea typeface="Calibri" panose="020F0502020204030204" pitchFamily="34" charset="0"/>
@@ -3656,7 +3332,7 @@
           </a:p>
           <a:p>
             <a:r>
-              <a:rPr lang="en-US" sz="1800" dirty="0">
+              <a:rPr lang="en-US" sz="2000">
                 <a:effectLst/>
                 <a:latin typeface="Calibri" panose="020F0502020204030204" pitchFamily="34" charset="0"/>
                 <a:ea typeface="Calibri" panose="020F0502020204030204" pitchFamily="34" charset="0"/>
@@ -3666,7 +3342,7 @@
             </a:r>
           </a:p>
           <a:p>
-            <a:endParaRPr lang="tr-TR" sz="1800" dirty="0">
+            <a:endParaRPr lang="tr-TR" sz="2000">
               <a:effectLst/>
               <a:latin typeface="Calibri" panose="020F0502020204030204" pitchFamily="34" charset="0"/>
               <a:ea typeface="Calibri" panose="020F0502020204030204" pitchFamily="34" charset="0"/>
@@ -3675,7 +3351,7 @@
           </a:p>
           <a:p>
             <a:r>
-              <a:rPr lang="en-US" sz="1800" dirty="0">
+              <a:rPr lang="en-US" sz="2000">
                 <a:effectLst/>
                 <a:latin typeface="Calibri" panose="020F0502020204030204" pitchFamily="34" charset="0"/>
                 <a:ea typeface="Calibri" panose="020F0502020204030204" pitchFamily="34" charset="0"/>
@@ -3684,7 +3360,7 @@
               <a:t>the cascaded inverter uses its modularity advantageously to introduce the idea of </a:t>
             </a:r>
             <a:r>
-              <a:rPr lang="en-US" sz="1800" b="1" u="sng" dirty="0">
+              <a:rPr lang="en-US" sz="2000" b="1" u="sng">
                 <a:effectLst/>
                 <a:latin typeface="Calibri" panose="020F0502020204030204" pitchFamily="34" charset="0"/>
                 <a:ea typeface="Calibri" panose="020F0502020204030204" pitchFamily="34" charset="0"/>
@@ -3693,7 +3369,7 @@
               <a:t>redundancy of cells</a:t>
             </a:r>
             <a:r>
-              <a:rPr lang="en-US" sz="1800" dirty="0">
+              <a:rPr lang="en-US" sz="2000">
                 <a:effectLst/>
                 <a:latin typeface="Calibri" panose="020F0502020204030204" pitchFamily="34" charset="0"/>
                 <a:ea typeface="Calibri" panose="020F0502020204030204" pitchFamily="34" charset="0"/>
@@ -3701,7 +3377,7 @@
               </a:rPr>
               <a:t> instead of using redundancy of components.</a:t>
             </a:r>
-            <a:endParaRPr lang="tr-TR" sz="1800" dirty="0">
+            <a:endParaRPr lang="tr-TR" sz="2000">
               <a:effectLst/>
               <a:latin typeface="Calibri" panose="020F0502020204030204" pitchFamily="34" charset="0"/>
               <a:ea typeface="Calibri" panose="020F0502020204030204" pitchFamily="34" charset="0"/>
@@ -3709,7 +3385,7 @@
             </a:endParaRPr>
           </a:p>
           <a:p>
-            <a:endParaRPr lang="tr-TR" dirty="0"/>
+            <a:endParaRPr lang="tr-TR" sz="2000"/>
           </a:p>
         </p:txBody>
       </p:sp>
@@ -3729,6 +3405,14 @@
 <file path=ppt/slides/slide4.xml><?xml version="1.0" encoding="utf-8"?>
 <p:sld xmlns:a="http://schemas.openxmlformats.org/drawingml/2006/main" xmlns:r="http://schemas.openxmlformats.org/officeDocument/2006/relationships" xmlns:p="http://schemas.openxmlformats.org/presentationml/2006/main">
   <p:cSld>
+    <p:bg>
+      <p:bgPr>
+        <a:solidFill>
+          <a:schemeClr val="bg1"/>
+        </a:solidFill>
+        <a:effectLst/>
+      </p:bgPr>
+    </p:bg>
     <p:spTree>
       <p:nvGrpSpPr>
         <p:cNvPr id="1" name=""/>
@@ -3759,16 +3443,23 @@
             <p:ph type="title"/>
           </p:nvPr>
         </p:nvSpPr>
-        <p:spPr/>
-        <p:txBody>
-          <a:bodyPr/>
-          <a:lstStyle/>
-          <a:p>
-            <a:r>
-              <a:rPr lang="en-US" dirty="0"/>
+        <p:spPr>
+          <a:xfrm>
+            <a:off x="1516380" y="741391"/>
+            <a:ext cx="6705206" cy="1616203"/>
+          </a:xfrm>
+        </p:spPr>
+        <p:txBody>
+          <a:bodyPr anchor="b">
+            <a:normAutofit/>
+          </a:bodyPr>
+          <a:lstStyle/>
+          <a:p>
+            <a:r>
+              <a:rPr lang="en-US" sz="3200"/>
               <a:t>Fault Diagnosis</a:t>
             </a:r>
-            <a:endParaRPr lang="tr-TR" dirty="0"/>
+            <a:endParaRPr lang="tr-TR" sz="3200"/>
           </a:p>
         </p:txBody>
       </p:sp>
@@ -3788,12 +3479,100 @@
             <p:ph idx="1"/>
           </p:nvPr>
         </p:nvSpPr>
-        <p:spPr/>
-        <p:txBody>
-          <a:bodyPr/>
-          <a:lstStyle/>
-          <a:p>
-            <a:endParaRPr lang="tr-TR" dirty="0"/>
+        <p:spPr>
+          <a:xfrm>
+            <a:off x="1516380" y="2533476"/>
+            <a:ext cx="6705207" cy="3447832"/>
+          </a:xfrm>
+        </p:spPr>
+        <p:txBody>
+          <a:bodyPr anchor="t">
+            <a:normAutofit/>
+          </a:bodyPr>
+          <a:lstStyle/>
+          <a:p>
+            <a:r>
+              <a:rPr lang="en-US" sz="2000"/>
+              <a:t>Two main diagnosis solutions</a:t>
+            </a:r>
+          </a:p>
+          <a:p>
+            <a:pPr marL="0" indent="0">
+              <a:buNone/>
+            </a:pPr>
+            <a:endParaRPr lang="en-US" sz="2000"/>
+          </a:p>
+          <a:p>
+            <a:r>
+              <a:rPr lang="en-US" sz="2000" b="1" u="sng">
+                <a:effectLst/>
+                <a:latin typeface="Calibri" panose="020F0502020204030204" pitchFamily="34" charset="0"/>
+                <a:ea typeface="Calibri" panose="020F0502020204030204" pitchFamily="34" charset="0"/>
+                <a:cs typeface="Arial" panose="020B0604020202020204" pitchFamily="34" charset="0"/>
+              </a:rPr>
+              <a:t>Switch Measurements: </a:t>
+            </a:r>
+            <a:r>
+              <a:rPr lang="en-US" sz="2000">
+                <a:effectLst/>
+                <a:latin typeface="Calibri" panose="020F0502020204030204" pitchFamily="34" charset="0"/>
+                <a:ea typeface="Calibri" panose="020F0502020204030204" pitchFamily="34" charset="0"/>
+                <a:cs typeface="Arial" panose="020B0604020202020204" pitchFamily="34" charset="0"/>
+              </a:rPr>
+              <a:t>No extra hardware needed. Measurements came from sensors. It is possible to determine open or short circuit.</a:t>
+            </a:r>
+          </a:p>
+          <a:p>
+            <a:endParaRPr lang="en-US" sz="2000">
+              <a:latin typeface="Calibri" panose="020F0502020204030204" pitchFamily="34" charset="0"/>
+              <a:ea typeface="Calibri" panose="020F0502020204030204" pitchFamily="34" charset="0"/>
+              <a:cs typeface="Arial" panose="020B0604020202020204" pitchFamily="34" charset="0"/>
+            </a:endParaRPr>
+          </a:p>
+          <a:p>
+            <a:endParaRPr lang="en-US" sz="2000">
+              <a:effectLst/>
+              <a:latin typeface="Calibri" panose="020F0502020204030204" pitchFamily="34" charset="0"/>
+              <a:ea typeface="Calibri" panose="020F0502020204030204" pitchFamily="34" charset="0"/>
+              <a:cs typeface="Arial" panose="020B0604020202020204" pitchFamily="34" charset="0"/>
+            </a:endParaRPr>
+          </a:p>
+          <a:p>
+            <a:r>
+              <a:rPr lang="en-US" sz="2000" b="1" u="sng">
+                <a:effectLst/>
+                <a:latin typeface="Calibri" panose="020F0502020204030204" pitchFamily="34" charset="0"/>
+                <a:ea typeface="Calibri" panose="020F0502020204030204" pitchFamily="34" charset="0"/>
+                <a:cs typeface="Arial" panose="020B0604020202020204" pitchFamily="34" charset="0"/>
+              </a:rPr>
+              <a:t>Output Waveform Analysis: </a:t>
+            </a:r>
+            <a:r>
+              <a:rPr lang="en-US" sz="2000">
+                <a:effectLst/>
+                <a:latin typeface="Calibri" panose="020F0502020204030204" pitchFamily="34" charset="0"/>
+                <a:ea typeface="Calibri" panose="020F0502020204030204" pitchFamily="34" charset="0"/>
+                <a:cs typeface="Arial" panose="020B0604020202020204" pitchFamily="34" charset="0"/>
+              </a:rPr>
+              <a:t>solutions based on the measurements of output phase voltages or currents.</a:t>
+            </a:r>
+            <a:endParaRPr lang="tr-TR" sz="2000">
+              <a:effectLst/>
+              <a:latin typeface="Calibri" panose="020F0502020204030204" pitchFamily="34" charset="0"/>
+              <a:ea typeface="Calibri" panose="020F0502020204030204" pitchFamily="34" charset="0"/>
+              <a:cs typeface="Arial" panose="020B0604020202020204" pitchFamily="34" charset="0"/>
+            </a:endParaRPr>
+          </a:p>
+          <a:p>
+            <a:endParaRPr lang="tr-TR" sz="2000">
+              <a:effectLst/>
+              <a:latin typeface="Calibri" panose="020F0502020204030204" pitchFamily="34" charset="0"/>
+              <a:ea typeface="Calibri" panose="020F0502020204030204" pitchFamily="34" charset="0"/>
+              <a:cs typeface="Arial" panose="020B0604020202020204" pitchFamily="34" charset="0"/>
+            </a:endParaRPr>
+          </a:p>
+          <a:p>
+            <a:endParaRPr lang="tr-TR" sz="2000"/>
           </a:p>
         </p:txBody>
       </p:sp>
@@ -3810,10 +3589,1308 @@
 </p:sld>
 </file>
 
+<file path=ppt/slides/slide5.xml><?xml version="1.0" encoding="utf-8"?>
+<p:sld xmlns:a="http://schemas.openxmlformats.org/drawingml/2006/main" xmlns:r="http://schemas.openxmlformats.org/officeDocument/2006/relationships" xmlns:p="http://schemas.openxmlformats.org/presentationml/2006/main">
+  <p:cSld>
+    <p:spTree>
+      <p:nvGrpSpPr>
+        <p:cNvPr id="1" name=""/>
+        <p:cNvGrpSpPr/>
+        <p:nvPr/>
+      </p:nvGrpSpPr>
+      <p:grpSpPr>
+        <a:xfrm>
+          <a:off x="0" y="0"/>
+          <a:ext cx="0" cy="0"/>
+          <a:chOff x="0" y="0"/>
+          <a:chExt cx="0" cy="0"/>
+        </a:xfrm>
+      </p:grpSpPr>
+      <p:sp>
+        <p:nvSpPr>
+          <p:cNvPr id="2" name="Title 1">
+            <a:extLst>
+              <a:ext uri="{FF2B5EF4-FFF2-40B4-BE49-F238E27FC236}">
+                <a16:creationId xmlns:a16="http://schemas.microsoft.com/office/drawing/2014/main" id="{FB1B3D6D-0E5E-638F-3A98-D421108ACF46}"/>
+              </a:ext>
+            </a:extLst>
+          </p:cNvPr>
+          <p:cNvSpPr>
+            <a:spLocks noGrp="1"/>
+          </p:cNvSpPr>
+          <p:nvPr>
+            <p:ph type="title"/>
+          </p:nvPr>
+        </p:nvSpPr>
+        <p:spPr/>
+        <p:txBody>
+          <a:bodyPr/>
+          <a:lstStyle/>
+          <a:p>
+            <a:r>
+              <a:rPr lang="en-US" sz="4400" dirty="0">
+                <a:solidFill>
+                  <a:schemeClr val="tx1">
+                    <a:lumMod val="65000"/>
+                    <a:lumOff val="35000"/>
+                  </a:schemeClr>
+                </a:solidFill>
+              </a:rPr>
+              <a:t>Solutions for NPC Converters</a:t>
+            </a:r>
+            <a:endParaRPr lang="tr-TR" dirty="0"/>
+          </a:p>
+        </p:txBody>
+      </p:sp>
+      <p:pic>
+        <p:nvPicPr>
+          <p:cNvPr id="4" name="Content Placeholder 3" descr="A diagram of a circuit&#10;&#10;Description automatically generated">
+            <a:extLst>
+              <a:ext uri="{FF2B5EF4-FFF2-40B4-BE49-F238E27FC236}">
+                <a16:creationId xmlns:a16="http://schemas.microsoft.com/office/drawing/2014/main" id="{862F0EFF-9F24-5372-CF3B-6809EA43336A}"/>
+              </a:ext>
+            </a:extLst>
+          </p:cNvPr>
+          <p:cNvPicPr>
+            <a:picLocks noGrp="1" noChangeAspect="1"/>
+          </p:cNvPicPr>
+          <p:nvPr>
+            <p:ph idx="1"/>
+          </p:nvPr>
+        </p:nvPicPr>
+        <p:blipFill rotWithShape="1">
+          <a:blip r:embed="rId2"/>
+          <a:srcRect l="20345" r="-5" b="-5"/>
+          <a:stretch/>
+        </p:blipFill>
+        <p:spPr>
+          <a:xfrm>
+            <a:off x="3915713" y="1690688"/>
+            <a:ext cx="4360573" cy="3867542"/>
+          </a:xfrm>
+          <a:prstGeom prst="rect">
+            <a:avLst/>
+          </a:prstGeom>
+        </p:spPr>
+      </p:pic>
+      <p:sp>
+        <p:nvSpPr>
+          <p:cNvPr id="5" name="TextBox 4">
+            <a:extLst>
+              <a:ext uri="{FF2B5EF4-FFF2-40B4-BE49-F238E27FC236}">
+                <a16:creationId xmlns:a16="http://schemas.microsoft.com/office/drawing/2014/main" id="{7B5CA6F4-D633-8C56-1622-DDEAE0E9953C}"/>
+              </a:ext>
+            </a:extLst>
+          </p:cNvPr>
+          <p:cNvSpPr txBox="1"/>
+          <p:nvPr/>
+        </p:nvSpPr>
+        <p:spPr>
+          <a:xfrm>
+            <a:off x="4910419" y="5558230"/>
+            <a:ext cx="2371162" cy="646331"/>
+          </a:xfrm>
+          <a:prstGeom prst="rect">
+            <a:avLst/>
+          </a:prstGeom>
+          <a:noFill/>
+        </p:spPr>
+        <p:txBody>
+          <a:bodyPr wrap="none" rtlCol="0">
+            <a:spAutoFit/>
+          </a:bodyPr>
+          <a:lstStyle/>
+          <a:p>
+            <a:r>
+              <a:rPr lang="en-US" sz="1800" dirty="0">
+                <a:effectLst/>
+                <a:latin typeface="Times-Roman"/>
+                <a:ea typeface="Calibri" panose="020F0502020204030204" pitchFamily="34" charset="0"/>
+                <a:cs typeface="Times-Roman"/>
+              </a:rPr>
+              <a:t>3 Level NPC Converter</a:t>
+            </a:r>
+            <a:endParaRPr lang="tr-TR" sz="1800" dirty="0">
+              <a:effectLst/>
+              <a:latin typeface="Calibri" panose="020F0502020204030204" pitchFamily="34" charset="0"/>
+              <a:ea typeface="Calibri" panose="020F0502020204030204" pitchFamily="34" charset="0"/>
+              <a:cs typeface="Arial" panose="020B0604020202020204" pitchFamily="34" charset="0"/>
+            </a:endParaRPr>
+          </a:p>
+          <a:p>
+            <a:endParaRPr lang="tr-TR" dirty="0"/>
+          </a:p>
+        </p:txBody>
+      </p:sp>
+    </p:spTree>
+    <p:extLst>
+      <p:ext uri="{BB962C8B-B14F-4D97-AF65-F5344CB8AC3E}">
+        <p14:creationId xmlns:p14="http://schemas.microsoft.com/office/powerpoint/2010/main" val="45776443"/>
+      </p:ext>
+    </p:extLst>
+  </p:cSld>
+  <p:clrMapOvr>
+    <a:masterClrMapping/>
+  </p:clrMapOvr>
+</p:sld>
+</file>
+
+<file path=ppt/slides/slide6.xml><?xml version="1.0" encoding="utf-8"?>
+<p:sld xmlns:a="http://schemas.openxmlformats.org/drawingml/2006/main" xmlns:r="http://schemas.openxmlformats.org/officeDocument/2006/relationships" xmlns:p="http://schemas.openxmlformats.org/presentationml/2006/main">
+  <p:cSld>
+    <p:bg>
+      <p:bgPr>
+        <a:solidFill>
+          <a:schemeClr val="bg1"/>
+        </a:solidFill>
+        <a:effectLst/>
+      </p:bgPr>
+    </p:bg>
+    <p:spTree>
+      <p:nvGrpSpPr>
+        <p:cNvPr id="1" name=""/>
+        <p:cNvGrpSpPr/>
+        <p:nvPr/>
+      </p:nvGrpSpPr>
+      <p:grpSpPr>
+        <a:xfrm>
+          <a:off x="0" y="0"/>
+          <a:ext cx="0" cy="0"/>
+          <a:chOff x="0" y="0"/>
+          <a:chExt cx="0" cy="0"/>
+        </a:xfrm>
+      </p:grpSpPr>
+      <p:sp>
+        <p:nvSpPr>
+          <p:cNvPr id="2" name="Title 1">
+            <a:extLst>
+              <a:ext uri="{FF2B5EF4-FFF2-40B4-BE49-F238E27FC236}">
+                <a16:creationId xmlns:a16="http://schemas.microsoft.com/office/drawing/2014/main" id="{CB28E493-0C34-C79D-93B2-6E7FEFC05446}"/>
+              </a:ext>
+            </a:extLst>
+          </p:cNvPr>
+          <p:cNvSpPr>
+            <a:spLocks noGrp="1"/>
+          </p:cNvSpPr>
+          <p:nvPr>
+            <p:ph type="title"/>
+          </p:nvPr>
+        </p:nvSpPr>
+        <p:spPr>
+          <a:xfrm>
+            <a:off x="1335799" y="1158949"/>
+            <a:ext cx="5461225" cy="1118087"/>
+          </a:xfrm>
+        </p:spPr>
+        <p:txBody>
+          <a:bodyPr anchor="b">
+            <a:normAutofit/>
+          </a:bodyPr>
+          <a:lstStyle/>
+          <a:p>
+            <a:pPr algn="ctr"/>
+            <a:r>
+              <a:rPr lang="en-US" sz="3200" dirty="0">
+                <a:solidFill>
+                  <a:schemeClr val="tx1">
+                    <a:lumMod val="65000"/>
+                    <a:lumOff val="35000"/>
+                  </a:schemeClr>
+                </a:solidFill>
+              </a:rPr>
+              <a:t>Solution I</a:t>
+            </a:r>
+            <a:endParaRPr lang="tr-TR" sz="3200" dirty="0">
+              <a:solidFill>
+                <a:schemeClr val="tx1">
+                  <a:lumMod val="65000"/>
+                  <a:lumOff val="35000"/>
+                </a:schemeClr>
+              </a:solidFill>
+            </a:endParaRPr>
+          </a:p>
+        </p:txBody>
+      </p:sp>
+      <p:sp>
+        <p:nvSpPr>
+          <p:cNvPr id="3" name="Content Placeholder 2">
+            <a:extLst>
+              <a:ext uri="{FF2B5EF4-FFF2-40B4-BE49-F238E27FC236}">
+                <a16:creationId xmlns:a16="http://schemas.microsoft.com/office/drawing/2014/main" id="{E5B9ACBF-A499-F900-9DC2-113C1F616887}"/>
+              </a:ext>
+            </a:extLst>
+          </p:cNvPr>
+          <p:cNvSpPr>
+            <a:spLocks noGrp="1"/>
+          </p:cNvSpPr>
+          <p:nvPr>
+            <p:ph idx="1"/>
+          </p:nvPr>
+        </p:nvSpPr>
+        <p:spPr>
+          <a:xfrm>
+            <a:off x="1335799" y="2563907"/>
+            <a:ext cx="5461225" cy="2976191"/>
+          </a:xfrm>
+        </p:spPr>
+        <p:txBody>
+          <a:bodyPr anchor="t">
+            <a:normAutofit/>
+          </a:bodyPr>
+          <a:lstStyle/>
+          <a:p>
+            <a:pPr marL="0" indent="0">
+              <a:spcBef>
+                <a:spcPts val="0"/>
+              </a:spcBef>
+              <a:buNone/>
+            </a:pPr>
+            <a:r>
+              <a:rPr lang="en-US" sz="2000" dirty="0">
+                <a:solidFill>
+                  <a:schemeClr val="tx1">
+                    <a:lumMod val="65000"/>
+                    <a:lumOff val="35000"/>
+                  </a:schemeClr>
+                </a:solidFill>
+                <a:effectLst/>
+                <a:latin typeface="Times-Roman"/>
+                <a:ea typeface="Calibri" panose="020F0502020204030204" pitchFamily="34" charset="0"/>
+                <a:cs typeface="Times-Roman"/>
+              </a:rPr>
+              <a:t>- </a:t>
+            </a:r>
+            <a:r>
+              <a:rPr lang="en-US" sz="1800" dirty="0">
+                <a:solidFill>
+                  <a:schemeClr val="tx1">
+                    <a:lumMod val="65000"/>
+                    <a:lumOff val="35000"/>
+                  </a:schemeClr>
+                </a:solidFill>
+                <a:latin typeface="Times-Roman"/>
+              </a:rPr>
+              <a:t>capable of coping with short-circuit faults.</a:t>
+            </a:r>
+          </a:p>
+          <a:p>
+            <a:pPr marL="0" marR="0" lvl="0" indent="0">
+              <a:spcBef>
+                <a:spcPts val="0"/>
+              </a:spcBef>
+              <a:spcAft>
+                <a:spcPts val="0"/>
+              </a:spcAft>
+              <a:buNone/>
+            </a:pPr>
+            <a:endParaRPr lang="en-US" sz="1800" dirty="0">
+              <a:solidFill>
+                <a:schemeClr val="tx1">
+                  <a:lumMod val="65000"/>
+                  <a:lumOff val="35000"/>
+                </a:schemeClr>
+              </a:solidFill>
+              <a:effectLst/>
+              <a:latin typeface="Times-Roman"/>
+              <a:ea typeface="Calibri" panose="020F0502020204030204" pitchFamily="34" charset="0"/>
+              <a:cs typeface="Times-Roman"/>
+            </a:endParaRPr>
+          </a:p>
+          <a:p>
+            <a:pPr marL="0" marR="0" lvl="0" indent="0">
+              <a:spcBef>
+                <a:spcPts val="0"/>
+              </a:spcBef>
+              <a:spcAft>
+                <a:spcPts val="0"/>
+              </a:spcAft>
+              <a:buNone/>
+            </a:pPr>
+            <a:r>
+              <a:rPr lang="en-US" sz="1800" dirty="0">
+                <a:solidFill>
+                  <a:schemeClr val="tx1">
+                    <a:lumMod val="65000"/>
+                    <a:lumOff val="35000"/>
+                  </a:schemeClr>
+                </a:solidFill>
+                <a:effectLst/>
+                <a:latin typeface="Times-Roman"/>
+                <a:ea typeface="Calibri" panose="020F0502020204030204" pitchFamily="34" charset="0"/>
+                <a:cs typeface="Times-Roman"/>
+              </a:rPr>
+              <a:t>- No need extra hardware.</a:t>
+            </a:r>
+          </a:p>
+          <a:p>
+            <a:pPr marL="0" marR="0" lvl="0" indent="0">
+              <a:spcBef>
+                <a:spcPts val="0"/>
+              </a:spcBef>
+              <a:spcAft>
+                <a:spcPts val="0"/>
+              </a:spcAft>
+              <a:buNone/>
+            </a:pPr>
+            <a:endParaRPr lang="en-US" sz="2000" dirty="0">
+              <a:solidFill>
+                <a:schemeClr val="tx1">
+                  <a:lumMod val="65000"/>
+                  <a:lumOff val="35000"/>
+                </a:schemeClr>
+              </a:solidFill>
+              <a:effectLst/>
+              <a:latin typeface="Times-Roman"/>
+              <a:ea typeface="Calibri" panose="020F0502020204030204" pitchFamily="34" charset="0"/>
+              <a:cs typeface="Times-Roman"/>
+            </a:endParaRPr>
+          </a:p>
+          <a:p>
+            <a:pPr marL="0" marR="0" lvl="0" indent="0">
+              <a:spcBef>
+                <a:spcPts val="0"/>
+              </a:spcBef>
+              <a:spcAft>
+                <a:spcPts val="0"/>
+              </a:spcAft>
+              <a:buNone/>
+            </a:pPr>
+            <a:r>
+              <a:rPr lang="en-US" sz="2000" dirty="0">
+                <a:solidFill>
+                  <a:schemeClr val="tx1">
+                    <a:lumMod val="65000"/>
+                    <a:lumOff val="35000"/>
+                  </a:schemeClr>
+                </a:solidFill>
+                <a:effectLst/>
+                <a:latin typeface="Times-Roman"/>
+                <a:ea typeface="Calibri" panose="020F0502020204030204" pitchFamily="34" charset="0"/>
+                <a:cs typeface="Times-Roman"/>
+              </a:rPr>
+              <a:t>- </a:t>
+            </a:r>
+            <a:r>
+              <a:rPr lang="tr-TR" sz="2000" dirty="0">
+                <a:solidFill>
+                  <a:schemeClr val="tx1">
+                    <a:lumMod val="65000"/>
+                    <a:lumOff val="35000"/>
+                  </a:schemeClr>
+                </a:solidFill>
+                <a:effectLst/>
+                <a:latin typeface="Times-Roman"/>
+                <a:ea typeface="Calibri" panose="020F0502020204030204" pitchFamily="34" charset="0"/>
+                <a:cs typeface="Times-Roman"/>
+              </a:rPr>
+              <a:t>The fault tolerant capacity is achieved due to the redundancy of voltage vectors present in NPC converters. due to  the redundancy of these voltage vectors, the converter is still able to continue working. Nevertheless, the </a:t>
+            </a:r>
+            <a:r>
+              <a:rPr lang="tr-TR" sz="2000" b="1" u="sng" dirty="0">
+                <a:solidFill>
+                  <a:schemeClr val="tx1">
+                    <a:lumMod val="65000"/>
+                    <a:lumOff val="35000"/>
+                  </a:schemeClr>
+                </a:solidFill>
+                <a:effectLst/>
+                <a:latin typeface="Times-Roman"/>
+                <a:ea typeface="Calibri" panose="020F0502020204030204" pitchFamily="34" charset="0"/>
+                <a:cs typeface="Times-Roman"/>
+              </a:rPr>
+              <a:t>switches have to withstand the total dc-link voltage</a:t>
+            </a:r>
+            <a:r>
+              <a:rPr lang="tr-TR" sz="2000" b="1" dirty="0">
+                <a:solidFill>
+                  <a:schemeClr val="tx1">
+                    <a:lumMod val="65000"/>
+                    <a:lumOff val="35000"/>
+                  </a:schemeClr>
+                </a:solidFill>
+                <a:effectLst/>
+                <a:latin typeface="Times-Roman"/>
+                <a:ea typeface="Calibri" panose="020F0502020204030204" pitchFamily="34" charset="0"/>
+                <a:cs typeface="Times-Roman"/>
+              </a:rPr>
+              <a:t>.</a:t>
+            </a:r>
+            <a:endParaRPr lang="en-US" sz="2000" b="1" dirty="0">
+              <a:solidFill>
+                <a:schemeClr val="tx1">
+                  <a:lumMod val="65000"/>
+                  <a:lumOff val="35000"/>
+                </a:schemeClr>
+              </a:solidFill>
+              <a:effectLst/>
+              <a:latin typeface="Times-Roman"/>
+              <a:ea typeface="Calibri" panose="020F0502020204030204" pitchFamily="34" charset="0"/>
+              <a:cs typeface="Times-Roman"/>
+            </a:endParaRPr>
+          </a:p>
+          <a:p>
+            <a:pPr marL="0" marR="0" lvl="0" indent="0">
+              <a:spcBef>
+                <a:spcPts val="0"/>
+              </a:spcBef>
+              <a:spcAft>
+                <a:spcPts val="0"/>
+              </a:spcAft>
+              <a:buNone/>
+            </a:pPr>
+            <a:endParaRPr lang="tr-TR" sz="2000" b="1" dirty="0">
+              <a:solidFill>
+                <a:schemeClr val="tx1">
+                  <a:lumMod val="65000"/>
+                  <a:lumOff val="35000"/>
+                </a:schemeClr>
+              </a:solidFill>
+              <a:effectLst/>
+              <a:latin typeface="Calibri" panose="020F0502020204030204" pitchFamily="34" charset="0"/>
+              <a:ea typeface="Calibri" panose="020F0502020204030204" pitchFamily="34" charset="0"/>
+              <a:cs typeface="Arial" panose="020B0604020202020204" pitchFamily="34" charset="0"/>
+            </a:endParaRPr>
+          </a:p>
+          <a:p>
+            <a:endParaRPr lang="tr-TR" sz="2000" dirty="0">
+              <a:solidFill>
+                <a:schemeClr val="tx1">
+                  <a:lumMod val="65000"/>
+                  <a:lumOff val="35000"/>
+                </a:schemeClr>
+              </a:solidFill>
+            </a:endParaRPr>
+          </a:p>
+        </p:txBody>
+      </p:sp>
+      <p:pic>
+        <p:nvPicPr>
+          <p:cNvPr id="5" name="Picture 4" descr="A diagram of a sextant&#10;&#10;Description automatically generated">
+            <a:extLst>
+              <a:ext uri="{FF2B5EF4-FFF2-40B4-BE49-F238E27FC236}">
+                <a16:creationId xmlns:a16="http://schemas.microsoft.com/office/drawing/2014/main" id="{0B8D1762-01AE-6B3C-6099-DFB1E10A75A9}"/>
+              </a:ext>
+            </a:extLst>
+          </p:cNvPr>
+          <p:cNvPicPr>
+            <a:picLocks noChangeAspect="1"/>
+          </p:cNvPicPr>
+          <p:nvPr/>
+        </p:nvPicPr>
+        <p:blipFill rotWithShape="1">
+          <a:blip r:embed="rId2"/>
+          <a:srcRect t="482" r="5" b="5"/>
+          <a:stretch/>
+        </p:blipFill>
+        <p:spPr>
+          <a:xfrm>
+            <a:off x="8442180" y="1853514"/>
+            <a:ext cx="3006827" cy="2670660"/>
+          </a:xfrm>
+          <a:prstGeom prst="rect">
+            <a:avLst/>
+          </a:prstGeom>
+        </p:spPr>
+      </p:pic>
+      <p:sp>
+        <p:nvSpPr>
+          <p:cNvPr id="6" name="TextBox 5">
+            <a:extLst>
+              <a:ext uri="{FF2B5EF4-FFF2-40B4-BE49-F238E27FC236}">
+                <a16:creationId xmlns:a16="http://schemas.microsoft.com/office/drawing/2014/main" id="{12C7584A-F5C5-520D-1005-2A6E4A09DD61}"/>
+              </a:ext>
+            </a:extLst>
+          </p:cNvPr>
+          <p:cNvSpPr txBox="1"/>
+          <p:nvPr/>
+        </p:nvSpPr>
+        <p:spPr>
+          <a:xfrm>
+            <a:off x="8381672" y="4841299"/>
+            <a:ext cx="3127844" cy="665695"/>
+          </a:xfrm>
+          <a:prstGeom prst="rect">
+            <a:avLst/>
+          </a:prstGeom>
+          <a:noFill/>
+        </p:spPr>
+        <p:txBody>
+          <a:bodyPr wrap="none" rtlCol="0">
+            <a:spAutoFit/>
+          </a:bodyPr>
+          <a:lstStyle/>
+          <a:p>
+            <a:r>
+              <a:rPr lang="tr-TR" sz="1800" dirty="0">
+                <a:effectLst/>
+                <a:latin typeface="Times-Roman"/>
+                <a:ea typeface="Calibri" panose="020F0502020204030204" pitchFamily="34" charset="0"/>
+                <a:cs typeface="Times-Roman"/>
+              </a:rPr>
+              <a:t>Vector Diagram when Sa4 fails.</a:t>
+            </a:r>
+            <a:endParaRPr lang="tr-TR" sz="1800" dirty="0">
+              <a:effectLst/>
+              <a:latin typeface="Calibri" panose="020F0502020204030204" pitchFamily="34" charset="0"/>
+              <a:ea typeface="Calibri" panose="020F0502020204030204" pitchFamily="34" charset="0"/>
+              <a:cs typeface="Arial" panose="020B0604020202020204" pitchFamily="34" charset="0"/>
+            </a:endParaRPr>
+          </a:p>
+          <a:p>
+            <a:endParaRPr lang="tr-TR" dirty="0"/>
+          </a:p>
+        </p:txBody>
+      </p:sp>
+    </p:spTree>
+    <p:extLst>
+      <p:ext uri="{BB962C8B-B14F-4D97-AF65-F5344CB8AC3E}">
+        <p14:creationId xmlns:p14="http://schemas.microsoft.com/office/powerpoint/2010/main" val="2016533427"/>
+      </p:ext>
+    </p:extLst>
+  </p:cSld>
+  <p:clrMapOvr>
+    <a:masterClrMapping/>
+  </p:clrMapOvr>
+</p:sld>
+</file>
+
+<file path=ppt/slides/slide7.xml><?xml version="1.0" encoding="utf-8"?>
+<p:sld xmlns:a="http://schemas.openxmlformats.org/drawingml/2006/main" xmlns:r="http://schemas.openxmlformats.org/officeDocument/2006/relationships" xmlns:p="http://schemas.openxmlformats.org/presentationml/2006/main">
+  <p:cSld>
+    <p:bg>
+      <p:bgPr>
+        <a:solidFill>
+          <a:schemeClr val="bg1"/>
+        </a:solidFill>
+        <a:effectLst/>
+      </p:bgPr>
+    </p:bg>
+    <p:spTree>
+      <p:nvGrpSpPr>
+        <p:cNvPr id="1" name=""/>
+        <p:cNvGrpSpPr/>
+        <p:nvPr/>
+      </p:nvGrpSpPr>
+      <p:grpSpPr>
+        <a:xfrm>
+          <a:off x="0" y="0"/>
+          <a:ext cx="0" cy="0"/>
+          <a:chOff x="0" y="0"/>
+          <a:chExt cx="0" cy="0"/>
+        </a:xfrm>
+      </p:grpSpPr>
+      <p:sp>
+        <p:nvSpPr>
+          <p:cNvPr id="2" name="Title 1">
+            <a:extLst>
+              <a:ext uri="{FF2B5EF4-FFF2-40B4-BE49-F238E27FC236}">
+                <a16:creationId xmlns:a16="http://schemas.microsoft.com/office/drawing/2014/main" id="{350D7C36-7583-2C8F-8940-16FE104DE3AD}"/>
+              </a:ext>
+            </a:extLst>
+          </p:cNvPr>
+          <p:cNvSpPr>
+            <a:spLocks noGrp="1"/>
+          </p:cNvSpPr>
+          <p:nvPr>
+            <p:ph type="title"/>
+          </p:nvPr>
+        </p:nvSpPr>
+        <p:spPr>
+          <a:xfrm>
+            <a:off x="876693" y="741391"/>
+            <a:ext cx="3455821" cy="1616203"/>
+          </a:xfrm>
+        </p:spPr>
+        <p:txBody>
+          <a:bodyPr anchor="b">
+            <a:normAutofit/>
+          </a:bodyPr>
+          <a:lstStyle/>
+          <a:p>
+            <a:r>
+              <a:rPr lang="en-US" sz="3200"/>
+              <a:t>Solution II</a:t>
+            </a:r>
+            <a:endParaRPr lang="tr-TR" sz="3200"/>
+          </a:p>
+        </p:txBody>
+      </p:sp>
+      <p:sp>
+        <p:nvSpPr>
+          <p:cNvPr id="3" name="Content Placeholder 2">
+            <a:extLst>
+              <a:ext uri="{FF2B5EF4-FFF2-40B4-BE49-F238E27FC236}">
+                <a16:creationId xmlns:a16="http://schemas.microsoft.com/office/drawing/2014/main" id="{051DCADF-D270-43D9-B05B-FC01FF0892D8}"/>
+              </a:ext>
+            </a:extLst>
+          </p:cNvPr>
+          <p:cNvSpPr>
+            <a:spLocks noGrp="1"/>
+          </p:cNvSpPr>
+          <p:nvPr>
+            <p:ph idx="1"/>
+          </p:nvPr>
+        </p:nvSpPr>
+        <p:spPr>
+          <a:xfrm>
+            <a:off x="876693" y="2533476"/>
+            <a:ext cx="4882504" cy="3447832"/>
+          </a:xfrm>
+        </p:spPr>
+        <p:txBody>
+          <a:bodyPr anchor="t">
+            <a:normAutofit/>
+          </a:bodyPr>
+          <a:lstStyle/>
+          <a:p>
+            <a:r>
+              <a:rPr lang="tr-TR" sz="2000" b="0" i="0" u="none" strike="noStrike" baseline="0" dirty="0">
+                <a:latin typeface="Times-Roman"/>
+              </a:rPr>
+              <a:t>provide</a:t>
+            </a:r>
+            <a:r>
+              <a:rPr lang="en-US" sz="2000" b="0" i="0" u="none" strike="noStrike" baseline="0" dirty="0">
+                <a:latin typeface="Times-Roman"/>
+              </a:rPr>
+              <a:t>s</a:t>
+            </a:r>
+            <a:r>
+              <a:rPr lang="tr-TR" sz="2000" b="0" i="0" u="none" strike="noStrike" baseline="0" dirty="0">
+                <a:latin typeface="Times-Roman"/>
+              </a:rPr>
+              <a:t> </a:t>
+            </a:r>
+            <a:r>
+              <a:rPr lang="tr-TR" sz="2000" b="1" i="0" u="sng" strike="noStrike" baseline="0" dirty="0">
+                <a:latin typeface="Times-Roman"/>
+              </a:rPr>
+              <a:t>open-circuit fault tolerance</a:t>
+            </a:r>
+            <a:r>
+              <a:rPr lang="en-US" sz="2000" b="1" i="0" u="sng" strike="noStrike" baseline="0" dirty="0">
+                <a:latin typeface="Times-Roman"/>
+              </a:rPr>
+              <a:t> </a:t>
+            </a:r>
+            <a:r>
+              <a:rPr lang="tr-TR" sz="2000" b="0" i="0" u="none" strike="noStrike" baseline="0" dirty="0">
+                <a:latin typeface="Times-Roman"/>
+              </a:rPr>
+              <a:t>capabilities</a:t>
+            </a:r>
+            <a:r>
+              <a:rPr lang="en-US" sz="2000" b="0" i="0" u="none" strike="noStrike" baseline="0" dirty="0">
+                <a:latin typeface="Times-Roman"/>
+              </a:rPr>
+              <a:t>.</a:t>
+            </a:r>
+          </a:p>
+          <a:p>
+            <a:r>
+              <a:rPr lang="en-US" sz="2000" dirty="0">
+                <a:latin typeface="Times-Roman"/>
+              </a:rPr>
+              <a:t>Additional thyristor </a:t>
+            </a:r>
+          </a:p>
+          <a:p>
+            <a:r>
+              <a:rPr lang="en-US" sz="2000" b="0" i="0" u="none" strike="noStrike" baseline="0" dirty="0">
+                <a:latin typeface="Times-Roman"/>
+              </a:rPr>
+              <a:t>The purpose of these new elements is to connect the faulty leg to the NP of the converter when any of its switches fail in open circuit.</a:t>
+            </a:r>
+            <a:endParaRPr lang="tr-TR" sz="2000" dirty="0"/>
+          </a:p>
+        </p:txBody>
+      </p:sp>
+      <p:pic>
+        <p:nvPicPr>
+          <p:cNvPr id="5" name="Picture 4">
+            <a:extLst>
+              <a:ext uri="{FF2B5EF4-FFF2-40B4-BE49-F238E27FC236}">
+                <a16:creationId xmlns:a16="http://schemas.microsoft.com/office/drawing/2014/main" id="{186781DE-2513-1C04-E803-3FDA0E72B3A6}"/>
+              </a:ext>
+            </a:extLst>
+          </p:cNvPr>
+          <p:cNvPicPr>
+            <a:picLocks noChangeAspect="1"/>
+          </p:cNvPicPr>
+          <p:nvPr/>
+        </p:nvPicPr>
+        <p:blipFill>
+          <a:blip r:embed="rId2"/>
+          <a:stretch>
+            <a:fillRect/>
+          </a:stretch>
+        </p:blipFill>
+        <p:spPr>
+          <a:xfrm>
+            <a:off x="5759197" y="1795619"/>
+            <a:ext cx="4495049" cy="3719652"/>
+          </a:xfrm>
+          <a:prstGeom prst="rect">
+            <a:avLst/>
+          </a:prstGeom>
+        </p:spPr>
+      </p:pic>
+      <p:grpSp>
+        <p:nvGrpSpPr>
+          <p:cNvPr id="10" name="Group 9">
+            <a:extLst>
+              <a:ext uri="{FF2B5EF4-FFF2-40B4-BE49-F238E27FC236}">
+                <a16:creationId xmlns:a16="http://schemas.microsoft.com/office/drawing/2014/main" id="{6258F736-B256-8039-9DC6-F4E49A5C5AD5}"/>
+              </a:ext>
+              <a:ext uri="{C183D7F6-B498-43B3-948B-1728B52AA6E4}">
+                <adec:decorative xmlns:adec="http://schemas.microsoft.com/office/drawing/2017/decorative" val="1"/>
+              </a:ext>
+            </a:extLst>
+          </p:cNvPr>
+          <p:cNvGrpSpPr>
+            <a:grpSpLocks noGrp="1" noUngrp="1" noRot="1" noChangeAspect="1" noMove="1" noResize="1"/>
+          </p:cNvGrpSpPr>
+          <p:nvPr>
+            <p:extLst>
+              <p:ext uri="{386F3935-93C4-4BCD-93E2-E3B085C9AB24}">
+                <p16:designElem xmlns:p16="http://schemas.microsoft.com/office/powerpoint/2015/main" val="1"/>
+              </p:ext>
+            </p:extLst>
+          </p:nvPr>
+        </p:nvGrpSpPr>
+        <p:grpSpPr>
+          <a:xfrm flipH="1">
+            <a:off x="12068638" y="0"/>
+            <a:ext cx="123362" cy="6858000"/>
+            <a:chOff x="12068638" y="0"/>
+            <a:chExt cx="123362" cy="6858000"/>
+          </a:xfrm>
+        </p:grpSpPr>
+        <p:sp>
+          <p:nvSpPr>
+            <p:cNvPr id="11" name="Rectangle 10">
+              <a:extLst>
+                <a:ext uri="{FF2B5EF4-FFF2-40B4-BE49-F238E27FC236}">
+                  <a16:creationId xmlns:a16="http://schemas.microsoft.com/office/drawing/2014/main" id="{10B4520A-996E-330C-99DA-69CA4D89E906}"/>
+                </a:ext>
+                <a:ext uri="{C183D7F6-B498-43B3-948B-1728B52AA6E4}">
+                  <adec:decorative xmlns:adec="http://schemas.microsoft.com/office/drawing/2017/decorative" val="1"/>
+                </a:ext>
+              </a:extLst>
+            </p:cNvPr>
+            <p:cNvSpPr/>
+            <p:nvPr>
+              <p:extLst>
+                <p:ext uri="{386F3935-93C4-4BCD-93E2-E3B085C9AB24}">
+                  <p16:designElem xmlns:p16="http://schemas.microsoft.com/office/powerpoint/2015/main" val="1"/>
+                </p:ext>
+              </p:extLst>
+            </p:nvPr>
+          </p:nvSpPr>
+          <p:spPr>
+            <a:xfrm>
+              <a:off x="12068638" y="0"/>
+              <a:ext cx="123362" cy="6858000"/>
+            </a:xfrm>
+            <a:prstGeom prst="rect">
+              <a:avLst/>
+            </a:prstGeom>
+            <a:gradFill>
+              <a:gsLst>
+                <a:gs pos="0">
+                  <a:schemeClr val="accent2"/>
+                </a:gs>
+                <a:gs pos="100000">
+                  <a:schemeClr val="accent5"/>
+                </a:gs>
+              </a:gsLst>
+              <a:lin ang="1800000" scaled="0"/>
+            </a:gradFill>
+            <a:ln>
+              <a:noFill/>
+            </a:ln>
+          </p:spPr>
+          <p:style>
+            <a:lnRef idx="2">
+              <a:schemeClr val="accent1">
+                <a:shade val="50000"/>
+              </a:schemeClr>
+            </a:lnRef>
+            <a:fillRef idx="1">
+              <a:schemeClr val="accent1"/>
+            </a:fillRef>
+            <a:effectRef idx="0">
+              <a:schemeClr val="accent1"/>
+            </a:effectRef>
+            <a:fontRef idx="minor">
+              <a:schemeClr val="lt1"/>
+            </a:fontRef>
+          </p:style>
+          <p:txBody>
+            <a:bodyPr rtlCol="0" anchor="ctr"/>
+            <a:lstStyle/>
+            <a:p>
+              <a:pPr algn="ctr"/>
+              <a:endParaRPr lang="en-US"/>
+            </a:p>
+          </p:txBody>
+        </p:sp>
+        <p:sp>
+          <p:nvSpPr>
+            <p:cNvPr id="12" name="Rectangle 11">
+              <a:extLst>
+                <a:ext uri="{FF2B5EF4-FFF2-40B4-BE49-F238E27FC236}">
+                  <a16:creationId xmlns:a16="http://schemas.microsoft.com/office/drawing/2014/main" id="{EC8FA945-E356-695F-18D6-CAD4EF34FE4A}"/>
+                </a:ext>
+                <a:ext uri="{C183D7F6-B498-43B3-948B-1728B52AA6E4}">
+                  <adec:decorative xmlns:adec="http://schemas.microsoft.com/office/drawing/2017/decorative" val="1"/>
+                </a:ext>
+              </a:extLst>
+            </p:cNvPr>
+            <p:cNvSpPr/>
+            <p:nvPr>
+              <p:extLst>
+                <p:ext uri="{386F3935-93C4-4BCD-93E2-E3B085C9AB24}">
+                  <p16:designElem xmlns:p16="http://schemas.microsoft.com/office/powerpoint/2015/main" val="1"/>
+                </p:ext>
+              </p:extLst>
+            </p:nvPr>
+          </p:nvSpPr>
+          <p:spPr>
+            <a:xfrm>
+              <a:off x="12068638" y="3527553"/>
+              <a:ext cx="123362" cy="3330447"/>
+            </a:xfrm>
+            <a:prstGeom prst="rect">
+              <a:avLst/>
+            </a:prstGeom>
+            <a:gradFill>
+              <a:gsLst>
+                <a:gs pos="19000">
+                  <a:schemeClr val="accent5">
+                    <a:lumMod val="60000"/>
+                    <a:lumOff val="40000"/>
+                    <a:alpha val="0"/>
+                  </a:schemeClr>
+                </a:gs>
+                <a:gs pos="100000">
+                  <a:schemeClr val="accent5">
+                    <a:lumMod val="60000"/>
+                    <a:lumOff val="40000"/>
+                  </a:schemeClr>
+                </a:gs>
+              </a:gsLst>
+              <a:lin ang="600000" scaled="0"/>
+            </a:gradFill>
+            <a:ln>
+              <a:noFill/>
+            </a:ln>
+          </p:spPr>
+          <p:style>
+            <a:lnRef idx="2">
+              <a:schemeClr val="accent1">
+                <a:shade val="50000"/>
+              </a:schemeClr>
+            </a:lnRef>
+            <a:fillRef idx="1">
+              <a:schemeClr val="accent1"/>
+            </a:fillRef>
+            <a:effectRef idx="0">
+              <a:schemeClr val="accent1"/>
+            </a:effectRef>
+            <a:fontRef idx="minor">
+              <a:schemeClr val="lt1"/>
+            </a:fontRef>
+          </p:style>
+          <p:txBody>
+            <a:bodyPr rtlCol="0" anchor="ctr"/>
+            <a:lstStyle/>
+            <a:p>
+              <a:pPr algn="ctr"/>
+              <a:endParaRPr lang="en-US"/>
+            </a:p>
+          </p:txBody>
+        </p:sp>
+      </p:grpSp>
+    </p:spTree>
+    <p:extLst>
+      <p:ext uri="{BB962C8B-B14F-4D97-AF65-F5344CB8AC3E}">
+        <p14:creationId xmlns:p14="http://schemas.microsoft.com/office/powerpoint/2010/main" val="567304735"/>
+      </p:ext>
+    </p:extLst>
+  </p:cSld>
+  <p:clrMapOvr>
+    <a:masterClrMapping/>
+  </p:clrMapOvr>
+</p:sld>
+</file>
+
+<file path=ppt/slides/slide8.xml><?xml version="1.0" encoding="utf-8"?>
+<p:sld xmlns:a="http://schemas.openxmlformats.org/drawingml/2006/main" xmlns:r="http://schemas.openxmlformats.org/officeDocument/2006/relationships" xmlns:p="http://schemas.openxmlformats.org/presentationml/2006/main">
+  <p:cSld>
+    <p:bg>
+      <p:bgPr>
+        <a:solidFill>
+          <a:schemeClr val="bg1"/>
+        </a:solidFill>
+        <a:effectLst/>
+      </p:bgPr>
+    </p:bg>
+    <p:spTree>
+      <p:nvGrpSpPr>
+        <p:cNvPr id="1" name=""/>
+        <p:cNvGrpSpPr/>
+        <p:nvPr/>
+      </p:nvGrpSpPr>
+      <p:grpSpPr>
+        <a:xfrm>
+          <a:off x="0" y="0"/>
+          <a:ext cx="0" cy="0"/>
+          <a:chOff x="0" y="0"/>
+          <a:chExt cx="0" cy="0"/>
+        </a:xfrm>
+      </p:grpSpPr>
+      <p:sp>
+        <p:nvSpPr>
+          <p:cNvPr id="2" name="Title 1">
+            <a:extLst>
+              <a:ext uri="{FF2B5EF4-FFF2-40B4-BE49-F238E27FC236}">
+                <a16:creationId xmlns:a16="http://schemas.microsoft.com/office/drawing/2014/main" id="{C9CADE0D-D595-629D-D2E9-DE48611A3DB5}"/>
+              </a:ext>
+            </a:extLst>
+          </p:cNvPr>
+          <p:cNvSpPr>
+            <a:spLocks noGrp="1"/>
+          </p:cNvSpPr>
+          <p:nvPr>
+            <p:ph type="title"/>
+          </p:nvPr>
+        </p:nvSpPr>
+        <p:spPr>
+          <a:xfrm>
+            <a:off x="876693" y="741391"/>
+            <a:ext cx="3455821" cy="1616203"/>
+          </a:xfrm>
+        </p:spPr>
+        <p:txBody>
+          <a:bodyPr anchor="b">
+            <a:normAutofit/>
+          </a:bodyPr>
+          <a:lstStyle/>
+          <a:p>
+            <a:r>
+              <a:rPr lang="en-US" sz="3200"/>
+              <a:t>Solution III</a:t>
+            </a:r>
+            <a:endParaRPr lang="tr-TR" sz="3200"/>
+          </a:p>
+        </p:txBody>
+      </p:sp>
+      <p:sp>
+        <p:nvSpPr>
+          <p:cNvPr id="3" name="Content Placeholder 2">
+            <a:extLst>
+              <a:ext uri="{FF2B5EF4-FFF2-40B4-BE49-F238E27FC236}">
+                <a16:creationId xmlns:a16="http://schemas.microsoft.com/office/drawing/2014/main" id="{DDE608D3-0FC3-F429-FFC0-8C6B157CAB9B}"/>
+              </a:ext>
+            </a:extLst>
+          </p:cNvPr>
+          <p:cNvSpPr>
+            <a:spLocks noGrp="1"/>
+          </p:cNvSpPr>
+          <p:nvPr>
+            <p:ph idx="1"/>
+          </p:nvPr>
+        </p:nvSpPr>
+        <p:spPr>
+          <a:xfrm>
+            <a:off x="876693" y="2533476"/>
+            <a:ext cx="5219307" cy="3447832"/>
+          </a:xfrm>
+        </p:spPr>
+        <p:txBody>
+          <a:bodyPr anchor="t">
+            <a:normAutofit/>
+          </a:bodyPr>
+          <a:lstStyle/>
+          <a:p>
+            <a:r>
+              <a:rPr lang="en-US" sz="2000" dirty="0"/>
+              <a:t>For both short circuit and open circuit.</a:t>
+            </a:r>
+          </a:p>
+          <a:p>
+            <a:endParaRPr lang="en-US" sz="2000" dirty="0"/>
+          </a:p>
+          <a:p>
+            <a:r>
+              <a:rPr lang="en-US" sz="2000" dirty="0"/>
+              <a:t>Additional IGBT replacing with diodes.</a:t>
+            </a:r>
+            <a:endParaRPr lang="tr-TR" sz="2000" dirty="0"/>
+          </a:p>
+        </p:txBody>
+      </p:sp>
+      <p:pic>
+        <p:nvPicPr>
+          <p:cNvPr id="5" name="Picture 4">
+            <a:extLst>
+              <a:ext uri="{FF2B5EF4-FFF2-40B4-BE49-F238E27FC236}">
+                <a16:creationId xmlns:a16="http://schemas.microsoft.com/office/drawing/2014/main" id="{50B6F515-D541-A837-CB0B-D9C104258090}"/>
+              </a:ext>
+            </a:extLst>
+          </p:cNvPr>
+          <p:cNvPicPr>
+            <a:picLocks noChangeAspect="1"/>
+          </p:cNvPicPr>
+          <p:nvPr/>
+        </p:nvPicPr>
+        <p:blipFill>
+          <a:blip r:embed="rId2"/>
+          <a:stretch>
+            <a:fillRect/>
+          </a:stretch>
+        </p:blipFill>
+        <p:spPr>
+          <a:xfrm>
+            <a:off x="6303332" y="1733767"/>
+            <a:ext cx="4691672" cy="3447833"/>
+          </a:xfrm>
+          <a:prstGeom prst="rect">
+            <a:avLst/>
+          </a:prstGeom>
+        </p:spPr>
+      </p:pic>
+      <p:grpSp>
+        <p:nvGrpSpPr>
+          <p:cNvPr id="14" name="Group 13">
+            <a:extLst>
+              <a:ext uri="{FF2B5EF4-FFF2-40B4-BE49-F238E27FC236}">
+                <a16:creationId xmlns:a16="http://schemas.microsoft.com/office/drawing/2014/main" id="{6258F736-B256-8039-9DC6-F4E49A5C5AD5}"/>
+              </a:ext>
+              <a:ext uri="{C183D7F6-B498-43B3-948B-1728B52AA6E4}">
+                <adec:decorative xmlns:adec="http://schemas.microsoft.com/office/drawing/2017/decorative" val="1"/>
+              </a:ext>
+            </a:extLst>
+          </p:cNvPr>
+          <p:cNvGrpSpPr>
+            <a:grpSpLocks noGrp="1" noUngrp="1" noRot="1" noChangeAspect="1" noMove="1" noResize="1"/>
+          </p:cNvGrpSpPr>
+          <p:nvPr>
+            <p:extLst>
+              <p:ext uri="{386F3935-93C4-4BCD-93E2-E3B085C9AB24}">
+                <p16:designElem xmlns:p16="http://schemas.microsoft.com/office/powerpoint/2015/main" val="1"/>
+              </p:ext>
+            </p:extLst>
+          </p:nvPr>
+        </p:nvGrpSpPr>
+        <p:grpSpPr>
+          <a:xfrm flipH="1">
+            <a:off x="12068638" y="0"/>
+            <a:ext cx="123362" cy="6858000"/>
+            <a:chOff x="12068638" y="0"/>
+            <a:chExt cx="123362" cy="6858000"/>
+          </a:xfrm>
+        </p:grpSpPr>
+        <p:sp>
+          <p:nvSpPr>
+            <p:cNvPr id="11" name="Rectangle 10">
+              <a:extLst>
+                <a:ext uri="{FF2B5EF4-FFF2-40B4-BE49-F238E27FC236}">
+                  <a16:creationId xmlns:a16="http://schemas.microsoft.com/office/drawing/2014/main" id="{10B4520A-996E-330C-99DA-69CA4D89E906}"/>
+                </a:ext>
+                <a:ext uri="{C183D7F6-B498-43B3-948B-1728B52AA6E4}">
+                  <adec:decorative xmlns:adec="http://schemas.microsoft.com/office/drawing/2017/decorative" val="1"/>
+                </a:ext>
+              </a:extLst>
+            </p:cNvPr>
+            <p:cNvSpPr/>
+            <p:nvPr>
+              <p:extLst>
+                <p:ext uri="{386F3935-93C4-4BCD-93E2-E3B085C9AB24}">
+                  <p16:designElem xmlns:p16="http://schemas.microsoft.com/office/powerpoint/2015/main" val="1"/>
+                </p:ext>
+              </p:extLst>
+            </p:nvPr>
+          </p:nvSpPr>
+          <p:spPr>
+            <a:xfrm>
+              <a:off x="12068638" y="0"/>
+              <a:ext cx="123362" cy="6858000"/>
+            </a:xfrm>
+            <a:prstGeom prst="rect">
+              <a:avLst/>
+            </a:prstGeom>
+            <a:gradFill>
+              <a:gsLst>
+                <a:gs pos="0">
+                  <a:schemeClr val="accent2"/>
+                </a:gs>
+                <a:gs pos="100000">
+                  <a:schemeClr val="accent5"/>
+                </a:gs>
+              </a:gsLst>
+              <a:lin ang="1800000" scaled="0"/>
+            </a:gradFill>
+            <a:ln>
+              <a:noFill/>
+            </a:ln>
+          </p:spPr>
+          <p:style>
+            <a:lnRef idx="2">
+              <a:schemeClr val="accent1">
+                <a:shade val="50000"/>
+              </a:schemeClr>
+            </a:lnRef>
+            <a:fillRef idx="1">
+              <a:schemeClr val="accent1"/>
+            </a:fillRef>
+            <a:effectRef idx="0">
+              <a:schemeClr val="accent1"/>
+            </a:effectRef>
+            <a:fontRef idx="minor">
+              <a:schemeClr val="lt1"/>
+            </a:fontRef>
+          </p:style>
+          <p:txBody>
+            <a:bodyPr rtlCol="0" anchor="ctr"/>
+            <a:lstStyle/>
+            <a:p>
+              <a:pPr algn="ctr"/>
+              <a:endParaRPr lang="en-US"/>
+            </a:p>
+          </p:txBody>
+        </p:sp>
+        <p:sp>
+          <p:nvSpPr>
+            <p:cNvPr id="15" name="Rectangle 14">
+              <a:extLst>
+                <a:ext uri="{FF2B5EF4-FFF2-40B4-BE49-F238E27FC236}">
+                  <a16:creationId xmlns:a16="http://schemas.microsoft.com/office/drawing/2014/main" id="{EC8FA945-E356-695F-18D6-CAD4EF34FE4A}"/>
+                </a:ext>
+                <a:ext uri="{C183D7F6-B498-43B3-948B-1728B52AA6E4}">
+                  <adec:decorative xmlns:adec="http://schemas.microsoft.com/office/drawing/2017/decorative" val="1"/>
+                </a:ext>
+              </a:extLst>
+            </p:cNvPr>
+            <p:cNvSpPr/>
+            <p:nvPr>
+              <p:extLst>
+                <p:ext uri="{386F3935-93C4-4BCD-93E2-E3B085C9AB24}">
+                  <p16:designElem xmlns:p16="http://schemas.microsoft.com/office/powerpoint/2015/main" val="1"/>
+                </p:ext>
+              </p:extLst>
+            </p:nvPr>
+          </p:nvSpPr>
+          <p:spPr>
+            <a:xfrm>
+              <a:off x="12068638" y="3527553"/>
+              <a:ext cx="123362" cy="3330447"/>
+            </a:xfrm>
+            <a:prstGeom prst="rect">
+              <a:avLst/>
+            </a:prstGeom>
+            <a:gradFill>
+              <a:gsLst>
+                <a:gs pos="19000">
+                  <a:schemeClr val="accent5">
+                    <a:lumMod val="60000"/>
+                    <a:lumOff val="40000"/>
+                    <a:alpha val="0"/>
+                  </a:schemeClr>
+                </a:gs>
+                <a:gs pos="100000">
+                  <a:schemeClr val="accent5">
+                    <a:lumMod val="60000"/>
+                    <a:lumOff val="40000"/>
+                  </a:schemeClr>
+                </a:gs>
+              </a:gsLst>
+              <a:lin ang="600000" scaled="0"/>
+            </a:gradFill>
+            <a:ln>
+              <a:noFill/>
+            </a:ln>
+          </p:spPr>
+          <p:style>
+            <a:lnRef idx="2">
+              <a:schemeClr val="accent1">
+                <a:shade val="50000"/>
+              </a:schemeClr>
+            </a:lnRef>
+            <a:fillRef idx="1">
+              <a:schemeClr val="accent1"/>
+            </a:fillRef>
+            <a:effectRef idx="0">
+              <a:schemeClr val="accent1"/>
+            </a:effectRef>
+            <a:fontRef idx="minor">
+              <a:schemeClr val="lt1"/>
+            </a:fontRef>
+          </p:style>
+          <p:txBody>
+            <a:bodyPr rtlCol="0" anchor="ctr"/>
+            <a:lstStyle/>
+            <a:p>
+              <a:pPr algn="ctr"/>
+              <a:endParaRPr lang="en-US"/>
+            </a:p>
+          </p:txBody>
+        </p:sp>
+      </p:grpSp>
+      <p:sp>
+        <p:nvSpPr>
+          <p:cNvPr id="6" name="TextBox 5">
+            <a:extLst>
+              <a:ext uri="{FF2B5EF4-FFF2-40B4-BE49-F238E27FC236}">
+                <a16:creationId xmlns:a16="http://schemas.microsoft.com/office/drawing/2014/main" id="{1E2279B2-22FB-24EE-3214-00A17DE75411}"/>
+              </a:ext>
+            </a:extLst>
+          </p:cNvPr>
+          <p:cNvSpPr txBox="1"/>
+          <p:nvPr/>
+        </p:nvSpPr>
+        <p:spPr>
+          <a:xfrm>
+            <a:off x="7546943" y="5192776"/>
+            <a:ext cx="2204450" cy="369332"/>
+          </a:xfrm>
+          <a:prstGeom prst="rect">
+            <a:avLst/>
+          </a:prstGeom>
+          <a:noFill/>
+        </p:spPr>
+        <p:txBody>
+          <a:bodyPr wrap="none" rtlCol="0">
+            <a:spAutoFit/>
+          </a:bodyPr>
+          <a:lstStyle/>
+          <a:p>
+            <a:r>
+              <a:rPr lang="en-US" dirty="0"/>
+              <a:t>One leg of Solution III</a:t>
+            </a:r>
+            <a:endParaRPr lang="tr-TR" dirty="0"/>
+          </a:p>
+        </p:txBody>
+      </p:sp>
+    </p:spTree>
+    <p:extLst>
+      <p:ext uri="{BB962C8B-B14F-4D97-AF65-F5344CB8AC3E}">
+        <p14:creationId xmlns:p14="http://schemas.microsoft.com/office/powerpoint/2010/main" val="543389386"/>
+      </p:ext>
+    </p:extLst>
+  </p:cSld>
+  <p:clrMapOvr>
+    <a:masterClrMapping/>
+  </p:clrMapOvr>
+</p:sld>
+</file>
+
 <file path=ppt/theme/theme1.xml><?xml version="1.0" encoding="utf-8"?>
 <a:theme xmlns:a="http://schemas.openxmlformats.org/drawingml/2006/main" name="Office Theme">
   <a:themeElements>
-    <a:clrScheme name="Office">
+    <a:clrScheme name="Office Theme">
       <a:dk1>
         <a:sysClr val="windowText" lastClr="000000"/>
       </a:dk1>
@@ -3827,22 +4904,22 @@
         <a:srgbClr val="E7E6E6"/>
       </a:lt2>
       <a:accent1>
-        <a:srgbClr val="4472C4"/>
+        <a:srgbClr val="1D9A78"/>
       </a:accent1>
       <a:accent2>
-        <a:srgbClr val="ED7D31"/>
+        <a:srgbClr val="8BC145"/>
       </a:accent2>
       <a:accent3>
-        <a:srgbClr val="A5A5A5"/>
+        <a:srgbClr val="36AFCE"/>
       </a:accent3>
       <a:accent4>
-        <a:srgbClr val="FFC000"/>
+        <a:srgbClr val="1D6FA9"/>
       </a:accent4>
       <a:accent5>
-        <a:srgbClr val="5B9BD5"/>
+        <a:srgbClr val="B74919"/>
       </a:accent5>
       <a:accent6>
-        <a:srgbClr val="70AD47"/>
+        <a:srgbClr val="F19D19"/>
       </a:accent6>
       <a:hlink>
         <a:srgbClr val="0563C1"/>
@@ -3851,7 +4928,7 @@
         <a:srgbClr val="954F72"/>
       </a:folHlink>
     </a:clrScheme>
-    <a:fontScheme name="Office">
+    <a:fontScheme name="Office Theme">
       <a:majorFont>
         <a:latin typeface="Calibri Light" panose="020F0302020204030204"/>
         <a:ea typeface=""/>
@@ -3886,23 +4963,6 @@
         <a:font script="Viet" typeface="Times New Roman"/>
         <a:font script="Uigh" typeface="Microsoft Uighur"/>
         <a:font script="Geor" typeface="Sylfaen"/>
-        <a:font script="Armn" typeface="Arial"/>
-        <a:font script="Bugi" typeface="Leelawadee UI"/>
-        <a:font script="Bopo" typeface="Microsoft JhengHei"/>
-        <a:font script="Java" typeface="Javanese Text"/>
-        <a:font script="Lisu" typeface="Segoe UI"/>
-        <a:font script="Mymr" typeface="Myanmar Text"/>
-        <a:font script="Nkoo" typeface="Ebrima"/>
-        <a:font script="Olck" typeface="Nirmala UI"/>
-        <a:font script="Osma" typeface="Ebrima"/>
-        <a:font script="Phag" typeface="Phagspa"/>
-        <a:font script="Syrn" typeface="Estrangelo Edessa"/>
-        <a:font script="Syrj" typeface="Estrangelo Edessa"/>
-        <a:font script="Syre" typeface="Estrangelo Edessa"/>
-        <a:font script="Sora" typeface="Nirmala UI"/>
-        <a:font script="Tale" typeface="Microsoft Tai Le"/>
-        <a:font script="Talu" typeface="Microsoft New Tai Lue"/>
-        <a:font script="Tfng" typeface="Ebrima"/>
       </a:majorFont>
       <a:minorFont>
         <a:latin typeface="Calibri" panose="020F0502020204030204"/>
@@ -3938,26 +4998,9 @@
         <a:font script="Viet" typeface="Arial"/>
         <a:font script="Uigh" typeface="Microsoft Uighur"/>
         <a:font script="Geor" typeface="Sylfaen"/>
-        <a:font script="Armn" typeface="Arial"/>
-        <a:font script="Bugi" typeface="Leelawadee UI"/>
-        <a:font script="Bopo" typeface="Microsoft JhengHei"/>
-        <a:font script="Java" typeface="Javanese Text"/>
-        <a:font script="Lisu" typeface="Segoe UI"/>
-        <a:font script="Mymr" typeface="Myanmar Text"/>
-        <a:font script="Nkoo" typeface="Ebrima"/>
-        <a:font script="Olck" typeface="Nirmala UI"/>
-        <a:font script="Osma" typeface="Ebrima"/>
-        <a:font script="Phag" typeface="Phagspa"/>
-        <a:font script="Syrn" typeface="Estrangelo Edessa"/>
-        <a:font script="Syrj" typeface="Estrangelo Edessa"/>
-        <a:font script="Syre" typeface="Estrangelo Edessa"/>
-        <a:font script="Sora" typeface="Nirmala UI"/>
-        <a:font script="Tale" typeface="Microsoft Tai Le"/>
-        <a:font script="Talu" typeface="Microsoft New Tai Lue"/>
-        <a:font script="Tfng" typeface="Ebrima"/>
       </a:minorFont>
     </a:fontScheme>
-    <a:fmtScheme name="Office">
+    <a:fmtScheme name="Office Theme">
       <a:fillStyleLst>
         <a:solidFill>
           <a:schemeClr val="phClr"/>
@@ -4099,7 +5142,7 @@
   <a:extraClrSchemeLst/>
   <a:extLst>
     <a:ext uri="{05A4C25C-085E-4340-85A3-A5531E510DB2}">
-      <thm15:themeFamily xmlns:thm15="http://schemas.microsoft.com/office/thememl/2012/main" name="Office Theme" id="{62F939B6-93AF-4DB8-9C6B-D6C7DFDC589F}" vid="{4A3C46E8-61CC-4603-A589-7422A47A8E4A}"/>
+      <thm15:themeFamily xmlns:thm15="http://schemas.microsoft.com/office/thememl/2012/main" name="Office 2013 - 2022 Theme" id="{62F939B6-93AF-4DB8-9C6B-D6C7DFDC589F}" vid="{AE6F2518-B084-4896-AF52-66CC2144AA26}"/>
     </a:ext>
   </a:extLst>
 </a:theme>

--- a/Reports/Fault_Tolerance.pptx
+++ b/Reports/Fault_Tolerance.pptx
@@ -15,6 +15,7 @@
     <p:sldId id="263" r:id="rId9"/>
     <p:sldId id="265" r:id="rId10"/>
     <p:sldId id="264" r:id="rId11"/>
+    <p:sldId id="266" r:id="rId12"/>
   </p:sldIdLst>
   <p:sldSz cx="12192000" cy="6858000"/>
   <p:notesSz cx="6858000" cy="9144000"/>
@@ -252,7 +253,7 @@
           <a:p>
             <a:fld id="{524C83C5-A6E3-467E-88A3-7867E1892419}" type="datetimeFigureOut">
               <a:rPr lang="tr-TR" smtClean="0"/>
-              <a:t>16.02.2024</a:t>
+              <a:t>17.02.2024</a:t>
             </a:fld>
             <a:endParaRPr lang="tr-TR"/>
           </a:p>
@@ -422,7 +423,7 @@
           <a:p>
             <a:fld id="{524C83C5-A6E3-467E-88A3-7867E1892419}" type="datetimeFigureOut">
               <a:rPr lang="tr-TR" smtClean="0"/>
-              <a:t>16.02.2024</a:t>
+              <a:t>17.02.2024</a:t>
             </a:fld>
             <a:endParaRPr lang="tr-TR"/>
           </a:p>
@@ -602,7 +603,7 @@
           <a:p>
             <a:fld id="{524C83C5-A6E3-467E-88A3-7867E1892419}" type="datetimeFigureOut">
               <a:rPr lang="tr-TR" smtClean="0"/>
-              <a:t>16.02.2024</a:t>
+              <a:t>17.02.2024</a:t>
             </a:fld>
             <a:endParaRPr lang="tr-TR"/>
           </a:p>
@@ -772,7 +773,7 @@
           <a:p>
             <a:fld id="{524C83C5-A6E3-467E-88A3-7867E1892419}" type="datetimeFigureOut">
               <a:rPr lang="tr-TR" smtClean="0"/>
-              <a:t>16.02.2024</a:t>
+              <a:t>17.02.2024</a:t>
             </a:fld>
             <a:endParaRPr lang="tr-TR"/>
           </a:p>
@@ -1018,7 +1019,7 @@
           <a:p>
             <a:fld id="{524C83C5-A6E3-467E-88A3-7867E1892419}" type="datetimeFigureOut">
               <a:rPr lang="tr-TR" smtClean="0"/>
-              <a:t>16.02.2024</a:t>
+              <a:t>17.02.2024</a:t>
             </a:fld>
             <a:endParaRPr lang="tr-TR"/>
           </a:p>
@@ -1250,7 +1251,7 @@
           <a:p>
             <a:fld id="{524C83C5-A6E3-467E-88A3-7867E1892419}" type="datetimeFigureOut">
               <a:rPr lang="tr-TR" smtClean="0"/>
-              <a:t>16.02.2024</a:t>
+              <a:t>17.02.2024</a:t>
             </a:fld>
             <a:endParaRPr lang="tr-TR"/>
           </a:p>
@@ -1617,7 +1618,7 @@
           <a:p>
             <a:fld id="{524C83C5-A6E3-467E-88A3-7867E1892419}" type="datetimeFigureOut">
               <a:rPr lang="tr-TR" smtClean="0"/>
-              <a:t>16.02.2024</a:t>
+              <a:t>17.02.2024</a:t>
             </a:fld>
             <a:endParaRPr lang="tr-TR"/>
           </a:p>
@@ -1735,7 +1736,7 @@
           <a:p>
             <a:fld id="{524C83C5-A6E3-467E-88A3-7867E1892419}" type="datetimeFigureOut">
               <a:rPr lang="tr-TR" smtClean="0"/>
-              <a:t>16.02.2024</a:t>
+              <a:t>17.02.2024</a:t>
             </a:fld>
             <a:endParaRPr lang="tr-TR"/>
           </a:p>
@@ -1830,7 +1831,7 @@
           <a:p>
             <a:fld id="{524C83C5-A6E3-467E-88A3-7867E1892419}" type="datetimeFigureOut">
               <a:rPr lang="tr-TR" smtClean="0"/>
-              <a:t>16.02.2024</a:t>
+              <a:t>17.02.2024</a:t>
             </a:fld>
             <a:endParaRPr lang="tr-TR"/>
           </a:p>
@@ -2107,7 +2108,7 @@
           <a:p>
             <a:fld id="{524C83C5-A6E3-467E-88A3-7867E1892419}" type="datetimeFigureOut">
               <a:rPr lang="tr-TR" smtClean="0"/>
-              <a:t>16.02.2024</a:t>
+              <a:t>17.02.2024</a:t>
             </a:fld>
             <a:endParaRPr lang="tr-TR"/>
           </a:p>
@@ -2364,7 +2365,7 @@
           <a:p>
             <a:fld id="{524C83C5-A6E3-467E-88A3-7867E1892419}" type="datetimeFigureOut">
               <a:rPr lang="tr-TR" smtClean="0"/>
-              <a:t>16.02.2024</a:t>
+              <a:t>17.02.2024</a:t>
             </a:fld>
             <a:endParaRPr lang="tr-TR"/>
           </a:p>
@@ -2577,7 +2578,7 @@
           <a:p>
             <a:fld id="{524C83C5-A6E3-467E-88A3-7867E1892419}" type="datetimeFigureOut">
               <a:rPr lang="tr-TR" smtClean="0"/>
-              <a:t>16.02.2024</a:t>
+              <a:t>17.02.2024</a:t>
             </a:fld>
             <a:endParaRPr lang="tr-TR"/>
           </a:p>
@@ -3124,6 +3125,276 @@
     <p:extLst>
       <p:ext uri="{BB962C8B-B14F-4D97-AF65-F5344CB8AC3E}">
         <p14:creationId xmlns:p14="http://schemas.microsoft.com/office/powerpoint/2010/main" val="2420424492"/>
+      </p:ext>
+    </p:extLst>
+  </p:cSld>
+  <p:clrMapOvr>
+    <a:masterClrMapping/>
+  </p:clrMapOvr>
+</p:sld>
+</file>
+
+<file path=ppt/slides/slide11.xml><?xml version="1.0" encoding="utf-8"?>
+<p:sld xmlns:a="http://schemas.openxmlformats.org/drawingml/2006/main" xmlns:r="http://schemas.openxmlformats.org/officeDocument/2006/relationships" xmlns:p="http://schemas.openxmlformats.org/presentationml/2006/main">
+  <p:cSld>
+    <p:bg>
+      <p:bgPr>
+        <a:solidFill>
+          <a:schemeClr val="bg1"/>
+        </a:solidFill>
+        <a:effectLst/>
+      </p:bgPr>
+    </p:bg>
+    <p:spTree>
+      <p:nvGrpSpPr>
+        <p:cNvPr id="1" name=""/>
+        <p:cNvGrpSpPr/>
+        <p:nvPr/>
+      </p:nvGrpSpPr>
+      <p:grpSpPr>
+        <a:xfrm>
+          <a:off x="0" y="0"/>
+          <a:ext cx="0" cy="0"/>
+          <a:chOff x="0" y="0"/>
+          <a:chExt cx="0" cy="0"/>
+        </a:xfrm>
+      </p:grpSpPr>
+      <p:sp useBgFill="1">
+        <p:nvSpPr>
+          <p:cNvPr id="13" name="Rectangle 12">
+            <a:extLst>
+              <a:ext uri="{FF2B5EF4-FFF2-40B4-BE49-F238E27FC236}">
+                <a16:creationId xmlns:a16="http://schemas.microsoft.com/office/drawing/2014/main" id="{955A2079-FA98-4876-80F0-72364A7D2EA4}"/>
+              </a:ext>
+              <a:ext uri="{C183D7F6-B498-43B3-948B-1728B52AA6E4}">
+                <adec:decorative xmlns:adec="http://schemas.microsoft.com/office/drawing/2017/decorative" val="1"/>
+              </a:ext>
+            </a:extLst>
+          </p:cNvPr>
+          <p:cNvSpPr>
+            <a:spLocks noGrp="1" noRot="1" noChangeAspect="1" noMove="1" noResize="1" noEditPoints="1" noAdjustHandles="1" noChangeArrowheads="1" noChangeShapeType="1" noTextEdit="1"/>
+          </p:cNvSpPr>
+          <p:nvPr>
+            <p:extLst>
+              <p:ext uri="{386F3935-93C4-4BCD-93E2-E3B085C9AB24}">
+                <p16:designElem xmlns:p16="http://schemas.microsoft.com/office/powerpoint/2015/main" val="1"/>
+              </p:ext>
+            </p:extLst>
+          </p:nvPr>
+        </p:nvSpPr>
+        <p:spPr>
+          <a:xfrm>
+            <a:off x="-1" y="0"/>
+            <a:ext cx="12188952" cy="6858000"/>
+          </a:xfrm>
+          <a:prstGeom prst="rect">
+            <a:avLst/>
+          </a:prstGeom>
+          <a:ln>
+            <a:noFill/>
+          </a:ln>
+        </p:spPr>
+        <p:style>
+          <a:lnRef idx="2">
+            <a:schemeClr val="accent1">
+              <a:shade val="50000"/>
+            </a:schemeClr>
+          </a:lnRef>
+          <a:fillRef idx="1">
+            <a:schemeClr val="accent1"/>
+          </a:fillRef>
+          <a:effectRef idx="0">
+            <a:schemeClr val="accent1"/>
+          </a:effectRef>
+          <a:fontRef idx="minor">
+            <a:schemeClr val="lt1"/>
+          </a:fontRef>
+        </p:style>
+        <p:txBody>
+          <a:bodyPr rtlCol="0" anchor="ctr"/>
+          <a:lstStyle/>
+          <a:p>
+            <a:pPr algn="ctr"/>
+            <a:endParaRPr lang="en-US"/>
+          </a:p>
+        </p:txBody>
+      </p:sp>
+      <p:sp>
+        <p:nvSpPr>
+          <p:cNvPr id="2" name="Title 1">
+            <a:extLst>
+              <a:ext uri="{FF2B5EF4-FFF2-40B4-BE49-F238E27FC236}">
+                <a16:creationId xmlns:a16="http://schemas.microsoft.com/office/drawing/2014/main" id="{55F2741D-5939-3FB1-24C8-466B8089CE75}"/>
+              </a:ext>
+            </a:extLst>
+          </p:cNvPr>
+          <p:cNvSpPr>
+            <a:spLocks noGrp="1"/>
+          </p:cNvSpPr>
+          <p:nvPr>
+            <p:ph type="title"/>
+          </p:nvPr>
+        </p:nvSpPr>
+        <p:spPr>
+          <a:xfrm>
+            <a:off x="838200" y="557188"/>
+            <a:ext cx="10515600" cy="1133499"/>
+          </a:xfrm>
+        </p:spPr>
+        <p:txBody>
+          <a:bodyPr>
+            <a:normAutofit/>
+          </a:bodyPr>
+          <a:lstStyle/>
+          <a:p>
+            <a:pPr algn="ctr"/>
+            <a:r>
+              <a:rPr lang="en-US" dirty="0"/>
+              <a:t>Diagnosis and Tolerant Strategy of T-Type 3LI</a:t>
+            </a:r>
+            <a:endParaRPr lang="tr-TR" dirty="0"/>
+          </a:p>
+        </p:txBody>
+      </p:sp>
+      <p:sp>
+        <p:nvSpPr>
+          <p:cNvPr id="3" name="Content Placeholder 2">
+            <a:extLst>
+              <a:ext uri="{FF2B5EF4-FFF2-40B4-BE49-F238E27FC236}">
+                <a16:creationId xmlns:a16="http://schemas.microsoft.com/office/drawing/2014/main" id="{E00A8D90-8B24-CEDB-8E00-CA64D5524B03}"/>
+              </a:ext>
+            </a:extLst>
+          </p:cNvPr>
+          <p:cNvSpPr>
+            <a:spLocks/>
+          </p:cNvSpPr>
+          <p:nvPr/>
+        </p:nvSpPr>
+        <p:spPr>
+          <a:xfrm>
+            <a:off x="838199" y="1871160"/>
+            <a:ext cx="5612027" cy="4267823"/>
+          </a:xfrm>
+          <a:prstGeom prst="rect">
+            <a:avLst/>
+          </a:prstGeom>
+        </p:spPr>
+        <p:txBody>
+          <a:bodyPr/>
+          <a:lstStyle/>
+          <a:p>
+            <a:pPr marL="342900" indent="-342900" algn="just">
+              <a:buFont typeface="Arial" panose="020B0604020202020204" pitchFamily="34" charset="0"/>
+              <a:buChar char="•"/>
+            </a:pPr>
+            <a:r>
+              <a:rPr lang="en-US" sz="2000" dirty="0">
+                <a:latin typeface="Times-Roman"/>
+              </a:rPr>
+              <a:t>The location of the faulty switch can be identified by the average of the normalized phase current and the change of the neutral-point voltage.</a:t>
+            </a:r>
+          </a:p>
+          <a:p>
+            <a:pPr marL="342900" indent="-342900" algn="l">
+              <a:buFont typeface="Arial" panose="020B0604020202020204" pitchFamily="34" charset="0"/>
+              <a:buChar char="•"/>
+            </a:pPr>
+            <a:endParaRPr lang="en-US" sz="2000" dirty="0">
+              <a:latin typeface="Times-Roman"/>
+            </a:endParaRPr>
+          </a:p>
+          <a:p>
+            <a:pPr>
+              <a:spcAft>
+                <a:spcPts val="600"/>
+              </a:spcAft>
+            </a:pPr>
+            <a:endParaRPr lang="tr-TR" dirty="0"/>
+          </a:p>
+        </p:txBody>
+      </p:sp>
+      <p:pic>
+        <p:nvPicPr>
+          <p:cNvPr id="7" name="Picture 6">
+            <a:extLst>
+              <a:ext uri="{FF2B5EF4-FFF2-40B4-BE49-F238E27FC236}">
+                <a16:creationId xmlns:a16="http://schemas.microsoft.com/office/drawing/2014/main" id="{C41E973B-A430-C3CC-EC72-4137A98A2F95}"/>
+              </a:ext>
+            </a:extLst>
+          </p:cNvPr>
+          <p:cNvPicPr>
+            <a:picLocks noChangeAspect="1"/>
+          </p:cNvPicPr>
+          <p:nvPr/>
+        </p:nvPicPr>
+        <p:blipFill>
+          <a:blip r:embed="rId2"/>
+          <a:stretch>
+            <a:fillRect/>
+          </a:stretch>
+        </p:blipFill>
+        <p:spPr>
+          <a:xfrm>
+            <a:off x="6647935" y="2164995"/>
+            <a:ext cx="4894494" cy="2793704"/>
+          </a:xfrm>
+          <a:prstGeom prst="rect">
+            <a:avLst/>
+          </a:prstGeom>
+        </p:spPr>
+      </p:pic>
+      <p:sp>
+        <p:nvSpPr>
+          <p:cNvPr id="8" name="TextBox 7">
+            <a:extLst>
+              <a:ext uri="{FF2B5EF4-FFF2-40B4-BE49-F238E27FC236}">
+                <a16:creationId xmlns:a16="http://schemas.microsoft.com/office/drawing/2014/main" id="{5B3D438E-D889-CE74-4268-2164630A6764}"/>
+              </a:ext>
+            </a:extLst>
+          </p:cNvPr>
+          <p:cNvSpPr txBox="1"/>
+          <p:nvPr/>
+        </p:nvSpPr>
+        <p:spPr>
+          <a:xfrm>
+            <a:off x="7261293" y="5168951"/>
+            <a:ext cx="3667777" cy="362243"/>
+          </a:xfrm>
+          <a:prstGeom prst="rect">
+            <a:avLst/>
+          </a:prstGeom>
+          <a:noFill/>
+        </p:spPr>
+        <p:txBody>
+          <a:bodyPr wrap="none" rtlCol="0">
+            <a:spAutoFit/>
+          </a:bodyPr>
+          <a:lstStyle/>
+          <a:p>
+            <a:pPr defTabSz="448056">
+              <a:spcAft>
+                <a:spcPts val="600"/>
+              </a:spcAft>
+            </a:pPr>
+            <a:r>
+              <a:rPr lang="en-US" sz="1764" kern="1200" dirty="0">
+                <a:solidFill>
+                  <a:schemeClr val="tx1"/>
+                </a:solidFill>
+                <a:latin typeface="+mn-lt"/>
+                <a:ea typeface="+mn-ea"/>
+                <a:cs typeface="+mn-cs"/>
+              </a:rPr>
+              <a:t>Simplified structure of T-Type inverter</a:t>
+            </a:r>
+            <a:endParaRPr lang="tr-TR" dirty="0"/>
+          </a:p>
+        </p:txBody>
+      </p:sp>
+    </p:spTree>
+    <p:extLst>
+      <p:ext uri="{BB962C8B-B14F-4D97-AF65-F5344CB8AC3E}">
+        <p14:creationId xmlns:p14="http://schemas.microsoft.com/office/powerpoint/2010/main" val="210411962"/>
       </p:ext>
     </p:extLst>
   </p:cSld>

--- a/Reports/Fault_Tolerance.pptx
+++ b/Reports/Fault_Tolerance.pptx
@@ -15,7 +15,9 @@
     <p:sldId id="263" r:id="rId9"/>
     <p:sldId id="265" r:id="rId10"/>
     <p:sldId id="264" r:id="rId11"/>
-    <p:sldId id="266" r:id="rId12"/>
+    <p:sldId id="268" r:id="rId12"/>
+    <p:sldId id="266" r:id="rId13"/>
+    <p:sldId id="267" r:id="rId14"/>
   </p:sldIdLst>
   <p:sldSz cx="12192000" cy="6858000"/>
   <p:notesSz cx="6858000" cy="9144000"/>
@@ -253,7 +255,7 @@
           <a:p>
             <a:fld id="{524C83C5-A6E3-467E-88A3-7867E1892419}" type="datetimeFigureOut">
               <a:rPr lang="tr-TR" smtClean="0"/>
-              <a:t>17.02.2024</a:t>
+              <a:t>20.02.2024</a:t>
             </a:fld>
             <a:endParaRPr lang="tr-TR"/>
           </a:p>
@@ -423,7 +425,7 @@
           <a:p>
             <a:fld id="{524C83C5-A6E3-467E-88A3-7867E1892419}" type="datetimeFigureOut">
               <a:rPr lang="tr-TR" smtClean="0"/>
-              <a:t>17.02.2024</a:t>
+              <a:t>20.02.2024</a:t>
             </a:fld>
             <a:endParaRPr lang="tr-TR"/>
           </a:p>
@@ -603,7 +605,7 @@
           <a:p>
             <a:fld id="{524C83C5-A6E3-467E-88A3-7867E1892419}" type="datetimeFigureOut">
               <a:rPr lang="tr-TR" smtClean="0"/>
-              <a:t>17.02.2024</a:t>
+              <a:t>20.02.2024</a:t>
             </a:fld>
             <a:endParaRPr lang="tr-TR"/>
           </a:p>
@@ -773,7 +775,7 @@
           <a:p>
             <a:fld id="{524C83C5-A6E3-467E-88A3-7867E1892419}" type="datetimeFigureOut">
               <a:rPr lang="tr-TR" smtClean="0"/>
-              <a:t>17.02.2024</a:t>
+              <a:t>20.02.2024</a:t>
             </a:fld>
             <a:endParaRPr lang="tr-TR"/>
           </a:p>
@@ -1019,7 +1021,7 @@
           <a:p>
             <a:fld id="{524C83C5-A6E3-467E-88A3-7867E1892419}" type="datetimeFigureOut">
               <a:rPr lang="tr-TR" smtClean="0"/>
-              <a:t>17.02.2024</a:t>
+              <a:t>20.02.2024</a:t>
             </a:fld>
             <a:endParaRPr lang="tr-TR"/>
           </a:p>
@@ -1251,7 +1253,7 @@
           <a:p>
             <a:fld id="{524C83C5-A6E3-467E-88A3-7867E1892419}" type="datetimeFigureOut">
               <a:rPr lang="tr-TR" smtClean="0"/>
-              <a:t>17.02.2024</a:t>
+              <a:t>20.02.2024</a:t>
             </a:fld>
             <a:endParaRPr lang="tr-TR"/>
           </a:p>
@@ -1618,7 +1620,7 @@
           <a:p>
             <a:fld id="{524C83C5-A6E3-467E-88A3-7867E1892419}" type="datetimeFigureOut">
               <a:rPr lang="tr-TR" smtClean="0"/>
-              <a:t>17.02.2024</a:t>
+              <a:t>20.02.2024</a:t>
             </a:fld>
             <a:endParaRPr lang="tr-TR"/>
           </a:p>
@@ -1736,7 +1738,7 @@
           <a:p>
             <a:fld id="{524C83C5-A6E3-467E-88A3-7867E1892419}" type="datetimeFigureOut">
               <a:rPr lang="tr-TR" smtClean="0"/>
-              <a:t>17.02.2024</a:t>
+              <a:t>20.02.2024</a:t>
             </a:fld>
             <a:endParaRPr lang="tr-TR"/>
           </a:p>
@@ -1831,7 +1833,7 @@
           <a:p>
             <a:fld id="{524C83C5-A6E3-467E-88A3-7867E1892419}" type="datetimeFigureOut">
               <a:rPr lang="tr-TR" smtClean="0"/>
-              <a:t>17.02.2024</a:t>
+              <a:t>20.02.2024</a:t>
             </a:fld>
             <a:endParaRPr lang="tr-TR"/>
           </a:p>
@@ -2108,7 +2110,7 @@
           <a:p>
             <a:fld id="{524C83C5-A6E3-467E-88A3-7867E1892419}" type="datetimeFigureOut">
               <a:rPr lang="tr-TR" smtClean="0"/>
-              <a:t>17.02.2024</a:t>
+              <a:t>20.02.2024</a:t>
             </a:fld>
             <a:endParaRPr lang="tr-TR"/>
           </a:p>
@@ -2365,7 +2367,7 @@
           <a:p>
             <a:fld id="{524C83C5-A6E3-467E-88A3-7867E1892419}" type="datetimeFigureOut">
               <a:rPr lang="tr-TR" smtClean="0"/>
-              <a:t>17.02.2024</a:t>
+              <a:t>20.02.2024</a:t>
             </a:fld>
             <a:endParaRPr lang="tr-TR"/>
           </a:p>
@@ -2578,7 +2580,7 @@
           <a:p>
             <a:fld id="{524C83C5-A6E3-467E-88A3-7867E1892419}" type="datetimeFigureOut">
               <a:rPr lang="tr-TR" smtClean="0"/>
-              <a:t>17.02.2024</a:t>
+              <a:t>20.02.2024</a:t>
             </a:fld>
             <a:endParaRPr lang="tr-TR"/>
           </a:p>
@@ -2969,6 +2971,14 @@
 <file path=ppt/slides/slide1.xml><?xml version="1.0" encoding="utf-8"?>
 <p:sld xmlns:a="http://schemas.openxmlformats.org/drawingml/2006/main" xmlns:r="http://schemas.openxmlformats.org/officeDocument/2006/relationships" xmlns:p="http://schemas.openxmlformats.org/presentationml/2006/main">
   <p:cSld>
+    <p:bg>
+      <p:bgPr>
+        <a:solidFill>
+          <a:schemeClr val="bg1"/>
+        </a:solidFill>
+        <a:effectLst/>
+      </p:bgPr>
+    </p:bg>
     <p:spTree>
       <p:nvGrpSpPr>
         <p:cNvPr id="1" name=""/>
@@ -2983,6 +2993,457 @@
           <a:chExt cx="0" cy="0"/>
         </a:xfrm>
       </p:grpSpPr>
+      <p:sp useBgFill="1">
+        <p:nvSpPr>
+          <p:cNvPr id="8" name="Rectangle 7">
+            <a:extLst>
+              <a:ext uri="{FF2B5EF4-FFF2-40B4-BE49-F238E27FC236}">
+                <a16:creationId xmlns:a16="http://schemas.microsoft.com/office/drawing/2014/main" id="{FFD48BC7-DC40-47DE-87EE-9F4B6ECB9ABB}"/>
+              </a:ext>
+              <a:ext uri="{C183D7F6-B498-43B3-948B-1728B52AA6E4}">
+                <adec:decorative xmlns:adec="http://schemas.microsoft.com/office/drawing/2017/decorative" val="1"/>
+              </a:ext>
+            </a:extLst>
+          </p:cNvPr>
+          <p:cNvSpPr>
+            <a:spLocks noGrp="1" noRot="1" noChangeAspect="1" noMove="1" noResize="1" noEditPoints="1" noAdjustHandles="1" noChangeArrowheads="1" noChangeShapeType="1" noTextEdit="1"/>
+          </p:cNvSpPr>
+          <p:nvPr>
+            <p:extLst>
+              <p:ext uri="{386F3935-93C4-4BCD-93E2-E3B085C9AB24}">
+                <p16:designElem xmlns:p16="http://schemas.microsoft.com/office/powerpoint/2015/main" val="1"/>
+              </p:ext>
+            </p:extLst>
+          </p:nvPr>
+        </p:nvSpPr>
+        <p:spPr>
+          <a:xfrm>
+            <a:off x="0" y="0"/>
+            <a:ext cx="12192000" cy="6858000"/>
+          </a:xfrm>
+          <a:prstGeom prst="rect">
+            <a:avLst/>
+          </a:prstGeom>
+          <a:ln>
+            <a:noFill/>
+          </a:ln>
+        </p:spPr>
+        <p:style>
+          <a:lnRef idx="2">
+            <a:schemeClr val="accent1">
+              <a:shade val="50000"/>
+            </a:schemeClr>
+          </a:lnRef>
+          <a:fillRef idx="1">
+            <a:schemeClr val="accent1"/>
+          </a:fillRef>
+          <a:effectRef idx="0">
+            <a:schemeClr val="accent1"/>
+          </a:effectRef>
+          <a:fontRef idx="minor">
+            <a:schemeClr val="lt1"/>
+          </a:fontRef>
+        </p:style>
+        <p:txBody>
+          <a:bodyPr rtlCol="0" anchor="ctr"/>
+          <a:lstStyle/>
+          <a:p>
+            <a:pPr algn="ctr"/>
+            <a:endParaRPr lang="en-US"/>
+          </a:p>
+        </p:txBody>
+      </p:sp>
+      <p:sp useBgFill="1">
+        <p:nvSpPr>
+          <p:cNvPr id="10" name="Freeform: Shape 9">
+            <a:extLst>
+              <a:ext uri="{FF2B5EF4-FFF2-40B4-BE49-F238E27FC236}">
+                <a16:creationId xmlns:a16="http://schemas.microsoft.com/office/drawing/2014/main" id="{E502BBC7-2C76-46F3-BC24-5985BC13DB88}"/>
+              </a:ext>
+              <a:ext uri="{C183D7F6-B498-43B3-948B-1728B52AA6E4}">
+                <adec:decorative xmlns:adec="http://schemas.microsoft.com/office/drawing/2017/decorative" val="1"/>
+              </a:ext>
+            </a:extLst>
+          </p:cNvPr>
+          <p:cNvSpPr>
+            <a:spLocks noGrp="1" noRot="1" noChangeAspect="1" noMove="1" noResize="1" noEditPoints="1" noAdjustHandles="1" noChangeArrowheads="1" noChangeShapeType="1" noTextEdit="1"/>
+          </p:cNvSpPr>
+          <p:nvPr>
+            <p:extLst>
+              <p:ext uri="{386F3935-93C4-4BCD-93E2-E3B085C9AB24}">
+                <p16:designElem xmlns:p16="http://schemas.microsoft.com/office/powerpoint/2015/main" val="1"/>
+              </p:ext>
+            </p:extLst>
+          </p:nvPr>
+        </p:nvSpPr>
+        <p:spPr>
+          <a:xfrm>
+            <a:off x="1114425" y="0"/>
+            <a:ext cx="9963150" cy="6858000"/>
+          </a:xfrm>
+          <a:custGeom>
+            <a:avLst/>
+            <a:gdLst>
+              <a:gd name="connsiteX0" fmla="*/ 1595771 w 9963150"/>
+              <a:gd name="connsiteY0" fmla="*/ 0 h 6858000"/>
+              <a:gd name="connsiteX1" fmla="*/ 8367379 w 9963150"/>
+              <a:gd name="connsiteY1" fmla="*/ 0 h 6858000"/>
+              <a:gd name="connsiteX2" fmla="*/ 8504080 w 9963150"/>
+              <a:gd name="connsiteY2" fmla="*/ 130333 h 6858000"/>
+              <a:gd name="connsiteX3" fmla="*/ 9963150 w 9963150"/>
+              <a:gd name="connsiteY3" fmla="*/ 3652838 h 6858000"/>
+              <a:gd name="connsiteX4" fmla="*/ 8825600 w 9963150"/>
+              <a:gd name="connsiteY4" fmla="*/ 6821583 h 6858000"/>
+              <a:gd name="connsiteX5" fmla="*/ 8794055 w 9963150"/>
+              <a:gd name="connsiteY5" fmla="*/ 6858000 h 6858000"/>
+              <a:gd name="connsiteX6" fmla="*/ 1169096 w 9963150"/>
+              <a:gd name="connsiteY6" fmla="*/ 6858000 h 6858000"/>
+              <a:gd name="connsiteX7" fmla="*/ 1137550 w 9963150"/>
+              <a:gd name="connsiteY7" fmla="*/ 6821583 h 6858000"/>
+              <a:gd name="connsiteX8" fmla="*/ 0 w 9963150"/>
+              <a:gd name="connsiteY8" fmla="*/ 3652838 h 6858000"/>
+              <a:gd name="connsiteX9" fmla="*/ 1459070 w 9963150"/>
+              <a:gd name="connsiteY9" fmla="*/ 130333 h 6858000"/>
+            </a:gdLst>
+            <a:ahLst/>
+            <a:cxnLst>
+              <a:cxn ang="0">
+                <a:pos x="connsiteX0" y="connsiteY0"/>
+              </a:cxn>
+              <a:cxn ang="0">
+                <a:pos x="connsiteX1" y="connsiteY1"/>
+              </a:cxn>
+              <a:cxn ang="0">
+                <a:pos x="connsiteX2" y="connsiteY2"/>
+              </a:cxn>
+              <a:cxn ang="0">
+                <a:pos x="connsiteX3" y="connsiteY3"/>
+              </a:cxn>
+              <a:cxn ang="0">
+                <a:pos x="connsiteX4" y="connsiteY4"/>
+              </a:cxn>
+              <a:cxn ang="0">
+                <a:pos x="connsiteX5" y="connsiteY5"/>
+              </a:cxn>
+              <a:cxn ang="0">
+                <a:pos x="connsiteX6" y="connsiteY6"/>
+              </a:cxn>
+              <a:cxn ang="0">
+                <a:pos x="connsiteX7" y="connsiteY7"/>
+              </a:cxn>
+              <a:cxn ang="0">
+                <a:pos x="connsiteX8" y="connsiteY8"/>
+              </a:cxn>
+              <a:cxn ang="0">
+                <a:pos x="connsiteX9" y="connsiteY9"/>
+              </a:cxn>
+            </a:cxnLst>
+            <a:rect l="l" t="t" r="r" b="b"/>
+            <a:pathLst>
+              <a:path w="9963150" h="6858000">
+                <a:moveTo>
+                  <a:pt x="1595771" y="0"/>
+                </a:moveTo>
+                <a:lnTo>
+                  <a:pt x="8367379" y="0"/>
+                </a:lnTo>
+                <a:lnTo>
+                  <a:pt x="8504080" y="130333"/>
+                </a:lnTo>
+                <a:cubicBezTo>
+                  <a:pt x="9405568" y="1031820"/>
+                  <a:pt x="9963150" y="2277214"/>
+                  <a:pt x="9963150" y="3652838"/>
+                </a:cubicBezTo>
+                <a:cubicBezTo>
+                  <a:pt x="9963150" y="4856509"/>
+                  <a:pt x="9536251" y="5960473"/>
+                  <a:pt x="8825600" y="6821583"/>
+                </a:cubicBezTo>
+                <a:lnTo>
+                  <a:pt x="8794055" y="6858000"/>
+                </a:lnTo>
+                <a:lnTo>
+                  <a:pt x="1169096" y="6858000"/>
+                </a:lnTo>
+                <a:lnTo>
+                  <a:pt x="1137550" y="6821583"/>
+                </a:lnTo>
+                <a:cubicBezTo>
+                  <a:pt x="426899" y="5960473"/>
+                  <a:pt x="0" y="4856509"/>
+                  <a:pt x="0" y="3652838"/>
+                </a:cubicBezTo>
+                <a:cubicBezTo>
+                  <a:pt x="0" y="2277214"/>
+                  <a:pt x="557582" y="1031820"/>
+                  <a:pt x="1459070" y="130333"/>
+                </a:cubicBezTo>
+                <a:close/>
+              </a:path>
+            </a:pathLst>
+          </a:custGeom>
+          <a:ln w="9525">
+            <a:solidFill>
+              <a:srgbClr val="EFEFEF"/>
+            </a:solidFill>
+          </a:ln>
+          <a:effectLst>
+            <a:outerShdw blurRad="139700" sx="102000" sy="102000" algn="ctr" rotWithShape="0">
+              <a:schemeClr val="bg1">
+                <a:lumMod val="85000"/>
+                <a:alpha val="38000"/>
+              </a:schemeClr>
+            </a:outerShdw>
+          </a:effectLst>
+        </p:spPr>
+        <p:style>
+          <a:lnRef idx="2">
+            <a:schemeClr val="accent1">
+              <a:shade val="50000"/>
+            </a:schemeClr>
+          </a:lnRef>
+          <a:fillRef idx="1">
+            <a:schemeClr val="accent1"/>
+          </a:fillRef>
+          <a:effectRef idx="0">
+            <a:schemeClr val="accent1"/>
+          </a:effectRef>
+          <a:fontRef idx="minor">
+            <a:schemeClr val="lt1"/>
+          </a:fontRef>
+        </p:style>
+        <p:txBody>
+          <a:bodyPr wrap="square" rtlCol="0" anchor="ctr">
+            <a:noAutofit/>
+          </a:bodyPr>
+          <a:lstStyle/>
+          <a:p>
+            <a:pPr marL="0" marR="0" lvl="0" indent="0" algn="ctr" defTabSz="914400" rtl="0" eaLnBrk="1" fontAlgn="auto" latinLnBrk="0" hangingPunct="1">
+              <a:lnSpc>
+                <a:spcPct val="100000"/>
+              </a:lnSpc>
+              <a:spcBef>
+                <a:spcPts val="0"/>
+              </a:spcBef>
+              <a:spcAft>
+                <a:spcPts val="0"/>
+              </a:spcAft>
+              <a:buClrTx/>
+              <a:buSzTx/>
+              <a:buFontTx/>
+              <a:buNone/>
+              <a:tabLst/>
+              <a:defRPr/>
+            </a:pPr>
+            <a:endParaRPr kumimoji="0" lang="en-US" sz="1800" b="0" i="0" u="none" strike="noStrike" kern="1200" cap="none" spc="0" normalizeH="0" baseline="0" noProof="0">
+              <a:ln>
+                <a:noFill/>
+              </a:ln>
+              <a:solidFill>
+                <a:prstClr val="white"/>
+              </a:solidFill>
+              <a:effectLst/>
+              <a:uLnTx/>
+              <a:uFillTx/>
+              <a:latin typeface="Calibri" panose="020F0502020204030204"/>
+              <a:ea typeface="+mn-ea"/>
+              <a:cs typeface="+mn-cs"/>
+            </a:endParaRPr>
+          </a:p>
+        </p:txBody>
+      </p:sp>
+      <p:sp useBgFill="1">
+        <p:nvSpPr>
+          <p:cNvPr id="12" name="Freeform: Shape 11">
+            <a:extLst>
+              <a:ext uri="{FF2B5EF4-FFF2-40B4-BE49-F238E27FC236}">
+                <a16:creationId xmlns:a16="http://schemas.microsoft.com/office/drawing/2014/main" id="{C7F28D52-2A5F-4D23-81AE-7CB8B591C7AF}"/>
+              </a:ext>
+              <a:ext uri="{C183D7F6-B498-43B3-948B-1728B52AA6E4}">
+                <adec:decorative xmlns:adec="http://schemas.microsoft.com/office/drawing/2017/decorative" val="1"/>
+              </a:ext>
+            </a:extLst>
+          </p:cNvPr>
+          <p:cNvSpPr>
+            <a:spLocks noGrp="1" noRot="1" noChangeAspect="1" noMove="1" noResize="1" noEditPoints="1" noAdjustHandles="1" noChangeArrowheads="1" noChangeShapeType="1" noTextEdit="1"/>
+          </p:cNvSpPr>
+          <p:nvPr>
+            <p:extLst>
+              <p:ext uri="{386F3935-93C4-4BCD-93E2-E3B085C9AB24}">
+                <p16:designElem xmlns:p16="http://schemas.microsoft.com/office/powerpoint/2015/main" val="1"/>
+              </p:ext>
+            </p:extLst>
+          </p:nvPr>
+        </p:nvSpPr>
+        <p:spPr>
+          <a:xfrm>
+            <a:off x="1121664" y="0"/>
+            <a:ext cx="9948672" cy="6858000"/>
+          </a:xfrm>
+          <a:custGeom>
+            <a:avLst/>
+            <a:gdLst>
+              <a:gd name="connsiteX0" fmla="*/ 1595771 w 9963150"/>
+              <a:gd name="connsiteY0" fmla="*/ 0 h 6858000"/>
+              <a:gd name="connsiteX1" fmla="*/ 8367379 w 9963150"/>
+              <a:gd name="connsiteY1" fmla="*/ 0 h 6858000"/>
+              <a:gd name="connsiteX2" fmla="*/ 8504080 w 9963150"/>
+              <a:gd name="connsiteY2" fmla="*/ 130333 h 6858000"/>
+              <a:gd name="connsiteX3" fmla="*/ 9963150 w 9963150"/>
+              <a:gd name="connsiteY3" fmla="*/ 3652838 h 6858000"/>
+              <a:gd name="connsiteX4" fmla="*/ 8825600 w 9963150"/>
+              <a:gd name="connsiteY4" fmla="*/ 6821583 h 6858000"/>
+              <a:gd name="connsiteX5" fmla="*/ 8794055 w 9963150"/>
+              <a:gd name="connsiteY5" fmla="*/ 6858000 h 6858000"/>
+              <a:gd name="connsiteX6" fmla="*/ 1169096 w 9963150"/>
+              <a:gd name="connsiteY6" fmla="*/ 6858000 h 6858000"/>
+              <a:gd name="connsiteX7" fmla="*/ 1137550 w 9963150"/>
+              <a:gd name="connsiteY7" fmla="*/ 6821583 h 6858000"/>
+              <a:gd name="connsiteX8" fmla="*/ 0 w 9963150"/>
+              <a:gd name="connsiteY8" fmla="*/ 3652838 h 6858000"/>
+              <a:gd name="connsiteX9" fmla="*/ 1459070 w 9963150"/>
+              <a:gd name="connsiteY9" fmla="*/ 130333 h 6858000"/>
+            </a:gdLst>
+            <a:ahLst/>
+            <a:cxnLst>
+              <a:cxn ang="0">
+                <a:pos x="connsiteX0" y="connsiteY0"/>
+              </a:cxn>
+              <a:cxn ang="0">
+                <a:pos x="connsiteX1" y="connsiteY1"/>
+              </a:cxn>
+              <a:cxn ang="0">
+                <a:pos x="connsiteX2" y="connsiteY2"/>
+              </a:cxn>
+              <a:cxn ang="0">
+                <a:pos x="connsiteX3" y="connsiteY3"/>
+              </a:cxn>
+              <a:cxn ang="0">
+                <a:pos x="connsiteX4" y="connsiteY4"/>
+              </a:cxn>
+              <a:cxn ang="0">
+                <a:pos x="connsiteX5" y="connsiteY5"/>
+              </a:cxn>
+              <a:cxn ang="0">
+                <a:pos x="connsiteX6" y="connsiteY6"/>
+              </a:cxn>
+              <a:cxn ang="0">
+                <a:pos x="connsiteX7" y="connsiteY7"/>
+              </a:cxn>
+              <a:cxn ang="0">
+                <a:pos x="connsiteX8" y="connsiteY8"/>
+              </a:cxn>
+              <a:cxn ang="0">
+                <a:pos x="connsiteX9" y="connsiteY9"/>
+              </a:cxn>
+            </a:cxnLst>
+            <a:rect l="l" t="t" r="r" b="b"/>
+            <a:pathLst>
+              <a:path w="9963150" h="6858000">
+                <a:moveTo>
+                  <a:pt x="1595771" y="0"/>
+                </a:moveTo>
+                <a:lnTo>
+                  <a:pt x="8367379" y="0"/>
+                </a:lnTo>
+                <a:lnTo>
+                  <a:pt x="8504080" y="130333"/>
+                </a:lnTo>
+                <a:cubicBezTo>
+                  <a:pt x="9405568" y="1031820"/>
+                  <a:pt x="9963150" y="2277214"/>
+                  <a:pt x="9963150" y="3652838"/>
+                </a:cubicBezTo>
+                <a:cubicBezTo>
+                  <a:pt x="9963150" y="4856509"/>
+                  <a:pt x="9536251" y="5960473"/>
+                  <a:pt x="8825600" y="6821583"/>
+                </a:cubicBezTo>
+                <a:lnTo>
+                  <a:pt x="8794055" y="6858000"/>
+                </a:lnTo>
+                <a:lnTo>
+                  <a:pt x="1169096" y="6858000"/>
+                </a:lnTo>
+                <a:lnTo>
+                  <a:pt x="1137550" y="6821583"/>
+                </a:lnTo>
+                <a:cubicBezTo>
+                  <a:pt x="426899" y="5960473"/>
+                  <a:pt x="0" y="4856509"/>
+                  <a:pt x="0" y="3652838"/>
+                </a:cubicBezTo>
+                <a:cubicBezTo>
+                  <a:pt x="0" y="2277214"/>
+                  <a:pt x="557582" y="1031820"/>
+                  <a:pt x="1459070" y="130333"/>
+                </a:cubicBezTo>
+                <a:close/>
+              </a:path>
+            </a:pathLst>
+          </a:custGeom>
+          <a:ln w="9525">
+            <a:noFill/>
+          </a:ln>
+          <a:effectLst/>
+        </p:spPr>
+        <p:style>
+          <a:lnRef idx="2">
+            <a:schemeClr val="accent1">
+              <a:shade val="50000"/>
+            </a:schemeClr>
+          </a:lnRef>
+          <a:fillRef idx="1">
+            <a:schemeClr val="accent1"/>
+          </a:fillRef>
+          <a:effectRef idx="0">
+            <a:schemeClr val="accent1"/>
+          </a:effectRef>
+          <a:fontRef idx="minor">
+            <a:schemeClr val="lt1"/>
+          </a:fontRef>
+        </p:style>
+        <p:txBody>
+          <a:bodyPr wrap="square" rtlCol="0" anchor="ctr">
+            <a:noAutofit/>
+          </a:bodyPr>
+          <a:lstStyle/>
+          <a:p>
+            <a:pPr marL="0" marR="0" lvl="0" indent="0" algn="ctr" defTabSz="914400" rtl="0" eaLnBrk="1" fontAlgn="auto" latinLnBrk="0" hangingPunct="1">
+              <a:lnSpc>
+                <a:spcPct val="100000"/>
+              </a:lnSpc>
+              <a:spcBef>
+                <a:spcPts val="0"/>
+              </a:spcBef>
+              <a:spcAft>
+                <a:spcPts val="0"/>
+              </a:spcAft>
+              <a:buClrTx/>
+              <a:buSzTx/>
+              <a:buFontTx/>
+              <a:buNone/>
+              <a:tabLst/>
+              <a:defRPr/>
+            </a:pPr>
+            <a:endParaRPr kumimoji="0" lang="en-US" sz="1800" b="0" i="0" u="none" strike="noStrike" kern="1200" cap="none" spc="0" normalizeH="0" baseline="0" noProof="0">
+              <a:ln>
+                <a:noFill/>
+              </a:ln>
+              <a:solidFill>
+                <a:prstClr val="white"/>
+              </a:solidFill>
+              <a:effectLst/>
+              <a:uLnTx/>
+              <a:uFillTx/>
+              <a:latin typeface="Calibri" panose="020F0502020204030204"/>
+              <a:ea typeface="+mn-ea"/>
+              <a:cs typeface="+mn-cs"/>
+            </a:endParaRPr>
+          </a:p>
+        </p:txBody>
+      </p:sp>
       <p:sp>
         <p:nvSpPr>
           <p:cNvPr id="2" name="Title 1">
@@ -2999,16 +3460,23 @@
             <p:ph type="ctrTitle"/>
           </p:nvPr>
         </p:nvSpPr>
-        <p:spPr/>
+        <p:spPr>
+          <a:xfrm>
+            <a:off x="1524003" y="1999615"/>
+            <a:ext cx="9144000" cy="2764028"/>
+          </a:xfrm>
+        </p:spPr>
         <p:txBody>
-          <a:bodyPr/>
+          <a:bodyPr anchor="ctr">
+            <a:normAutofit/>
+          </a:bodyPr>
           <a:lstStyle/>
           <a:p>
             <a:r>
-              <a:rPr lang="en-US" dirty="0"/>
+              <a:rPr lang="en-US" sz="7200"/>
               <a:t>Fault Tolerance</a:t>
             </a:r>
-            <a:endParaRPr lang="tr-TR" dirty="0"/>
+            <a:endParaRPr lang="tr-TR" sz="7200"/>
           </a:p>
         </p:txBody>
       </p:sp>
@@ -3028,12 +3496,111 @@
             <p:ph type="subTitle" idx="1"/>
           </p:nvPr>
         </p:nvSpPr>
-        <p:spPr/>
+        <p:spPr>
+          <a:xfrm>
+            <a:off x="1966912" y="5645150"/>
+            <a:ext cx="8258176" cy="631825"/>
+          </a:xfrm>
+        </p:spPr>
         <p:txBody>
-          <a:bodyPr/>
+          <a:bodyPr anchor="ctr">
+            <a:normAutofit/>
+          </a:bodyPr>
           <a:lstStyle/>
           <a:p>
-            <a:endParaRPr lang="tr-TR"/>
+            <a:endParaRPr lang="tr-TR" sz="2800"/>
+          </a:p>
+        </p:txBody>
+      </p:sp>
+      <p:sp>
+        <p:nvSpPr>
+          <p:cNvPr id="14" name="Rectangle 13">
+            <a:extLst>
+              <a:ext uri="{FF2B5EF4-FFF2-40B4-BE49-F238E27FC236}">
+                <a16:creationId xmlns:a16="http://schemas.microsoft.com/office/drawing/2014/main" id="{3629484E-3792-4B3D-89AD-7C8A1ED0E0D4}"/>
+              </a:ext>
+              <a:ext uri="{C183D7F6-B498-43B3-948B-1728B52AA6E4}">
+                <adec:decorative xmlns:adec="http://schemas.microsoft.com/office/drawing/2017/decorative" val="1"/>
+              </a:ext>
+            </a:extLst>
+          </p:cNvPr>
+          <p:cNvSpPr>
+            <a:spLocks noGrp="1" noRot="1" noChangeAspect="1" noMove="1" noResize="1" noEditPoints="1" noAdjustHandles="1" noChangeArrowheads="1" noChangeShapeType="1" noTextEdit="1"/>
+          </p:cNvSpPr>
+          <p:nvPr>
+            <p:extLst>
+              <p:ext uri="{386F3935-93C4-4BCD-93E2-E3B085C9AB24}">
+                <p16:designElem xmlns:p16="http://schemas.microsoft.com/office/powerpoint/2015/main" val="1"/>
+              </p:ext>
+            </p:extLst>
+          </p:nvPr>
+        </p:nvSpPr>
+        <p:spPr>
+          <a:xfrm>
+            <a:off x="3718560" y="5524786"/>
+            <a:ext cx="4754880" cy="27432"/>
+          </a:xfrm>
+          <a:prstGeom prst="rect">
+            <a:avLst/>
+          </a:prstGeom>
+          <a:solidFill>
+            <a:schemeClr val="accent2"/>
+          </a:solidFill>
+          <a:ln>
+            <a:noFill/>
+          </a:ln>
+        </p:spPr>
+        <p:style>
+          <a:lnRef idx="2">
+            <a:schemeClr val="accent1">
+              <a:shade val="50000"/>
+            </a:schemeClr>
+          </a:lnRef>
+          <a:fillRef idx="1">
+            <a:schemeClr val="accent1"/>
+          </a:fillRef>
+          <a:effectRef idx="0">
+            <a:schemeClr val="accent1"/>
+          </a:effectRef>
+          <a:fontRef idx="minor">
+            <a:schemeClr val="lt1"/>
+          </a:fontRef>
+        </p:style>
+        <p:txBody>
+          <a:bodyPr rtlCol="0" anchor="ctr"/>
+          <a:lstStyle/>
+          <a:p>
+            <a:pPr marL="0" marR="0" lvl="0" indent="0" algn="ctr" defTabSz="914400" rtl="0" eaLnBrk="1" fontAlgn="auto" latinLnBrk="0" hangingPunct="1">
+              <a:lnSpc>
+                <a:spcPct val="100000"/>
+              </a:lnSpc>
+              <a:spcBef>
+                <a:spcPts val="0"/>
+              </a:spcBef>
+              <a:spcAft>
+                <a:spcPts val="0"/>
+              </a:spcAft>
+              <a:buClrTx/>
+              <a:buSzTx/>
+              <a:buFontTx/>
+              <a:buNone/>
+              <a:tabLst/>
+              <a:defRPr/>
+            </a:pPr>
+            <a:endParaRPr kumimoji="0" lang="en-US" sz="1800" b="0" i="0" u="none" strike="noStrike" kern="1200" cap="none" spc="0" normalizeH="0" baseline="0" noProof="0">
+              <a:ln>
+                <a:noFill/>
+              </a:ln>
+              <a:solidFill>
+                <a:prstClr val="white"/>
+              </a:solidFill>
+              <a:effectLst/>
+              <a:uLnTx/>
+              <a:uFillTx/>
+              <a:latin typeface="Calibri" panose="020F0502020204030204"/>
+              <a:ea typeface="+mn-ea"/>
+              <a:cs typeface="+mn-cs"/>
+            </a:endParaRPr>
           </a:p>
         </p:txBody>
       </p:sp>
@@ -3117,7 +3684,7 @@
           <a:bodyPr/>
           <a:lstStyle/>
           <a:p>
-            <a:endParaRPr lang="tr-TR"/>
+            <a:endParaRPr lang="tr-TR" dirty="0"/>
           </a:p>
         </p:txBody>
       </p:sp>
@@ -3135,6 +3702,642 @@
 </file>
 
 <file path=ppt/slides/slide11.xml><?xml version="1.0" encoding="utf-8"?>
+<p:sld xmlns:a="http://schemas.openxmlformats.org/drawingml/2006/main" xmlns:r="http://schemas.openxmlformats.org/officeDocument/2006/relationships" xmlns:p="http://schemas.openxmlformats.org/presentationml/2006/main">
+  <p:cSld>
+    <p:bg>
+      <p:bgPr>
+        <a:solidFill>
+          <a:schemeClr val="bg1"/>
+        </a:solidFill>
+        <a:effectLst/>
+      </p:bgPr>
+    </p:bg>
+    <p:spTree>
+      <p:nvGrpSpPr>
+        <p:cNvPr id="1" name=""/>
+        <p:cNvGrpSpPr/>
+        <p:nvPr/>
+      </p:nvGrpSpPr>
+      <p:grpSpPr>
+        <a:xfrm>
+          <a:off x="0" y="0"/>
+          <a:ext cx="0" cy="0"/>
+          <a:chOff x="0" y="0"/>
+          <a:chExt cx="0" cy="0"/>
+        </a:xfrm>
+      </p:grpSpPr>
+      <p:sp useBgFill="1">
+        <p:nvSpPr>
+          <p:cNvPr id="9" name="Rectangle 8">
+            <a:extLst>
+              <a:ext uri="{FF2B5EF4-FFF2-40B4-BE49-F238E27FC236}">
+                <a16:creationId xmlns:a16="http://schemas.microsoft.com/office/drawing/2014/main" id="{6F5A5072-7B47-4D32-B52A-4EBBF590B8A5}"/>
+              </a:ext>
+              <a:ext uri="{C183D7F6-B498-43B3-948B-1728B52AA6E4}">
+                <adec:decorative xmlns:adec="http://schemas.microsoft.com/office/drawing/2017/decorative" val="1"/>
+              </a:ext>
+            </a:extLst>
+          </p:cNvPr>
+          <p:cNvSpPr>
+            <a:spLocks noGrp="1" noRot="1" noChangeAspect="1" noMove="1" noResize="1" noEditPoints="1" noAdjustHandles="1" noChangeArrowheads="1" noChangeShapeType="1" noTextEdit="1"/>
+          </p:cNvSpPr>
+          <p:nvPr>
+            <p:extLst>
+              <p:ext uri="{386F3935-93C4-4BCD-93E2-E3B085C9AB24}">
+                <p16:designElem xmlns:p16="http://schemas.microsoft.com/office/powerpoint/2015/main" val="1"/>
+              </p:ext>
+            </p:extLst>
+          </p:nvPr>
+        </p:nvSpPr>
+        <p:spPr>
+          <a:xfrm>
+            <a:off x="0" y="0"/>
+            <a:ext cx="12192000" cy="6858000"/>
+          </a:xfrm>
+          <a:prstGeom prst="rect">
+            <a:avLst/>
+          </a:prstGeom>
+          <a:ln w="12700" cap="flat" cmpd="sng" algn="ctr">
+            <a:noFill/>
+            <a:prstDash val="solid"/>
+            <a:miter lim="800000"/>
+          </a:ln>
+          <a:effectLst/>
+          <a:extLst>
+            <a:ext uri="{91240B29-F687-4F45-9708-019B960494DF}">
+              <a14:hiddenLine xmlns:a14="http://schemas.microsoft.com/office/drawing/2010/main" w="12700" cap="flat" cmpd="sng" algn="ctr">
+                <a:solidFill>
+                  <a:schemeClr val="accent1">
+                    <a:shade val="50000"/>
+                  </a:schemeClr>
+                </a:solidFill>
+                <a:prstDash val="solid"/>
+                <a:miter lim="800000"/>
+              </a14:hiddenLine>
+            </a:ext>
+          </a:extLst>
+        </p:spPr>
+        <p:style>
+          <a:lnRef idx="2">
+            <a:schemeClr val="accent1">
+              <a:shade val="50000"/>
+            </a:schemeClr>
+          </a:lnRef>
+          <a:fillRef idx="1">
+            <a:schemeClr val="accent1"/>
+          </a:fillRef>
+          <a:effectRef idx="0">
+            <a:schemeClr val="accent1"/>
+          </a:effectRef>
+          <a:fontRef idx="minor">
+            <a:schemeClr val="lt1"/>
+          </a:fontRef>
+        </p:style>
+        <p:txBody>
+          <a:bodyPr rtlCol="0" anchor="ctr"/>
+          <a:lstStyle/>
+          <a:p>
+            <a:pPr algn="ctr"/>
+            <a:endParaRPr lang="en-US"/>
+          </a:p>
+        </p:txBody>
+      </p:sp>
+      <p:sp>
+        <p:nvSpPr>
+          <p:cNvPr id="11" name="Rectangle 10">
+            <a:extLst>
+              <a:ext uri="{FF2B5EF4-FFF2-40B4-BE49-F238E27FC236}">
+                <a16:creationId xmlns:a16="http://schemas.microsoft.com/office/drawing/2014/main" id="{9715DAF0-AE1B-46C9-8A6B-DB2AA05AB91D}"/>
+              </a:ext>
+              <a:ext uri="{C183D7F6-B498-43B3-948B-1728B52AA6E4}">
+                <adec:decorative xmlns:adec="http://schemas.microsoft.com/office/drawing/2017/decorative" val="1"/>
+              </a:ext>
+            </a:extLst>
+          </p:cNvPr>
+          <p:cNvSpPr>
+            <a:spLocks noGrp="1" noRot="1" noChangeAspect="1" noMove="1" noResize="1" noEditPoints="1" noAdjustHandles="1" noChangeArrowheads="1" noChangeShapeType="1" noTextEdit="1"/>
+          </p:cNvSpPr>
+          <p:nvPr>
+            <p:extLst>
+              <p:ext uri="{386F3935-93C4-4BCD-93E2-E3B085C9AB24}">
+                <p16:designElem xmlns:p16="http://schemas.microsoft.com/office/powerpoint/2015/main" val="1"/>
+              </p:ext>
+            </p:extLst>
+          </p:nvPr>
+        </p:nvSpPr>
+        <p:spPr>
+          <a:xfrm rot="10800000">
+            <a:off x="-2" y="-22693"/>
+            <a:ext cx="12191999" cy="4374129"/>
+          </a:xfrm>
+          <a:prstGeom prst="rect">
+            <a:avLst/>
+          </a:prstGeom>
+          <a:gradFill>
+            <a:gsLst>
+              <a:gs pos="0">
+                <a:schemeClr val="accent1">
+                  <a:lumMod val="75000"/>
+                </a:schemeClr>
+              </a:gs>
+              <a:gs pos="100000">
+                <a:srgbClr val="000000"/>
+              </a:gs>
+            </a:gsLst>
+            <a:lin ang="15000000" scaled="0"/>
+          </a:gradFill>
+          <a:ln>
+            <a:noFill/>
+          </a:ln>
+        </p:spPr>
+        <p:style>
+          <a:lnRef idx="2">
+            <a:schemeClr val="accent1">
+              <a:shade val="50000"/>
+            </a:schemeClr>
+          </a:lnRef>
+          <a:fillRef idx="1">
+            <a:schemeClr val="accent1"/>
+          </a:fillRef>
+          <a:effectRef idx="0">
+            <a:schemeClr val="accent1"/>
+          </a:effectRef>
+          <a:fontRef idx="minor">
+            <a:schemeClr val="lt1"/>
+          </a:fontRef>
+        </p:style>
+        <p:txBody>
+          <a:bodyPr rtlCol="0" anchor="ctr"/>
+          <a:lstStyle/>
+          <a:p>
+            <a:pPr algn="ctr"/>
+            <a:endParaRPr lang="en-US"/>
+          </a:p>
+        </p:txBody>
+      </p:sp>
+      <p:sp>
+        <p:nvSpPr>
+          <p:cNvPr id="13" name="Rectangle 12">
+            <a:extLst>
+              <a:ext uri="{FF2B5EF4-FFF2-40B4-BE49-F238E27FC236}">
+                <a16:creationId xmlns:a16="http://schemas.microsoft.com/office/drawing/2014/main" id="{6016219D-510E-4184-9090-6D5578A87BD1}"/>
+              </a:ext>
+              <a:ext uri="{C183D7F6-B498-43B3-948B-1728B52AA6E4}">
+                <adec:decorative xmlns:adec="http://schemas.microsoft.com/office/drawing/2017/decorative" val="1"/>
+              </a:ext>
+            </a:extLst>
+          </p:cNvPr>
+          <p:cNvSpPr>
+            <a:spLocks noGrp="1" noRot="1" noChangeAspect="1" noMove="1" noResize="1" noEditPoints="1" noAdjustHandles="1" noChangeArrowheads="1" noChangeShapeType="1" noTextEdit="1"/>
+          </p:cNvSpPr>
+          <p:nvPr>
+            <p:extLst>
+              <p:ext uri="{386F3935-93C4-4BCD-93E2-E3B085C9AB24}">
+                <p16:designElem xmlns:p16="http://schemas.microsoft.com/office/powerpoint/2015/main" val="1"/>
+              </p:ext>
+            </p:extLst>
+          </p:nvPr>
+        </p:nvSpPr>
+        <p:spPr>
+          <a:xfrm rot="5400000">
+            <a:off x="3908719" y="-3931841"/>
+            <a:ext cx="4374557" cy="12192000"/>
+          </a:xfrm>
+          <a:prstGeom prst="rect">
+            <a:avLst/>
+          </a:prstGeom>
+          <a:gradFill>
+            <a:gsLst>
+              <a:gs pos="40000">
+                <a:schemeClr val="accent1">
+                  <a:alpha val="0"/>
+                </a:schemeClr>
+              </a:gs>
+              <a:gs pos="100000">
+                <a:schemeClr val="accent1">
+                  <a:lumMod val="75000"/>
+                  <a:alpha val="52000"/>
+                </a:schemeClr>
+              </a:gs>
+            </a:gsLst>
+            <a:lin ang="2400000" scaled="0"/>
+          </a:gradFill>
+          <a:ln>
+            <a:noFill/>
+          </a:ln>
+        </p:spPr>
+        <p:style>
+          <a:lnRef idx="2">
+            <a:schemeClr val="accent1">
+              <a:shade val="50000"/>
+            </a:schemeClr>
+          </a:lnRef>
+          <a:fillRef idx="1">
+            <a:schemeClr val="accent1"/>
+          </a:fillRef>
+          <a:effectRef idx="0">
+            <a:schemeClr val="accent1"/>
+          </a:effectRef>
+          <a:fontRef idx="minor">
+            <a:schemeClr val="lt1"/>
+          </a:fontRef>
+        </p:style>
+        <p:txBody>
+          <a:bodyPr rtlCol="0" anchor="ctr"/>
+          <a:lstStyle/>
+          <a:p>
+            <a:pPr algn="ctr"/>
+            <a:endParaRPr lang="en-US"/>
+          </a:p>
+        </p:txBody>
+      </p:sp>
+      <p:sp>
+        <p:nvSpPr>
+          <p:cNvPr id="15" name="Rectangle 14">
+            <a:extLst>
+              <a:ext uri="{FF2B5EF4-FFF2-40B4-BE49-F238E27FC236}">
+                <a16:creationId xmlns:a16="http://schemas.microsoft.com/office/drawing/2014/main" id="{AFF4A713-7B75-4B21-90D7-5AB19547C728}"/>
+              </a:ext>
+              <a:ext uri="{C183D7F6-B498-43B3-948B-1728B52AA6E4}">
+                <adec:decorative xmlns:adec="http://schemas.microsoft.com/office/drawing/2017/decorative" val="1"/>
+              </a:ext>
+            </a:extLst>
+          </p:cNvPr>
+          <p:cNvSpPr>
+            <a:spLocks noGrp="1" noRot="1" noChangeAspect="1" noMove="1" noResize="1" noEditPoints="1" noAdjustHandles="1" noChangeArrowheads="1" noChangeShapeType="1" noTextEdit="1"/>
+          </p:cNvSpPr>
+          <p:nvPr>
+            <p:extLst>
+              <p:ext uri="{386F3935-93C4-4BCD-93E2-E3B085C9AB24}">
+                <p16:designElem xmlns:p16="http://schemas.microsoft.com/office/powerpoint/2015/main" val="1"/>
+              </p:ext>
+            </p:extLst>
+          </p:nvPr>
+        </p:nvSpPr>
+        <p:spPr>
+          <a:xfrm rot="5400000">
+            <a:off x="4136696" y="-3703868"/>
+            <a:ext cx="4374128" cy="11736479"/>
+          </a:xfrm>
+          <a:prstGeom prst="rect">
+            <a:avLst/>
+          </a:prstGeom>
+          <a:gradFill>
+            <a:gsLst>
+              <a:gs pos="17000">
+                <a:schemeClr val="accent1">
+                  <a:alpha val="0"/>
+                </a:schemeClr>
+              </a:gs>
+              <a:gs pos="100000">
+                <a:srgbClr val="000000">
+                  <a:alpha val="37000"/>
+                </a:srgbClr>
+              </a:gs>
+            </a:gsLst>
+            <a:lin ang="7800000" scaled="0"/>
+          </a:gradFill>
+          <a:ln>
+            <a:noFill/>
+          </a:ln>
+        </p:spPr>
+        <p:style>
+          <a:lnRef idx="2">
+            <a:schemeClr val="accent1">
+              <a:shade val="50000"/>
+            </a:schemeClr>
+          </a:lnRef>
+          <a:fillRef idx="1">
+            <a:schemeClr val="accent1"/>
+          </a:fillRef>
+          <a:effectRef idx="0">
+            <a:schemeClr val="accent1"/>
+          </a:effectRef>
+          <a:fontRef idx="minor">
+            <a:schemeClr val="lt1"/>
+          </a:fontRef>
+        </p:style>
+        <p:txBody>
+          <a:bodyPr rtlCol="0" anchor="ctr"/>
+          <a:lstStyle/>
+          <a:p>
+            <a:pPr algn="ctr"/>
+            <a:endParaRPr lang="en-US"/>
+          </a:p>
+        </p:txBody>
+      </p:sp>
+      <p:sp>
+        <p:nvSpPr>
+          <p:cNvPr id="17" name="Rectangle 16">
+            <a:extLst>
+              <a:ext uri="{FF2B5EF4-FFF2-40B4-BE49-F238E27FC236}">
+                <a16:creationId xmlns:a16="http://schemas.microsoft.com/office/drawing/2014/main" id="{DC631C0B-6DA6-4E57-8231-CE32B3434A7E}"/>
+              </a:ext>
+              <a:ext uri="{C183D7F6-B498-43B3-948B-1728B52AA6E4}">
+                <adec:decorative xmlns:adec="http://schemas.microsoft.com/office/drawing/2017/decorative" val="1"/>
+              </a:ext>
+            </a:extLst>
+          </p:cNvPr>
+          <p:cNvSpPr>
+            <a:spLocks noGrp="1" noRot="1" noChangeAspect="1" noMove="1" noResize="1" noEditPoints="1" noAdjustHandles="1" noChangeArrowheads="1" noChangeShapeType="1" noTextEdit="1"/>
+          </p:cNvSpPr>
+          <p:nvPr>
+            <p:extLst>
+              <p:ext uri="{386F3935-93C4-4BCD-93E2-E3B085C9AB24}">
+                <p16:designElem xmlns:p16="http://schemas.microsoft.com/office/powerpoint/2015/main" val="1"/>
+              </p:ext>
+            </p:extLst>
+          </p:nvPr>
+        </p:nvSpPr>
+        <p:spPr>
+          <a:xfrm>
+            <a:off x="-5" y="-22690"/>
+            <a:ext cx="8542485" cy="4374126"/>
+          </a:xfrm>
+          <a:prstGeom prst="rect">
+            <a:avLst/>
+          </a:prstGeom>
+          <a:gradFill>
+            <a:gsLst>
+              <a:gs pos="0">
+                <a:schemeClr val="accent1">
+                  <a:lumMod val="50000"/>
+                  <a:alpha val="0"/>
+                </a:schemeClr>
+              </a:gs>
+              <a:gs pos="100000">
+                <a:srgbClr val="000000">
+                  <a:alpha val="25000"/>
+                </a:srgbClr>
+              </a:gs>
+            </a:gsLst>
+            <a:lin ang="18600000" scaled="0"/>
+          </a:gradFill>
+          <a:ln>
+            <a:noFill/>
+          </a:ln>
+        </p:spPr>
+        <p:style>
+          <a:lnRef idx="2">
+            <a:schemeClr val="accent1">
+              <a:shade val="50000"/>
+            </a:schemeClr>
+          </a:lnRef>
+          <a:fillRef idx="1">
+            <a:schemeClr val="accent1"/>
+          </a:fillRef>
+          <a:effectRef idx="0">
+            <a:schemeClr val="accent1"/>
+          </a:effectRef>
+          <a:fontRef idx="minor">
+            <a:schemeClr val="lt1"/>
+          </a:fontRef>
+        </p:style>
+        <p:txBody>
+          <a:bodyPr rtlCol="0" anchor="ctr"/>
+          <a:lstStyle/>
+          <a:p>
+            <a:pPr algn="ctr"/>
+            <a:endParaRPr lang="en-US"/>
+          </a:p>
+        </p:txBody>
+      </p:sp>
+      <p:sp>
+        <p:nvSpPr>
+          <p:cNvPr id="19" name="Freeform: Shape 18">
+            <a:extLst>
+              <a:ext uri="{FF2B5EF4-FFF2-40B4-BE49-F238E27FC236}">
+                <a16:creationId xmlns:a16="http://schemas.microsoft.com/office/drawing/2014/main" id="{C29501E6-A978-4A61-9689-9085AF97A53A}"/>
+              </a:ext>
+              <a:ext uri="{C183D7F6-B498-43B3-948B-1728B52AA6E4}">
+                <adec:decorative xmlns:adec="http://schemas.microsoft.com/office/drawing/2017/decorative" val="1"/>
+              </a:ext>
+            </a:extLst>
+          </p:cNvPr>
+          <p:cNvSpPr>
+            <a:spLocks noGrp="1" noRot="1" noChangeAspect="1" noMove="1" noResize="1" noEditPoints="1" noAdjustHandles="1" noChangeArrowheads="1" noChangeShapeType="1" noTextEdit="1"/>
+          </p:cNvSpPr>
+          <p:nvPr>
+            <p:extLst>
+              <p:ext uri="{386F3935-93C4-4BCD-93E2-E3B085C9AB24}">
+                <p16:designElem xmlns:p16="http://schemas.microsoft.com/office/powerpoint/2015/main" val="1"/>
+              </p:ext>
+            </p:extLst>
+          </p:nvPr>
+        </p:nvSpPr>
+        <p:spPr>
+          <a:xfrm rot="12508972">
+            <a:off x="5945431" y="-1032053"/>
+            <a:ext cx="4990147" cy="4439131"/>
+          </a:xfrm>
+          <a:custGeom>
+            <a:avLst/>
+            <a:gdLst>
+              <a:gd name="connsiteX0" fmla="*/ 4990147 w 4990147"/>
+              <a:gd name="connsiteY0" fmla="*/ 2229378 h 4439131"/>
+              <a:gd name="connsiteX1" fmla="*/ 917384 w 4990147"/>
+              <a:gd name="connsiteY1" fmla="*/ 4439131 h 4439131"/>
+              <a:gd name="connsiteX2" fmla="*/ 910814 w 4990147"/>
+              <a:gd name="connsiteY2" fmla="*/ 4434219 h 4439131"/>
+              <a:gd name="connsiteX3" fmla="*/ 0 w 4990147"/>
+              <a:gd name="connsiteY3" fmla="*/ 2502877 h 4439131"/>
+              <a:gd name="connsiteX4" fmla="*/ 2502877 w 4990147"/>
+              <a:gd name="connsiteY4" fmla="*/ 0 h 4439131"/>
+              <a:gd name="connsiteX5" fmla="*/ 4954904 w 4990147"/>
+              <a:gd name="connsiteY5" fmla="*/ 1998460 h 4439131"/>
+            </a:gdLst>
+            <a:ahLst/>
+            <a:cxnLst>
+              <a:cxn ang="0">
+                <a:pos x="connsiteX0" y="connsiteY0"/>
+              </a:cxn>
+              <a:cxn ang="0">
+                <a:pos x="connsiteX1" y="connsiteY1"/>
+              </a:cxn>
+              <a:cxn ang="0">
+                <a:pos x="connsiteX2" y="connsiteY2"/>
+              </a:cxn>
+              <a:cxn ang="0">
+                <a:pos x="connsiteX3" y="connsiteY3"/>
+              </a:cxn>
+              <a:cxn ang="0">
+                <a:pos x="connsiteX4" y="connsiteY4"/>
+              </a:cxn>
+              <a:cxn ang="0">
+                <a:pos x="connsiteX5" y="connsiteY5"/>
+              </a:cxn>
+            </a:cxnLst>
+            <a:rect l="l" t="t" r="r" b="b"/>
+            <a:pathLst>
+              <a:path w="4990147" h="4439131">
+                <a:moveTo>
+                  <a:pt x="4990147" y="2229378"/>
+                </a:moveTo>
+                <a:lnTo>
+                  <a:pt x="917384" y="4439131"/>
+                </a:lnTo>
+                <a:lnTo>
+                  <a:pt x="910814" y="4434219"/>
+                </a:lnTo>
+                <a:cubicBezTo>
+                  <a:pt x="354557" y="3975154"/>
+                  <a:pt x="0" y="3280421"/>
+                  <a:pt x="0" y="2502877"/>
+                </a:cubicBezTo>
+                <a:cubicBezTo>
+                  <a:pt x="0" y="1120576"/>
+                  <a:pt x="1120576" y="0"/>
+                  <a:pt x="2502877" y="0"/>
+                </a:cubicBezTo>
+                <a:cubicBezTo>
+                  <a:pt x="3712390" y="0"/>
+                  <a:pt x="4721520" y="857941"/>
+                  <a:pt x="4954904" y="1998460"/>
+                </a:cubicBezTo>
+                <a:close/>
+              </a:path>
+            </a:pathLst>
+          </a:custGeom>
+          <a:gradFill>
+            <a:gsLst>
+              <a:gs pos="0">
+                <a:schemeClr val="accent1">
+                  <a:alpha val="22000"/>
+                </a:schemeClr>
+              </a:gs>
+              <a:gs pos="87000">
+                <a:schemeClr val="accent1">
+                  <a:lumMod val="60000"/>
+                  <a:lumOff val="40000"/>
+                  <a:alpha val="2000"/>
+                </a:schemeClr>
+              </a:gs>
+            </a:gsLst>
+            <a:lin ang="8400000" scaled="0"/>
+          </a:gradFill>
+          <a:ln>
+            <a:noFill/>
+          </a:ln>
+        </p:spPr>
+        <p:style>
+          <a:lnRef idx="2">
+            <a:schemeClr val="accent1">
+              <a:shade val="50000"/>
+            </a:schemeClr>
+          </a:lnRef>
+          <a:fillRef idx="1">
+            <a:schemeClr val="accent1"/>
+          </a:fillRef>
+          <a:effectRef idx="0">
+            <a:schemeClr val="accent1"/>
+          </a:effectRef>
+          <a:fontRef idx="minor">
+            <a:schemeClr val="lt1"/>
+          </a:fontRef>
+        </p:style>
+        <p:txBody>
+          <a:bodyPr wrap="square" rtlCol="0" anchor="ctr">
+            <a:noAutofit/>
+          </a:bodyPr>
+          <a:lstStyle/>
+          <a:p>
+            <a:pPr algn="ctr"/>
+            <a:endParaRPr lang="en-US" dirty="0"/>
+          </a:p>
+        </p:txBody>
+      </p:sp>
+      <p:sp>
+        <p:nvSpPr>
+          <p:cNvPr id="2" name="Title 1">
+            <a:extLst>
+              <a:ext uri="{FF2B5EF4-FFF2-40B4-BE49-F238E27FC236}">
+                <a16:creationId xmlns:a16="http://schemas.microsoft.com/office/drawing/2014/main" id="{CF822F60-E324-83A2-0B65-975CCCE1FDE2}"/>
+              </a:ext>
+            </a:extLst>
+          </p:cNvPr>
+          <p:cNvSpPr>
+            <a:spLocks noGrp="1"/>
+          </p:cNvSpPr>
+          <p:nvPr>
+            <p:ph type="ctrTitle"/>
+          </p:nvPr>
+        </p:nvSpPr>
+        <p:spPr>
+          <a:xfrm>
+            <a:off x="1314824" y="735106"/>
+            <a:ext cx="10053763" cy="2928470"/>
+          </a:xfrm>
+        </p:spPr>
+        <p:txBody>
+          <a:bodyPr anchor="b">
+            <a:normAutofit/>
+          </a:bodyPr>
+          <a:lstStyle/>
+          <a:p>
+            <a:pPr algn="l"/>
+            <a:r>
+              <a:rPr lang="en-US" sz="4800" dirty="0">
+                <a:solidFill>
+                  <a:srgbClr val="FFFFFF"/>
+                </a:solidFill>
+              </a:rPr>
+              <a:t>Diagnosis and Tolerant Strategy of T-Type 3Level Inverters</a:t>
+            </a:r>
+            <a:endParaRPr lang="tr-TR" sz="4800" dirty="0">
+              <a:solidFill>
+                <a:srgbClr val="FFFFFF"/>
+              </a:solidFill>
+            </a:endParaRPr>
+          </a:p>
+        </p:txBody>
+      </p:sp>
+      <p:sp>
+        <p:nvSpPr>
+          <p:cNvPr id="4" name="Subtitle 3">
+            <a:extLst>
+              <a:ext uri="{FF2B5EF4-FFF2-40B4-BE49-F238E27FC236}">
+                <a16:creationId xmlns:a16="http://schemas.microsoft.com/office/drawing/2014/main" id="{C6DEBAA7-B24B-5E9C-BFD9-2F3660180599}"/>
+              </a:ext>
+            </a:extLst>
+          </p:cNvPr>
+          <p:cNvSpPr>
+            <a:spLocks noGrp="1"/>
+          </p:cNvSpPr>
+          <p:nvPr>
+            <p:ph type="subTitle" idx="1"/>
+          </p:nvPr>
+        </p:nvSpPr>
+        <p:spPr>
+          <a:xfrm>
+            <a:off x="1350682" y="4870824"/>
+            <a:ext cx="10005951" cy="1458258"/>
+          </a:xfrm>
+        </p:spPr>
+        <p:txBody>
+          <a:bodyPr anchor="ctr">
+            <a:normAutofit/>
+          </a:bodyPr>
+          <a:lstStyle/>
+          <a:p>
+            <a:pPr algn="l"/>
+            <a:endParaRPr lang="tr-TR"/>
+          </a:p>
+        </p:txBody>
+      </p:sp>
+    </p:spTree>
+    <p:extLst>
+      <p:ext uri="{BB962C8B-B14F-4D97-AF65-F5344CB8AC3E}">
+        <p14:creationId xmlns:p14="http://schemas.microsoft.com/office/powerpoint/2010/main" val="2299652320"/>
+      </p:ext>
+    </p:extLst>
+  </p:cSld>
+  <p:clrMapOvr>
+    <a:masterClrMapping/>
+  </p:clrMapOvr>
+</p:sld>
+</file>
+
+<file path=ppt/slides/slide12.xml><?xml version="1.0" encoding="utf-8"?>
 <p:sld xmlns:a="http://schemas.openxmlformats.org/drawingml/2006/main" xmlns:r="http://schemas.openxmlformats.org/officeDocument/2006/relationships" xmlns:p="http://schemas.openxmlformats.org/presentationml/2006/main">
   <p:cSld>
     <p:bg>
@@ -3295,6 +4498,84 @@
             </a:r>
           </a:p>
           <a:p>
+            <a:pPr marL="342900" indent="-342900" algn="just">
+              <a:buFont typeface="Arial" panose="020B0604020202020204" pitchFamily="34" charset="0"/>
+              <a:buChar char="•"/>
+            </a:pPr>
+            <a:endParaRPr lang="en-US" sz="2000" dirty="0">
+              <a:latin typeface="Times-Roman"/>
+            </a:endParaRPr>
+          </a:p>
+          <a:p>
+            <a:pPr marL="342900" indent="-342900" algn="just">
+              <a:buFont typeface="Arial" panose="020B0604020202020204" pitchFamily="34" charset="0"/>
+              <a:buChar char="•"/>
+            </a:pPr>
+            <a:r>
+              <a:rPr lang="en-US" sz="2000" b="1" u="sng" dirty="0">
+                <a:latin typeface="Times-Roman"/>
+              </a:rPr>
+              <a:t>T-Type Inverter: </a:t>
+            </a:r>
+            <a:r>
+              <a:rPr lang="en-US" sz="2000" dirty="0">
+                <a:latin typeface="Times-Roman"/>
+              </a:rPr>
+              <a:t>Half bridge switches block the full DC-link voltage.</a:t>
+            </a:r>
+          </a:p>
+          <a:p>
+            <a:pPr marL="342900" indent="-342900" algn="just">
+              <a:buFont typeface="Arial" panose="020B0604020202020204" pitchFamily="34" charset="0"/>
+              <a:buChar char="•"/>
+            </a:pPr>
+            <a:endParaRPr lang="en-US" sz="2000" dirty="0">
+              <a:latin typeface="Times-Roman"/>
+            </a:endParaRPr>
+          </a:p>
+          <a:p>
+            <a:pPr marL="342900" indent="-342900" algn="just">
+              <a:buFont typeface="Arial" panose="020B0604020202020204" pitchFamily="34" charset="0"/>
+              <a:buChar char="•"/>
+            </a:pPr>
+            <a:r>
+              <a:rPr lang="en-US" sz="2000" dirty="0">
+                <a:latin typeface="Times-Roman"/>
+              </a:rPr>
+              <a:t>Switches between NP and each output block half of DC-link voltage.</a:t>
+            </a:r>
+          </a:p>
+          <a:p>
+            <a:pPr marL="342900" indent="-342900" algn="just">
+              <a:buFont typeface="Arial" panose="020B0604020202020204" pitchFamily="34" charset="0"/>
+              <a:buChar char="•"/>
+            </a:pPr>
+            <a:endParaRPr lang="en-US" sz="2000" dirty="0">
+              <a:latin typeface="Times-Roman"/>
+            </a:endParaRPr>
+          </a:p>
+          <a:p>
+            <a:pPr marL="342900" indent="-342900" algn="just">
+              <a:buFont typeface="Arial" panose="020B0604020202020204" pitchFamily="34" charset="0"/>
+              <a:buChar char="•"/>
+            </a:pPr>
+            <a:r>
+              <a:rPr lang="en-US" sz="2000" dirty="0">
+                <a:latin typeface="Times-Roman"/>
+              </a:rPr>
+              <a:t>Conduction losses are less than NPC Inverters (2 switches for Vdc in NPC, 1 switch </a:t>
+            </a:r>
+            <a:r>
+              <a:rPr lang="en-US" sz="2000">
+                <a:latin typeface="Times-Roman"/>
+              </a:rPr>
+              <a:t>in T-Type.)</a:t>
+            </a:r>
+            <a:endParaRPr lang="en-US" sz="2000" dirty="0">
+              <a:latin typeface="Times-Roman"/>
+            </a:endParaRPr>
+          </a:p>
+          <a:p>
             <a:pPr marL="342900" indent="-342900" algn="l">
               <a:buFont typeface="Arial" panose="020B0604020202020204" pitchFamily="34" charset="0"/>
               <a:buChar char="•"/>
@@ -3395,6 +4676,90 @@
     <p:extLst>
       <p:ext uri="{BB962C8B-B14F-4D97-AF65-F5344CB8AC3E}">
         <p14:creationId xmlns:p14="http://schemas.microsoft.com/office/powerpoint/2010/main" val="210411962"/>
+      </p:ext>
+    </p:extLst>
+  </p:cSld>
+  <p:clrMapOvr>
+    <a:masterClrMapping/>
+  </p:clrMapOvr>
+</p:sld>
+</file>
+
+<file path=ppt/slides/slide13.xml><?xml version="1.0" encoding="utf-8"?>
+<p:sld xmlns:a="http://schemas.openxmlformats.org/drawingml/2006/main" xmlns:r="http://schemas.openxmlformats.org/officeDocument/2006/relationships" xmlns:p="http://schemas.openxmlformats.org/presentationml/2006/main">
+  <p:cSld>
+    <p:spTree>
+      <p:nvGrpSpPr>
+        <p:cNvPr id="1" name=""/>
+        <p:cNvGrpSpPr/>
+        <p:nvPr/>
+      </p:nvGrpSpPr>
+      <p:grpSpPr>
+        <a:xfrm>
+          <a:off x="0" y="0"/>
+          <a:ext cx="0" cy="0"/>
+          <a:chOff x="0" y="0"/>
+          <a:chExt cx="0" cy="0"/>
+        </a:xfrm>
+      </p:grpSpPr>
+      <p:sp>
+        <p:nvSpPr>
+          <p:cNvPr id="2" name="Title 1">
+            <a:extLst>
+              <a:ext uri="{FF2B5EF4-FFF2-40B4-BE49-F238E27FC236}">
+                <a16:creationId xmlns:a16="http://schemas.microsoft.com/office/drawing/2014/main" id="{3F0C01E9-8536-1237-9FA5-5DAAAB996B57}"/>
+              </a:ext>
+            </a:extLst>
+          </p:cNvPr>
+          <p:cNvSpPr>
+            <a:spLocks noGrp="1"/>
+          </p:cNvSpPr>
+          <p:nvPr>
+            <p:ph type="title"/>
+          </p:nvPr>
+        </p:nvSpPr>
+        <p:spPr/>
+        <p:txBody>
+          <a:bodyPr/>
+          <a:lstStyle/>
+          <a:p>
+            <a:r>
+              <a:rPr lang="en-US"/>
+              <a:t>Diagnosis and Tolerant Strategy of T-Type 3LI</a:t>
+            </a:r>
+            <a:endParaRPr lang="tr-TR" dirty="0"/>
+          </a:p>
+        </p:txBody>
+      </p:sp>
+      <p:sp>
+        <p:nvSpPr>
+          <p:cNvPr id="3" name="Content Placeholder 2">
+            <a:extLst>
+              <a:ext uri="{FF2B5EF4-FFF2-40B4-BE49-F238E27FC236}">
+                <a16:creationId xmlns:a16="http://schemas.microsoft.com/office/drawing/2014/main" id="{FC328C72-921B-B2AE-A20D-6E8FEBBA39FE}"/>
+              </a:ext>
+            </a:extLst>
+          </p:cNvPr>
+          <p:cNvSpPr>
+            <a:spLocks noGrp="1"/>
+          </p:cNvSpPr>
+          <p:nvPr>
+            <p:ph idx="1"/>
+          </p:nvPr>
+        </p:nvSpPr>
+        <p:spPr/>
+        <p:txBody>
+          <a:bodyPr/>
+          <a:lstStyle/>
+          <a:p>
+            <a:endParaRPr lang="tr-TR" dirty="0"/>
+          </a:p>
+        </p:txBody>
+      </p:sp>
+    </p:spTree>
+    <p:extLst>
+      <p:ext uri="{BB962C8B-B14F-4D97-AF65-F5344CB8AC3E}">
+        <p14:creationId xmlns:p14="http://schemas.microsoft.com/office/powerpoint/2010/main" val="153875960"/>
       </p:ext>
     </p:extLst>
   </p:cSld>

--- a/Reports/Fault_Tolerance.pptx
+++ b/Reports/Fault_Tolerance.pptx
@@ -18,6 +18,7 @@
     <p:sldId id="268" r:id="rId12"/>
     <p:sldId id="266" r:id="rId13"/>
     <p:sldId id="267" r:id="rId14"/>
+    <p:sldId id="269" r:id="rId15"/>
   </p:sldIdLst>
   <p:sldSz cx="12192000" cy="6858000"/>
   <p:notesSz cx="6858000" cy="9144000"/>
@@ -255,7 +256,7 @@
           <a:p>
             <a:fld id="{524C83C5-A6E3-467E-88A3-7867E1892419}" type="datetimeFigureOut">
               <a:rPr lang="tr-TR" smtClean="0"/>
-              <a:t>20.02.2024</a:t>
+              <a:t>21.02.2024</a:t>
             </a:fld>
             <a:endParaRPr lang="tr-TR"/>
           </a:p>
@@ -425,7 +426,7 @@
           <a:p>
             <a:fld id="{524C83C5-A6E3-467E-88A3-7867E1892419}" type="datetimeFigureOut">
               <a:rPr lang="tr-TR" smtClean="0"/>
-              <a:t>20.02.2024</a:t>
+              <a:t>21.02.2024</a:t>
             </a:fld>
             <a:endParaRPr lang="tr-TR"/>
           </a:p>
@@ -605,7 +606,7 @@
           <a:p>
             <a:fld id="{524C83C5-A6E3-467E-88A3-7867E1892419}" type="datetimeFigureOut">
               <a:rPr lang="tr-TR" smtClean="0"/>
-              <a:t>20.02.2024</a:t>
+              <a:t>21.02.2024</a:t>
             </a:fld>
             <a:endParaRPr lang="tr-TR"/>
           </a:p>
@@ -775,7 +776,7 @@
           <a:p>
             <a:fld id="{524C83C5-A6E3-467E-88A3-7867E1892419}" type="datetimeFigureOut">
               <a:rPr lang="tr-TR" smtClean="0"/>
-              <a:t>20.02.2024</a:t>
+              <a:t>21.02.2024</a:t>
             </a:fld>
             <a:endParaRPr lang="tr-TR"/>
           </a:p>
@@ -1021,7 +1022,7 @@
           <a:p>
             <a:fld id="{524C83C5-A6E3-467E-88A3-7867E1892419}" type="datetimeFigureOut">
               <a:rPr lang="tr-TR" smtClean="0"/>
-              <a:t>20.02.2024</a:t>
+              <a:t>21.02.2024</a:t>
             </a:fld>
             <a:endParaRPr lang="tr-TR"/>
           </a:p>
@@ -1253,7 +1254,7 @@
           <a:p>
             <a:fld id="{524C83C5-A6E3-467E-88A3-7867E1892419}" type="datetimeFigureOut">
               <a:rPr lang="tr-TR" smtClean="0"/>
-              <a:t>20.02.2024</a:t>
+              <a:t>21.02.2024</a:t>
             </a:fld>
             <a:endParaRPr lang="tr-TR"/>
           </a:p>
@@ -1620,7 +1621,7 @@
           <a:p>
             <a:fld id="{524C83C5-A6E3-467E-88A3-7867E1892419}" type="datetimeFigureOut">
               <a:rPr lang="tr-TR" smtClean="0"/>
-              <a:t>20.02.2024</a:t>
+              <a:t>21.02.2024</a:t>
             </a:fld>
             <a:endParaRPr lang="tr-TR"/>
           </a:p>
@@ -1738,7 +1739,7 @@
           <a:p>
             <a:fld id="{524C83C5-A6E3-467E-88A3-7867E1892419}" type="datetimeFigureOut">
               <a:rPr lang="tr-TR" smtClean="0"/>
-              <a:t>20.02.2024</a:t>
+              <a:t>21.02.2024</a:t>
             </a:fld>
             <a:endParaRPr lang="tr-TR"/>
           </a:p>
@@ -1833,7 +1834,7 @@
           <a:p>
             <a:fld id="{524C83C5-A6E3-467E-88A3-7867E1892419}" type="datetimeFigureOut">
               <a:rPr lang="tr-TR" smtClean="0"/>
-              <a:t>20.02.2024</a:t>
+              <a:t>21.02.2024</a:t>
             </a:fld>
             <a:endParaRPr lang="tr-TR"/>
           </a:p>
@@ -2110,7 +2111,7 @@
           <a:p>
             <a:fld id="{524C83C5-A6E3-467E-88A3-7867E1892419}" type="datetimeFigureOut">
               <a:rPr lang="tr-TR" smtClean="0"/>
-              <a:t>20.02.2024</a:t>
+              <a:t>21.02.2024</a:t>
             </a:fld>
             <a:endParaRPr lang="tr-TR"/>
           </a:p>
@@ -2367,7 +2368,7 @@
           <a:p>
             <a:fld id="{524C83C5-A6E3-467E-88A3-7867E1892419}" type="datetimeFigureOut">
               <a:rPr lang="tr-TR" smtClean="0"/>
-              <a:t>20.02.2024</a:t>
+              <a:t>21.02.2024</a:t>
             </a:fld>
             <a:endParaRPr lang="tr-TR"/>
           </a:p>
@@ -2580,7 +2581,7 @@
           <a:p>
             <a:fld id="{524C83C5-A6E3-467E-88A3-7867E1892419}" type="datetimeFigureOut">
               <a:rPr lang="tr-TR" smtClean="0"/>
-              <a:t>20.02.2024</a:t>
+              <a:t>21.02.2024</a:t>
             </a:fld>
             <a:endParaRPr lang="tr-TR"/>
           </a:p>
@@ -4320,10 +4321,684 @@
           <a:lstStyle/>
           <a:p>
             <a:pPr algn="l"/>
-            <a:endParaRPr lang="tr-TR"/>
+            <a:r>
+              <a:rPr lang="en-US" dirty="0"/>
+              <a:t>*under open-switch fault conditions</a:t>
+            </a:r>
+            <a:endParaRPr lang="tr-TR" dirty="0"/>
           </a:p>
         </p:txBody>
       </p:sp>
+      <p:graphicFrame>
+        <p:nvGraphicFramePr>
+          <p:cNvPr id="3" name="Table 2">
+            <a:extLst>
+              <a:ext uri="{FF2B5EF4-FFF2-40B4-BE49-F238E27FC236}">
+                <a16:creationId xmlns:a16="http://schemas.microsoft.com/office/drawing/2014/main" id="{0222BD00-5246-3092-A911-F466EF587356}"/>
+              </a:ext>
+            </a:extLst>
+          </p:cNvPr>
+          <p:cNvGraphicFramePr>
+            <a:graphicFrameLocks noGrp="1"/>
+          </p:cNvGraphicFramePr>
+          <p:nvPr>
+            <p:extLst>
+              <p:ext uri="{D42A27DB-BD31-4B8C-83A1-F6EECF244321}">
+                <p14:modId xmlns:p14="http://schemas.microsoft.com/office/powerpoint/2010/main" val="2301896621"/>
+              </p:ext>
+            </p:extLst>
+          </p:nvPr>
+        </p:nvGraphicFramePr>
+        <p:xfrm>
+          <a:off x="6672649" y="4976318"/>
+          <a:ext cx="4481382" cy="1218536"/>
+        </p:xfrm>
+        <a:graphic>
+          <a:graphicData uri="http://schemas.openxmlformats.org/drawingml/2006/table">
+            <a:tbl>
+              <a:tblPr>
+                <a:tableStyleId>{5C22544A-7EE6-4342-B048-85BDC9FD1C3A}</a:tableStyleId>
+              </a:tblPr>
+              <a:tblGrid>
+                <a:gridCol w="746897">
+                  <a:extLst>
+                    <a:ext uri="{9D8B030D-6E8A-4147-A177-3AD203B41FA5}">
+                      <a16:colId xmlns:a16="http://schemas.microsoft.com/office/drawing/2014/main" val="738067104"/>
+                    </a:ext>
+                  </a:extLst>
+                </a:gridCol>
+                <a:gridCol w="746897">
+                  <a:extLst>
+                    <a:ext uri="{9D8B030D-6E8A-4147-A177-3AD203B41FA5}">
+                      <a16:colId xmlns:a16="http://schemas.microsoft.com/office/drawing/2014/main" val="1871928831"/>
+                    </a:ext>
+                  </a:extLst>
+                </a:gridCol>
+                <a:gridCol w="746897">
+                  <a:extLst>
+                    <a:ext uri="{9D8B030D-6E8A-4147-A177-3AD203B41FA5}">
+                      <a16:colId xmlns:a16="http://schemas.microsoft.com/office/drawing/2014/main" val="659605148"/>
+                    </a:ext>
+                  </a:extLst>
+                </a:gridCol>
+                <a:gridCol w="746897">
+                  <a:extLst>
+                    <a:ext uri="{9D8B030D-6E8A-4147-A177-3AD203B41FA5}">
+                      <a16:colId xmlns:a16="http://schemas.microsoft.com/office/drawing/2014/main" val="3118763300"/>
+                    </a:ext>
+                  </a:extLst>
+                </a:gridCol>
+                <a:gridCol w="746897">
+                  <a:extLst>
+                    <a:ext uri="{9D8B030D-6E8A-4147-A177-3AD203B41FA5}">
+                      <a16:colId xmlns:a16="http://schemas.microsoft.com/office/drawing/2014/main" val="1741976836"/>
+                    </a:ext>
+                  </a:extLst>
+                </a:gridCol>
+                <a:gridCol w="746897">
+                  <a:extLst>
+                    <a:ext uri="{9D8B030D-6E8A-4147-A177-3AD203B41FA5}">
+                      <a16:colId xmlns:a16="http://schemas.microsoft.com/office/drawing/2014/main" val="3286428204"/>
+                    </a:ext>
+                  </a:extLst>
+                </a:gridCol>
+              </a:tblGrid>
+              <a:tr h="304634">
+                <a:tc>
+                  <a:txBody>
+                    <a:bodyPr/>
+                    <a:lstStyle/>
+                    <a:p>
+                      <a:pPr algn="l" fontAlgn="b"/>
+                      <a:r>
+                        <a:rPr lang="tr-TR" sz="1100" u="none" strike="noStrike">
+                          <a:effectLst/>
+                        </a:rPr>
+                        <a:t>State</a:t>
+                      </a:r>
+                      <a:endParaRPr lang="tr-TR" sz="1100" b="0" i="0" u="none" strike="noStrike">
+                        <a:solidFill>
+                          <a:srgbClr val="000000"/>
+                        </a:solidFill>
+                        <a:effectLst/>
+                        <a:latin typeface="Calibri" panose="020F0502020204030204" pitchFamily="34" charset="0"/>
+                      </a:endParaRPr>
+                    </a:p>
+                  </a:txBody>
+                  <a:tcPr marL="6350" marR="6350" marT="6350" marB="0" anchor="b"/>
+                </a:tc>
+                <a:tc>
+                  <a:txBody>
+                    <a:bodyPr/>
+                    <a:lstStyle/>
+                    <a:p>
+                      <a:pPr algn="l" fontAlgn="b"/>
+                      <a:r>
+                        <a:rPr lang="tr-TR" sz="1100" u="none" strike="noStrike" dirty="0">
+                          <a:effectLst/>
+                        </a:rPr>
+                        <a:t>Vout</a:t>
+                      </a:r>
+                      <a:endParaRPr lang="tr-TR" sz="1100" b="0" i="0" u="none" strike="noStrike" dirty="0">
+                        <a:solidFill>
+                          <a:srgbClr val="000000"/>
+                        </a:solidFill>
+                        <a:effectLst/>
+                        <a:latin typeface="Calibri" panose="020F0502020204030204" pitchFamily="34" charset="0"/>
+                      </a:endParaRPr>
+                    </a:p>
+                  </a:txBody>
+                  <a:tcPr marL="6350" marR="6350" marT="6350" marB="0" anchor="b"/>
+                </a:tc>
+                <a:tc>
+                  <a:txBody>
+                    <a:bodyPr/>
+                    <a:lstStyle/>
+                    <a:p>
+                      <a:pPr algn="l" fontAlgn="b"/>
+                      <a:r>
+                        <a:rPr lang="tr-TR" sz="1100" u="none" strike="noStrike">
+                          <a:effectLst/>
+                        </a:rPr>
+                        <a:t>Sa1</a:t>
+                      </a:r>
+                      <a:endParaRPr lang="tr-TR" sz="1100" b="0" i="0" u="none" strike="noStrike">
+                        <a:solidFill>
+                          <a:srgbClr val="000000"/>
+                        </a:solidFill>
+                        <a:effectLst/>
+                        <a:latin typeface="Calibri" panose="020F0502020204030204" pitchFamily="34" charset="0"/>
+                      </a:endParaRPr>
+                    </a:p>
+                  </a:txBody>
+                  <a:tcPr marL="6350" marR="6350" marT="6350" marB="0" anchor="b"/>
+                </a:tc>
+                <a:tc>
+                  <a:txBody>
+                    <a:bodyPr/>
+                    <a:lstStyle/>
+                    <a:p>
+                      <a:pPr algn="l" fontAlgn="b"/>
+                      <a:r>
+                        <a:rPr lang="tr-TR" sz="1100" u="none" strike="noStrike">
+                          <a:effectLst/>
+                        </a:rPr>
+                        <a:t>Sa2</a:t>
+                      </a:r>
+                      <a:endParaRPr lang="tr-TR" sz="1100" b="0" i="0" u="none" strike="noStrike">
+                        <a:solidFill>
+                          <a:srgbClr val="000000"/>
+                        </a:solidFill>
+                        <a:effectLst/>
+                        <a:latin typeface="Calibri" panose="020F0502020204030204" pitchFamily="34" charset="0"/>
+                      </a:endParaRPr>
+                    </a:p>
+                  </a:txBody>
+                  <a:tcPr marL="6350" marR="6350" marT="6350" marB="0" anchor="b"/>
+                </a:tc>
+                <a:tc>
+                  <a:txBody>
+                    <a:bodyPr/>
+                    <a:lstStyle/>
+                    <a:p>
+                      <a:pPr algn="l" fontAlgn="b"/>
+                      <a:r>
+                        <a:rPr lang="tr-TR" sz="1100" u="none" strike="noStrike">
+                          <a:effectLst/>
+                        </a:rPr>
+                        <a:t>Sa3</a:t>
+                      </a:r>
+                      <a:endParaRPr lang="tr-TR" sz="1100" b="0" i="0" u="none" strike="noStrike">
+                        <a:solidFill>
+                          <a:srgbClr val="000000"/>
+                        </a:solidFill>
+                        <a:effectLst/>
+                        <a:latin typeface="Calibri" panose="020F0502020204030204" pitchFamily="34" charset="0"/>
+                      </a:endParaRPr>
+                    </a:p>
+                  </a:txBody>
+                  <a:tcPr marL="6350" marR="6350" marT="6350" marB="0" anchor="b"/>
+                </a:tc>
+                <a:tc>
+                  <a:txBody>
+                    <a:bodyPr/>
+                    <a:lstStyle/>
+                    <a:p>
+                      <a:pPr algn="l" fontAlgn="b"/>
+                      <a:r>
+                        <a:rPr lang="tr-TR" sz="1100" u="none" strike="noStrike">
+                          <a:effectLst/>
+                        </a:rPr>
+                        <a:t>Sa4</a:t>
+                      </a:r>
+                      <a:endParaRPr lang="tr-TR" sz="1100" b="0" i="0" u="none" strike="noStrike">
+                        <a:solidFill>
+                          <a:srgbClr val="000000"/>
+                        </a:solidFill>
+                        <a:effectLst/>
+                        <a:latin typeface="Calibri" panose="020F0502020204030204" pitchFamily="34" charset="0"/>
+                      </a:endParaRPr>
+                    </a:p>
+                  </a:txBody>
+                  <a:tcPr marL="6350" marR="6350" marT="6350" marB="0" anchor="b"/>
+                </a:tc>
+                <a:extLst>
+                  <a:ext uri="{0D108BD9-81ED-4DB2-BD59-A6C34878D82A}">
+                    <a16:rowId xmlns:a16="http://schemas.microsoft.com/office/drawing/2014/main" val="3878468668"/>
+                  </a:ext>
+                </a:extLst>
+              </a:tr>
+              <a:tr h="304634">
+                <a:tc>
+                  <a:txBody>
+                    <a:bodyPr/>
+                    <a:lstStyle/>
+                    <a:p>
+                      <a:pPr algn="l" fontAlgn="b"/>
+                      <a:r>
+                        <a:rPr lang="tr-TR" sz="1100" u="none" strike="noStrike">
+                          <a:effectLst/>
+                        </a:rPr>
+                        <a:t>P</a:t>
+                      </a:r>
+                      <a:endParaRPr lang="tr-TR" sz="1100" b="0" i="0" u="none" strike="noStrike">
+                        <a:solidFill>
+                          <a:srgbClr val="000000"/>
+                        </a:solidFill>
+                        <a:effectLst/>
+                        <a:latin typeface="Calibri" panose="020F0502020204030204" pitchFamily="34" charset="0"/>
+                      </a:endParaRPr>
+                    </a:p>
+                  </a:txBody>
+                  <a:tcPr marL="6350" marR="6350" marT="6350" marB="0" anchor="b"/>
+                </a:tc>
+                <a:tc>
+                  <a:txBody>
+                    <a:bodyPr/>
+                    <a:lstStyle/>
+                    <a:p>
+                      <a:pPr algn="l" fontAlgn="b"/>
+                      <a:r>
+                        <a:rPr lang="en-US" sz="1100" u="none" strike="noStrike" dirty="0">
+                          <a:effectLst/>
+                        </a:rPr>
+                        <a:t>+</a:t>
+                      </a:r>
+                      <a:r>
+                        <a:rPr lang="tr-TR" sz="1100" u="none" strike="noStrike" dirty="0">
+                          <a:effectLst/>
+                        </a:rPr>
+                        <a:t>Vdc/2</a:t>
+                      </a:r>
+                      <a:endParaRPr lang="tr-TR" sz="1100" b="0" i="0" u="none" strike="noStrike" dirty="0">
+                        <a:solidFill>
+                          <a:srgbClr val="000000"/>
+                        </a:solidFill>
+                        <a:effectLst/>
+                        <a:latin typeface="Calibri" panose="020F0502020204030204" pitchFamily="34" charset="0"/>
+                      </a:endParaRPr>
+                    </a:p>
+                  </a:txBody>
+                  <a:tcPr marL="6350" marR="6350" marT="6350" marB="0" anchor="b"/>
+                </a:tc>
+                <a:tc>
+                  <a:txBody>
+                    <a:bodyPr/>
+                    <a:lstStyle/>
+                    <a:p>
+                      <a:pPr algn="l" fontAlgn="b"/>
+                      <a:r>
+                        <a:rPr lang="tr-TR" sz="1100" u="none" strike="noStrike">
+                          <a:effectLst/>
+                        </a:rPr>
+                        <a:t>ON</a:t>
+                      </a:r>
+                      <a:endParaRPr lang="tr-TR" sz="1100" b="0" i="0" u="none" strike="noStrike">
+                        <a:solidFill>
+                          <a:srgbClr val="000000"/>
+                        </a:solidFill>
+                        <a:effectLst/>
+                        <a:latin typeface="Calibri" panose="020F0502020204030204" pitchFamily="34" charset="0"/>
+                      </a:endParaRPr>
+                    </a:p>
+                  </a:txBody>
+                  <a:tcPr marL="6350" marR="6350" marT="6350" marB="0" anchor="b"/>
+                </a:tc>
+                <a:tc>
+                  <a:txBody>
+                    <a:bodyPr/>
+                    <a:lstStyle/>
+                    <a:p>
+                      <a:pPr algn="l" fontAlgn="b"/>
+                      <a:r>
+                        <a:rPr lang="tr-TR" sz="1100" u="none" strike="noStrike" dirty="0">
+                          <a:effectLst/>
+                        </a:rPr>
+                        <a:t>ON</a:t>
+                      </a:r>
+                      <a:endParaRPr lang="tr-TR" sz="1100" b="0" i="0" u="none" strike="noStrike" dirty="0">
+                        <a:solidFill>
+                          <a:srgbClr val="000000"/>
+                        </a:solidFill>
+                        <a:effectLst/>
+                        <a:latin typeface="Calibri" panose="020F0502020204030204" pitchFamily="34" charset="0"/>
+                      </a:endParaRPr>
+                    </a:p>
+                  </a:txBody>
+                  <a:tcPr marL="6350" marR="6350" marT="6350" marB="0" anchor="b"/>
+                </a:tc>
+                <a:tc>
+                  <a:txBody>
+                    <a:bodyPr/>
+                    <a:lstStyle/>
+                    <a:p>
+                      <a:pPr algn="l" fontAlgn="b"/>
+                      <a:r>
+                        <a:rPr lang="tr-TR" sz="1100" u="none" strike="noStrike">
+                          <a:effectLst/>
+                        </a:rPr>
+                        <a:t>OFF</a:t>
+                      </a:r>
+                      <a:endParaRPr lang="tr-TR" sz="1100" b="0" i="0" u="none" strike="noStrike">
+                        <a:solidFill>
+                          <a:srgbClr val="000000"/>
+                        </a:solidFill>
+                        <a:effectLst/>
+                        <a:latin typeface="Calibri" panose="020F0502020204030204" pitchFamily="34" charset="0"/>
+                      </a:endParaRPr>
+                    </a:p>
+                  </a:txBody>
+                  <a:tcPr marL="6350" marR="6350" marT="6350" marB="0" anchor="b"/>
+                </a:tc>
+                <a:tc>
+                  <a:txBody>
+                    <a:bodyPr/>
+                    <a:lstStyle/>
+                    <a:p>
+                      <a:pPr algn="l" fontAlgn="b"/>
+                      <a:r>
+                        <a:rPr lang="tr-TR" sz="1100" u="none" strike="noStrike">
+                          <a:effectLst/>
+                        </a:rPr>
+                        <a:t>OFF</a:t>
+                      </a:r>
+                      <a:endParaRPr lang="tr-TR" sz="1100" b="0" i="0" u="none" strike="noStrike">
+                        <a:solidFill>
+                          <a:srgbClr val="000000"/>
+                        </a:solidFill>
+                        <a:effectLst/>
+                        <a:latin typeface="Calibri" panose="020F0502020204030204" pitchFamily="34" charset="0"/>
+                      </a:endParaRPr>
+                    </a:p>
+                  </a:txBody>
+                  <a:tcPr marL="6350" marR="6350" marT="6350" marB="0" anchor="b"/>
+                </a:tc>
+                <a:extLst>
+                  <a:ext uri="{0D108BD9-81ED-4DB2-BD59-A6C34878D82A}">
+                    <a16:rowId xmlns:a16="http://schemas.microsoft.com/office/drawing/2014/main" val="1327193577"/>
+                  </a:ext>
+                </a:extLst>
+              </a:tr>
+              <a:tr h="304634">
+                <a:tc>
+                  <a:txBody>
+                    <a:bodyPr/>
+                    <a:lstStyle/>
+                    <a:p>
+                      <a:pPr algn="l" fontAlgn="b"/>
+                      <a:r>
+                        <a:rPr lang="tr-TR" sz="1100" u="none" strike="noStrike">
+                          <a:effectLst/>
+                        </a:rPr>
+                        <a:t>0</a:t>
+                      </a:r>
+                      <a:endParaRPr lang="tr-TR" sz="1100" b="0" i="0" u="none" strike="noStrike">
+                        <a:solidFill>
+                          <a:srgbClr val="000000"/>
+                        </a:solidFill>
+                        <a:effectLst/>
+                        <a:latin typeface="Calibri" panose="020F0502020204030204" pitchFamily="34" charset="0"/>
+                      </a:endParaRPr>
+                    </a:p>
+                  </a:txBody>
+                  <a:tcPr marL="6350" marR="6350" marT="6350" marB="0" anchor="b"/>
+                </a:tc>
+                <a:tc>
+                  <a:txBody>
+                    <a:bodyPr/>
+                    <a:lstStyle/>
+                    <a:p>
+                      <a:pPr algn="ctr" fontAlgn="b"/>
+                      <a:r>
+                        <a:rPr lang="tr-TR" sz="1100" u="none" strike="noStrike">
+                          <a:effectLst/>
+                        </a:rPr>
+                        <a:t>0</a:t>
+                      </a:r>
+                      <a:endParaRPr lang="tr-TR" sz="1100" b="0" i="0" u="none" strike="noStrike">
+                        <a:solidFill>
+                          <a:srgbClr val="000000"/>
+                        </a:solidFill>
+                        <a:effectLst/>
+                        <a:latin typeface="Calibri" panose="020F0502020204030204" pitchFamily="34" charset="0"/>
+                      </a:endParaRPr>
+                    </a:p>
+                  </a:txBody>
+                  <a:tcPr marL="6350" marR="6350" marT="6350" marB="0" anchor="b"/>
+                </a:tc>
+                <a:tc>
+                  <a:txBody>
+                    <a:bodyPr/>
+                    <a:lstStyle/>
+                    <a:p>
+                      <a:pPr algn="l" fontAlgn="b"/>
+                      <a:r>
+                        <a:rPr lang="tr-TR" sz="1100" u="none" strike="noStrike">
+                          <a:effectLst/>
+                        </a:rPr>
+                        <a:t>OFF</a:t>
+                      </a:r>
+                      <a:endParaRPr lang="tr-TR" sz="1100" b="0" i="0" u="none" strike="noStrike">
+                        <a:solidFill>
+                          <a:srgbClr val="000000"/>
+                        </a:solidFill>
+                        <a:effectLst/>
+                        <a:latin typeface="Calibri" panose="020F0502020204030204" pitchFamily="34" charset="0"/>
+                      </a:endParaRPr>
+                    </a:p>
+                  </a:txBody>
+                  <a:tcPr marL="6350" marR="6350" marT="6350" marB="0" anchor="b"/>
+                </a:tc>
+                <a:tc>
+                  <a:txBody>
+                    <a:bodyPr/>
+                    <a:lstStyle/>
+                    <a:p>
+                      <a:pPr algn="l" fontAlgn="b"/>
+                      <a:r>
+                        <a:rPr lang="tr-TR" sz="1100" u="none" strike="noStrike" dirty="0">
+                          <a:effectLst/>
+                        </a:rPr>
+                        <a:t>ON</a:t>
+                      </a:r>
+                      <a:endParaRPr lang="tr-TR" sz="1100" b="0" i="0" u="none" strike="noStrike" dirty="0">
+                        <a:solidFill>
+                          <a:srgbClr val="000000"/>
+                        </a:solidFill>
+                        <a:effectLst/>
+                        <a:latin typeface="Calibri" panose="020F0502020204030204" pitchFamily="34" charset="0"/>
+                      </a:endParaRPr>
+                    </a:p>
+                  </a:txBody>
+                  <a:tcPr marL="6350" marR="6350" marT="6350" marB="0" anchor="b"/>
+                </a:tc>
+                <a:tc>
+                  <a:txBody>
+                    <a:bodyPr/>
+                    <a:lstStyle/>
+                    <a:p>
+                      <a:pPr algn="l" fontAlgn="b"/>
+                      <a:r>
+                        <a:rPr lang="tr-TR" sz="1100" u="none" strike="noStrike">
+                          <a:effectLst/>
+                        </a:rPr>
+                        <a:t>ON</a:t>
+                      </a:r>
+                      <a:endParaRPr lang="tr-TR" sz="1100" b="0" i="0" u="none" strike="noStrike">
+                        <a:solidFill>
+                          <a:srgbClr val="000000"/>
+                        </a:solidFill>
+                        <a:effectLst/>
+                        <a:latin typeface="Calibri" panose="020F0502020204030204" pitchFamily="34" charset="0"/>
+                      </a:endParaRPr>
+                    </a:p>
+                  </a:txBody>
+                  <a:tcPr marL="6350" marR="6350" marT="6350" marB="0" anchor="b"/>
+                </a:tc>
+                <a:tc>
+                  <a:txBody>
+                    <a:bodyPr/>
+                    <a:lstStyle/>
+                    <a:p>
+                      <a:pPr algn="l" fontAlgn="b"/>
+                      <a:r>
+                        <a:rPr lang="tr-TR" sz="1100" u="none" strike="noStrike">
+                          <a:effectLst/>
+                        </a:rPr>
+                        <a:t>OFF</a:t>
+                      </a:r>
+                      <a:endParaRPr lang="tr-TR" sz="1100" b="0" i="0" u="none" strike="noStrike">
+                        <a:solidFill>
+                          <a:srgbClr val="000000"/>
+                        </a:solidFill>
+                        <a:effectLst/>
+                        <a:latin typeface="Calibri" panose="020F0502020204030204" pitchFamily="34" charset="0"/>
+                      </a:endParaRPr>
+                    </a:p>
+                  </a:txBody>
+                  <a:tcPr marL="6350" marR="6350" marT="6350" marB="0" anchor="b"/>
+                </a:tc>
+                <a:extLst>
+                  <a:ext uri="{0D108BD9-81ED-4DB2-BD59-A6C34878D82A}">
+                    <a16:rowId xmlns:a16="http://schemas.microsoft.com/office/drawing/2014/main" val="124995844"/>
+                  </a:ext>
+                </a:extLst>
+              </a:tr>
+              <a:tr h="304634">
+                <a:tc>
+                  <a:txBody>
+                    <a:bodyPr/>
+                    <a:lstStyle/>
+                    <a:p>
+                      <a:pPr algn="l" fontAlgn="b"/>
+                      <a:r>
+                        <a:rPr lang="tr-TR" sz="1100" u="none" strike="noStrike">
+                          <a:effectLst/>
+                        </a:rPr>
+                        <a:t>N</a:t>
+                      </a:r>
+                      <a:endParaRPr lang="tr-TR" sz="1100" b="0" i="0" u="none" strike="noStrike">
+                        <a:solidFill>
+                          <a:srgbClr val="000000"/>
+                        </a:solidFill>
+                        <a:effectLst/>
+                        <a:latin typeface="Calibri" panose="020F0502020204030204" pitchFamily="34" charset="0"/>
+                      </a:endParaRPr>
+                    </a:p>
+                  </a:txBody>
+                  <a:tcPr marL="6350" marR="6350" marT="6350" marB="0" anchor="b"/>
+                </a:tc>
+                <a:tc>
+                  <a:txBody>
+                    <a:bodyPr/>
+                    <a:lstStyle/>
+                    <a:p>
+                      <a:pPr algn="l" fontAlgn="b"/>
+                      <a:r>
+                        <a:rPr lang="en-US" sz="1100" u="none" strike="noStrike" dirty="0">
+                          <a:effectLst/>
+                        </a:rPr>
+                        <a:t>-</a:t>
+                      </a:r>
+                      <a:r>
+                        <a:rPr lang="tr-TR" sz="1100" u="none" strike="noStrike" dirty="0">
+                          <a:effectLst/>
+                        </a:rPr>
+                        <a:t>Vdc/2</a:t>
+                      </a:r>
+                      <a:endParaRPr lang="tr-TR" sz="1100" b="0" i="0" u="none" strike="noStrike" dirty="0">
+                        <a:solidFill>
+                          <a:srgbClr val="000000"/>
+                        </a:solidFill>
+                        <a:effectLst/>
+                        <a:latin typeface="Calibri" panose="020F0502020204030204" pitchFamily="34" charset="0"/>
+                      </a:endParaRPr>
+                    </a:p>
+                  </a:txBody>
+                  <a:tcPr marL="6350" marR="6350" marT="6350" marB="0" anchor="b"/>
+                </a:tc>
+                <a:tc>
+                  <a:txBody>
+                    <a:bodyPr/>
+                    <a:lstStyle/>
+                    <a:p>
+                      <a:pPr algn="l" fontAlgn="b"/>
+                      <a:r>
+                        <a:rPr lang="tr-TR" sz="1100" u="none" strike="noStrike">
+                          <a:effectLst/>
+                        </a:rPr>
+                        <a:t>OFF</a:t>
+                      </a:r>
+                      <a:endParaRPr lang="tr-TR" sz="1100" b="0" i="0" u="none" strike="noStrike">
+                        <a:solidFill>
+                          <a:srgbClr val="000000"/>
+                        </a:solidFill>
+                        <a:effectLst/>
+                        <a:latin typeface="Calibri" panose="020F0502020204030204" pitchFamily="34" charset="0"/>
+                      </a:endParaRPr>
+                    </a:p>
+                  </a:txBody>
+                  <a:tcPr marL="6350" marR="6350" marT="6350" marB="0" anchor="b"/>
+                </a:tc>
+                <a:tc>
+                  <a:txBody>
+                    <a:bodyPr/>
+                    <a:lstStyle/>
+                    <a:p>
+                      <a:pPr algn="l" fontAlgn="b"/>
+                      <a:r>
+                        <a:rPr lang="tr-TR" sz="1100" u="none" strike="noStrike" dirty="0">
+                          <a:effectLst/>
+                        </a:rPr>
+                        <a:t>OFF</a:t>
+                      </a:r>
+                      <a:endParaRPr lang="tr-TR" sz="1100" b="0" i="0" u="none" strike="noStrike" dirty="0">
+                        <a:solidFill>
+                          <a:srgbClr val="000000"/>
+                        </a:solidFill>
+                        <a:effectLst/>
+                        <a:latin typeface="Calibri" panose="020F0502020204030204" pitchFamily="34" charset="0"/>
+                      </a:endParaRPr>
+                    </a:p>
+                  </a:txBody>
+                  <a:tcPr marL="6350" marR="6350" marT="6350" marB="0" anchor="b"/>
+                </a:tc>
+                <a:tc>
+                  <a:txBody>
+                    <a:bodyPr/>
+                    <a:lstStyle/>
+                    <a:p>
+                      <a:pPr algn="l" fontAlgn="b"/>
+                      <a:r>
+                        <a:rPr lang="tr-TR" sz="1100" u="none" strike="noStrike" dirty="0">
+                          <a:effectLst/>
+                        </a:rPr>
+                        <a:t>ON</a:t>
+                      </a:r>
+                      <a:endParaRPr lang="tr-TR" sz="1100" b="0" i="0" u="none" strike="noStrike" dirty="0">
+                        <a:solidFill>
+                          <a:srgbClr val="000000"/>
+                        </a:solidFill>
+                        <a:effectLst/>
+                        <a:latin typeface="Calibri" panose="020F0502020204030204" pitchFamily="34" charset="0"/>
+                      </a:endParaRPr>
+                    </a:p>
+                  </a:txBody>
+                  <a:tcPr marL="6350" marR="6350" marT="6350" marB="0" anchor="b"/>
+                </a:tc>
+                <a:tc>
+                  <a:txBody>
+                    <a:bodyPr/>
+                    <a:lstStyle/>
+                    <a:p>
+                      <a:pPr algn="l" fontAlgn="b"/>
+                      <a:r>
+                        <a:rPr lang="tr-TR" sz="1100" u="none" strike="noStrike" dirty="0">
+                          <a:effectLst/>
+                        </a:rPr>
+                        <a:t>ON</a:t>
+                      </a:r>
+                      <a:endParaRPr lang="tr-TR" sz="1100" b="0" i="0" u="none" strike="noStrike" dirty="0">
+                        <a:solidFill>
+                          <a:srgbClr val="000000"/>
+                        </a:solidFill>
+                        <a:effectLst/>
+                        <a:latin typeface="Calibri" panose="020F0502020204030204" pitchFamily="34" charset="0"/>
+                      </a:endParaRPr>
+                    </a:p>
+                  </a:txBody>
+                  <a:tcPr marL="6350" marR="6350" marT="6350" marB="0" anchor="b"/>
+                </a:tc>
+                <a:extLst>
+                  <a:ext uri="{0D108BD9-81ED-4DB2-BD59-A6C34878D82A}">
+                    <a16:rowId xmlns:a16="http://schemas.microsoft.com/office/drawing/2014/main" val="3262284922"/>
+                  </a:ext>
+                </a:extLst>
+              </a:tr>
+            </a:tbl>
+          </a:graphicData>
+        </a:graphic>
+      </p:graphicFrame>
     </p:spTree>
     <p:extLst>
       <p:ext uri="{BB962C8B-B14F-4D97-AF65-F5344CB8AC3E}">
@@ -4563,17 +5238,8 @@
               <a:rPr lang="en-US" sz="2000" dirty="0">
                 <a:latin typeface="Times-Roman"/>
               </a:rPr>
-              <a:t>Conduction losses are less than NPC Inverters (2 switches for Vdc in NPC, 1 switch </a:t>
+              <a:t>Conduction losses are less than NPC Inverters (2 switches for Vdc in NPC, 1 switch in T-Type.)</a:t>
             </a:r>
-            <a:r>
-              <a:rPr lang="en-US" sz="2000">
-                <a:latin typeface="Times-Roman"/>
-              </a:rPr>
-              <a:t>in T-Type.)</a:t>
-            </a:r>
-            <a:endParaRPr lang="en-US" sz="2000" dirty="0">
-              <a:latin typeface="Times-Roman"/>
-            </a:endParaRPr>
           </a:p>
           <a:p>
             <a:pPr marL="342900" indent="-342900" algn="l">
@@ -4718,16 +5384,496 @@
             <p:ph type="title"/>
           </p:nvPr>
         </p:nvSpPr>
+        <p:spPr>
+          <a:xfrm>
+            <a:off x="838200" y="365126"/>
+            <a:ext cx="10620632" cy="809282"/>
+          </a:xfrm>
+        </p:spPr>
+        <p:txBody>
+          <a:bodyPr>
+            <a:normAutofit fontScale="90000"/>
+          </a:bodyPr>
+          <a:lstStyle/>
+          <a:p>
+            <a:pPr algn="ctr"/>
+            <a:r>
+              <a:rPr lang="en-US" dirty="0"/>
+              <a:t>Analysis of T-Type 3LI During Open-Switch Fault</a:t>
+            </a:r>
+            <a:endParaRPr lang="tr-TR" dirty="0"/>
+          </a:p>
+        </p:txBody>
+      </p:sp>
+      <p:pic>
+        <p:nvPicPr>
+          <p:cNvPr id="5" name="Picture 4">
+            <a:extLst>
+              <a:ext uri="{FF2B5EF4-FFF2-40B4-BE49-F238E27FC236}">
+                <a16:creationId xmlns:a16="http://schemas.microsoft.com/office/drawing/2014/main" id="{9E489573-4BE8-6819-CD00-D1EBB66D0C1D}"/>
+              </a:ext>
+            </a:extLst>
+          </p:cNvPr>
+          <p:cNvPicPr>
+            <a:picLocks noChangeAspect="1"/>
+          </p:cNvPicPr>
+          <p:nvPr/>
+        </p:nvPicPr>
+        <p:blipFill>
+          <a:blip r:embed="rId2"/>
+          <a:stretch>
+            <a:fillRect/>
+          </a:stretch>
+        </p:blipFill>
+        <p:spPr>
+          <a:xfrm>
+            <a:off x="733168" y="1103484"/>
+            <a:ext cx="3128127" cy="2269630"/>
+          </a:xfrm>
+          <a:prstGeom prst="rect">
+            <a:avLst/>
+          </a:prstGeom>
+        </p:spPr>
+      </p:pic>
+      <p:pic>
+        <p:nvPicPr>
+          <p:cNvPr id="7" name="Picture 6">
+            <a:extLst>
+              <a:ext uri="{FF2B5EF4-FFF2-40B4-BE49-F238E27FC236}">
+                <a16:creationId xmlns:a16="http://schemas.microsoft.com/office/drawing/2014/main" id="{8EF62AFD-D918-A801-2E20-1F69E9370114}"/>
+              </a:ext>
+            </a:extLst>
+          </p:cNvPr>
+          <p:cNvPicPr>
+            <a:picLocks noChangeAspect="1"/>
+          </p:cNvPicPr>
+          <p:nvPr/>
+        </p:nvPicPr>
+        <p:blipFill>
+          <a:blip r:embed="rId2"/>
+          <a:stretch>
+            <a:fillRect/>
+          </a:stretch>
+        </p:blipFill>
+        <p:spPr>
+          <a:xfrm>
+            <a:off x="838200" y="3751668"/>
+            <a:ext cx="3282177" cy="2381402"/>
+          </a:xfrm>
+          <a:prstGeom prst="rect">
+            <a:avLst/>
+          </a:prstGeom>
+        </p:spPr>
+      </p:pic>
+      <p:pic>
+        <p:nvPicPr>
+          <p:cNvPr id="9" name="Picture 8">
+            <a:extLst>
+              <a:ext uri="{FF2B5EF4-FFF2-40B4-BE49-F238E27FC236}">
+                <a16:creationId xmlns:a16="http://schemas.microsoft.com/office/drawing/2014/main" id="{60753EA9-3379-4648-E01F-0F02363742BA}"/>
+              </a:ext>
+            </a:extLst>
+          </p:cNvPr>
+          <p:cNvPicPr>
+            <a:picLocks noChangeAspect="1"/>
+          </p:cNvPicPr>
+          <p:nvPr/>
+        </p:nvPicPr>
+        <p:blipFill>
+          <a:blip r:embed="rId3"/>
+          <a:stretch>
+            <a:fillRect/>
+          </a:stretch>
+        </p:blipFill>
+        <p:spPr>
+          <a:xfrm>
+            <a:off x="6095999" y="1083060"/>
+            <a:ext cx="3368813" cy="2381402"/>
+          </a:xfrm>
+          <a:prstGeom prst="rect">
+            <a:avLst/>
+          </a:prstGeom>
+        </p:spPr>
+      </p:pic>
+      <p:sp>
+        <p:nvSpPr>
+          <p:cNvPr id="10" name="TextBox 9">
+            <a:extLst>
+              <a:ext uri="{FF2B5EF4-FFF2-40B4-BE49-F238E27FC236}">
+                <a16:creationId xmlns:a16="http://schemas.microsoft.com/office/drawing/2014/main" id="{912776B9-E344-D16D-F7C9-448D8D243CDD}"/>
+              </a:ext>
+            </a:extLst>
+          </p:cNvPr>
+          <p:cNvSpPr txBox="1"/>
+          <p:nvPr/>
+        </p:nvSpPr>
+        <p:spPr>
+          <a:xfrm>
+            <a:off x="4096033" y="1776634"/>
+            <a:ext cx="1765227" cy="923330"/>
+          </a:xfrm>
+          <a:prstGeom prst="rect">
+            <a:avLst/>
+          </a:prstGeom>
+          <a:noFill/>
+        </p:spPr>
+        <p:txBody>
+          <a:bodyPr wrap="none" rtlCol="0">
+            <a:spAutoFit/>
+          </a:bodyPr>
+          <a:lstStyle/>
+          <a:p>
+            <a:r>
+              <a:rPr lang="en-US" dirty="0"/>
+              <a:t>Sa1 open-switch.</a:t>
+            </a:r>
+          </a:p>
+          <a:p>
+            <a:r>
+              <a:rPr lang="en-US" dirty="0"/>
+              <a:t> a: </a:t>
+            </a:r>
+            <a:r>
+              <a:rPr lang="en-US" dirty="0" err="1"/>
+              <a:t>Ia</a:t>
+            </a:r>
+            <a:r>
+              <a:rPr lang="en-US" dirty="0"/>
+              <a:t>&gt;0 &amp; b: </a:t>
+            </a:r>
+            <a:r>
+              <a:rPr lang="en-US" dirty="0" err="1"/>
+              <a:t>Ia</a:t>
+            </a:r>
+            <a:r>
+              <a:rPr lang="en-US" dirty="0"/>
+              <a:t>&lt;0</a:t>
+            </a:r>
+          </a:p>
+          <a:p>
+            <a:r>
+              <a:rPr lang="en-US" dirty="0"/>
+              <a:t>State: [P]</a:t>
+            </a:r>
+          </a:p>
+        </p:txBody>
+      </p:sp>
+      <p:sp>
+        <p:nvSpPr>
+          <p:cNvPr id="11" name="TextBox 10">
+            <a:extLst>
+              <a:ext uri="{FF2B5EF4-FFF2-40B4-BE49-F238E27FC236}">
+                <a16:creationId xmlns:a16="http://schemas.microsoft.com/office/drawing/2014/main" id="{FC841E7C-7BDA-5C00-6FB5-CC6698CAD5EB}"/>
+              </a:ext>
+            </a:extLst>
+          </p:cNvPr>
+          <p:cNvSpPr txBox="1"/>
+          <p:nvPr/>
+        </p:nvSpPr>
+        <p:spPr>
+          <a:xfrm>
+            <a:off x="4208810" y="4459239"/>
+            <a:ext cx="1833387" cy="923330"/>
+          </a:xfrm>
+          <a:prstGeom prst="rect">
+            <a:avLst/>
+          </a:prstGeom>
+          <a:noFill/>
+        </p:spPr>
+        <p:txBody>
+          <a:bodyPr wrap="none" rtlCol="0">
+            <a:spAutoFit/>
+          </a:bodyPr>
+          <a:lstStyle/>
+          <a:p>
+            <a:r>
+              <a:rPr lang="en-US" dirty="0"/>
+              <a:t>Sa2 open-switch. </a:t>
+            </a:r>
+          </a:p>
+          <a:p>
+            <a:r>
+              <a:rPr lang="en-US" dirty="0"/>
+              <a:t>a: </a:t>
+            </a:r>
+            <a:r>
+              <a:rPr lang="en-US" dirty="0" err="1"/>
+              <a:t>Ia</a:t>
+            </a:r>
+            <a:r>
+              <a:rPr lang="en-US" dirty="0"/>
+              <a:t>&gt;0 &amp; b: </a:t>
+            </a:r>
+            <a:r>
+              <a:rPr lang="en-US" dirty="0" err="1"/>
+              <a:t>Ia</a:t>
+            </a:r>
+            <a:r>
+              <a:rPr lang="en-US" dirty="0"/>
+              <a:t>&lt;0</a:t>
+            </a:r>
+          </a:p>
+          <a:p>
+            <a:r>
+              <a:rPr lang="en-US" dirty="0"/>
+              <a:t>State: [0]</a:t>
+            </a:r>
+          </a:p>
+        </p:txBody>
+      </p:sp>
+      <p:sp>
+        <p:nvSpPr>
+          <p:cNvPr id="12" name="TextBox 11">
+            <a:extLst>
+              <a:ext uri="{FF2B5EF4-FFF2-40B4-BE49-F238E27FC236}">
+                <a16:creationId xmlns:a16="http://schemas.microsoft.com/office/drawing/2014/main" id="{AD7B98D5-A067-73A7-53B5-A6876A7BFE94}"/>
+              </a:ext>
+            </a:extLst>
+          </p:cNvPr>
+          <p:cNvSpPr txBox="1"/>
+          <p:nvPr/>
+        </p:nvSpPr>
+        <p:spPr>
+          <a:xfrm>
+            <a:off x="9814327" y="1812096"/>
+            <a:ext cx="1765227" cy="923330"/>
+          </a:xfrm>
+          <a:prstGeom prst="rect">
+            <a:avLst/>
+          </a:prstGeom>
+          <a:noFill/>
+        </p:spPr>
+        <p:txBody>
+          <a:bodyPr wrap="none" rtlCol="0">
+            <a:spAutoFit/>
+          </a:bodyPr>
+          <a:lstStyle/>
+          <a:p>
+            <a:r>
+              <a:rPr lang="en-US" dirty="0"/>
+              <a:t>Sa3 open-switch.</a:t>
+            </a:r>
+          </a:p>
+          <a:p>
+            <a:r>
+              <a:rPr lang="en-US" dirty="0"/>
+              <a:t> a: </a:t>
+            </a:r>
+            <a:r>
+              <a:rPr lang="en-US" dirty="0" err="1"/>
+              <a:t>Ia</a:t>
+            </a:r>
+            <a:r>
+              <a:rPr lang="en-US" dirty="0"/>
+              <a:t>&gt;0 &amp; b: </a:t>
+            </a:r>
+            <a:r>
+              <a:rPr lang="en-US" dirty="0" err="1"/>
+              <a:t>Ia</a:t>
+            </a:r>
+            <a:r>
+              <a:rPr lang="en-US" dirty="0"/>
+              <a:t>&lt;0</a:t>
+            </a:r>
+          </a:p>
+          <a:p>
+            <a:r>
+              <a:rPr lang="en-US" dirty="0"/>
+              <a:t>State: [0]</a:t>
+            </a:r>
+          </a:p>
+        </p:txBody>
+      </p:sp>
+      <p:pic>
+        <p:nvPicPr>
+          <p:cNvPr id="14" name="Picture 13">
+            <a:extLst>
+              <a:ext uri="{FF2B5EF4-FFF2-40B4-BE49-F238E27FC236}">
+                <a16:creationId xmlns:a16="http://schemas.microsoft.com/office/drawing/2014/main" id="{8BA2EA0E-5D1F-0645-BA69-A6B06F12AD3D}"/>
+              </a:ext>
+            </a:extLst>
+          </p:cNvPr>
+          <p:cNvPicPr>
+            <a:picLocks noChangeAspect="1"/>
+          </p:cNvPicPr>
+          <p:nvPr/>
+        </p:nvPicPr>
+        <p:blipFill>
+          <a:blip r:embed="rId4"/>
+          <a:stretch>
+            <a:fillRect/>
+          </a:stretch>
+        </p:blipFill>
+        <p:spPr>
+          <a:xfrm>
+            <a:off x="5829997" y="3834022"/>
+            <a:ext cx="3634815" cy="2423813"/>
+          </a:xfrm>
+          <a:prstGeom prst="rect">
+            <a:avLst/>
+          </a:prstGeom>
+        </p:spPr>
+      </p:pic>
+      <p:sp>
+        <p:nvSpPr>
+          <p:cNvPr id="15" name="TextBox 14">
+            <a:extLst>
+              <a:ext uri="{FF2B5EF4-FFF2-40B4-BE49-F238E27FC236}">
+                <a16:creationId xmlns:a16="http://schemas.microsoft.com/office/drawing/2014/main" id="{4A9F7D59-8B66-F942-ED74-D3D86B4F1583}"/>
+              </a:ext>
+            </a:extLst>
+          </p:cNvPr>
+          <p:cNvSpPr txBox="1"/>
+          <p:nvPr/>
+        </p:nvSpPr>
+        <p:spPr>
+          <a:xfrm>
+            <a:off x="10046730" y="4480704"/>
+            <a:ext cx="1833387" cy="923330"/>
+          </a:xfrm>
+          <a:prstGeom prst="rect">
+            <a:avLst/>
+          </a:prstGeom>
+          <a:noFill/>
+        </p:spPr>
+        <p:txBody>
+          <a:bodyPr wrap="none" rtlCol="0">
+            <a:spAutoFit/>
+          </a:bodyPr>
+          <a:lstStyle/>
+          <a:p>
+            <a:r>
+              <a:rPr lang="en-US" dirty="0"/>
+              <a:t>Sa4 open-switch. </a:t>
+            </a:r>
+          </a:p>
+          <a:p>
+            <a:r>
+              <a:rPr lang="en-US" dirty="0"/>
+              <a:t>a: </a:t>
+            </a:r>
+            <a:r>
+              <a:rPr lang="en-US" dirty="0" err="1"/>
+              <a:t>Ia</a:t>
+            </a:r>
+            <a:r>
+              <a:rPr lang="en-US" dirty="0"/>
+              <a:t>&gt;0 &amp; b: </a:t>
+            </a:r>
+            <a:r>
+              <a:rPr lang="en-US" dirty="0" err="1"/>
+              <a:t>Ia</a:t>
+            </a:r>
+            <a:r>
+              <a:rPr lang="en-US" dirty="0"/>
+              <a:t>&lt;0</a:t>
+            </a:r>
+          </a:p>
+          <a:p>
+            <a:r>
+              <a:rPr lang="en-US" dirty="0"/>
+              <a:t>State: [N]</a:t>
+            </a:r>
+          </a:p>
+        </p:txBody>
+      </p:sp>
+      <p:sp>
+        <p:nvSpPr>
+          <p:cNvPr id="16" name="TextBox 15">
+            <a:extLst>
+              <a:ext uri="{FF2B5EF4-FFF2-40B4-BE49-F238E27FC236}">
+                <a16:creationId xmlns:a16="http://schemas.microsoft.com/office/drawing/2014/main" id="{AA0132AC-7D6C-6FA3-9B81-F4BC67FFAB49}"/>
+              </a:ext>
+            </a:extLst>
+          </p:cNvPr>
+          <p:cNvSpPr txBox="1"/>
+          <p:nvPr/>
+        </p:nvSpPr>
+        <p:spPr>
+          <a:xfrm>
+            <a:off x="550944" y="6257835"/>
+            <a:ext cx="10620632" cy="646331"/>
+          </a:xfrm>
+          <a:prstGeom prst="rect">
+            <a:avLst/>
+          </a:prstGeom>
+          <a:noFill/>
+        </p:spPr>
+        <p:txBody>
+          <a:bodyPr wrap="square" rtlCol="0">
+            <a:spAutoFit/>
+          </a:bodyPr>
+          <a:lstStyle/>
+          <a:p>
+            <a:pPr algn="ctr"/>
+            <a:r>
+              <a:rPr lang="en-US" sz="1800" b="1" i="0" u="none" strike="noStrike" baseline="0" dirty="0">
+                <a:latin typeface="Times-Roman"/>
+              </a:rPr>
+              <a:t>Because of an open-switch fault, the undesirable output pole voltage is produced, and the phase current is distorted. It causes an unbalance of neutral-point </a:t>
+            </a:r>
+            <a:r>
+              <a:rPr lang="tr-TR" sz="1800" b="1" i="0" u="none" strike="noStrike" baseline="0" dirty="0">
+                <a:latin typeface="Times-Roman"/>
+              </a:rPr>
+              <a:t>voltage.</a:t>
+            </a:r>
+            <a:endParaRPr lang="tr-TR" b="1" dirty="0"/>
+          </a:p>
+        </p:txBody>
+      </p:sp>
+    </p:spTree>
+    <p:extLst>
+      <p:ext uri="{BB962C8B-B14F-4D97-AF65-F5344CB8AC3E}">
+        <p14:creationId xmlns:p14="http://schemas.microsoft.com/office/powerpoint/2010/main" val="153875960"/>
+      </p:ext>
+    </p:extLst>
+  </p:cSld>
+  <p:clrMapOvr>
+    <a:masterClrMapping/>
+  </p:clrMapOvr>
+</p:sld>
+</file>
+
+<file path=ppt/slides/slide14.xml><?xml version="1.0" encoding="utf-8"?>
+<p:sld xmlns:a="http://schemas.openxmlformats.org/drawingml/2006/main" xmlns:r="http://schemas.openxmlformats.org/officeDocument/2006/relationships" xmlns:p="http://schemas.openxmlformats.org/presentationml/2006/main">
+  <p:cSld>
+    <p:spTree>
+      <p:nvGrpSpPr>
+        <p:cNvPr id="1" name=""/>
+        <p:cNvGrpSpPr/>
+        <p:nvPr/>
+      </p:nvGrpSpPr>
+      <p:grpSpPr>
+        <a:xfrm>
+          <a:off x="0" y="0"/>
+          <a:ext cx="0" cy="0"/>
+          <a:chOff x="0" y="0"/>
+          <a:chExt cx="0" cy="0"/>
+        </a:xfrm>
+      </p:grpSpPr>
+      <p:sp>
+        <p:nvSpPr>
+          <p:cNvPr id="2" name="Title 1">
+            <a:extLst>
+              <a:ext uri="{FF2B5EF4-FFF2-40B4-BE49-F238E27FC236}">
+                <a16:creationId xmlns:a16="http://schemas.microsoft.com/office/drawing/2014/main" id="{3E66B360-920F-20AB-C705-FCEC3244F08F}"/>
+              </a:ext>
+            </a:extLst>
+          </p:cNvPr>
+          <p:cNvSpPr>
+            <a:spLocks noGrp="1"/>
+          </p:cNvSpPr>
+          <p:nvPr>
+            <p:ph type="title"/>
+          </p:nvPr>
+        </p:nvSpPr>
         <p:spPr/>
         <p:txBody>
           <a:bodyPr/>
           <a:lstStyle/>
           <a:p>
-            <a:r>
-              <a:rPr lang="en-US"/>
-              <a:t>Diagnosis and Tolerant Strategy of T-Type 3LI</a:t>
-            </a:r>
-            <a:endParaRPr lang="tr-TR" dirty="0"/>
+            <a:endParaRPr lang="tr-TR"/>
           </a:p>
         </p:txBody>
       </p:sp>
@@ -4736,7 +5882,7 @@
           <p:cNvPr id="3" name="Content Placeholder 2">
             <a:extLst>
               <a:ext uri="{FF2B5EF4-FFF2-40B4-BE49-F238E27FC236}">
-                <a16:creationId xmlns:a16="http://schemas.microsoft.com/office/drawing/2014/main" id="{FC328C72-921B-B2AE-A20D-6E8FEBBA39FE}"/>
+                <a16:creationId xmlns:a16="http://schemas.microsoft.com/office/drawing/2014/main" id="{37F800F4-D8D3-6F6F-FFA9-3D4C12EA8A51}"/>
               </a:ext>
             </a:extLst>
           </p:cNvPr>
@@ -4752,14 +5898,14 @@
           <a:bodyPr/>
           <a:lstStyle/>
           <a:p>
-            <a:endParaRPr lang="tr-TR" dirty="0"/>
+            <a:endParaRPr lang="tr-TR"/>
           </a:p>
         </p:txBody>
       </p:sp>
     </p:spTree>
     <p:extLst>
       <p:ext uri="{BB962C8B-B14F-4D97-AF65-F5344CB8AC3E}">
-        <p14:creationId xmlns:p14="http://schemas.microsoft.com/office/powerpoint/2010/main" val="153875960"/>
+        <p14:creationId xmlns:p14="http://schemas.microsoft.com/office/powerpoint/2010/main" val="2193058896"/>
       </p:ext>
     </p:extLst>
   </p:cSld>

--- a/Reports/Fault_Tolerance.pptx
+++ b/Reports/Fault_Tolerance.pptx
@@ -4323,7 +4323,15 @@
             <a:pPr algn="l"/>
             <a:r>
               <a:rPr lang="en-US" dirty="0"/>
-              <a:t>*under open-switch fault conditions</a:t>
+              <a:t>*under </a:t>
+            </a:r>
+            <a:r>
+              <a:rPr lang="en-US" b="1" u="sng" dirty="0"/>
+              <a:t>open-switch fault </a:t>
+            </a:r>
+            <a:r>
+              <a:rPr lang="en-US" dirty="0"/>
+              <a:t>conditions</a:t>
             </a:r>
             <a:endParaRPr lang="tr-TR" dirty="0"/>
           </a:p>
@@ -5873,7 +5881,11 @@
           <a:bodyPr/>
           <a:lstStyle/>
           <a:p>
-            <a:endParaRPr lang="tr-TR"/>
+            <a:r>
+              <a:rPr lang="en-US" dirty="0"/>
+              <a:t>Fault-Tolerant Control Strategy</a:t>
+            </a:r>
+            <a:endParaRPr lang="tr-TR" dirty="0"/>
           </a:p>
         </p:txBody>
       </p:sp>
@@ -5898,10 +5910,56 @@
           <a:bodyPr/>
           <a:lstStyle/>
           <a:p>
-            <a:endParaRPr lang="tr-TR"/>
+            <a:r>
+              <a:rPr lang="en-US" dirty="0"/>
+              <a:t>Divided to two parts: </a:t>
+            </a:r>
+          </a:p>
+          <a:p>
+            <a:r>
+              <a:rPr lang="en-US" dirty="0"/>
+              <a:t>Half-bridge switches</a:t>
+            </a:r>
+          </a:p>
+          <a:p>
+            <a:r>
+              <a:rPr lang="en-US" dirty="0"/>
+              <a:t>Neutral-point switches</a:t>
+            </a:r>
+            <a:endParaRPr lang="tr-TR" dirty="0"/>
           </a:p>
         </p:txBody>
       </p:sp>
+      <p:pic>
+        <p:nvPicPr>
+          <p:cNvPr id="5" name="Picture 4">
+            <a:extLst>
+              <a:ext uri="{FF2B5EF4-FFF2-40B4-BE49-F238E27FC236}">
+                <a16:creationId xmlns:a16="http://schemas.microsoft.com/office/drawing/2014/main" id="{422DC691-3E30-87FE-DA83-90E6B9D03D4F}"/>
+              </a:ext>
+            </a:extLst>
+          </p:cNvPr>
+          <p:cNvPicPr>
+            <a:picLocks noChangeAspect="1"/>
+          </p:cNvPicPr>
+          <p:nvPr/>
+        </p:nvPicPr>
+        <p:blipFill>
+          <a:blip r:embed="rId2"/>
+          <a:stretch>
+            <a:fillRect/>
+          </a:stretch>
+        </p:blipFill>
+        <p:spPr>
+          <a:xfrm>
+            <a:off x="5952890" y="1690688"/>
+            <a:ext cx="4934772" cy="3965099"/>
+          </a:xfrm>
+          <a:prstGeom prst="rect">
+            <a:avLst/>
+          </a:prstGeom>
+        </p:spPr>
+      </p:pic>
     </p:spTree>
     <p:extLst>
       <p:ext uri="{BB962C8B-B14F-4D97-AF65-F5344CB8AC3E}">

--- a/Reports/Fault_Tolerance.pptx
+++ b/Reports/Fault_Tolerance.pptx
@@ -19,6 +19,9 @@
     <p:sldId id="266" r:id="rId13"/>
     <p:sldId id="267" r:id="rId14"/>
     <p:sldId id="269" r:id="rId15"/>
+    <p:sldId id="270" r:id="rId16"/>
+    <p:sldId id="271" r:id="rId17"/>
+    <p:sldId id="272" r:id="rId18"/>
   </p:sldIdLst>
   <p:sldSz cx="12192000" cy="6858000"/>
   <p:notesSz cx="6858000" cy="9144000"/>
@@ -256,7 +259,7 @@
           <a:p>
             <a:fld id="{524C83C5-A6E3-467E-88A3-7867E1892419}" type="datetimeFigureOut">
               <a:rPr lang="tr-TR" smtClean="0"/>
-              <a:t>21.02.2024</a:t>
+              <a:t>26.02.2024</a:t>
             </a:fld>
             <a:endParaRPr lang="tr-TR"/>
           </a:p>
@@ -426,7 +429,7 @@
           <a:p>
             <a:fld id="{524C83C5-A6E3-467E-88A3-7867E1892419}" type="datetimeFigureOut">
               <a:rPr lang="tr-TR" smtClean="0"/>
-              <a:t>21.02.2024</a:t>
+              <a:t>26.02.2024</a:t>
             </a:fld>
             <a:endParaRPr lang="tr-TR"/>
           </a:p>
@@ -606,7 +609,7 @@
           <a:p>
             <a:fld id="{524C83C5-A6E3-467E-88A3-7867E1892419}" type="datetimeFigureOut">
               <a:rPr lang="tr-TR" smtClean="0"/>
-              <a:t>21.02.2024</a:t>
+              <a:t>26.02.2024</a:t>
             </a:fld>
             <a:endParaRPr lang="tr-TR"/>
           </a:p>
@@ -776,7 +779,7 @@
           <a:p>
             <a:fld id="{524C83C5-A6E3-467E-88A3-7867E1892419}" type="datetimeFigureOut">
               <a:rPr lang="tr-TR" smtClean="0"/>
-              <a:t>21.02.2024</a:t>
+              <a:t>26.02.2024</a:t>
             </a:fld>
             <a:endParaRPr lang="tr-TR"/>
           </a:p>
@@ -1022,7 +1025,7 @@
           <a:p>
             <a:fld id="{524C83C5-A6E3-467E-88A3-7867E1892419}" type="datetimeFigureOut">
               <a:rPr lang="tr-TR" smtClean="0"/>
-              <a:t>21.02.2024</a:t>
+              <a:t>26.02.2024</a:t>
             </a:fld>
             <a:endParaRPr lang="tr-TR"/>
           </a:p>
@@ -1254,7 +1257,7 @@
           <a:p>
             <a:fld id="{524C83C5-A6E3-467E-88A3-7867E1892419}" type="datetimeFigureOut">
               <a:rPr lang="tr-TR" smtClean="0"/>
-              <a:t>21.02.2024</a:t>
+              <a:t>26.02.2024</a:t>
             </a:fld>
             <a:endParaRPr lang="tr-TR"/>
           </a:p>
@@ -1621,7 +1624,7 @@
           <a:p>
             <a:fld id="{524C83C5-A6E3-467E-88A3-7867E1892419}" type="datetimeFigureOut">
               <a:rPr lang="tr-TR" smtClean="0"/>
-              <a:t>21.02.2024</a:t>
+              <a:t>26.02.2024</a:t>
             </a:fld>
             <a:endParaRPr lang="tr-TR"/>
           </a:p>
@@ -1739,7 +1742,7 @@
           <a:p>
             <a:fld id="{524C83C5-A6E3-467E-88A3-7867E1892419}" type="datetimeFigureOut">
               <a:rPr lang="tr-TR" smtClean="0"/>
-              <a:t>21.02.2024</a:t>
+              <a:t>26.02.2024</a:t>
             </a:fld>
             <a:endParaRPr lang="tr-TR"/>
           </a:p>
@@ -1834,7 +1837,7 @@
           <a:p>
             <a:fld id="{524C83C5-A6E3-467E-88A3-7867E1892419}" type="datetimeFigureOut">
               <a:rPr lang="tr-TR" smtClean="0"/>
-              <a:t>21.02.2024</a:t>
+              <a:t>26.02.2024</a:t>
             </a:fld>
             <a:endParaRPr lang="tr-TR"/>
           </a:p>
@@ -2111,7 +2114,7 @@
           <a:p>
             <a:fld id="{524C83C5-A6E3-467E-88A3-7867E1892419}" type="datetimeFigureOut">
               <a:rPr lang="tr-TR" smtClean="0"/>
-              <a:t>21.02.2024</a:t>
+              <a:t>26.02.2024</a:t>
             </a:fld>
             <a:endParaRPr lang="tr-TR"/>
           </a:p>
@@ -2368,7 +2371,7 @@
           <a:p>
             <a:fld id="{524C83C5-A6E3-467E-88A3-7867E1892419}" type="datetimeFigureOut">
               <a:rPr lang="tr-TR" smtClean="0"/>
-              <a:t>21.02.2024</a:t>
+              <a:t>26.02.2024</a:t>
             </a:fld>
             <a:endParaRPr lang="tr-TR"/>
           </a:p>
@@ -2581,7 +2584,7 @@
           <a:p>
             <a:fld id="{524C83C5-A6E3-467E-88A3-7867E1892419}" type="datetimeFigureOut">
               <a:rPr lang="tr-TR" smtClean="0"/>
-              <a:t>21.02.2024</a:t>
+              <a:t>26.02.2024</a:t>
             </a:fld>
             <a:endParaRPr lang="tr-TR"/>
           </a:p>
@@ -4419,12 +4422,12 @@
                     <a:p>
                       <a:pPr algn="l" fontAlgn="b"/>
                       <a:r>
-                        <a:rPr lang="tr-TR" sz="1100" u="none" strike="noStrike">
+                        <a:rPr lang="tr-TR" sz="1100" u="none" strike="noStrike" dirty="0">
                           <a:effectLst/>
                         </a:rPr>
                         <a:t>State</a:t>
                       </a:r>
-                      <a:endParaRPr lang="tr-TR" sz="1100" b="0" i="0" u="none" strike="noStrike">
+                      <a:endParaRPr lang="tr-TR" sz="1100" b="0" i="0" u="none" strike="noStrike" dirty="0">
                         <a:solidFill>
                           <a:srgbClr val="000000"/>
                         </a:solidFill>
@@ -5964,6 +5967,1727 @@
     <p:extLst>
       <p:ext uri="{BB962C8B-B14F-4D97-AF65-F5344CB8AC3E}">
         <p14:creationId xmlns:p14="http://schemas.microsoft.com/office/powerpoint/2010/main" val="2193058896"/>
+      </p:ext>
+    </p:extLst>
+  </p:cSld>
+  <p:clrMapOvr>
+    <a:masterClrMapping/>
+  </p:clrMapOvr>
+</p:sld>
+</file>
+
+<file path=ppt/slides/slide15.xml><?xml version="1.0" encoding="utf-8"?>
+<p:sld xmlns:a="http://schemas.openxmlformats.org/drawingml/2006/main" xmlns:r="http://schemas.openxmlformats.org/officeDocument/2006/relationships" xmlns:p="http://schemas.openxmlformats.org/presentationml/2006/main">
+  <p:cSld>
+    <p:bg>
+      <p:bgPr>
+        <a:solidFill>
+          <a:schemeClr val="bg1"/>
+        </a:solidFill>
+        <a:effectLst/>
+      </p:bgPr>
+    </p:bg>
+    <p:spTree>
+      <p:nvGrpSpPr>
+        <p:cNvPr id="1" name=""/>
+        <p:cNvGrpSpPr/>
+        <p:nvPr/>
+      </p:nvGrpSpPr>
+      <p:grpSpPr>
+        <a:xfrm>
+          <a:off x="0" y="0"/>
+          <a:ext cx="0" cy="0"/>
+          <a:chOff x="0" y="0"/>
+          <a:chExt cx="0" cy="0"/>
+        </a:xfrm>
+      </p:grpSpPr>
+      <p:sp useBgFill="1">
+        <p:nvSpPr>
+          <p:cNvPr id="22" name="Rectangle 21">
+            <a:extLst>
+              <a:ext uri="{FF2B5EF4-FFF2-40B4-BE49-F238E27FC236}">
+                <a16:creationId xmlns:a16="http://schemas.microsoft.com/office/drawing/2014/main" id="{8A94871E-96FC-4ADE-815B-41A636E34F1A}"/>
+              </a:ext>
+              <a:ext uri="{C183D7F6-B498-43B3-948B-1728B52AA6E4}">
+                <adec:decorative xmlns:adec="http://schemas.microsoft.com/office/drawing/2017/decorative" val="1"/>
+              </a:ext>
+            </a:extLst>
+          </p:cNvPr>
+          <p:cNvSpPr>
+            <a:spLocks noGrp="1" noRot="1" noChangeAspect="1" noMove="1" noResize="1" noEditPoints="1" noAdjustHandles="1" noChangeArrowheads="1" noChangeShapeType="1" noTextEdit="1"/>
+          </p:cNvSpPr>
+          <p:nvPr>
+            <p:extLst>
+              <p:ext uri="{386F3935-93C4-4BCD-93E2-E3B085C9AB24}">
+                <p16:designElem xmlns:p16="http://schemas.microsoft.com/office/powerpoint/2015/main" val="1"/>
+              </p:ext>
+            </p:extLst>
+          </p:nvPr>
+        </p:nvSpPr>
+        <p:spPr>
+          <a:xfrm>
+            <a:off x="0" y="0"/>
+            <a:ext cx="12192000" cy="6858000"/>
+          </a:xfrm>
+          <a:prstGeom prst="rect">
+            <a:avLst/>
+          </a:prstGeom>
+          <a:ln>
+            <a:noFill/>
+          </a:ln>
+        </p:spPr>
+        <p:style>
+          <a:lnRef idx="2">
+            <a:schemeClr val="accent1">
+              <a:shade val="50000"/>
+            </a:schemeClr>
+          </a:lnRef>
+          <a:fillRef idx="1">
+            <a:schemeClr val="accent1"/>
+          </a:fillRef>
+          <a:effectRef idx="0">
+            <a:schemeClr val="accent1"/>
+          </a:effectRef>
+          <a:fontRef idx="minor">
+            <a:schemeClr val="lt1"/>
+          </a:fontRef>
+        </p:style>
+        <p:txBody>
+          <a:bodyPr rtlCol="0" anchor="ctr"/>
+          <a:lstStyle/>
+          <a:p>
+            <a:pPr algn="ctr"/>
+            <a:endParaRPr lang="en-US"/>
+          </a:p>
+        </p:txBody>
+      </p:sp>
+      <p:sp>
+        <p:nvSpPr>
+          <p:cNvPr id="4" name="Title 3">
+            <a:extLst>
+              <a:ext uri="{FF2B5EF4-FFF2-40B4-BE49-F238E27FC236}">
+                <a16:creationId xmlns:a16="http://schemas.microsoft.com/office/drawing/2014/main" id="{4C316BEC-D9BD-1856-8606-75E6ECCEE7A4}"/>
+              </a:ext>
+            </a:extLst>
+          </p:cNvPr>
+          <p:cNvSpPr>
+            <a:spLocks noGrp="1"/>
+          </p:cNvSpPr>
+          <p:nvPr>
+            <p:ph type="ctrTitle"/>
+          </p:nvPr>
+        </p:nvSpPr>
+        <p:spPr>
+          <a:xfrm>
+            <a:off x="640080" y="320040"/>
+            <a:ext cx="6692827" cy="3892669"/>
+          </a:xfrm>
+        </p:spPr>
+        <p:txBody>
+          <a:bodyPr>
+            <a:normAutofit/>
+          </a:bodyPr>
+          <a:lstStyle/>
+          <a:p>
+            <a:pPr algn="l"/>
+            <a:r>
+              <a:rPr lang="en-US" sz="6600"/>
+              <a:t>Diagnosis and Tolerant Strategy of 3Level NPC Inverters</a:t>
+            </a:r>
+            <a:endParaRPr lang="tr-TR" sz="6600"/>
+          </a:p>
+        </p:txBody>
+      </p:sp>
+      <p:sp>
+        <p:nvSpPr>
+          <p:cNvPr id="5" name="Subtitle 4">
+            <a:extLst>
+              <a:ext uri="{FF2B5EF4-FFF2-40B4-BE49-F238E27FC236}">
+                <a16:creationId xmlns:a16="http://schemas.microsoft.com/office/drawing/2014/main" id="{7E313AC6-718A-3E7C-BAF8-43BE2CC4E761}"/>
+              </a:ext>
+            </a:extLst>
+          </p:cNvPr>
+          <p:cNvSpPr>
+            <a:spLocks noGrp="1"/>
+          </p:cNvSpPr>
+          <p:nvPr>
+            <p:ph type="subTitle" idx="1"/>
+          </p:nvPr>
+        </p:nvSpPr>
+        <p:spPr>
+          <a:xfrm>
+            <a:off x="640080" y="4631161"/>
+            <a:ext cx="6692827" cy="1569486"/>
+          </a:xfrm>
+        </p:spPr>
+        <p:txBody>
+          <a:bodyPr>
+            <a:normAutofit/>
+          </a:bodyPr>
+          <a:lstStyle/>
+          <a:p>
+            <a:pPr algn="l"/>
+            <a:endParaRPr lang="en-US"/>
+          </a:p>
+          <a:p>
+            <a:pPr algn="l"/>
+            <a:r>
+              <a:rPr lang="en-US"/>
+              <a:t>Paper: </a:t>
+            </a:r>
+            <a:r>
+              <a:rPr lang="en-US" b="1" i="0" u="sng" strike="noStrike" baseline="0">
+                <a:latin typeface="Times New Roman" panose="02020603050405020304" pitchFamily="18" charset="0"/>
+              </a:rPr>
+              <a:t>Open-circuit fault detection method for Grid-side </a:t>
+            </a:r>
+            <a:r>
+              <a:rPr lang="tr-TR" b="1" i="0" u="sng" strike="noStrike" baseline="0">
+                <a:latin typeface="Times New Roman" panose="02020603050405020304" pitchFamily="18" charset="0"/>
+              </a:rPr>
+              <a:t>Three-level NPC Inverter</a:t>
+            </a:r>
+            <a:endParaRPr lang="tr-TR" b="1" u="sng" dirty="0"/>
+          </a:p>
+        </p:txBody>
+      </p:sp>
+      <p:sp>
+        <p:nvSpPr>
+          <p:cNvPr id="23" name="sketch line">
+            <a:extLst>
+              <a:ext uri="{FF2B5EF4-FFF2-40B4-BE49-F238E27FC236}">
+                <a16:creationId xmlns:a16="http://schemas.microsoft.com/office/drawing/2014/main" id="{3FCFB1DE-0B7E-48CC-BA90-B2AB0889F9D6}"/>
+              </a:ext>
+              <a:ext uri="{C183D7F6-B498-43B3-948B-1728B52AA6E4}">
+                <adec:decorative xmlns:adec="http://schemas.microsoft.com/office/drawing/2017/decorative" val="1"/>
+              </a:ext>
+            </a:extLst>
+          </p:cNvPr>
+          <p:cNvSpPr>
+            <a:spLocks noGrp="1" noRot="1" noChangeAspect="1" noMove="1" noResize="1" noEditPoints="1" noAdjustHandles="1" noChangeArrowheads="1" noChangeShapeType="1" noTextEdit="1"/>
+          </p:cNvSpPr>
+          <p:nvPr>
+            <p:extLst>
+              <p:ext uri="{386F3935-93C4-4BCD-93E2-E3B085C9AB24}">
+                <p16:designElem xmlns:p16="http://schemas.microsoft.com/office/powerpoint/2015/main" val="1"/>
+              </p:ext>
+            </p:extLst>
+          </p:nvPr>
+        </p:nvSpPr>
+        <p:spPr>
+          <a:xfrm>
+            <a:off x="714562" y="4409267"/>
+            <a:ext cx="4243589" cy="18288"/>
+          </a:xfrm>
+          <a:custGeom>
+            <a:avLst/>
+            <a:gdLst>
+              <a:gd name="connsiteX0" fmla="*/ 0 w 4243589"/>
+              <a:gd name="connsiteY0" fmla="*/ 0 h 18288"/>
+              <a:gd name="connsiteX1" fmla="*/ 563791 w 4243589"/>
+              <a:gd name="connsiteY1" fmla="*/ 0 h 18288"/>
+              <a:gd name="connsiteX2" fmla="*/ 1042710 w 4243589"/>
+              <a:gd name="connsiteY2" fmla="*/ 0 h 18288"/>
+              <a:gd name="connsiteX3" fmla="*/ 1564066 w 4243589"/>
+              <a:gd name="connsiteY3" fmla="*/ 0 h 18288"/>
+              <a:gd name="connsiteX4" fmla="*/ 2212729 w 4243589"/>
+              <a:gd name="connsiteY4" fmla="*/ 0 h 18288"/>
+              <a:gd name="connsiteX5" fmla="*/ 2776520 w 4243589"/>
+              <a:gd name="connsiteY5" fmla="*/ 0 h 18288"/>
+              <a:gd name="connsiteX6" fmla="*/ 3297875 w 4243589"/>
+              <a:gd name="connsiteY6" fmla="*/ 0 h 18288"/>
+              <a:gd name="connsiteX7" fmla="*/ 4243589 w 4243589"/>
+              <a:gd name="connsiteY7" fmla="*/ 0 h 18288"/>
+              <a:gd name="connsiteX8" fmla="*/ 4243589 w 4243589"/>
+              <a:gd name="connsiteY8" fmla="*/ 18288 h 18288"/>
+              <a:gd name="connsiteX9" fmla="*/ 3637362 w 4243589"/>
+              <a:gd name="connsiteY9" fmla="*/ 18288 h 18288"/>
+              <a:gd name="connsiteX10" fmla="*/ 3116007 w 4243589"/>
+              <a:gd name="connsiteY10" fmla="*/ 18288 h 18288"/>
+              <a:gd name="connsiteX11" fmla="*/ 2424908 w 4243589"/>
+              <a:gd name="connsiteY11" fmla="*/ 18288 h 18288"/>
+              <a:gd name="connsiteX12" fmla="*/ 1861117 w 4243589"/>
+              <a:gd name="connsiteY12" fmla="*/ 18288 h 18288"/>
+              <a:gd name="connsiteX13" fmla="*/ 1382198 w 4243589"/>
+              <a:gd name="connsiteY13" fmla="*/ 18288 h 18288"/>
+              <a:gd name="connsiteX14" fmla="*/ 733535 w 4243589"/>
+              <a:gd name="connsiteY14" fmla="*/ 18288 h 18288"/>
+              <a:gd name="connsiteX15" fmla="*/ 0 w 4243589"/>
+              <a:gd name="connsiteY15" fmla="*/ 18288 h 18288"/>
+              <a:gd name="connsiteX16" fmla="*/ 0 w 4243589"/>
+              <a:gd name="connsiteY16" fmla="*/ 0 h 18288"/>
+            </a:gdLst>
+            <a:ahLst/>
+            <a:cxnLst>
+              <a:cxn ang="0">
+                <a:pos x="connsiteX0" y="connsiteY0"/>
+              </a:cxn>
+              <a:cxn ang="0">
+                <a:pos x="connsiteX1" y="connsiteY1"/>
+              </a:cxn>
+              <a:cxn ang="0">
+                <a:pos x="connsiteX2" y="connsiteY2"/>
+              </a:cxn>
+              <a:cxn ang="0">
+                <a:pos x="connsiteX3" y="connsiteY3"/>
+              </a:cxn>
+              <a:cxn ang="0">
+                <a:pos x="connsiteX4" y="connsiteY4"/>
+              </a:cxn>
+              <a:cxn ang="0">
+                <a:pos x="connsiteX5" y="connsiteY5"/>
+              </a:cxn>
+              <a:cxn ang="0">
+                <a:pos x="connsiteX6" y="connsiteY6"/>
+              </a:cxn>
+              <a:cxn ang="0">
+                <a:pos x="connsiteX7" y="connsiteY7"/>
+              </a:cxn>
+              <a:cxn ang="0">
+                <a:pos x="connsiteX8" y="connsiteY8"/>
+              </a:cxn>
+              <a:cxn ang="0">
+                <a:pos x="connsiteX9" y="connsiteY9"/>
+              </a:cxn>
+              <a:cxn ang="0">
+                <a:pos x="connsiteX10" y="connsiteY10"/>
+              </a:cxn>
+              <a:cxn ang="0">
+                <a:pos x="connsiteX11" y="connsiteY11"/>
+              </a:cxn>
+              <a:cxn ang="0">
+                <a:pos x="connsiteX12" y="connsiteY12"/>
+              </a:cxn>
+              <a:cxn ang="0">
+                <a:pos x="connsiteX13" y="connsiteY13"/>
+              </a:cxn>
+              <a:cxn ang="0">
+                <a:pos x="connsiteX14" y="connsiteY14"/>
+              </a:cxn>
+              <a:cxn ang="0">
+                <a:pos x="connsiteX15" y="connsiteY15"/>
+              </a:cxn>
+              <a:cxn ang="0">
+                <a:pos x="connsiteX16" y="connsiteY16"/>
+              </a:cxn>
+            </a:cxnLst>
+            <a:rect l="l" t="t" r="r" b="b"/>
+            <a:pathLst>
+              <a:path w="4243589" h="18288" fill="none" extrusionOk="0">
+                <a:moveTo>
+                  <a:pt x="0" y="0"/>
+                </a:moveTo>
+                <a:cubicBezTo>
+                  <a:pt x="157351" y="-15653"/>
+                  <a:pt x="378877" y="-5828"/>
+                  <a:pt x="563791" y="0"/>
+                </a:cubicBezTo>
+                <a:cubicBezTo>
+                  <a:pt x="748705" y="5828"/>
+                  <a:pt x="905659" y="-5525"/>
+                  <a:pt x="1042710" y="0"/>
+                </a:cubicBezTo>
+                <a:cubicBezTo>
+                  <a:pt x="1179761" y="5525"/>
+                  <a:pt x="1356845" y="-21288"/>
+                  <a:pt x="1564066" y="0"/>
+                </a:cubicBezTo>
+                <a:cubicBezTo>
+                  <a:pt x="1771287" y="21288"/>
+                  <a:pt x="1912099" y="25135"/>
+                  <a:pt x="2212729" y="0"/>
+                </a:cubicBezTo>
+                <a:cubicBezTo>
+                  <a:pt x="2513359" y="-25135"/>
+                  <a:pt x="2514918" y="-27119"/>
+                  <a:pt x="2776520" y="0"/>
+                </a:cubicBezTo>
+                <a:cubicBezTo>
+                  <a:pt x="3038122" y="27119"/>
+                  <a:pt x="3178771" y="18116"/>
+                  <a:pt x="3297875" y="0"/>
+                </a:cubicBezTo>
+                <a:cubicBezTo>
+                  <a:pt x="3416980" y="-18116"/>
+                  <a:pt x="4012240" y="-40869"/>
+                  <a:pt x="4243589" y="0"/>
+                </a:cubicBezTo>
+                <a:cubicBezTo>
+                  <a:pt x="4243987" y="7429"/>
+                  <a:pt x="4243569" y="10822"/>
+                  <a:pt x="4243589" y="18288"/>
+                </a:cubicBezTo>
+                <a:cubicBezTo>
+                  <a:pt x="4112949" y="-2855"/>
+                  <a:pt x="3928037" y="1831"/>
+                  <a:pt x="3637362" y="18288"/>
+                </a:cubicBezTo>
+                <a:cubicBezTo>
+                  <a:pt x="3346687" y="34745"/>
+                  <a:pt x="3254446" y="26669"/>
+                  <a:pt x="3116007" y="18288"/>
+                </a:cubicBezTo>
+                <a:cubicBezTo>
+                  <a:pt x="2977569" y="9907"/>
+                  <a:pt x="2620228" y="28873"/>
+                  <a:pt x="2424908" y="18288"/>
+                </a:cubicBezTo>
+                <a:cubicBezTo>
+                  <a:pt x="2229588" y="7703"/>
+                  <a:pt x="2088287" y="-3854"/>
+                  <a:pt x="1861117" y="18288"/>
+                </a:cubicBezTo>
+                <a:cubicBezTo>
+                  <a:pt x="1633947" y="40430"/>
+                  <a:pt x="1502447" y="-871"/>
+                  <a:pt x="1382198" y="18288"/>
+                </a:cubicBezTo>
+                <a:cubicBezTo>
+                  <a:pt x="1261949" y="37447"/>
+                  <a:pt x="1045440" y="28353"/>
+                  <a:pt x="733535" y="18288"/>
+                </a:cubicBezTo>
+                <a:cubicBezTo>
+                  <a:pt x="421630" y="8223"/>
+                  <a:pt x="341257" y="-18359"/>
+                  <a:pt x="0" y="18288"/>
+                </a:cubicBezTo>
+                <a:cubicBezTo>
+                  <a:pt x="-591" y="13205"/>
+                  <a:pt x="-663" y="6329"/>
+                  <a:pt x="0" y="0"/>
+                </a:cubicBezTo>
+                <a:close/>
+              </a:path>
+              <a:path w="4243589" h="18288" stroke="0" extrusionOk="0">
+                <a:moveTo>
+                  <a:pt x="0" y="0"/>
+                </a:moveTo>
+                <a:cubicBezTo>
+                  <a:pt x="128164" y="17204"/>
+                  <a:pt x="312653" y="1129"/>
+                  <a:pt x="563791" y="0"/>
+                </a:cubicBezTo>
+                <a:cubicBezTo>
+                  <a:pt x="814929" y="-1129"/>
+                  <a:pt x="837271" y="8503"/>
+                  <a:pt x="1042710" y="0"/>
+                </a:cubicBezTo>
+                <a:cubicBezTo>
+                  <a:pt x="1248149" y="-8503"/>
+                  <a:pt x="1588432" y="-28862"/>
+                  <a:pt x="1733809" y="0"/>
+                </a:cubicBezTo>
+                <a:cubicBezTo>
+                  <a:pt x="1879186" y="28862"/>
+                  <a:pt x="2052815" y="5974"/>
+                  <a:pt x="2297600" y="0"/>
+                </a:cubicBezTo>
+                <a:cubicBezTo>
+                  <a:pt x="2542385" y="-5974"/>
+                  <a:pt x="2699960" y="-23550"/>
+                  <a:pt x="2861391" y="0"/>
+                </a:cubicBezTo>
+                <a:cubicBezTo>
+                  <a:pt x="3022822" y="23550"/>
+                  <a:pt x="3390411" y="25272"/>
+                  <a:pt x="3552490" y="0"/>
+                </a:cubicBezTo>
+                <a:cubicBezTo>
+                  <a:pt x="3714569" y="-25272"/>
+                  <a:pt x="3950585" y="-31327"/>
+                  <a:pt x="4243589" y="0"/>
+                </a:cubicBezTo>
+                <a:cubicBezTo>
+                  <a:pt x="4242703" y="5429"/>
+                  <a:pt x="4244410" y="14046"/>
+                  <a:pt x="4243589" y="18288"/>
+                </a:cubicBezTo>
+                <a:cubicBezTo>
+                  <a:pt x="4130424" y="-1240"/>
+                  <a:pt x="3932803" y="42249"/>
+                  <a:pt x="3722234" y="18288"/>
+                </a:cubicBezTo>
+                <a:cubicBezTo>
+                  <a:pt x="3511665" y="-5673"/>
+                  <a:pt x="3269903" y="45994"/>
+                  <a:pt x="3116007" y="18288"/>
+                </a:cubicBezTo>
+                <a:cubicBezTo>
+                  <a:pt x="2962111" y="-9418"/>
+                  <a:pt x="2744280" y="23224"/>
+                  <a:pt x="2509780" y="18288"/>
+                </a:cubicBezTo>
+                <a:cubicBezTo>
+                  <a:pt x="2275280" y="13352"/>
+                  <a:pt x="2066059" y="43664"/>
+                  <a:pt x="1945989" y="18288"/>
+                </a:cubicBezTo>
+                <a:cubicBezTo>
+                  <a:pt x="1825919" y="-7088"/>
+                  <a:pt x="1407329" y="12616"/>
+                  <a:pt x="1254890" y="18288"/>
+                </a:cubicBezTo>
+                <a:cubicBezTo>
+                  <a:pt x="1102451" y="23960"/>
+                  <a:pt x="837950" y="31673"/>
+                  <a:pt x="563791" y="18288"/>
+                </a:cubicBezTo>
+                <a:cubicBezTo>
+                  <a:pt x="289632" y="4903"/>
+                  <a:pt x="132768" y="7105"/>
+                  <a:pt x="0" y="18288"/>
+                </a:cubicBezTo>
+                <a:cubicBezTo>
+                  <a:pt x="668" y="13665"/>
+                  <a:pt x="578" y="5675"/>
+                  <a:pt x="0" y="0"/>
+                </a:cubicBezTo>
+                <a:close/>
+              </a:path>
+            </a:pathLst>
+          </a:custGeom>
+          <a:solidFill>
+            <a:schemeClr val="accent2"/>
+          </a:solidFill>
+          <a:ln w="38100" cap="rnd">
+            <a:solidFill>
+              <a:schemeClr val="accent2"/>
+            </a:solidFill>
+            <a:round/>
+            <a:extLst>
+              <a:ext uri="{C807C97D-BFC1-408E-A445-0C87EB9F89A2}">
+                <ask:lineSketchStyleProps xmlns:ask="http://schemas.microsoft.com/office/drawing/2018/sketchyshapes" sd="1219033472">
+                  <a:prstGeom prst="rect">
+                    <a:avLst/>
+                  </a:prstGeom>
+                  <ask:type>
+                    <ask:lineSketchFreehand/>
+                  </ask:type>
+                </ask:lineSketchStyleProps>
+              </a:ext>
+            </a:extLst>
+          </a:ln>
+        </p:spPr>
+        <p:style>
+          <a:lnRef idx="2">
+            <a:schemeClr val="accent1">
+              <a:shade val="50000"/>
+            </a:schemeClr>
+          </a:lnRef>
+          <a:fillRef idx="1">
+            <a:schemeClr val="accent1"/>
+          </a:fillRef>
+          <a:effectRef idx="0">
+            <a:schemeClr val="accent1"/>
+          </a:effectRef>
+          <a:fontRef idx="minor">
+            <a:schemeClr val="lt1"/>
+          </a:fontRef>
+        </p:style>
+        <p:txBody>
+          <a:bodyPr rtlCol="0" anchor="ctr"/>
+          <a:lstStyle/>
+          <a:p>
+            <a:pPr algn="ctr"/>
+            <a:endParaRPr lang="en-US"/>
+          </a:p>
+        </p:txBody>
+      </p:sp>
+    </p:spTree>
+    <p:extLst>
+      <p:ext uri="{BB962C8B-B14F-4D97-AF65-F5344CB8AC3E}">
+        <p14:creationId xmlns:p14="http://schemas.microsoft.com/office/powerpoint/2010/main" val="227483003"/>
+      </p:ext>
+    </p:extLst>
+  </p:cSld>
+  <p:clrMapOvr>
+    <a:masterClrMapping/>
+  </p:clrMapOvr>
+</p:sld>
+</file>
+
+<file path=ppt/slides/slide16.xml><?xml version="1.0" encoding="utf-8"?>
+<p:sld xmlns:a="http://schemas.openxmlformats.org/drawingml/2006/main" xmlns:r="http://schemas.openxmlformats.org/officeDocument/2006/relationships" xmlns:p="http://schemas.openxmlformats.org/presentationml/2006/main">
+  <p:cSld>
+    <p:bg>
+      <p:bgPr>
+        <a:solidFill>
+          <a:schemeClr val="bg1"/>
+        </a:solidFill>
+        <a:effectLst/>
+      </p:bgPr>
+    </p:bg>
+    <p:spTree>
+      <p:nvGrpSpPr>
+        <p:cNvPr id="1" name=""/>
+        <p:cNvGrpSpPr/>
+        <p:nvPr/>
+      </p:nvGrpSpPr>
+      <p:grpSpPr>
+        <a:xfrm>
+          <a:off x="0" y="0"/>
+          <a:ext cx="0" cy="0"/>
+          <a:chOff x="0" y="0"/>
+          <a:chExt cx="0" cy="0"/>
+        </a:xfrm>
+      </p:grpSpPr>
+      <p:sp useBgFill="1">
+        <p:nvSpPr>
+          <p:cNvPr id="27" name="Rectangle 26">
+            <a:extLst>
+              <a:ext uri="{FF2B5EF4-FFF2-40B4-BE49-F238E27FC236}">
+                <a16:creationId xmlns:a16="http://schemas.microsoft.com/office/drawing/2014/main" id="{2B97F24A-32CE-4C1C-A50D-3016B394DCFB}"/>
+              </a:ext>
+              <a:ext uri="{C183D7F6-B498-43B3-948B-1728B52AA6E4}">
+                <adec:decorative xmlns:adec="http://schemas.microsoft.com/office/drawing/2017/decorative" val="1"/>
+              </a:ext>
+            </a:extLst>
+          </p:cNvPr>
+          <p:cNvSpPr>
+            <a:spLocks noGrp="1" noRot="1" noChangeAspect="1" noMove="1" noResize="1" noEditPoints="1" noAdjustHandles="1" noChangeArrowheads="1" noChangeShapeType="1" noTextEdit="1"/>
+          </p:cNvSpPr>
+          <p:nvPr>
+            <p:extLst>
+              <p:ext uri="{386F3935-93C4-4BCD-93E2-E3B085C9AB24}">
+                <p16:designElem xmlns:p16="http://schemas.microsoft.com/office/powerpoint/2015/main" val="1"/>
+              </p:ext>
+            </p:extLst>
+          </p:nvPr>
+        </p:nvSpPr>
+        <p:spPr>
+          <a:xfrm>
+            <a:off x="0" y="0"/>
+            <a:ext cx="12192000" cy="6858000"/>
+          </a:xfrm>
+          <a:prstGeom prst="rect">
+            <a:avLst/>
+          </a:prstGeom>
+          <a:ln>
+            <a:noFill/>
+          </a:ln>
+        </p:spPr>
+        <p:style>
+          <a:lnRef idx="2">
+            <a:schemeClr val="accent1">
+              <a:shade val="50000"/>
+            </a:schemeClr>
+          </a:lnRef>
+          <a:fillRef idx="1">
+            <a:schemeClr val="accent1"/>
+          </a:fillRef>
+          <a:effectRef idx="0">
+            <a:schemeClr val="accent1"/>
+          </a:effectRef>
+          <a:fontRef idx="minor">
+            <a:schemeClr val="lt1"/>
+          </a:fontRef>
+        </p:style>
+        <p:txBody>
+          <a:bodyPr rtlCol="0" anchor="ctr"/>
+          <a:lstStyle/>
+          <a:p>
+            <a:pPr algn="ctr"/>
+            <a:endParaRPr lang="en-US"/>
+          </a:p>
+        </p:txBody>
+      </p:sp>
+      <p:sp>
+        <p:nvSpPr>
+          <p:cNvPr id="2" name="Title 1">
+            <a:extLst>
+              <a:ext uri="{FF2B5EF4-FFF2-40B4-BE49-F238E27FC236}">
+                <a16:creationId xmlns:a16="http://schemas.microsoft.com/office/drawing/2014/main" id="{7C65A851-34A5-1AC6-9BEA-586465E6DD2D}"/>
+              </a:ext>
+            </a:extLst>
+          </p:cNvPr>
+          <p:cNvSpPr>
+            <a:spLocks noGrp="1"/>
+          </p:cNvSpPr>
+          <p:nvPr>
+            <p:ph type="title"/>
+          </p:nvPr>
+        </p:nvSpPr>
+        <p:spPr>
+          <a:xfrm>
+            <a:off x="630936" y="639520"/>
+            <a:ext cx="3429000" cy="1719072"/>
+          </a:xfrm>
+        </p:spPr>
+        <p:txBody>
+          <a:bodyPr anchor="b">
+            <a:normAutofit/>
+          </a:bodyPr>
+          <a:lstStyle/>
+          <a:p>
+            <a:r>
+              <a:rPr lang="en-US" sz="3400"/>
+              <a:t>Normal Operation of NPC 3-Level Inverter</a:t>
+            </a:r>
+            <a:endParaRPr lang="tr-TR" sz="3400"/>
+          </a:p>
+        </p:txBody>
+      </p:sp>
+      <p:sp>
+        <p:nvSpPr>
+          <p:cNvPr id="28" name="sketch line">
+            <a:extLst>
+              <a:ext uri="{FF2B5EF4-FFF2-40B4-BE49-F238E27FC236}">
+                <a16:creationId xmlns:a16="http://schemas.microsoft.com/office/drawing/2014/main" id="{CD8B4F24-440B-49E9-B85D-733523DC064B}"/>
+              </a:ext>
+              <a:ext uri="{C183D7F6-B498-43B3-948B-1728B52AA6E4}">
+                <adec:decorative xmlns:adec="http://schemas.microsoft.com/office/drawing/2017/decorative" val="1"/>
+              </a:ext>
+            </a:extLst>
+          </p:cNvPr>
+          <p:cNvSpPr>
+            <a:spLocks noGrp="1" noRot="1" noChangeAspect="1" noMove="1" noResize="1" noEditPoints="1" noAdjustHandles="1" noChangeArrowheads="1" noChangeShapeType="1" noTextEdit="1"/>
+          </p:cNvSpPr>
+          <p:nvPr>
+            <p:extLst>
+              <p:ext uri="{386F3935-93C4-4BCD-93E2-E3B085C9AB24}">
+                <p16:designElem xmlns:p16="http://schemas.microsoft.com/office/powerpoint/2015/main" val="1"/>
+              </p:ext>
+            </p:extLst>
+          </p:nvPr>
+        </p:nvSpPr>
+        <p:spPr>
+          <a:xfrm>
+            <a:off x="643278" y="2573756"/>
+            <a:ext cx="3255095" cy="18288"/>
+          </a:xfrm>
+          <a:custGeom>
+            <a:avLst/>
+            <a:gdLst>
+              <a:gd name="connsiteX0" fmla="*/ 0 w 3255095"/>
+              <a:gd name="connsiteY0" fmla="*/ 0 h 18288"/>
+              <a:gd name="connsiteX1" fmla="*/ 618468 w 3255095"/>
+              <a:gd name="connsiteY1" fmla="*/ 0 h 18288"/>
+              <a:gd name="connsiteX2" fmla="*/ 1269487 w 3255095"/>
+              <a:gd name="connsiteY2" fmla="*/ 0 h 18288"/>
+              <a:gd name="connsiteX3" fmla="*/ 1953057 w 3255095"/>
+              <a:gd name="connsiteY3" fmla="*/ 0 h 18288"/>
+              <a:gd name="connsiteX4" fmla="*/ 2636627 w 3255095"/>
+              <a:gd name="connsiteY4" fmla="*/ 0 h 18288"/>
+              <a:gd name="connsiteX5" fmla="*/ 3255095 w 3255095"/>
+              <a:gd name="connsiteY5" fmla="*/ 0 h 18288"/>
+              <a:gd name="connsiteX6" fmla="*/ 3255095 w 3255095"/>
+              <a:gd name="connsiteY6" fmla="*/ 18288 h 18288"/>
+              <a:gd name="connsiteX7" fmla="*/ 2538974 w 3255095"/>
+              <a:gd name="connsiteY7" fmla="*/ 18288 h 18288"/>
+              <a:gd name="connsiteX8" fmla="*/ 1822853 w 3255095"/>
+              <a:gd name="connsiteY8" fmla="*/ 18288 h 18288"/>
+              <a:gd name="connsiteX9" fmla="*/ 1171834 w 3255095"/>
+              <a:gd name="connsiteY9" fmla="*/ 18288 h 18288"/>
+              <a:gd name="connsiteX10" fmla="*/ 0 w 3255095"/>
+              <a:gd name="connsiteY10" fmla="*/ 18288 h 18288"/>
+              <a:gd name="connsiteX11" fmla="*/ 0 w 3255095"/>
+              <a:gd name="connsiteY11" fmla="*/ 0 h 18288"/>
+            </a:gdLst>
+            <a:ahLst/>
+            <a:cxnLst>
+              <a:cxn ang="0">
+                <a:pos x="connsiteX0" y="connsiteY0"/>
+              </a:cxn>
+              <a:cxn ang="0">
+                <a:pos x="connsiteX1" y="connsiteY1"/>
+              </a:cxn>
+              <a:cxn ang="0">
+                <a:pos x="connsiteX2" y="connsiteY2"/>
+              </a:cxn>
+              <a:cxn ang="0">
+                <a:pos x="connsiteX3" y="connsiteY3"/>
+              </a:cxn>
+              <a:cxn ang="0">
+                <a:pos x="connsiteX4" y="connsiteY4"/>
+              </a:cxn>
+              <a:cxn ang="0">
+                <a:pos x="connsiteX5" y="connsiteY5"/>
+              </a:cxn>
+              <a:cxn ang="0">
+                <a:pos x="connsiteX6" y="connsiteY6"/>
+              </a:cxn>
+              <a:cxn ang="0">
+                <a:pos x="connsiteX7" y="connsiteY7"/>
+              </a:cxn>
+              <a:cxn ang="0">
+                <a:pos x="connsiteX8" y="connsiteY8"/>
+              </a:cxn>
+              <a:cxn ang="0">
+                <a:pos x="connsiteX9" y="connsiteY9"/>
+              </a:cxn>
+              <a:cxn ang="0">
+                <a:pos x="connsiteX10" y="connsiteY10"/>
+              </a:cxn>
+              <a:cxn ang="0">
+                <a:pos x="connsiteX11" y="connsiteY11"/>
+              </a:cxn>
+            </a:cxnLst>
+            <a:rect l="l" t="t" r="r" b="b"/>
+            <a:pathLst>
+              <a:path w="3255095" h="18288" fill="none" extrusionOk="0">
+                <a:moveTo>
+                  <a:pt x="0" y="0"/>
+                </a:moveTo>
+                <a:cubicBezTo>
+                  <a:pt x="240201" y="-22123"/>
+                  <a:pt x="462021" y="-19623"/>
+                  <a:pt x="618468" y="0"/>
+                </a:cubicBezTo>
+                <a:cubicBezTo>
+                  <a:pt x="774915" y="19623"/>
+                  <a:pt x="974734" y="2035"/>
+                  <a:pt x="1269487" y="0"/>
+                </a:cubicBezTo>
+                <a:cubicBezTo>
+                  <a:pt x="1564240" y="-2035"/>
+                  <a:pt x="1733579" y="10639"/>
+                  <a:pt x="1953057" y="0"/>
+                </a:cubicBezTo>
+                <a:cubicBezTo>
+                  <a:pt x="2172535" y="-10639"/>
+                  <a:pt x="2453962" y="14018"/>
+                  <a:pt x="2636627" y="0"/>
+                </a:cubicBezTo>
+                <a:cubicBezTo>
+                  <a:pt x="2819292" y="-14018"/>
+                  <a:pt x="3121375" y="5399"/>
+                  <a:pt x="3255095" y="0"/>
+                </a:cubicBezTo>
+                <a:cubicBezTo>
+                  <a:pt x="3254386" y="8157"/>
+                  <a:pt x="3254682" y="12125"/>
+                  <a:pt x="3255095" y="18288"/>
+                </a:cubicBezTo>
+                <a:cubicBezTo>
+                  <a:pt x="3088545" y="23203"/>
+                  <a:pt x="2687475" y="7419"/>
+                  <a:pt x="2538974" y="18288"/>
+                </a:cubicBezTo>
+                <a:cubicBezTo>
+                  <a:pt x="2390473" y="29157"/>
+                  <a:pt x="2137381" y="-8959"/>
+                  <a:pt x="1822853" y="18288"/>
+                </a:cubicBezTo>
+                <a:cubicBezTo>
+                  <a:pt x="1508325" y="45535"/>
+                  <a:pt x="1466437" y="20385"/>
+                  <a:pt x="1171834" y="18288"/>
+                </a:cubicBezTo>
+                <a:cubicBezTo>
+                  <a:pt x="877231" y="16191"/>
+                  <a:pt x="561097" y="37643"/>
+                  <a:pt x="0" y="18288"/>
+                </a:cubicBezTo>
+                <a:cubicBezTo>
+                  <a:pt x="-46" y="12483"/>
+                  <a:pt x="-203" y="6491"/>
+                  <a:pt x="0" y="0"/>
+                </a:cubicBezTo>
+                <a:close/>
+              </a:path>
+              <a:path w="3255095" h="18288" stroke="0" extrusionOk="0">
+                <a:moveTo>
+                  <a:pt x="0" y="0"/>
+                </a:moveTo>
+                <a:cubicBezTo>
+                  <a:pt x="291965" y="19429"/>
+                  <a:pt x="363155" y="8568"/>
+                  <a:pt x="618468" y="0"/>
+                </a:cubicBezTo>
+                <a:cubicBezTo>
+                  <a:pt x="873781" y="-8568"/>
+                  <a:pt x="904459" y="-19505"/>
+                  <a:pt x="1171834" y="0"/>
+                </a:cubicBezTo>
+                <a:cubicBezTo>
+                  <a:pt x="1439209" y="19505"/>
+                  <a:pt x="1744369" y="9790"/>
+                  <a:pt x="1887955" y="0"/>
+                </a:cubicBezTo>
+                <a:cubicBezTo>
+                  <a:pt x="2031541" y="-9790"/>
+                  <a:pt x="2346378" y="21240"/>
+                  <a:pt x="2506423" y="0"/>
+                </a:cubicBezTo>
+                <a:cubicBezTo>
+                  <a:pt x="2666468" y="-21240"/>
+                  <a:pt x="2990257" y="30414"/>
+                  <a:pt x="3255095" y="0"/>
+                </a:cubicBezTo>
+                <a:cubicBezTo>
+                  <a:pt x="3254831" y="4493"/>
+                  <a:pt x="3255479" y="9472"/>
+                  <a:pt x="3255095" y="18288"/>
+                </a:cubicBezTo>
+                <a:cubicBezTo>
+                  <a:pt x="3120743" y="16690"/>
+                  <a:pt x="2759628" y="42462"/>
+                  <a:pt x="2604076" y="18288"/>
+                </a:cubicBezTo>
+                <a:cubicBezTo>
+                  <a:pt x="2448524" y="-5886"/>
+                  <a:pt x="2184336" y="19599"/>
+                  <a:pt x="1887955" y="18288"/>
+                </a:cubicBezTo>
+                <a:cubicBezTo>
+                  <a:pt x="1591574" y="16977"/>
+                  <a:pt x="1548845" y="6870"/>
+                  <a:pt x="1334589" y="18288"/>
+                </a:cubicBezTo>
+                <a:cubicBezTo>
+                  <a:pt x="1120333" y="29706"/>
+                  <a:pt x="996014" y="9662"/>
+                  <a:pt x="683570" y="18288"/>
+                </a:cubicBezTo>
+                <a:cubicBezTo>
+                  <a:pt x="371126" y="26914"/>
+                  <a:pt x="198687" y="16167"/>
+                  <a:pt x="0" y="18288"/>
+                </a:cubicBezTo>
+                <a:cubicBezTo>
+                  <a:pt x="843" y="9577"/>
+                  <a:pt x="371" y="6900"/>
+                  <a:pt x="0" y="0"/>
+                </a:cubicBezTo>
+                <a:close/>
+              </a:path>
+            </a:pathLst>
+          </a:custGeom>
+          <a:solidFill>
+            <a:schemeClr val="accent2"/>
+          </a:solidFill>
+          <a:ln w="38100" cap="rnd">
+            <a:solidFill>
+              <a:schemeClr val="accent2"/>
+            </a:solidFill>
+            <a:round/>
+            <a:extLst>
+              <a:ext uri="{C807C97D-BFC1-408E-A445-0C87EB9F89A2}">
+                <ask:lineSketchStyleProps xmlns:ask="http://schemas.microsoft.com/office/drawing/2018/sketchyshapes" sd="1219033472">
+                  <a:prstGeom prst="rect">
+                    <a:avLst/>
+                  </a:prstGeom>
+                  <ask:type>
+                    <ask:lineSketchFreehand/>
+                  </ask:type>
+                </ask:lineSketchStyleProps>
+              </a:ext>
+            </a:extLst>
+          </a:ln>
+        </p:spPr>
+        <p:style>
+          <a:lnRef idx="2">
+            <a:schemeClr val="accent1">
+              <a:shade val="50000"/>
+            </a:schemeClr>
+          </a:lnRef>
+          <a:fillRef idx="1">
+            <a:schemeClr val="accent1"/>
+          </a:fillRef>
+          <a:effectRef idx="0">
+            <a:schemeClr val="accent1"/>
+          </a:effectRef>
+          <a:fontRef idx="minor">
+            <a:schemeClr val="lt1"/>
+          </a:fontRef>
+        </p:style>
+        <p:txBody>
+          <a:bodyPr rtlCol="0" anchor="ctr"/>
+          <a:lstStyle/>
+          <a:p>
+            <a:pPr algn="ctr"/>
+            <a:endParaRPr lang="en-US"/>
+          </a:p>
+        </p:txBody>
+      </p:sp>
+      <p:pic>
+        <p:nvPicPr>
+          <p:cNvPr id="5" name="Content Placeholder 4">
+            <a:extLst>
+              <a:ext uri="{FF2B5EF4-FFF2-40B4-BE49-F238E27FC236}">
+                <a16:creationId xmlns:a16="http://schemas.microsoft.com/office/drawing/2014/main" id="{2F652CD8-15F1-CC06-576C-D3219D8358B3}"/>
+              </a:ext>
+            </a:extLst>
+          </p:cNvPr>
+          <p:cNvPicPr>
+            <a:picLocks noChangeAspect="1"/>
+          </p:cNvPicPr>
+          <p:nvPr/>
+        </p:nvPicPr>
+        <p:blipFill rotWithShape="1">
+          <a:blip r:embed="rId2"/>
+          <a:srcRect l="3911" r="1802" b="-2"/>
+          <a:stretch/>
+        </p:blipFill>
+        <p:spPr>
+          <a:xfrm>
+            <a:off x="5308776" y="640080"/>
+            <a:ext cx="5594760" cy="5577840"/>
+          </a:xfrm>
+          <a:prstGeom prst="rect">
+            <a:avLst/>
+          </a:prstGeom>
+        </p:spPr>
+      </p:pic>
+      <p:graphicFrame>
+        <p:nvGraphicFramePr>
+          <p:cNvPr id="6" name="Table 5">
+            <a:extLst>
+              <a:ext uri="{FF2B5EF4-FFF2-40B4-BE49-F238E27FC236}">
+                <a16:creationId xmlns:a16="http://schemas.microsoft.com/office/drawing/2014/main" id="{F5FD5335-FA0F-90DC-D5A8-2EF3D460D9CB}"/>
+              </a:ext>
+            </a:extLst>
+          </p:cNvPr>
+          <p:cNvGraphicFramePr>
+            <a:graphicFrameLocks noGrp="1"/>
+          </p:cNvGraphicFramePr>
+          <p:nvPr>
+            <p:extLst>
+              <p:ext uri="{D42A27DB-BD31-4B8C-83A1-F6EECF244321}">
+                <p14:modId xmlns:p14="http://schemas.microsoft.com/office/powerpoint/2010/main" val="1630918296"/>
+              </p:ext>
+            </p:extLst>
+          </p:nvPr>
+        </p:nvGraphicFramePr>
+        <p:xfrm>
+          <a:off x="316910" y="3606216"/>
+          <a:ext cx="4991866" cy="1954496"/>
+        </p:xfrm>
+        <a:graphic>
+          <a:graphicData uri="http://schemas.openxmlformats.org/drawingml/2006/table">
+            <a:tbl>
+              <a:tblPr>
+                <a:tableStyleId>{5C22544A-7EE6-4342-B048-85BDC9FD1C3A}</a:tableStyleId>
+              </a:tblPr>
+              <a:tblGrid>
+                <a:gridCol w="855201">
+                  <a:extLst>
+                    <a:ext uri="{9D8B030D-6E8A-4147-A177-3AD203B41FA5}">
+                      <a16:colId xmlns:a16="http://schemas.microsoft.com/office/drawing/2014/main" val="738067104"/>
+                    </a:ext>
+                  </a:extLst>
+                </a:gridCol>
+                <a:gridCol w="1075037">
+                  <a:extLst>
+                    <a:ext uri="{9D8B030D-6E8A-4147-A177-3AD203B41FA5}">
+                      <a16:colId xmlns:a16="http://schemas.microsoft.com/office/drawing/2014/main" val="1871928831"/>
+                    </a:ext>
+                  </a:extLst>
+                </a:gridCol>
+                <a:gridCol w="765407">
+                  <a:extLst>
+                    <a:ext uri="{9D8B030D-6E8A-4147-A177-3AD203B41FA5}">
+                      <a16:colId xmlns:a16="http://schemas.microsoft.com/office/drawing/2014/main" val="659605148"/>
+                    </a:ext>
+                  </a:extLst>
+                </a:gridCol>
+                <a:gridCol w="765407">
+                  <a:extLst>
+                    <a:ext uri="{9D8B030D-6E8A-4147-A177-3AD203B41FA5}">
+                      <a16:colId xmlns:a16="http://schemas.microsoft.com/office/drawing/2014/main" val="3118763300"/>
+                    </a:ext>
+                  </a:extLst>
+                </a:gridCol>
+                <a:gridCol w="765407">
+                  <a:extLst>
+                    <a:ext uri="{9D8B030D-6E8A-4147-A177-3AD203B41FA5}">
+                      <a16:colId xmlns:a16="http://schemas.microsoft.com/office/drawing/2014/main" val="1741976836"/>
+                    </a:ext>
+                  </a:extLst>
+                </a:gridCol>
+                <a:gridCol w="765407">
+                  <a:extLst>
+                    <a:ext uri="{9D8B030D-6E8A-4147-A177-3AD203B41FA5}">
+                      <a16:colId xmlns:a16="http://schemas.microsoft.com/office/drawing/2014/main" val="3286428204"/>
+                    </a:ext>
+                  </a:extLst>
+                </a:gridCol>
+              </a:tblGrid>
+              <a:tr h="488624">
+                <a:tc>
+                  <a:txBody>
+                    <a:bodyPr/>
+                    <a:lstStyle/>
+                    <a:p>
+                      <a:pPr algn="l" fontAlgn="b"/>
+                      <a:r>
+                        <a:rPr lang="tr-TR" sz="1800" u="none" strike="noStrike">
+                          <a:effectLst/>
+                        </a:rPr>
+                        <a:t>State</a:t>
+                      </a:r>
+                      <a:endParaRPr lang="tr-TR" sz="1800" b="0" i="0" u="none" strike="noStrike">
+                        <a:solidFill>
+                          <a:srgbClr val="000000"/>
+                        </a:solidFill>
+                        <a:effectLst/>
+                        <a:latin typeface="Calibri" panose="020F0502020204030204" pitchFamily="34" charset="0"/>
+                      </a:endParaRPr>
+                    </a:p>
+                  </a:txBody>
+                  <a:tcPr marL="10141" marR="10141" marT="10141" marB="0" anchor="b"/>
+                </a:tc>
+                <a:tc>
+                  <a:txBody>
+                    <a:bodyPr/>
+                    <a:lstStyle/>
+                    <a:p>
+                      <a:pPr algn="l" fontAlgn="b"/>
+                      <a:r>
+                        <a:rPr lang="tr-TR" sz="1800" u="none" strike="noStrike">
+                          <a:effectLst/>
+                        </a:rPr>
+                        <a:t>Vout</a:t>
+                      </a:r>
+                      <a:endParaRPr lang="tr-TR" sz="1800" b="0" i="0" u="none" strike="noStrike">
+                        <a:solidFill>
+                          <a:srgbClr val="000000"/>
+                        </a:solidFill>
+                        <a:effectLst/>
+                        <a:latin typeface="Calibri" panose="020F0502020204030204" pitchFamily="34" charset="0"/>
+                      </a:endParaRPr>
+                    </a:p>
+                  </a:txBody>
+                  <a:tcPr marL="10141" marR="10141" marT="10141" marB="0" anchor="b"/>
+                </a:tc>
+                <a:tc>
+                  <a:txBody>
+                    <a:bodyPr/>
+                    <a:lstStyle/>
+                    <a:p>
+                      <a:pPr algn="l" fontAlgn="b"/>
+                      <a:r>
+                        <a:rPr lang="tr-TR" sz="1800" u="none" strike="noStrike">
+                          <a:effectLst/>
+                        </a:rPr>
+                        <a:t>Sa1</a:t>
+                      </a:r>
+                      <a:endParaRPr lang="tr-TR" sz="1800" b="0" i="0" u="none" strike="noStrike">
+                        <a:solidFill>
+                          <a:srgbClr val="000000"/>
+                        </a:solidFill>
+                        <a:effectLst/>
+                        <a:latin typeface="Calibri" panose="020F0502020204030204" pitchFamily="34" charset="0"/>
+                      </a:endParaRPr>
+                    </a:p>
+                  </a:txBody>
+                  <a:tcPr marL="10141" marR="10141" marT="10141" marB="0" anchor="b"/>
+                </a:tc>
+                <a:tc>
+                  <a:txBody>
+                    <a:bodyPr/>
+                    <a:lstStyle/>
+                    <a:p>
+                      <a:pPr algn="l" fontAlgn="b"/>
+                      <a:r>
+                        <a:rPr lang="tr-TR" sz="1800" u="none" strike="noStrike">
+                          <a:effectLst/>
+                        </a:rPr>
+                        <a:t>Sa2</a:t>
+                      </a:r>
+                      <a:endParaRPr lang="tr-TR" sz="1800" b="0" i="0" u="none" strike="noStrike">
+                        <a:solidFill>
+                          <a:srgbClr val="000000"/>
+                        </a:solidFill>
+                        <a:effectLst/>
+                        <a:latin typeface="Calibri" panose="020F0502020204030204" pitchFamily="34" charset="0"/>
+                      </a:endParaRPr>
+                    </a:p>
+                  </a:txBody>
+                  <a:tcPr marL="10141" marR="10141" marT="10141" marB="0" anchor="b"/>
+                </a:tc>
+                <a:tc>
+                  <a:txBody>
+                    <a:bodyPr/>
+                    <a:lstStyle/>
+                    <a:p>
+                      <a:pPr algn="l" fontAlgn="b"/>
+                      <a:r>
+                        <a:rPr lang="tr-TR" sz="1800" u="none" strike="noStrike">
+                          <a:effectLst/>
+                        </a:rPr>
+                        <a:t>Sa3</a:t>
+                      </a:r>
+                      <a:endParaRPr lang="tr-TR" sz="1800" b="0" i="0" u="none" strike="noStrike">
+                        <a:solidFill>
+                          <a:srgbClr val="000000"/>
+                        </a:solidFill>
+                        <a:effectLst/>
+                        <a:latin typeface="Calibri" panose="020F0502020204030204" pitchFamily="34" charset="0"/>
+                      </a:endParaRPr>
+                    </a:p>
+                  </a:txBody>
+                  <a:tcPr marL="10141" marR="10141" marT="10141" marB="0" anchor="b"/>
+                </a:tc>
+                <a:tc>
+                  <a:txBody>
+                    <a:bodyPr/>
+                    <a:lstStyle/>
+                    <a:p>
+                      <a:pPr algn="l" fontAlgn="b"/>
+                      <a:r>
+                        <a:rPr lang="tr-TR" sz="1800" u="none" strike="noStrike">
+                          <a:effectLst/>
+                        </a:rPr>
+                        <a:t>Sa4</a:t>
+                      </a:r>
+                      <a:endParaRPr lang="tr-TR" sz="1800" b="0" i="0" u="none" strike="noStrike">
+                        <a:solidFill>
+                          <a:srgbClr val="000000"/>
+                        </a:solidFill>
+                        <a:effectLst/>
+                        <a:latin typeface="Calibri" panose="020F0502020204030204" pitchFamily="34" charset="0"/>
+                      </a:endParaRPr>
+                    </a:p>
+                  </a:txBody>
+                  <a:tcPr marL="10141" marR="10141" marT="10141" marB="0" anchor="b"/>
+                </a:tc>
+                <a:extLst>
+                  <a:ext uri="{0D108BD9-81ED-4DB2-BD59-A6C34878D82A}">
+                    <a16:rowId xmlns:a16="http://schemas.microsoft.com/office/drawing/2014/main" val="3878468668"/>
+                  </a:ext>
+                </a:extLst>
+              </a:tr>
+              <a:tr h="488624">
+                <a:tc>
+                  <a:txBody>
+                    <a:bodyPr/>
+                    <a:lstStyle/>
+                    <a:p>
+                      <a:pPr algn="l" fontAlgn="b"/>
+                      <a:r>
+                        <a:rPr lang="tr-TR" sz="1800" u="none" strike="noStrike">
+                          <a:effectLst/>
+                        </a:rPr>
+                        <a:t>P</a:t>
+                      </a:r>
+                      <a:endParaRPr lang="tr-TR" sz="1800" b="0" i="0" u="none" strike="noStrike">
+                        <a:solidFill>
+                          <a:srgbClr val="000000"/>
+                        </a:solidFill>
+                        <a:effectLst/>
+                        <a:latin typeface="Calibri" panose="020F0502020204030204" pitchFamily="34" charset="0"/>
+                      </a:endParaRPr>
+                    </a:p>
+                  </a:txBody>
+                  <a:tcPr marL="10141" marR="10141" marT="10141" marB="0" anchor="b"/>
+                </a:tc>
+                <a:tc>
+                  <a:txBody>
+                    <a:bodyPr/>
+                    <a:lstStyle/>
+                    <a:p>
+                      <a:pPr algn="l" fontAlgn="b"/>
+                      <a:r>
+                        <a:rPr lang="en-US" sz="1800" u="none" strike="noStrike">
+                          <a:effectLst/>
+                        </a:rPr>
+                        <a:t>+</a:t>
+                      </a:r>
+                      <a:r>
+                        <a:rPr lang="tr-TR" sz="1800" u="none" strike="noStrike">
+                          <a:effectLst/>
+                        </a:rPr>
+                        <a:t>Vdc/2</a:t>
+                      </a:r>
+                      <a:endParaRPr lang="tr-TR" sz="1800" b="0" i="0" u="none" strike="noStrike">
+                        <a:solidFill>
+                          <a:srgbClr val="000000"/>
+                        </a:solidFill>
+                        <a:effectLst/>
+                        <a:latin typeface="Calibri" panose="020F0502020204030204" pitchFamily="34" charset="0"/>
+                      </a:endParaRPr>
+                    </a:p>
+                  </a:txBody>
+                  <a:tcPr marL="10141" marR="10141" marT="10141" marB="0" anchor="b"/>
+                </a:tc>
+                <a:tc>
+                  <a:txBody>
+                    <a:bodyPr/>
+                    <a:lstStyle/>
+                    <a:p>
+                      <a:pPr algn="l" fontAlgn="b"/>
+                      <a:r>
+                        <a:rPr lang="tr-TR" sz="1800" u="none" strike="noStrike">
+                          <a:effectLst/>
+                        </a:rPr>
+                        <a:t>ON</a:t>
+                      </a:r>
+                      <a:endParaRPr lang="tr-TR" sz="1800" b="0" i="0" u="none" strike="noStrike">
+                        <a:solidFill>
+                          <a:srgbClr val="000000"/>
+                        </a:solidFill>
+                        <a:effectLst/>
+                        <a:latin typeface="Calibri" panose="020F0502020204030204" pitchFamily="34" charset="0"/>
+                      </a:endParaRPr>
+                    </a:p>
+                  </a:txBody>
+                  <a:tcPr marL="10141" marR="10141" marT="10141" marB="0" anchor="b"/>
+                </a:tc>
+                <a:tc>
+                  <a:txBody>
+                    <a:bodyPr/>
+                    <a:lstStyle/>
+                    <a:p>
+                      <a:pPr algn="l" fontAlgn="b"/>
+                      <a:r>
+                        <a:rPr lang="tr-TR" sz="1800" u="none" strike="noStrike">
+                          <a:effectLst/>
+                        </a:rPr>
+                        <a:t>ON</a:t>
+                      </a:r>
+                      <a:endParaRPr lang="tr-TR" sz="1800" b="0" i="0" u="none" strike="noStrike">
+                        <a:solidFill>
+                          <a:srgbClr val="000000"/>
+                        </a:solidFill>
+                        <a:effectLst/>
+                        <a:latin typeface="Calibri" panose="020F0502020204030204" pitchFamily="34" charset="0"/>
+                      </a:endParaRPr>
+                    </a:p>
+                  </a:txBody>
+                  <a:tcPr marL="10141" marR="10141" marT="10141" marB="0" anchor="b"/>
+                </a:tc>
+                <a:tc>
+                  <a:txBody>
+                    <a:bodyPr/>
+                    <a:lstStyle/>
+                    <a:p>
+                      <a:pPr algn="l" fontAlgn="b"/>
+                      <a:r>
+                        <a:rPr lang="tr-TR" sz="1800" u="none" strike="noStrike">
+                          <a:effectLst/>
+                        </a:rPr>
+                        <a:t>OFF</a:t>
+                      </a:r>
+                      <a:endParaRPr lang="tr-TR" sz="1800" b="0" i="0" u="none" strike="noStrike">
+                        <a:solidFill>
+                          <a:srgbClr val="000000"/>
+                        </a:solidFill>
+                        <a:effectLst/>
+                        <a:latin typeface="Calibri" panose="020F0502020204030204" pitchFamily="34" charset="0"/>
+                      </a:endParaRPr>
+                    </a:p>
+                  </a:txBody>
+                  <a:tcPr marL="10141" marR="10141" marT="10141" marB="0" anchor="b"/>
+                </a:tc>
+                <a:tc>
+                  <a:txBody>
+                    <a:bodyPr/>
+                    <a:lstStyle/>
+                    <a:p>
+                      <a:pPr algn="l" fontAlgn="b"/>
+                      <a:r>
+                        <a:rPr lang="tr-TR" sz="1800" u="none" strike="noStrike">
+                          <a:effectLst/>
+                        </a:rPr>
+                        <a:t>OFF</a:t>
+                      </a:r>
+                      <a:endParaRPr lang="tr-TR" sz="1800" b="0" i="0" u="none" strike="noStrike">
+                        <a:solidFill>
+                          <a:srgbClr val="000000"/>
+                        </a:solidFill>
+                        <a:effectLst/>
+                        <a:latin typeface="Calibri" panose="020F0502020204030204" pitchFamily="34" charset="0"/>
+                      </a:endParaRPr>
+                    </a:p>
+                  </a:txBody>
+                  <a:tcPr marL="10141" marR="10141" marT="10141" marB="0" anchor="b"/>
+                </a:tc>
+                <a:extLst>
+                  <a:ext uri="{0D108BD9-81ED-4DB2-BD59-A6C34878D82A}">
+                    <a16:rowId xmlns:a16="http://schemas.microsoft.com/office/drawing/2014/main" val="1327193577"/>
+                  </a:ext>
+                </a:extLst>
+              </a:tr>
+              <a:tr h="488624">
+                <a:tc>
+                  <a:txBody>
+                    <a:bodyPr/>
+                    <a:lstStyle/>
+                    <a:p>
+                      <a:pPr algn="l" fontAlgn="b"/>
+                      <a:r>
+                        <a:rPr lang="tr-TR" sz="1800" u="none" strike="noStrike">
+                          <a:effectLst/>
+                        </a:rPr>
+                        <a:t>0</a:t>
+                      </a:r>
+                      <a:endParaRPr lang="tr-TR" sz="1800" b="0" i="0" u="none" strike="noStrike">
+                        <a:solidFill>
+                          <a:srgbClr val="000000"/>
+                        </a:solidFill>
+                        <a:effectLst/>
+                        <a:latin typeface="Calibri" panose="020F0502020204030204" pitchFamily="34" charset="0"/>
+                      </a:endParaRPr>
+                    </a:p>
+                  </a:txBody>
+                  <a:tcPr marL="10141" marR="10141" marT="10141" marB="0" anchor="b"/>
+                </a:tc>
+                <a:tc>
+                  <a:txBody>
+                    <a:bodyPr/>
+                    <a:lstStyle/>
+                    <a:p>
+                      <a:pPr algn="ctr" fontAlgn="b"/>
+                      <a:r>
+                        <a:rPr lang="tr-TR" sz="1800" u="none" strike="noStrike">
+                          <a:effectLst/>
+                        </a:rPr>
+                        <a:t>0</a:t>
+                      </a:r>
+                      <a:endParaRPr lang="tr-TR" sz="1800" b="0" i="0" u="none" strike="noStrike">
+                        <a:solidFill>
+                          <a:srgbClr val="000000"/>
+                        </a:solidFill>
+                        <a:effectLst/>
+                        <a:latin typeface="Calibri" panose="020F0502020204030204" pitchFamily="34" charset="0"/>
+                      </a:endParaRPr>
+                    </a:p>
+                  </a:txBody>
+                  <a:tcPr marL="10141" marR="10141" marT="10141" marB="0" anchor="b"/>
+                </a:tc>
+                <a:tc>
+                  <a:txBody>
+                    <a:bodyPr/>
+                    <a:lstStyle/>
+                    <a:p>
+                      <a:pPr algn="l" fontAlgn="b"/>
+                      <a:r>
+                        <a:rPr lang="tr-TR" sz="1800" u="none" strike="noStrike">
+                          <a:effectLst/>
+                        </a:rPr>
+                        <a:t>OFF</a:t>
+                      </a:r>
+                      <a:endParaRPr lang="tr-TR" sz="1800" b="0" i="0" u="none" strike="noStrike">
+                        <a:solidFill>
+                          <a:srgbClr val="000000"/>
+                        </a:solidFill>
+                        <a:effectLst/>
+                        <a:latin typeface="Calibri" panose="020F0502020204030204" pitchFamily="34" charset="0"/>
+                      </a:endParaRPr>
+                    </a:p>
+                  </a:txBody>
+                  <a:tcPr marL="10141" marR="10141" marT="10141" marB="0" anchor="b"/>
+                </a:tc>
+                <a:tc>
+                  <a:txBody>
+                    <a:bodyPr/>
+                    <a:lstStyle/>
+                    <a:p>
+                      <a:pPr algn="l" fontAlgn="b"/>
+                      <a:r>
+                        <a:rPr lang="tr-TR" sz="1800" u="none" strike="noStrike">
+                          <a:effectLst/>
+                        </a:rPr>
+                        <a:t>ON</a:t>
+                      </a:r>
+                      <a:endParaRPr lang="tr-TR" sz="1800" b="0" i="0" u="none" strike="noStrike">
+                        <a:solidFill>
+                          <a:srgbClr val="000000"/>
+                        </a:solidFill>
+                        <a:effectLst/>
+                        <a:latin typeface="Calibri" panose="020F0502020204030204" pitchFamily="34" charset="0"/>
+                      </a:endParaRPr>
+                    </a:p>
+                  </a:txBody>
+                  <a:tcPr marL="10141" marR="10141" marT="10141" marB="0" anchor="b"/>
+                </a:tc>
+                <a:tc>
+                  <a:txBody>
+                    <a:bodyPr/>
+                    <a:lstStyle/>
+                    <a:p>
+                      <a:pPr algn="l" fontAlgn="b"/>
+                      <a:r>
+                        <a:rPr lang="tr-TR" sz="1800" u="none" strike="noStrike">
+                          <a:effectLst/>
+                        </a:rPr>
+                        <a:t>ON</a:t>
+                      </a:r>
+                      <a:endParaRPr lang="tr-TR" sz="1800" b="0" i="0" u="none" strike="noStrike">
+                        <a:solidFill>
+                          <a:srgbClr val="000000"/>
+                        </a:solidFill>
+                        <a:effectLst/>
+                        <a:latin typeface="Calibri" panose="020F0502020204030204" pitchFamily="34" charset="0"/>
+                      </a:endParaRPr>
+                    </a:p>
+                  </a:txBody>
+                  <a:tcPr marL="10141" marR="10141" marT="10141" marB="0" anchor="b"/>
+                </a:tc>
+                <a:tc>
+                  <a:txBody>
+                    <a:bodyPr/>
+                    <a:lstStyle/>
+                    <a:p>
+                      <a:pPr algn="l" fontAlgn="b"/>
+                      <a:r>
+                        <a:rPr lang="tr-TR" sz="1800" u="none" strike="noStrike">
+                          <a:effectLst/>
+                        </a:rPr>
+                        <a:t>OFF</a:t>
+                      </a:r>
+                      <a:endParaRPr lang="tr-TR" sz="1800" b="0" i="0" u="none" strike="noStrike">
+                        <a:solidFill>
+                          <a:srgbClr val="000000"/>
+                        </a:solidFill>
+                        <a:effectLst/>
+                        <a:latin typeface="Calibri" panose="020F0502020204030204" pitchFamily="34" charset="0"/>
+                      </a:endParaRPr>
+                    </a:p>
+                  </a:txBody>
+                  <a:tcPr marL="10141" marR="10141" marT="10141" marB="0" anchor="b"/>
+                </a:tc>
+                <a:extLst>
+                  <a:ext uri="{0D108BD9-81ED-4DB2-BD59-A6C34878D82A}">
+                    <a16:rowId xmlns:a16="http://schemas.microsoft.com/office/drawing/2014/main" val="124995844"/>
+                  </a:ext>
+                </a:extLst>
+              </a:tr>
+              <a:tr h="488624">
+                <a:tc>
+                  <a:txBody>
+                    <a:bodyPr/>
+                    <a:lstStyle/>
+                    <a:p>
+                      <a:pPr algn="l" fontAlgn="b"/>
+                      <a:r>
+                        <a:rPr lang="tr-TR" sz="1800" u="none" strike="noStrike">
+                          <a:effectLst/>
+                        </a:rPr>
+                        <a:t>N</a:t>
+                      </a:r>
+                      <a:endParaRPr lang="tr-TR" sz="1800" b="0" i="0" u="none" strike="noStrike">
+                        <a:solidFill>
+                          <a:srgbClr val="000000"/>
+                        </a:solidFill>
+                        <a:effectLst/>
+                        <a:latin typeface="Calibri" panose="020F0502020204030204" pitchFamily="34" charset="0"/>
+                      </a:endParaRPr>
+                    </a:p>
+                  </a:txBody>
+                  <a:tcPr marL="10141" marR="10141" marT="10141" marB="0" anchor="b"/>
+                </a:tc>
+                <a:tc>
+                  <a:txBody>
+                    <a:bodyPr/>
+                    <a:lstStyle/>
+                    <a:p>
+                      <a:pPr algn="l" fontAlgn="b"/>
+                      <a:r>
+                        <a:rPr lang="en-US" sz="1800" u="none" strike="noStrike">
+                          <a:effectLst/>
+                        </a:rPr>
+                        <a:t>-</a:t>
+                      </a:r>
+                      <a:r>
+                        <a:rPr lang="tr-TR" sz="1800" u="none" strike="noStrike">
+                          <a:effectLst/>
+                        </a:rPr>
+                        <a:t>Vdc/2</a:t>
+                      </a:r>
+                      <a:endParaRPr lang="tr-TR" sz="1800" b="0" i="0" u="none" strike="noStrike">
+                        <a:solidFill>
+                          <a:srgbClr val="000000"/>
+                        </a:solidFill>
+                        <a:effectLst/>
+                        <a:latin typeface="Calibri" panose="020F0502020204030204" pitchFamily="34" charset="0"/>
+                      </a:endParaRPr>
+                    </a:p>
+                  </a:txBody>
+                  <a:tcPr marL="10141" marR="10141" marT="10141" marB="0" anchor="b"/>
+                </a:tc>
+                <a:tc>
+                  <a:txBody>
+                    <a:bodyPr/>
+                    <a:lstStyle/>
+                    <a:p>
+                      <a:pPr algn="l" fontAlgn="b"/>
+                      <a:r>
+                        <a:rPr lang="tr-TR" sz="1800" u="none" strike="noStrike">
+                          <a:effectLst/>
+                        </a:rPr>
+                        <a:t>OFF</a:t>
+                      </a:r>
+                      <a:endParaRPr lang="tr-TR" sz="1800" b="0" i="0" u="none" strike="noStrike">
+                        <a:solidFill>
+                          <a:srgbClr val="000000"/>
+                        </a:solidFill>
+                        <a:effectLst/>
+                        <a:latin typeface="Calibri" panose="020F0502020204030204" pitchFamily="34" charset="0"/>
+                      </a:endParaRPr>
+                    </a:p>
+                  </a:txBody>
+                  <a:tcPr marL="10141" marR="10141" marT="10141" marB="0" anchor="b"/>
+                </a:tc>
+                <a:tc>
+                  <a:txBody>
+                    <a:bodyPr/>
+                    <a:lstStyle/>
+                    <a:p>
+                      <a:pPr algn="l" fontAlgn="b"/>
+                      <a:r>
+                        <a:rPr lang="tr-TR" sz="1800" u="none" strike="noStrike">
+                          <a:effectLst/>
+                        </a:rPr>
+                        <a:t>OFF</a:t>
+                      </a:r>
+                      <a:endParaRPr lang="tr-TR" sz="1800" b="0" i="0" u="none" strike="noStrike">
+                        <a:solidFill>
+                          <a:srgbClr val="000000"/>
+                        </a:solidFill>
+                        <a:effectLst/>
+                        <a:latin typeface="Calibri" panose="020F0502020204030204" pitchFamily="34" charset="0"/>
+                      </a:endParaRPr>
+                    </a:p>
+                  </a:txBody>
+                  <a:tcPr marL="10141" marR="10141" marT="10141" marB="0" anchor="b"/>
+                </a:tc>
+                <a:tc>
+                  <a:txBody>
+                    <a:bodyPr/>
+                    <a:lstStyle/>
+                    <a:p>
+                      <a:pPr algn="l" fontAlgn="b"/>
+                      <a:r>
+                        <a:rPr lang="tr-TR" sz="1800" u="none" strike="noStrike">
+                          <a:effectLst/>
+                        </a:rPr>
+                        <a:t>ON</a:t>
+                      </a:r>
+                      <a:endParaRPr lang="tr-TR" sz="1800" b="0" i="0" u="none" strike="noStrike">
+                        <a:solidFill>
+                          <a:srgbClr val="000000"/>
+                        </a:solidFill>
+                        <a:effectLst/>
+                        <a:latin typeface="Calibri" panose="020F0502020204030204" pitchFamily="34" charset="0"/>
+                      </a:endParaRPr>
+                    </a:p>
+                  </a:txBody>
+                  <a:tcPr marL="10141" marR="10141" marT="10141" marB="0" anchor="b"/>
+                </a:tc>
+                <a:tc>
+                  <a:txBody>
+                    <a:bodyPr/>
+                    <a:lstStyle/>
+                    <a:p>
+                      <a:pPr algn="l" fontAlgn="b"/>
+                      <a:r>
+                        <a:rPr lang="tr-TR" sz="1800" u="none" strike="noStrike" dirty="0">
+                          <a:effectLst/>
+                        </a:rPr>
+                        <a:t>ON</a:t>
+                      </a:r>
+                      <a:endParaRPr lang="tr-TR" sz="1800" b="0" i="0" u="none" strike="noStrike" dirty="0">
+                        <a:solidFill>
+                          <a:srgbClr val="000000"/>
+                        </a:solidFill>
+                        <a:effectLst/>
+                        <a:latin typeface="Calibri" panose="020F0502020204030204" pitchFamily="34" charset="0"/>
+                      </a:endParaRPr>
+                    </a:p>
+                  </a:txBody>
+                  <a:tcPr marL="10141" marR="10141" marT="10141" marB="0" anchor="b"/>
+                </a:tc>
+                <a:extLst>
+                  <a:ext uri="{0D108BD9-81ED-4DB2-BD59-A6C34878D82A}">
+                    <a16:rowId xmlns:a16="http://schemas.microsoft.com/office/drawing/2014/main" val="3262284922"/>
+                  </a:ext>
+                </a:extLst>
+              </a:tr>
+            </a:tbl>
+          </a:graphicData>
+        </a:graphic>
+      </p:graphicFrame>
+    </p:spTree>
+    <p:extLst>
+      <p:ext uri="{BB962C8B-B14F-4D97-AF65-F5344CB8AC3E}">
+        <p14:creationId xmlns:p14="http://schemas.microsoft.com/office/powerpoint/2010/main" val="366156327"/>
+      </p:ext>
+    </p:extLst>
+  </p:cSld>
+  <p:clrMapOvr>
+    <a:masterClrMapping/>
+  </p:clrMapOvr>
+</p:sld>
+</file>
+
+<file path=ppt/slides/slide17.xml><?xml version="1.0" encoding="utf-8"?>
+<p:sld xmlns:a="http://schemas.openxmlformats.org/drawingml/2006/main" xmlns:r="http://schemas.openxmlformats.org/officeDocument/2006/relationships" xmlns:p="http://schemas.openxmlformats.org/presentationml/2006/main">
+  <p:cSld>
+    <p:spTree>
+      <p:nvGrpSpPr>
+        <p:cNvPr id="1" name=""/>
+        <p:cNvGrpSpPr/>
+        <p:nvPr/>
+      </p:nvGrpSpPr>
+      <p:grpSpPr>
+        <a:xfrm>
+          <a:off x="0" y="0"/>
+          <a:ext cx="0" cy="0"/>
+          <a:chOff x="0" y="0"/>
+          <a:chExt cx="0" cy="0"/>
+        </a:xfrm>
+      </p:grpSpPr>
+      <p:sp>
+        <p:nvSpPr>
+          <p:cNvPr id="2" name="Title 1">
+            <a:extLst>
+              <a:ext uri="{FF2B5EF4-FFF2-40B4-BE49-F238E27FC236}">
+                <a16:creationId xmlns:a16="http://schemas.microsoft.com/office/drawing/2014/main" id="{34744FB4-DDD0-B804-B271-16CA1D362110}"/>
+              </a:ext>
+            </a:extLst>
+          </p:cNvPr>
+          <p:cNvSpPr>
+            <a:spLocks noGrp="1"/>
+          </p:cNvSpPr>
+          <p:nvPr>
+            <p:ph type="title"/>
+          </p:nvPr>
+        </p:nvSpPr>
+        <p:spPr/>
+        <p:txBody>
+          <a:bodyPr/>
+          <a:lstStyle/>
+          <a:p>
+            <a:r>
+              <a:rPr lang="en-US" dirty="0"/>
+              <a:t>NPC Under Fault Operation</a:t>
+            </a:r>
+            <a:endParaRPr lang="tr-TR" dirty="0"/>
+          </a:p>
+        </p:txBody>
+      </p:sp>
+      <p:sp>
+        <p:nvSpPr>
+          <p:cNvPr id="3" name="Content Placeholder 2">
+            <a:extLst>
+              <a:ext uri="{FF2B5EF4-FFF2-40B4-BE49-F238E27FC236}">
+                <a16:creationId xmlns:a16="http://schemas.microsoft.com/office/drawing/2014/main" id="{AB9A5423-4DAD-63CB-C353-DEF9B175B7F9}"/>
+              </a:ext>
+            </a:extLst>
+          </p:cNvPr>
+          <p:cNvSpPr>
+            <a:spLocks noGrp="1"/>
+          </p:cNvSpPr>
+          <p:nvPr>
+            <p:ph idx="1"/>
+          </p:nvPr>
+        </p:nvSpPr>
+        <p:spPr/>
+        <p:txBody>
+          <a:bodyPr/>
+          <a:lstStyle/>
+          <a:p>
+            <a:endParaRPr lang="tr-TR" dirty="0"/>
+          </a:p>
+        </p:txBody>
+      </p:sp>
+    </p:spTree>
+    <p:extLst>
+      <p:ext uri="{BB962C8B-B14F-4D97-AF65-F5344CB8AC3E}">
+        <p14:creationId xmlns:p14="http://schemas.microsoft.com/office/powerpoint/2010/main" val="1055659088"/>
       </p:ext>
     </p:extLst>
   </p:cSld>

--- a/Reports/Fault_Tolerance.pptx
+++ b/Reports/Fault_Tolerance.pptx
@@ -22,6 +22,13 @@
     <p:sldId id="270" r:id="rId16"/>
     <p:sldId id="271" r:id="rId17"/>
     <p:sldId id="272" r:id="rId18"/>
+    <p:sldId id="273" r:id="rId19"/>
+    <p:sldId id="274" r:id="rId20"/>
+    <p:sldId id="275" r:id="rId21"/>
+    <p:sldId id="276" r:id="rId22"/>
+    <p:sldId id="277" r:id="rId23"/>
+    <p:sldId id="278" r:id="rId24"/>
+    <p:sldId id="279" r:id="rId25"/>
   </p:sldIdLst>
   <p:sldSz cx="12192000" cy="6858000"/>
   <p:notesSz cx="6858000" cy="9144000"/>
@@ -259,7 +266,7 @@
           <a:p>
             <a:fld id="{524C83C5-A6E3-467E-88A3-7867E1892419}" type="datetimeFigureOut">
               <a:rPr lang="tr-TR" smtClean="0"/>
-              <a:t>26.02.2024</a:t>
+              <a:t>27.02.2024</a:t>
             </a:fld>
             <a:endParaRPr lang="tr-TR"/>
           </a:p>
@@ -429,7 +436,7 @@
           <a:p>
             <a:fld id="{524C83C5-A6E3-467E-88A3-7867E1892419}" type="datetimeFigureOut">
               <a:rPr lang="tr-TR" smtClean="0"/>
-              <a:t>26.02.2024</a:t>
+              <a:t>27.02.2024</a:t>
             </a:fld>
             <a:endParaRPr lang="tr-TR"/>
           </a:p>
@@ -609,7 +616,7 @@
           <a:p>
             <a:fld id="{524C83C5-A6E3-467E-88A3-7867E1892419}" type="datetimeFigureOut">
               <a:rPr lang="tr-TR" smtClean="0"/>
-              <a:t>26.02.2024</a:t>
+              <a:t>27.02.2024</a:t>
             </a:fld>
             <a:endParaRPr lang="tr-TR"/>
           </a:p>
@@ -779,7 +786,7 @@
           <a:p>
             <a:fld id="{524C83C5-A6E3-467E-88A3-7867E1892419}" type="datetimeFigureOut">
               <a:rPr lang="tr-TR" smtClean="0"/>
-              <a:t>26.02.2024</a:t>
+              <a:t>27.02.2024</a:t>
             </a:fld>
             <a:endParaRPr lang="tr-TR"/>
           </a:p>
@@ -1025,7 +1032,7 @@
           <a:p>
             <a:fld id="{524C83C5-A6E3-467E-88A3-7867E1892419}" type="datetimeFigureOut">
               <a:rPr lang="tr-TR" smtClean="0"/>
-              <a:t>26.02.2024</a:t>
+              <a:t>27.02.2024</a:t>
             </a:fld>
             <a:endParaRPr lang="tr-TR"/>
           </a:p>
@@ -1257,7 +1264,7 @@
           <a:p>
             <a:fld id="{524C83C5-A6E3-467E-88A3-7867E1892419}" type="datetimeFigureOut">
               <a:rPr lang="tr-TR" smtClean="0"/>
-              <a:t>26.02.2024</a:t>
+              <a:t>27.02.2024</a:t>
             </a:fld>
             <a:endParaRPr lang="tr-TR"/>
           </a:p>
@@ -1624,7 +1631,7 @@
           <a:p>
             <a:fld id="{524C83C5-A6E3-467E-88A3-7867E1892419}" type="datetimeFigureOut">
               <a:rPr lang="tr-TR" smtClean="0"/>
-              <a:t>26.02.2024</a:t>
+              <a:t>27.02.2024</a:t>
             </a:fld>
             <a:endParaRPr lang="tr-TR"/>
           </a:p>
@@ -1742,7 +1749,7 @@
           <a:p>
             <a:fld id="{524C83C5-A6E3-467E-88A3-7867E1892419}" type="datetimeFigureOut">
               <a:rPr lang="tr-TR" smtClean="0"/>
-              <a:t>26.02.2024</a:t>
+              <a:t>27.02.2024</a:t>
             </a:fld>
             <a:endParaRPr lang="tr-TR"/>
           </a:p>
@@ -1837,7 +1844,7 @@
           <a:p>
             <a:fld id="{524C83C5-A6E3-467E-88A3-7867E1892419}" type="datetimeFigureOut">
               <a:rPr lang="tr-TR" smtClean="0"/>
-              <a:t>26.02.2024</a:t>
+              <a:t>27.02.2024</a:t>
             </a:fld>
             <a:endParaRPr lang="tr-TR"/>
           </a:p>
@@ -2114,7 +2121,7 @@
           <a:p>
             <a:fld id="{524C83C5-A6E3-467E-88A3-7867E1892419}" type="datetimeFigureOut">
               <a:rPr lang="tr-TR" smtClean="0"/>
-              <a:t>26.02.2024</a:t>
+              <a:t>27.02.2024</a:t>
             </a:fld>
             <a:endParaRPr lang="tr-TR"/>
           </a:p>
@@ -2371,7 +2378,7 @@
           <a:p>
             <a:fld id="{524C83C5-A6E3-467E-88A3-7867E1892419}" type="datetimeFigureOut">
               <a:rPr lang="tr-TR" smtClean="0"/>
-              <a:t>26.02.2024</a:t>
+              <a:t>27.02.2024</a:t>
             </a:fld>
             <a:endParaRPr lang="tr-TR"/>
           </a:p>
@@ -2584,7 +2591,7 @@
           <a:p>
             <a:fld id="{524C83C5-A6E3-467E-88A3-7867E1892419}" type="datetimeFigureOut">
               <a:rPr lang="tr-TR" smtClean="0"/>
-              <a:t>26.02.2024</a:t>
+              <a:t>27.02.2024</a:t>
             </a:fld>
             <a:endParaRPr lang="tr-TR"/>
           </a:p>
@@ -6003,10 +6010,10 @@
       </p:grpSpPr>
       <p:sp useBgFill="1">
         <p:nvSpPr>
-          <p:cNvPr id="22" name="Rectangle 21">
+          <p:cNvPr id="39" name="Rectangle 38">
             <a:extLst>
               <a:ext uri="{FF2B5EF4-FFF2-40B4-BE49-F238E27FC236}">
-                <a16:creationId xmlns:a16="http://schemas.microsoft.com/office/drawing/2014/main" id="{8A94871E-96FC-4ADE-815B-41A636E34F1A}"/>
+                <a16:creationId xmlns:a16="http://schemas.microsoft.com/office/drawing/2014/main" id="{6F5A5072-7B47-4D32-B52A-4EBBF590B8A5}"/>
               </a:ext>
               <a:ext uri="{C183D7F6-B498-43B3-948B-1728B52AA6E4}">
                 <adec:decorative xmlns:adec="http://schemas.microsoft.com/office/drawing/2017/decorative" val="1"/>
@@ -6032,6 +6039,95 @@
           <a:prstGeom prst="rect">
             <a:avLst/>
           </a:prstGeom>
+          <a:ln w="12700" cap="flat" cmpd="sng" algn="ctr">
+            <a:noFill/>
+            <a:prstDash val="solid"/>
+            <a:miter lim="800000"/>
+          </a:ln>
+          <a:effectLst/>
+          <a:extLst>
+            <a:ext uri="{91240B29-F687-4F45-9708-019B960494DF}">
+              <a14:hiddenLine xmlns:a14="http://schemas.microsoft.com/office/drawing/2010/main" w="12700" cap="flat" cmpd="sng" algn="ctr">
+                <a:solidFill>
+                  <a:schemeClr val="accent1">
+                    <a:shade val="50000"/>
+                  </a:schemeClr>
+                </a:solidFill>
+                <a:prstDash val="solid"/>
+                <a:miter lim="800000"/>
+              </a14:hiddenLine>
+            </a:ext>
+          </a:extLst>
+        </p:spPr>
+        <p:style>
+          <a:lnRef idx="2">
+            <a:schemeClr val="accent1">
+              <a:shade val="50000"/>
+            </a:schemeClr>
+          </a:lnRef>
+          <a:fillRef idx="1">
+            <a:schemeClr val="accent1"/>
+          </a:fillRef>
+          <a:effectRef idx="0">
+            <a:schemeClr val="accent1"/>
+          </a:effectRef>
+          <a:fontRef idx="minor">
+            <a:schemeClr val="lt1"/>
+          </a:fontRef>
+        </p:style>
+        <p:txBody>
+          <a:bodyPr rtlCol="0" anchor="ctr"/>
+          <a:lstStyle/>
+          <a:p>
+            <a:pPr algn="ctr"/>
+            <a:endParaRPr lang="en-US"/>
+          </a:p>
+        </p:txBody>
+      </p:sp>
+      <p:sp>
+        <p:nvSpPr>
+          <p:cNvPr id="40" name="Rectangle 39">
+            <a:extLst>
+              <a:ext uri="{FF2B5EF4-FFF2-40B4-BE49-F238E27FC236}">
+                <a16:creationId xmlns:a16="http://schemas.microsoft.com/office/drawing/2014/main" id="{9715DAF0-AE1B-46C9-8A6B-DB2AA05AB91D}"/>
+              </a:ext>
+              <a:ext uri="{C183D7F6-B498-43B3-948B-1728B52AA6E4}">
+                <adec:decorative xmlns:adec="http://schemas.microsoft.com/office/drawing/2017/decorative" val="1"/>
+              </a:ext>
+            </a:extLst>
+          </p:cNvPr>
+          <p:cNvSpPr>
+            <a:spLocks noGrp="1" noRot="1" noChangeAspect="1" noMove="1" noResize="1" noEditPoints="1" noAdjustHandles="1" noChangeArrowheads="1" noChangeShapeType="1" noTextEdit="1"/>
+          </p:cNvSpPr>
+          <p:nvPr>
+            <p:extLst>
+              <p:ext uri="{386F3935-93C4-4BCD-93E2-E3B085C9AB24}">
+                <p16:designElem xmlns:p16="http://schemas.microsoft.com/office/powerpoint/2015/main" val="1"/>
+              </p:ext>
+            </p:extLst>
+          </p:nvPr>
+        </p:nvSpPr>
+        <p:spPr>
+          <a:xfrm rot="10800000">
+            <a:off x="-2" y="-22693"/>
+            <a:ext cx="12191999" cy="4374129"/>
+          </a:xfrm>
+          <a:prstGeom prst="rect">
+            <a:avLst/>
+          </a:prstGeom>
+          <a:gradFill>
+            <a:gsLst>
+              <a:gs pos="0">
+                <a:schemeClr val="accent1">
+                  <a:lumMod val="75000"/>
+                </a:schemeClr>
+              </a:gs>
+              <a:gs pos="100000">
+                <a:srgbClr val="000000"/>
+              </a:gs>
+            </a:gsLst>
+            <a:lin ang="15000000" scaled="0"/>
+          </a:gradFill>
           <a:ln>
             <a:noFill/>
           </a:ln>
@@ -6063,6 +6159,377 @@
       </p:sp>
       <p:sp>
         <p:nvSpPr>
+          <p:cNvPr id="41" name="Rectangle 40">
+            <a:extLst>
+              <a:ext uri="{FF2B5EF4-FFF2-40B4-BE49-F238E27FC236}">
+                <a16:creationId xmlns:a16="http://schemas.microsoft.com/office/drawing/2014/main" id="{6016219D-510E-4184-9090-6D5578A87BD1}"/>
+              </a:ext>
+              <a:ext uri="{C183D7F6-B498-43B3-948B-1728B52AA6E4}">
+                <adec:decorative xmlns:adec="http://schemas.microsoft.com/office/drawing/2017/decorative" val="1"/>
+              </a:ext>
+            </a:extLst>
+          </p:cNvPr>
+          <p:cNvSpPr>
+            <a:spLocks noGrp="1" noRot="1" noChangeAspect="1" noMove="1" noResize="1" noEditPoints="1" noAdjustHandles="1" noChangeArrowheads="1" noChangeShapeType="1" noTextEdit="1"/>
+          </p:cNvSpPr>
+          <p:nvPr>
+            <p:extLst>
+              <p:ext uri="{386F3935-93C4-4BCD-93E2-E3B085C9AB24}">
+                <p16:designElem xmlns:p16="http://schemas.microsoft.com/office/powerpoint/2015/main" val="1"/>
+              </p:ext>
+            </p:extLst>
+          </p:nvPr>
+        </p:nvSpPr>
+        <p:spPr>
+          <a:xfrm rot="5400000">
+            <a:off x="3908719" y="-3931841"/>
+            <a:ext cx="4374557" cy="12192000"/>
+          </a:xfrm>
+          <a:prstGeom prst="rect">
+            <a:avLst/>
+          </a:prstGeom>
+          <a:gradFill>
+            <a:gsLst>
+              <a:gs pos="40000">
+                <a:schemeClr val="accent1">
+                  <a:alpha val="0"/>
+                </a:schemeClr>
+              </a:gs>
+              <a:gs pos="100000">
+                <a:schemeClr val="accent1">
+                  <a:lumMod val="75000"/>
+                  <a:alpha val="52000"/>
+                </a:schemeClr>
+              </a:gs>
+            </a:gsLst>
+            <a:lin ang="2400000" scaled="0"/>
+          </a:gradFill>
+          <a:ln>
+            <a:noFill/>
+          </a:ln>
+        </p:spPr>
+        <p:style>
+          <a:lnRef idx="2">
+            <a:schemeClr val="accent1">
+              <a:shade val="50000"/>
+            </a:schemeClr>
+          </a:lnRef>
+          <a:fillRef idx="1">
+            <a:schemeClr val="accent1"/>
+          </a:fillRef>
+          <a:effectRef idx="0">
+            <a:schemeClr val="accent1"/>
+          </a:effectRef>
+          <a:fontRef idx="minor">
+            <a:schemeClr val="lt1"/>
+          </a:fontRef>
+        </p:style>
+        <p:txBody>
+          <a:bodyPr rtlCol="0" anchor="ctr"/>
+          <a:lstStyle/>
+          <a:p>
+            <a:pPr algn="ctr"/>
+            <a:endParaRPr lang="en-US"/>
+          </a:p>
+        </p:txBody>
+      </p:sp>
+      <p:sp>
+        <p:nvSpPr>
+          <p:cNvPr id="42" name="Rectangle 41">
+            <a:extLst>
+              <a:ext uri="{FF2B5EF4-FFF2-40B4-BE49-F238E27FC236}">
+                <a16:creationId xmlns:a16="http://schemas.microsoft.com/office/drawing/2014/main" id="{AFF4A713-7B75-4B21-90D7-5AB19547C728}"/>
+              </a:ext>
+              <a:ext uri="{C183D7F6-B498-43B3-948B-1728B52AA6E4}">
+                <adec:decorative xmlns:adec="http://schemas.microsoft.com/office/drawing/2017/decorative" val="1"/>
+              </a:ext>
+            </a:extLst>
+          </p:cNvPr>
+          <p:cNvSpPr>
+            <a:spLocks noGrp="1" noRot="1" noChangeAspect="1" noMove="1" noResize="1" noEditPoints="1" noAdjustHandles="1" noChangeArrowheads="1" noChangeShapeType="1" noTextEdit="1"/>
+          </p:cNvSpPr>
+          <p:nvPr>
+            <p:extLst>
+              <p:ext uri="{386F3935-93C4-4BCD-93E2-E3B085C9AB24}">
+                <p16:designElem xmlns:p16="http://schemas.microsoft.com/office/powerpoint/2015/main" val="1"/>
+              </p:ext>
+            </p:extLst>
+          </p:nvPr>
+        </p:nvSpPr>
+        <p:spPr>
+          <a:xfrm rot="5400000">
+            <a:off x="4136696" y="-3703868"/>
+            <a:ext cx="4374128" cy="11736479"/>
+          </a:xfrm>
+          <a:prstGeom prst="rect">
+            <a:avLst/>
+          </a:prstGeom>
+          <a:gradFill>
+            <a:gsLst>
+              <a:gs pos="17000">
+                <a:schemeClr val="accent1">
+                  <a:alpha val="0"/>
+                </a:schemeClr>
+              </a:gs>
+              <a:gs pos="100000">
+                <a:srgbClr val="000000">
+                  <a:alpha val="37000"/>
+                </a:srgbClr>
+              </a:gs>
+            </a:gsLst>
+            <a:lin ang="7800000" scaled="0"/>
+          </a:gradFill>
+          <a:ln>
+            <a:noFill/>
+          </a:ln>
+        </p:spPr>
+        <p:style>
+          <a:lnRef idx="2">
+            <a:schemeClr val="accent1">
+              <a:shade val="50000"/>
+            </a:schemeClr>
+          </a:lnRef>
+          <a:fillRef idx="1">
+            <a:schemeClr val="accent1"/>
+          </a:fillRef>
+          <a:effectRef idx="0">
+            <a:schemeClr val="accent1"/>
+          </a:effectRef>
+          <a:fontRef idx="minor">
+            <a:schemeClr val="lt1"/>
+          </a:fontRef>
+        </p:style>
+        <p:txBody>
+          <a:bodyPr rtlCol="0" anchor="ctr"/>
+          <a:lstStyle/>
+          <a:p>
+            <a:pPr algn="ctr"/>
+            <a:endParaRPr lang="en-US"/>
+          </a:p>
+        </p:txBody>
+      </p:sp>
+      <p:sp>
+        <p:nvSpPr>
+          <p:cNvPr id="43" name="Rectangle 42">
+            <a:extLst>
+              <a:ext uri="{FF2B5EF4-FFF2-40B4-BE49-F238E27FC236}">
+                <a16:creationId xmlns:a16="http://schemas.microsoft.com/office/drawing/2014/main" id="{DC631C0B-6DA6-4E57-8231-CE32B3434A7E}"/>
+              </a:ext>
+              <a:ext uri="{C183D7F6-B498-43B3-948B-1728B52AA6E4}">
+                <adec:decorative xmlns:adec="http://schemas.microsoft.com/office/drawing/2017/decorative" val="1"/>
+              </a:ext>
+            </a:extLst>
+          </p:cNvPr>
+          <p:cNvSpPr>
+            <a:spLocks noGrp="1" noRot="1" noChangeAspect="1" noMove="1" noResize="1" noEditPoints="1" noAdjustHandles="1" noChangeArrowheads="1" noChangeShapeType="1" noTextEdit="1"/>
+          </p:cNvSpPr>
+          <p:nvPr>
+            <p:extLst>
+              <p:ext uri="{386F3935-93C4-4BCD-93E2-E3B085C9AB24}">
+                <p16:designElem xmlns:p16="http://schemas.microsoft.com/office/powerpoint/2015/main" val="1"/>
+              </p:ext>
+            </p:extLst>
+          </p:nvPr>
+        </p:nvSpPr>
+        <p:spPr>
+          <a:xfrm>
+            <a:off x="-5" y="-22690"/>
+            <a:ext cx="8542485" cy="4374126"/>
+          </a:xfrm>
+          <a:prstGeom prst="rect">
+            <a:avLst/>
+          </a:prstGeom>
+          <a:gradFill>
+            <a:gsLst>
+              <a:gs pos="0">
+                <a:schemeClr val="accent1">
+                  <a:lumMod val="50000"/>
+                  <a:alpha val="0"/>
+                </a:schemeClr>
+              </a:gs>
+              <a:gs pos="100000">
+                <a:srgbClr val="000000">
+                  <a:alpha val="25000"/>
+                </a:srgbClr>
+              </a:gs>
+            </a:gsLst>
+            <a:lin ang="18600000" scaled="0"/>
+          </a:gradFill>
+          <a:ln>
+            <a:noFill/>
+          </a:ln>
+        </p:spPr>
+        <p:style>
+          <a:lnRef idx="2">
+            <a:schemeClr val="accent1">
+              <a:shade val="50000"/>
+            </a:schemeClr>
+          </a:lnRef>
+          <a:fillRef idx="1">
+            <a:schemeClr val="accent1"/>
+          </a:fillRef>
+          <a:effectRef idx="0">
+            <a:schemeClr val="accent1"/>
+          </a:effectRef>
+          <a:fontRef idx="minor">
+            <a:schemeClr val="lt1"/>
+          </a:fontRef>
+        </p:style>
+        <p:txBody>
+          <a:bodyPr rtlCol="0" anchor="ctr"/>
+          <a:lstStyle/>
+          <a:p>
+            <a:pPr algn="ctr"/>
+            <a:endParaRPr lang="en-US"/>
+          </a:p>
+        </p:txBody>
+      </p:sp>
+      <p:sp>
+        <p:nvSpPr>
+          <p:cNvPr id="38" name="Freeform: Shape 37">
+            <a:extLst>
+              <a:ext uri="{FF2B5EF4-FFF2-40B4-BE49-F238E27FC236}">
+                <a16:creationId xmlns:a16="http://schemas.microsoft.com/office/drawing/2014/main" id="{C29501E6-A978-4A61-9689-9085AF97A53A}"/>
+              </a:ext>
+              <a:ext uri="{C183D7F6-B498-43B3-948B-1728B52AA6E4}">
+                <adec:decorative xmlns:adec="http://schemas.microsoft.com/office/drawing/2017/decorative" val="1"/>
+              </a:ext>
+            </a:extLst>
+          </p:cNvPr>
+          <p:cNvSpPr>
+            <a:spLocks noGrp="1" noRot="1" noChangeAspect="1" noMove="1" noResize="1" noEditPoints="1" noAdjustHandles="1" noChangeArrowheads="1" noChangeShapeType="1" noTextEdit="1"/>
+          </p:cNvSpPr>
+          <p:nvPr>
+            <p:extLst>
+              <p:ext uri="{386F3935-93C4-4BCD-93E2-E3B085C9AB24}">
+                <p16:designElem xmlns:p16="http://schemas.microsoft.com/office/powerpoint/2015/main" val="1"/>
+              </p:ext>
+            </p:extLst>
+          </p:nvPr>
+        </p:nvSpPr>
+        <p:spPr>
+          <a:xfrm rot="12508972">
+            <a:off x="5945431" y="-1032053"/>
+            <a:ext cx="4990147" cy="4439131"/>
+          </a:xfrm>
+          <a:custGeom>
+            <a:avLst/>
+            <a:gdLst>
+              <a:gd name="connsiteX0" fmla="*/ 4990147 w 4990147"/>
+              <a:gd name="connsiteY0" fmla="*/ 2229378 h 4439131"/>
+              <a:gd name="connsiteX1" fmla="*/ 917384 w 4990147"/>
+              <a:gd name="connsiteY1" fmla="*/ 4439131 h 4439131"/>
+              <a:gd name="connsiteX2" fmla="*/ 910814 w 4990147"/>
+              <a:gd name="connsiteY2" fmla="*/ 4434219 h 4439131"/>
+              <a:gd name="connsiteX3" fmla="*/ 0 w 4990147"/>
+              <a:gd name="connsiteY3" fmla="*/ 2502877 h 4439131"/>
+              <a:gd name="connsiteX4" fmla="*/ 2502877 w 4990147"/>
+              <a:gd name="connsiteY4" fmla="*/ 0 h 4439131"/>
+              <a:gd name="connsiteX5" fmla="*/ 4954904 w 4990147"/>
+              <a:gd name="connsiteY5" fmla="*/ 1998460 h 4439131"/>
+            </a:gdLst>
+            <a:ahLst/>
+            <a:cxnLst>
+              <a:cxn ang="0">
+                <a:pos x="connsiteX0" y="connsiteY0"/>
+              </a:cxn>
+              <a:cxn ang="0">
+                <a:pos x="connsiteX1" y="connsiteY1"/>
+              </a:cxn>
+              <a:cxn ang="0">
+                <a:pos x="connsiteX2" y="connsiteY2"/>
+              </a:cxn>
+              <a:cxn ang="0">
+                <a:pos x="connsiteX3" y="connsiteY3"/>
+              </a:cxn>
+              <a:cxn ang="0">
+                <a:pos x="connsiteX4" y="connsiteY4"/>
+              </a:cxn>
+              <a:cxn ang="0">
+                <a:pos x="connsiteX5" y="connsiteY5"/>
+              </a:cxn>
+            </a:cxnLst>
+            <a:rect l="l" t="t" r="r" b="b"/>
+            <a:pathLst>
+              <a:path w="4990147" h="4439131">
+                <a:moveTo>
+                  <a:pt x="4990147" y="2229378"/>
+                </a:moveTo>
+                <a:lnTo>
+                  <a:pt x="917384" y="4439131"/>
+                </a:lnTo>
+                <a:lnTo>
+                  <a:pt x="910814" y="4434219"/>
+                </a:lnTo>
+                <a:cubicBezTo>
+                  <a:pt x="354557" y="3975154"/>
+                  <a:pt x="0" y="3280421"/>
+                  <a:pt x="0" y="2502877"/>
+                </a:cubicBezTo>
+                <a:cubicBezTo>
+                  <a:pt x="0" y="1120576"/>
+                  <a:pt x="1120576" y="0"/>
+                  <a:pt x="2502877" y="0"/>
+                </a:cubicBezTo>
+                <a:cubicBezTo>
+                  <a:pt x="3712390" y="0"/>
+                  <a:pt x="4721520" y="857941"/>
+                  <a:pt x="4954904" y="1998460"/>
+                </a:cubicBezTo>
+                <a:close/>
+              </a:path>
+            </a:pathLst>
+          </a:custGeom>
+          <a:gradFill>
+            <a:gsLst>
+              <a:gs pos="0">
+                <a:schemeClr val="accent1">
+                  <a:alpha val="22000"/>
+                </a:schemeClr>
+              </a:gs>
+              <a:gs pos="87000">
+                <a:schemeClr val="accent1">
+                  <a:lumMod val="60000"/>
+                  <a:lumOff val="40000"/>
+                  <a:alpha val="2000"/>
+                </a:schemeClr>
+              </a:gs>
+            </a:gsLst>
+            <a:lin ang="8400000" scaled="0"/>
+          </a:gradFill>
+          <a:ln>
+            <a:noFill/>
+          </a:ln>
+        </p:spPr>
+        <p:style>
+          <a:lnRef idx="2">
+            <a:schemeClr val="accent1">
+              <a:shade val="50000"/>
+            </a:schemeClr>
+          </a:lnRef>
+          <a:fillRef idx="1">
+            <a:schemeClr val="accent1"/>
+          </a:fillRef>
+          <a:effectRef idx="0">
+            <a:schemeClr val="accent1"/>
+          </a:effectRef>
+          <a:fontRef idx="minor">
+            <a:schemeClr val="lt1"/>
+          </a:fontRef>
+        </p:style>
+        <p:txBody>
+          <a:bodyPr wrap="square" rtlCol="0" anchor="ctr">
+            <a:noAutofit/>
+          </a:bodyPr>
+          <a:lstStyle/>
+          <a:p>
+            <a:pPr algn="ctr"/>
+            <a:endParaRPr lang="en-US" dirty="0"/>
+          </a:p>
+        </p:txBody>
+      </p:sp>
+      <p:sp>
+        <p:nvSpPr>
           <p:cNvPr id="4" name="Title 3">
             <a:extLst>
               <a:ext uri="{FF2B5EF4-FFF2-40B4-BE49-F238E27FC236}">
@@ -6079,22 +6546,30 @@
         </p:nvSpPr>
         <p:spPr>
           <a:xfrm>
-            <a:off x="640080" y="320040"/>
-            <a:ext cx="6692827" cy="3892669"/>
+            <a:off x="1314824" y="735106"/>
+            <a:ext cx="10053763" cy="2928470"/>
           </a:xfrm>
         </p:spPr>
         <p:txBody>
-          <a:bodyPr>
+          <a:bodyPr anchor="b">
             <a:normAutofit/>
           </a:bodyPr>
           <a:lstStyle/>
           <a:p>
             <a:pPr algn="l"/>
             <a:r>
-              <a:rPr lang="en-US" sz="6600"/>
+              <a:rPr lang="en-US" sz="4800">
+                <a:solidFill>
+                  <a:srgbClr val="FFFFFF"/>
+                </a:solidFill>
+              </a:rPr>
               <a:t>Diagnosis and Tolerant Strategy of 3Level NPC Inverters</a:t>
             </a:r>
-            <a:endParaRPr lang="tr-TR" sz="6600"/>
+            <a:endParaRPr lang="tr-TR" sz="4800">
+              <a:solidFill>
+                <a:srgbClr val="FFFFFF"/>
+              </a:solidFill>
+            </a:endParaRPr>
           </a:p>
         </p:txBody>
       </p:sp>
@@ -6116,12 +6591,12 @@
         </p:nvSpPr>
         <p:spPr>
           <a:xfrm>
-            <a:off x="640080" y="4631161"/>
-            <a:ext cx="6692827" cy="1569486"/>
+            <a:off x="1350682" y="4870824"/>
+            <a:ext cx="10005951" cy="1458258"/>
           </a:xfrm>
         </p:spPr>
         <p:txBody>
-          <a:bodyPr>
+          <a:bodyPr anchor="ctr">
             <a:normAutofit/>
           </a:bodyPr>
           <a:lstStyle/>
@@ -6148,349 +6623,6 @@
               <a:t>Three-level NPC Inverter</a:t>
             </a:r>
             <a:endParaRPr lang="tr-TR" b="1" u="sng" dirty="0"/>
-          </a:p>
-        </p:txBody>
-      </p:sp>
-      <p:sp>
-        <p:nvSpPr>
-          <p:cNvPr id="23" name="sketch line">
-            <a:extLst>
-              <a:ext uri="{FF2B5EF4-FFF2-40B4-BE49-F238E27FC236}">
-                <a16:creationId xmlns:a16="http://schemas.microsoft.com/office/drawing/2014/main" id="{3FCFB1DE-0B7E-48CC-BA90-B2AB0889F9D6}"/>
-              </a:ext>
-              <a:ext uri="{C183D7F6-B498-43B3-948B-1728B52AA6E4}">
-                <adec:decorative xmlns:adec="http://schemas.microsoft.com/office/drawing/2017/decorative" val="1"/>
-              </a:ext>
-            </a:extLst>
-          </p:cNvPr>
-          <p:cNvSpPr>
-            <a:spLocks noGrp="1" noRot="1" noChangeAspect="1" noMove="1" noResize="1" noEditPoints="1" noAdjustHandles="1" noChangeArrowheads="1" noChangeShapeType="1" noTextEdit="1"/>
-          </p:cNvSpPr>
-          <p:nvPr>
-            <p:extLst>
-              <p:ext uri="{386F3935-93C4-4BCD-93E2-E3B085C9AB24}">
-                <p16:designElem xmlns:p16="http://schemas.microsoft.com/office/powerpoint/2015/main" val="1"/>
-              </p:ext>
-            </p:extLst>
-          </p:nvPr>
-        </p:nvSpPr>
-        <p:spPr>
-          <a:xfrm>
-            <a:off x="714562" y="4409267"/>
-            <a:ext cx="4243589" cy="18288"/>
-          </a:xfrm>
-          <a:custGeom>
-            <a:avLst/>
-            <a:gdLst>
-              <a:gd name="connsiteX0" fmla="*/ 0 w 4243589"/>
-              <a:gd name="connsiteY0" fmla="*/ 0 h 18288"/>
-              <a:gd name="connsiteX1" fmla="*/ 563791 w 4243589"/>
-              <a:gd name="connsiteY1" fmla="*/ 0 h 18288"/>
-              <a:gd name="connsiteX2" fmla="*/ 1042710 w 4243589"/>
-              <a:gd name="connsiteY2" fmla="*/ 0 h 18288"/>
-              <a:gd name="connsiteX3" fmla="*/ 1564066 w 4243589"/>
-              <a:gd name="connsiteY3" fmla="*/ 0 h 18288"/>
-              <a:gd name="connsiteX4" fmla="*/ 2212729 w 4243589"/>
-              <a:gd name="connsiteY4" fmla="*/ 0 h 18288"/>
-              <a:gd name="connsiteX5" fmla="*/ 2776520 w 4243589"/>
-              <a:gd name="connsiteY5" fmla="*/ 0 h 18288"/>
-              <a:gd name="connsiteX6" fmla="*/ 3297875 w 4243589"/>
-              <a:gd name="connsiteY6" fmla="*/ 0 h 18288"/>
-              <a:gd name="connsiteX7" fmla="*/ 4243589 w 4243589"/>
-              <a:gd name="connsiteY7" fmla="*/ 0 h 18288"/>
-              <a:gd name="connsiteX8" fmla="*/ 4243589 w 4243589"/>
-              <a:gd name="connsiteY8" fmla="*/ 18288 h 18288"/>
-              <a:gd name="connsiteX9" fmla="*/ 3637362 w 4243589"/>
-              <a:gd name="connsiteY9" fmla="*/ 18288 h 18288"/>
-              <a:gd name="connsiteX10" fmla="*/ 3116007 w 4243589"/>
-              <a:gd name="connsiteY10" fmla="*/ 18288 h 18288"/>
-              <a:gd name="connsiteX11" fmla="*/ 2424908 w 4243589"/>
-              <a:gd name="connsiteY11" fmla="*/ 18288 h 18288"/>
-              <a:gd name="connsiteX12" fmla="*/ 1861117 w 4243589"/>
-              <a:gd name="connsiteY12" fmla="*/ 18288 h 18288"/>
-              <a:gd name="connsiteX13" fmla="*/ 1382198 w 4243589"/>
-              <a:gd name="connsiteY13" fmla="*/ 18288 h 18288"/>
-              <a:gd name="connsiteX14" fmla="*/ 733535 w 4243589"/>
-              <a:gd name="connsiteY14" fmla="*/ 18288 h 18288"/>
-              <a:gd name="connsiteX15" fmla="*/ 0 w 4243589"/>
-              <a:gd name="connsiteY15" fmla="*/ 18288 h 18288"/>
-              <a:gd name="connsiteX16" fmla="*/ 0 w 4243589"/>
-              <a:gd name="connsiteY16" fmla="*/ 0 h 18288"/>
-            </a:gdLst>
-            <a:ahLst/>
-            <a:cxnLst>
-              <a:cxn ang="0">
-                <a:pos x="connsiteX0" y="connsiteY0"/>
-              </a:cxn>
-              <a:cxn ang="0">
-                <a:pos x="connsiteX1" y="connsiteY1"/>
-              </a:cxn>
-              <a:cxn ang="0">
-                <a:pos x="connsiteX2" y="connsiteY2"/>
-              </a:cxn>
-              <a:cxn ang="0">
-                <a:pos x="connsiteX3" y="connsiteY3"/>
-              </a:cxn>
-              <a:cxn ang="0">
-                <a:pos x="connsiteX4" y="connsiteY4"/>
-              </a:cxn>
-              <a:cxn ang="0">
-                <a:pos x="connsiteX5" y="connsiteY5"/>
-              </a:cxn>
-              <a:cxn ang="0">
-                <a:pos x="connsiteX6" y="connsiteY6"/>
-              </a:cxn>
-              <a:cxn ang="0">
-                <a:pos x="connsiteX7" y="connsiteY7"/>
-              </a:cxn>
-              <a:cxn ang="0">
-                <a:pos x="connsiteX8" y="connsiteY8"/>
-              </a:cxn>
-              <a:cxn ang="0">
-                <a:pos x="connsiteX9" y="connsiteY9"/>
-              </a:cxn>
-              <a:cxn ang="0">
-                <a:pos x="connsiteX10" y="connsiteY10"/>
-              </a:cxn>
-              <a:cxn ang="0">
-                <a:pos x="connsiteX11" y="connsiteY11"/>
-              </a:cxn>
-              <a:cxn ang="0">
-                <a:pos x="connsiteX12" y="connsiteY12"/>
-              </a:cxn>
-              <a:cxn ang="0">
-                <a:pos x="connsiteX13" y="connsiteY13"/>
-              </a:cxn>
-              <a:cxn ang="0">
-                <a:pos x="connsiteX14" y="connsiteY14"/>
-              </a:cxn>
-              <a:cxn ang="0">
-                <a:pos x="connsiteX15" y="connsiteY15"/>
-              </a:cxn>
-              <a:cxn ang="0">
-                <a:pos x="connsiteX16" y="connsiteY16"/>
-              </a:cxn>
-            </a:cxnLst>
-            <a:rect l="l" t="t" r="r" b="b"/>
-            <a:pathLst>
-              <a:path w="4243589" h="18288" fill="none" extrusionOk="0">
-                <a:moveTo>
-                  <a:pt x="0" y="0"/>
-                </a:moveTo>
-                <a:cubicBezTo>
-                  <a:pt x="157351" y="-15653"/>
-                  <a:pt x="378877" y="-5828"/>
-                  <a:pt x="563791" y="0"/>
-                </a:cubicBezTo>
-                <a:cubicBezTo>
-                  <a:pt x="748705" y="5828"/>
-                  <a:pt x="905659" y="-5525"/>
-                  <a:pt x="1042710" y="0"/>
-                </a:cubicBezTo>
-                <a:cubicBezTo>
-                  <a:pt x="1179761" y="5525"/>
-                  <a:pt x="1356845" y="-21288"/>
-                  <a:pt x="1564066" y="0"/>
-                </a:cubicBezTo>
-                <a:cubicBezTo>
-                  <a:pt x="1771287" y="21288"/>
-                  <a:pt x="1912099" y="25135"/>
-                  <a:pt x="2212729" y="0"/>
-                </a:cubicBezTo>
-                <a:cubicBezTo>
-                  <a:pt x="2513359" y="-25135"/>
-                  <a:pt x="2514918" y="-27119"/>
-                  <a:pt x="2776520" y="0"/>
-                </a:cubicBezTo>
-                <a:cubicBezTo>
-                  <a:pt x="3038122" y="27119"/>
-                  <a:pt x="3178771" y="18116"/>
-                  <a:pt x="3297875" y="0"/>
-                </a:cubicBezTo>
-                <a:cubicBezTo>
-                  <a:pt x="3416980" y="-18116"/>
-                  <a:pt x="4012240" y="-40869"/>
-                  <a:pt x="4243589" y="0"/>
-                </a:cubicBezTo>
-                <a:cubicBezTo>
-                  <a:pt x="4243987" y="7429"/>
-                  <a:pt x="4243569" y="10822"/>
-                  <a:pt x="4243589" y="18288"/>
-                </a:cubicBezTo>
-                <a:cubicBezTo>
-                  <a:pt x="4112949" y="-2855"/>
-                  <a:pt x="3928037" y="1831"/>
-                  <a:pt x="3637362" y="18288"/>
-                </a:cubicBezTo>
-                <a:cubicBezTo>
-                  <a:pt x="3346687" y="34745"/>
-                  <a:pt x="3254446" y="26669"/>
-                  <a:pt x="3116007" y="18288"/>
-                </a:cubicBezTo>
-                <a:cubicBezTo>
-                  <a:pt x="2977569" y="9907"/>
-                  <a:pt x="2620228" y="28873"/>
-                  <a:pt x="2424908" y="18288"/>
-                </a:cubicBezTo>
-                <a:cubicBezTo>
-                  <a:pt x="2229588" y="7703"/>
-                  <a:pt x="2088287" y="-3854"/>
-                  <a:pt x="1861117" y="18288"/>
-                </a:cubicBezTo>
-                <a:cubicBezTo>
-                  <a:pt x="1633947" y="40430"/>
-                  <a:pt x="1502447" y="-871"/>
-                  <a:pt x="1382198" y="18288"/>
-                </a:cubicBezTo>
-                <a:cubicBezTo>
-                  <a:pt x="1261949" y="37447"/>
-                  <a:pt x="1045440" y="28353"/>
-                  <a:pt x="733535" y="18288"/>
-                </a:cubicBezTo>
-                <a:cubicBezTo>
-                  <a:pt x="421630" y="8223"/>
-                  <a:pt x="341257" y="-18359"/>
-                  <a:pt x="0" y="18288"/>
-                </a:cubicBezTo>
-                <a:cubicBezTo>
-                  <a:pt x="-591" y="13205"/>
-                  <a:pt x="-663" y="6329"/>
-                  <a:pt x="0" y="0"/>
-                </a:cubicBezTo>
-                <a:close/>
-              </a:path>
-              <a:path w="4243589" h="18288" stroke="0" extrusionOk="0">
-                <a:moveTo>
-                  <a:pt x="0" y="0"/>
-                </a:moveTo>
-                <a:cubicBezTo>
-                  <a:pt x="128164" y="17204"/>
-                  <a:pt x="312653" y="1129"/>
-                  <a:pt x="563791" y="0"/>
-                </a:cubicBezTo>
-                <a:cubicBezTo>
-                  <a:pt x="814929" y="-1129"/>
-                  <a:pt x="837271" y="8503"/>
-                  <a:pt x="1042710" y="0"/>
-                </a:cubicBezTo>
-                <a:cubicBezTo>
-                  <a:pt x="1248149" y="-8503"/>
-                  <a:pt x="1588432" y="-28862"/>
-                  <a:pt x="1733809" y="0"/>
-                </a:cubicBezTo>
-                <a:cubicBezTo>
-                  <a:pt x="1879186" y="28862"/>
-                  <a:pt x="2052815" y="5974"/>
-                  <a:pt x="2297600" y="0"/>
-                </a:cubicBezTo>
-                <a:cubicBezTo>
-                  <a:pt x="2542385" y="-5974"/>
-                  <a:pt x="2699960" y="-23550"/>
-                  <a:pt x="2861391" y="0"/>
-                </a:cubicBezTo>
-                <a:cubicBezTo>
-                  <a:pt x="3022822" y="23550"/>
-                  <a:pt x="3390411" y="25272"/>
-                  <a:pt x="3552490" y="0"/>
-                </a:cubicBezTo>
-                <a:cubicBezTo>
-                  <a:pt x="3714569" y="-25272"/>
-                  <a:pt x="3950585" y="-31327"/>
-                  <a:pt x="4243589" y="0"/>
-                </a:cubicBezTo>
-                <a:cubicBezTo>
-                  <a:pt x="4242703" y="5429"/>
-                  <a:pt x="4244410" y="14046"/>
-                  <a:pt x="4243589" y="18288"/>
-                </a:cubicBezTo>
-                <a:cubicBezTo>
-                  <a:pt x="4130424" y="-1240"/>
-                  <a:pt x="3932803" y="42249"/>
-                  <a:pt x="3722234" y="18288"/>
-                </a:cubicBezTo>
-                <a:cubicBezTo>
-                  <a:pt x="3511665" y="-5673"/>
-                  <a:pt x="3269903" y="45994"/>
-                  <a:pt x="3116007" y="18288"/>
-                </a:cubicBezTo>
-                <a:cubicBezTo>
-                  <a:pt x="2962111" y="-9418"/>
-                  <a:pt x="2744280" y="23224"/>
-                  <a:pt x="2509780" y="18288"/>
-                </a:cubicBezTo>
-                <a:cubicBezTo>
-                  <a:pt x="2275280" y="13352"/>
-                  <a:pt x="2066059" y="43664"/>
-                  <a:pt x="1945989" y="18288"/>
-                </a:cubicBezTo>
-                <a:cubicBezTo>
-                  <a:pt x="1825919" y="-7088"/>
-                  <a:pt x="1407329" y="12616"/>
-                  <a:pt x="1254890" y="18288"/>
-                </a:cubicBezTo>
-                <a:cubicBezTo>
-                  <a:pt x="1102451" y="23960"/>
-                  <a:pt x="837950" y="31673"/>
-                  <a:pt x="563791" y="18288"/>
-                </a:cubicBezTo>
-                <a:cubicBezTo>
-                  <a:pt x="289632" y="4903"/>
-                  <a:pt x="132768" y="7105"/>
-                  <a:pt x="0" y="18288"/>
-                </a:cubicBezTo>
-                <a:cubicBezTo>
-                  <a:pt x="668" y="13665"/>
-                  <a:pt x="578" y="5675"/>
-                  <a:pt x="0" y="0"/>
-                </a:cubicBezTo>
-                <a:close/>
-              </a:path>
-            </a:pathLst>
-          </a:custGeom>
-          <a:solidFill>
-            <a:schemeClr val="accent2"/>
-          </a:solidFill>
-          <a:ln w="38100" cap="rnd">
-            <a:solidFill>
-              <a:schemeClr val="accent2"/>
-            </a:solidFill>
-            <a:round/>
-            <a:extLst>
-              <a:ext uri="{C807C97D-BFC1-408E-A445-0C87EB9F89A2}">
-                <ask:lineSketchStyleProps xmlns:ask="http://schemas.microsoft.com/office/drawing/2018/sketchyshapes" sd="1219033472">
-                  <a:prstGeom prst="rect">
-                    <a:avLst/>
-                  </a:prstGeom>
-                  <ask:type>
-                    <ask:lineSketchFreehand/>
-                  </ask:type>
-                </ask:lineSketchStyleProps>
-              </a:ext>
-            </a:extLst>
-          </a:ln>
-        </p:spPr>
-        <p:style>
-          <a:lnRef idx="2">
-            <a:schemeClr val="accent1">
-              <a:shade val="50000"/>
-            </a:schemeClr>
-          </a:lnRef>
-          <a:fillRef idx="1">
-            <a:schemeClr val="accent1"/>
-          </a:fillRef>
-          <a:effectRef idx="0">
-            <a:schemeClr val="accent1"/>
-          </a:effectRef>
-          <a:fontRef idx="minor">
-            <a:schemeClr val="lt1"/>
-          </a:fontRef>
-        </p:style>
-        <p:txBody>
-          <a:bodyPr rtlCol="0" anchor="ctr"/>
-          <a:lstStyle/>
-          <a:p>
-            <a:pPr algn="ctr"/>
-            <a:endParaRPr lang="en-US"/>
           </a:p>
         </p:txBody>
       </p:sp>
@@ -7653,7 +7785,130 @@
           <a:p>
             <a:r>
               <a:rPr lang="en-US" dirty="0"/>
-              <a:t>NPC Under Fault Operation</a:t>
+              <a:t>NPC Under Fault Operation – Sa1/Q1 fault</a:t>
+            </a:r>
+            <a:endParaRPr lang="tr-TR" dirty="0"/>
+          </a:p>
+        </p:txBody>
+      </p:sp>
+      <p:sp>
+        <p:nvSpPr>
+          <p:cNvPr id="11" name="Content Placeholder 10">
+            <a:extLst>
+              <a:ext uri="{FF2B5EF4-FFF2-40B4-BE49-F238E27FC236}">
+                <a16:creationId xmlns:a16="http://schemas.microsoft.com/office/drawing/2014/main" id="{B8E4F22A-D81E-7BB3-CEE4-9EB831600E31}"/>
+              </a:ext>
+            </a:extLst>
+          </p:cNvPr>
+          <p:cNvSpPr>
+            <a:spLocks noGrp="1"/>
+          </p:cNvSpPr>
+          <p:nvPr>
+            <p:ph idx="1"/>
+          </p:nvPr>
+        </p:nvSpPr>
+        <p:spPr>
+          <a:xfrm>
+            <a:off x="5857874" y="1825625"/>
+            <a:ext cx="5495925" cy="4351338"/>
+          </a:xfrm>
+        </p:spPr>
+        <p:txBody>
+          <a:bodyPr/>
+          <a:lstStyle/>
+          <a:p>
+            <a:r>
+              <a:rPr lang="en-US" dirty="0"/>
+              <a:t>The</a:t>
+            </a:r>
+            <a:endParaRPr lang="tr-TR" dirty="0"/>
+          </a:p>
+        </p:txBody>
+      </p:sp>
+      <p:pic>
+        <p:nvPicPr>
+          <p:cNvPr id="13" name="Picture 12">
+            <a:extLst>
+              <a:ext uri="{FF2B5EF4-FFF2-40B4-BE49-F238E27FC236}">
+                <a16:creationId xmlns:a16="http://schemas.microsoft.com/office/drawing/2014/main" id="{2ABA02E4-FAF1-F02E-1A3E-2F2AC680D73D}"/>
+              </a:ext>
+            </a:extLst>
+          </p:cNvPr>
+          <p:cNvPicPr>
+            <a:picLocks noChangeAspect="1"/>
+          </p:cNvPicPr>
+          <p:nvPr/>
+        </p:nvPicPr>
+        <p:blipFill>
+          <a:blip r:embed="rId2"/>
+          <a:stretch>
+            <a:fillRect/>
+          </a:stretch>
+        </p:blipFill>
+        <p:spPr>
+          <a:xfrm>
+            <a:off x="2047815" y="1825626"/>
+            <a:ext cx="2535971" cy="4351338"/>
+          </a:xfrm>
+          <a:prstGeom prst="rect">
+            <a:avLst/>
+          </a:prstGeom>
+        </p:spPr>
+      </p:pic>
+    </p:spTree>
+    <p:extLst>
+      <p:ext uri="{BB962C8B-B14F-4D97-AF65-F5344CB8AC3E}">
+        <p14:creationId xmlns:p14="http://schemas.microsoft.com/office/powerpoint/2010/main" val="1055659088"/>
+      </p:ext>
+    </p:extLst>
+  </p:cSld>
+  <p:clrMapOvr>
+    <a:masterClrMapping/>
+  </p:clrMapOvr>
+</p:sld>
+</file>
+
+<file path=ppt/slides/slide18.xml><?xml version="1.0" encoding="utf-8"?>
+<p:sld xmlns:a="http://schemas.openxmlformats.org/drawingml/2006/main" xmlns:r="http://schemas.openxmlformats.org/officeDocument/2006/relationships" xmlns:p="http://schemas.openxmlformats.org/presentationml/2006/main">
+  <p:cSld>
+    <p:spTree>
+      <p:nvGrpSpPr>
+        <p:cNvPr id="1" name=""/>
+        <p:cNvGrpSpPr/>
+        <p:nvPr/>
+      </p:nvGrpSpPr>
+      <p:grpSpPr>
+        <a:xfrm>
+          <a:off x="0" y="0"/>
+          <a:ext cx="0" cy="0"/>
+          <a:chOff x="0" y="0"/>
+          <a:chExt cx="0" cy="0"/>
+        </a:xfrm>
+      </p:grpSpPr>
+      <p:sp>
+        <p:nvSpPr>
+          <p:cNvPr id="2" name="Title 1">
+            <a:extLst>
+              <a:ext uri="{FF2B5EF4-FFF2-40B4-BE49-F238E27FC236}">
+                <a16:creationId xmlns:a16="http://schemas.microsoft.com/office/drawing/2014/main" id="{285B1AE1-F5B5-34E8-C820-D66A73815501}"/>
+              </a:ext>
+            </a:extLst>
+          </p:cNvPr>
+          <p:cNvSpPr>
+            <a:spLocks noGrp="1"/>
+          </p:cNvSpPr>
+          <p:nvPr>
+            <p:ph type="title"/>
+          </p:nvPr>
+        </p:nvSpPr>
+        <p:spPr/>
+        <p:txBody>
+          <a:bodyPr/>
+          <a:lstStyle/>
+          <a:p>
+            <a:r>
+              <a:rPr lang="en-US" dirty="0"/>
+              <a:t>NPC Under Fault Operation – Sa1/Q1 fault</a:t>
             </a:r>
             <a:endParaRPr lang="tr-TR" dirty="0"/>
           </a:p>
@@ -7664,7 +7919,7 @@
           <p:cNvPr id="3" name="Content Placeholder 2">
             <a:extLst>
               <a:ext uri="{FF2B5EF4-FFF2-40B4-BE49-F238E27FC236}">
-                <a16:creationId xmlns:a16="http://schemas.microsoft.com/office/drawing/2014/main" id="{AB9A5423-4DAD-63CB-C353-DEF9B175B7F9}"/>
+                <a16:creationId xmlns:a16="http://schemas.microsoft.com/office/drawing/2014/main" id="{CF8E0022-B8EE-F19E-87A2-ECFF1F7DC5DD}"/>
               </a:ext>
             </a:extLst>
           </p:cNvPr>
@@ -7675,7 +7930,12 @@
             <p:ph idx="1"/>
           </p:nvPr>
         </p:nvSpPr>
-        <p:spPr/>
+        <p:spPr>
+          <a:xfrm>
+            <a:off x="6524624" y="1825625"/>
+            <a:ext cx="4829175" cy="4351338"/>
+          </a:xfrm>
+        </p:spPr>
         <p:txBody>
           <a:bodyPr/>
           <a:lstStyle/>
@@ -7684,10 +7944,157 @@
           </a:p>
         </p:txBody>
       </p:sp>
+      <p:pic>
+        <p:nvPicPr>
+          <p:cNvPr id="5" name="Picture 4">
+            <a:extLst>
+              <a:ext uri="{FF2B5EF4-FFF2-40B4-BE49-F238E27FC236}">
+                <a16:creationId xmlns:a16="http://schemas.microsoft.com/office/drawing/2014/main" id="{AEED6DC9-CC9F-EC1B-9159-304A25BCF0A0}"/>
+              </a:ext>
+            </a:extLst>
+          </p:cNvPr>
+          <p:cNvPicPr>
+            <a:picLocks noChangeAspect="1"/>
+          </p:cNvPicPr>
+          <p:nvPr/>
+        </p:nvPicPr>
+        <p:blipFill>
+          <a:blip r:embed="rId2"/>
+          <a:stretch>
+            <a:fillRect/>
+          </a:stretch>
+        </p:blipFill>
+        <p:spPr>
+          <a:xfrm>
+            <a:off x="838200" y="1865091"/>
+            <a:ext cx="5442230" cy="4311872"/>
+          </a:xfrm>
+          <a:prstGeom prst="rect">
+            <a:avLst/>
+          </a:prstGeom>
+        </p:spPr>
+      </p:pic>
     </p:spTree>
     <p:extLst>
       <p:ext uri="{BB962C8B-B14F-4D97-AF65-F5344CB8AC3E}">
-        <p14:creationId xmlns:p14="http://schemas.microsoft.com/office/powerpoint/2010/main" val="1055659088"/>
+        <p14:creationId xmlns:p14="http://schemas.microsoft.com/office/powerpoint/2010/main" val="2694365128"/>
+      </p:ext>
+    </p:extLst>
+  </p:cSld>
+  <p:clrMapOvr>
+    <a:masterClrMapping/>
+  </p:clrMapOvr>
+</p:sld>
+</file>
+
+<file path=ppt/slides/slide19.xml><?xml version="1.0" encoding="utf-8"?>
+<p:sld xmlns:a="http://schemas.openxmlformats.org/drawingml/2006/main" xmlns:r="http://schemas.openxmlformats.org/officeDocument/2006/relationships" xmlns:p="http://schemas.openxmlformats.org/presentationml/2006/main">
+  <p:cSld>
+    <p:spTree>
+      <p:nvGrpSpPr>
+        <p:cNvPr id="1" name=""/>
+        <p:cNvGrpSpPr/>
+        <p:nvPr/>
+      </p:nvGrpSpPr>
+      <p:grpSpPr>
+        <a:xfrm>
+          <a:off x="0" y="0"/>
+          <a:ext cx="0" cy="0"/>
+          <a:chOff x="0" y="0"/>
+          <a:chExt cx="0" cy="0"/>
+        </a:xfrm>
+      </p:grpSpPr>
+      <p:sp>
+        <p:nvSpPr>
+          <p:cNvPr id="2" name="Title 1">
+            <a:extLst>
+              <a:ext uri="{FF2B5EF4-FFF2-40B4-BE49-F238E27FC236}">
+                <a16:creationId xmlns:a16="http://schemas.microsoft.com/office/drawing/2014/main" id="{B4378A32-E496-D814-FAA3-2E33CD2924B8}"/>
+              </a:ext>
+            </a:extLst>
+          </p:cNvPr>
+          <p:cNvSpPr>
+            <a:spLocks noGrp="1"/>
+          </p:cNvSpPr>
+          <p:nvPr>
+            <p:ph type="title"/>
+          </p:nvPr>
+        </p:nvSpPr>
+        <p:spPr/>
+        <p:txBody>
+          <a:bodyPr/>
+          <a:lstStyle/>
+          <a:p>
+            <a:r>
+              <a:rPr lang="en-US" dirty="0"/>
+              <a:t>NPC Under Fault Operation – Sa2/Q2 fault</a:t>
+            </a:r>
+            <a:endParaRPr lang="tr-TR" dirty="0"/>
+          </a:p>
+        </p:txBody>
+      </p:sp>
+      <p:pic>
+        <p:nvPicPr>
+          <p:cNvPr id="8" name="Content Placeholder 7">
+            <a:extLst>
+              <a:ext uri="{FF2B5EF4-FFF2-40B4-BE49-F238E27FC236}">
+                <a16:creationId xmlns:a16="http://schemas.microsoft.com/office/drawing/2014/main" id="{2B0BF621-FBF7-CE5E-B65F-4718D7DC06C4}"/>
+              </a:ext>
+            </a:extLst>
+          </p:cNvPr>
+          <p:cNvPicPr>
+            <a:picLocks noGrp="1" noChangeAspect="1"/>
+          </p:cNvPicPr>
+          <p:nvPr>
+            <p:ph idx="1"/>
+          </p:nvPr>
+        </p:nvPicPr>
+        <p:blipFill>
+          <a:blip r:embed="rId2"/>
+          <a:stretch>
+            <a:fillRect/>
+          </a:stretch>
+        </p:blipFill>
+        <p:spPr>
+          <a:xfrm>
+            <a:off x="4527490" y="1831975"/>
+            <a:ext cx="2336920" cy="4076910"/>
+          </a:xfrm>
+        </p:spPr>
+      </p:pic>
+      <p:pic>
+        <p:nvPicPr>
+          <p:cNvPr id="6" name="Picture 5">
+            <a:extLst>
+              <a:ext uri="{FF2B5EF4-FFF2-40B4-BE49-F238E27FC236}">
+                <a16:creationId xmlns:a16="http://schemas.microsoft.com/office/drawing/2014/main" id="{EE6F0831-DC4A-F6AD-74DA-F528CCDB88EA}"/>
+              </a:ext>
+            </a:extLst>
+          </p:cNvPr>
+          <p:cNvPicPr>
+            <a:picLocks noChangeAspect="1"/>
+          </p:cNvPicPr>
+          <p:nvPr/>
+        </p:nvPicPr>
+        <p:blipFill rotWithShape="1">
+          <a:blip r:embed="rId3"/>
+          <a:srcRect r="1643"/>
+          <a:stretch/>
+        </p:blipFill>
+        <p:spPr>
+          <a:xfrm>
+            <a:off x="1200436" y="1825625"/>
+            <a:ext cx="2304764" cy="4083260"/>
+          </a:xfrm>
+          <a:prstGeom prst="rect">
+            <a:avLst/>
+          </a:prstGeom>
+        </p:spPr>
+      </p:pic>
+    </p:spTree>
+    <p:extLst>
+      <p:ext uri="{BB962C8B-B14F-4D97-AF65-F5344CB8AC3E}">
+        <p14:creationId xmlns:p14="http://schemas.microsoft.com/office/powerpoint/2010/main" val="135570228"/>
       </p:ext>
     </p:extLst>
   </p:cSld>
@@ -7864,6 +8271,600 @@
     <p:extLst>
       <p:ext uri="{BB962C8B-B14F-4D97-AF65-F5344CB8AC3E}">
         <p14:creationId xmlns:p14="http://schemas.microsoft.com/office/powerpoint/2010/main" val="2927679809"/>
+      </p:ext>
+    </p:extLst>
+  </p:cSld>
+  <p:clrMapOvr>
+    <a:masterClrMapping/>
+  </p:clrMapOvr>
+</p:sld>
+</file>
+
+<file path=ppt/slides/slide20.xml><?xml version="1.0" encoding="utf-8"?>
+<p:sld xmlns:a="http://schemas.openxmlformats.org/drawingml/2006/main" xmlns:r="http://schemas.openxmlformats.org/officeDocument/2006/relationships" xmlns:p="http://schemas.openxmlformats.org/presentationml/2006/main">
+  <p:cSld>
+    <p:spTree>
+      <p:nvGrpSpPr>
+        <p:cNvPr id="1" name=""/>
+        <p:cNvGrpSpPr/>
+        <p:nvPr/>
+      </p:nvGrpSpPr>
+      <p:grpSpPr>
+        <a:xfrm>
+          <a:off x="0" y="0"/>
+          <a:ext cx="0" cy="0"/>
+          <a:chOff x="0" y="0"/>
+          <a:chExt cx="0" cy="0"/>
+        </a:xfrm>
+      </p:grpSpPr>
+      <p:sp>
+        <p:nvSpPr>
+          <p:cNvPr id="2" name="Title 1">
+            <a:extLst>
+              <a:ext uri="{FF2B5EF4-FFF2-40B4-BE49-F238E27FC236}">
+                <a16:creationId xmlns:a16="http://schemas.microsoft.com/office/drawing/2014/main" id="{92F4A80E-4F91-F1F6-F0AC-8199DE3D9CF3}"/>
+              </a:ext>
+            </a:extLst>
+          </p:cNvPr>
+          <p:cNvSpPr>
+            <a:spLocks noGrp="1"/>
+          </p:cNvSpPr>
+          <p:nvPr>
+            <p:ph type="title"/>
+          </p:nvPr>
+        </p:nvSpPr>
+        <p:spPr/>
+        <p:txBody>
+          <a:bodyPr/>
+          <a:lstStyle/>
+          <a:p>
+            <a:r>
+              <a:rPr lang="en-US" dirty="0"/>
+              <a:t>NPC Under Fault Operation – Sa2/Q2 fault</a:t>
+            </a:r>
+            <a:endParaRPr lang="tr-TR" dirty="0"/>
+          </a:p>
+        </p:txBody>
+      </p:sp>
+      <p:pic>
+        <p:nvPicPr>
+          <p:cNvPr id="5" name="Content Placeholder 4">
+            <a:extLst>
+              <a:ext uri="{FF2B5EF4-FFF2-40B4-BE49-F238E27FC236}">
+                <a16:creationId xmlns:a16="http://schemas.microsoft.com/office/drawing/2014/main" id="{4841CF03-4073-70D8-77B4-D96AD95BB18F}"/>
+              </a:ext>
+            </a:extLst>
+          </p:cNvPr>
+          <p:cNvPicPr>
+            <a:picLocks noGrp="1" noChangeAspect="1"/>
+          </p:cNvPicPr>
+          <p:nvPr>
+            <p:ph idx="1"/>
+          </p:nvPr>
+        </p:nvPicPr>
+        <p:blipFill>
+          <a:blip r:embed="rId2"/>
+          <a:stretch>
+            <a:fillRect/>
+          </a:stretch>
+        </p:blipFill>
+        <p:spPr>
+          <a:xfrm>
+            <a:off x="666471" y="1690688"/>
+            <a:ext cx="5429529" cy="4343623"/>
+          </a:xfrm>
+        </p:spPr>
+      </p:pic>
+    </p:spTree>
+    <p:extLst>
+      <p:ext uri="{BB962C8B-B14F-4D97-AF65-F5344CB8AC3E}">
+        <p14:creationId xmlns:p14="http://schemas.microsoft.com/office/powerpoint/2010/main" val="1284251092"/>
+      </p:ext>
+    </p:extLst>
+  </p:cSld>
+  <p:clrMapOvr>
+    <a:masterClrMapping/>
+  </p:clrMapOvr>
+</p:sld>
+</file>
+
+<file path=ppt/slides/slide21.xml><?xml version="1.0" encoding="utf-8"?>
+<p:sld xmlns:a="http://schemas.openxmlformats.org/drawingml/2006/main" xmlns:r="http://schemas.openxmlformats.org/officeDocument/2006/relationships" xmlns:p="http://schemas.openxmlformats.org/presentationml/2006/main">
+  <p:cSld>
+    <p:spTree>
+      <p:nvGrpSpPr>
+        <p:cNvPr id="1" name=""/>
+        <p:cNvGrpSpPr/>
+        <p:nvPr/>
+      </p:nvGrpSpPr>
+      <p:grpSpPr>
+        <a:xfrm>
+          <a:off x="0" y="0"/>
+          <a:ext cx="0" cy="0"/>
+          <a:chOff x="0" y="0"/>
+          <a:chExt cx="0" cy="0"/>
+        </a:xfrm>
+      </p:grpSpPr>
+      <p:sp>
+        <p:nvSpPr>
+          <p:cNvPr id="2" name="Title 1">
+            <a:extLst>
+              <a:ext uri="{FF2B5EF4-FFF2-40B4-BE49-F238E27FC236}">
+                <a16:creationId xmlns:a16="http://schemas.microsoft.com/office/drawing/2014/main" id="{92C4AE11-55B9-65AF-BC6A-CF463D03C584}"/>
+              </a:ext>
+            </a:extLst>
+          </p:cNvPr>
+          <p:cNvSpPr>
+            <a:spLocks noGrp="1"/>
+          </p:cNvSpPr>
+          <p:nvPr>
+            <p:ph type="title"/>
+          </p:nvPr>
+        </p:nvSpPr>
+        <p:spPr/>
+        <p:txBody>
+          <a:bodyPr/>
+          <a:lstStyle/>
+          <a:p>
+            <a:r>
+              <a:rPr lang="en-US" dirty="0"/>
+              <a:t>NPC Under Fault Operation – Sa3/Q3 fault</a:t>
+            </a:r>
+            <a:endParaRPr lang="tr-TR" dirty="0"/>
+          </a:p>
+        </p:txBody>
+      </p:sp>
+      <p:sp>
+        <p:nvSpPr>
+          <p:cNvPr id="3" name="Content Placeholder 2">
+            <a:extLst>
+              <a:ext uri="{FF2B5EF4-FFF2-40B4-BE49-F238E27FC236}">
+                <a16:creationId xmlns:a16="http://schemas.microsoft.com/office/drawing/2014/main" id="{3FE7C4FF-3634-4C5C-5851-D00C62EFC31E}"/>
+              </a:ext>
+            </a:extLst>
+          </p:cNvPr>
+          <p:cNvSpPr>
+            <a:spLocks noGrp="1"/>
+          </p:cNvSpPr>
+          <p:nvPr>
+            <p:ph idx="1"/>
+          </p:nvPr>
+        </p:nvSpPr>
+        <p:spPr>
+          <a:xfrm>
+            <a:off x="6696074" y="1825625"/>
+            <a:ext cx="4657725" cy="4351338"/>
+          </a:xfrm>
+        </p:spPr>
+        <p:txBody>
+          <a:bodyPr/>
+          <a:lstStyle/>
+          <a:p>
+            <a:endParaRPr lang="tr-TR" dirty="0"/>
+          </a:p>
+        </p:txBody>
+      </p:sp>
+      <p:pic>
+        <p:nvPicPr>
+          <p:cNvPr id="6" name="Picture 5">
+            <a:extLst>
+              <a:ext uri="{FF2B5EF4-FFF2-40B4-BE49-F238E27FC236}">
+                <a16:creationId xmlns:a16="http://schemas.microsoft.com/office/drawing/2014/main" id="{18BAAEF9-7AE1-CC5E-34B9-8E94FE8B97B1}"/>
+              </a:ext>
+            </a:extLst>
+          </p:cNvPr>
+          <p:cNvPicPr>
+            <a:picLocks noChangeAspect="1"/>
+          </p:cNvPicPr>
+          <p:nvPr/>
+        </p:nvPicPr>
+        <p:blipFill>
+          <a:blip r:embed="rId2"/>
+          <a:stretch>
+            <a:fillRect/>
+          </a:stretch>
+        </p:blipFill>
+        <p:spPr>
+          <a:xfrm>
+            <a:off x="1110272" y="1690688"/>
+            <a:ext cx="2558333" cy="4486275"/>
+          </a:xfrm>
+          <a:prstGeom prst="rect">
+            <a:avLst/>
+          </a:prstGeom>
+        </p:spPr>
+      </p:pic>
+      <p:pic>
+        <p:nvPicPr>
+          <p:cNvPr id="8" name="Picture 7">
+            <a:extLst>
+              <a:ext uri="{FF2B5EF4-FFF2-40B4-BE49-F238E27FC236}">
+                <a16:creationId xmlns:a16="http://schemas.microsoft.com/office/drawing/2014/main" id="{EABCE057-00AA-2CDB-B114-22A3D3CF11FF}"/>
+              </a:ext>
+            </a:extLst>
+          </p:cNvPr>
+          <p:cNvPicPr>
+            <a:picLocks noChangeAspect="1"/>
+          </p:cNvPicPr>
+          <p:nvPr/>
+        </p:nvPicPr>
+        <p:blipFill>
+          <a:blip r:embed="rId3"/>
+          <a:stretch>
+            <a:fillRect/>
+          </a:stretch>
+        </p:blipFill>
+        <p:spPr>
+          <a:xfrm>
+            <a:off x="3940676" y="1690688"/>
+            <a:ext cx="2579476" cy="4486275"/>
+          </a:xfrm>
+          <a:prstGeom prst="rect">
+            <a:avLst/>
+          </a:prstGeom>
+        </p:spPr>
+      </p:pic>
+    </p:spTree>
+    <p:extLst>
+      <p:ext uri="{BB962C8B-B14F-4D97-AF65-F5344CB8AC3E}">
+        <p14:creationId xmlns:p14="http://schemas.microsoft.com/office/powerpoint/2010/main" val="123224049"/>
+      </p:ext>
+    </p:extLst>
+  </p:cSld>
+  <p:clrMapOvr>
+    <a:masterClrMapping/>
+  </p:clrMapOvr>
+</p:sld>
+</file>
+
+<file path=ppt/slides/slide22.xml><?xml version="1.0" encoding="utf-8"?>
+<p:sld xmlns:a="http://schemas.openxmlformats.org/drawingml/2006/main" xmlns:r="http://schemas.openxmlformats.org/officeDocument/2006/relationships" xmlns:p="http://schemas.openxmlformats.org/presentationml/2006/main">
+  <p:cSld>
+    <p:spTree>
+      <p:nvGrpSpPr>
+        <p:cNvPr id="1" name=""/>
+        <p:cNvGrpSpPr/>
+        <p:nvPr/>
+      </p:nvGrpSpPr>
+      <p:grpSpPr>
+        <a:xfrm>
+          <a:off x="0" y="0"/>
+          <a:ext cx="0" cy="0"/>
+          <a:chOff x="0" y="0"/>
+          <a:chExt cx="0" cy="0"/>
+        </a:xfrm>
+      </p:grpSpPr>
+      <p:sp>
+        <p:nvSpPr>
+          <p:cNvPr id="2" name="Title 1">
+            <a:extLst>
+              <a:ext uri="{FF2B5EF4-FFF2-40B4-BE49-F238E27FC236}">
+                <a16:creationId xmlns:a16="http://schemas.microsoft.com/office/drawing/2014/main" id="{F9D2A944-60BA-C3F4-2D9B-541C84A44F14}"/>
+              </a:ext>
+            </a:extLst>
+          </p:cNvPr>
+          <p:cNvSpPr>
+            <a:spLocks noGrp="1"/>
+          </p:cNvSpPr>
+          <p:nvPr>
+            <p:ph type="title"/>
+          </p:nvPr>
+        </p:nvSpPr>
+        <p:spPr/>
+        <p:txBody>
+          <a:bodyPr/>
+          <a:lstStyle/>
+          <a:p>
+            <a:r>
+              <a:rPr lang="en-US" dirty="0"/>
+              <a:t>NPC Under Fault Operation – Sa3/Q3 fault</a:t>
+            </a:r>
+            <a:endParaRPr lang="tr-TR" dirty="0"/>
+          </a:p>
+        </p:txBody>
+      </p:sp>
+      <p:sp>
+        <p:nvSpPr>
+          <p:cNvPr id="3" name="Content Placeholder 2">
+            <a:extLst>
+              <a:ext uri="{FF2B5EF4-FFF2-40B4-BE49-F238E27FC236}">
+                <a16:creationId xmlns:a16="http://schemas.microsoft.com/office/drawing/2014/main" id="{4025EE1D-C9D0-AC88-E797-66A32BF3F6F3}"/>
+              </a:ext>
+            </a:extLst>
+          </p:cNvPr>
+          <p:cNvSpPr>
+            <a:spLocks noGrp="1"/>
+          </p:cNvSpPr>
+          <p:nvPr>
+            <p:ph idx="1"/>
+          </p:nvPr>
+        </p:nvSpPr>
+        <p:spPr>
+          <a:xfrm>
+            <a:off x="6438900" y="1825625"/>
+            <a:ext cx="4914900" cy="4351338"/>
+          </a:xfrm>
+        </p:spPr>
+        <p:txBody>
+          <a:bodyPr/>
+          <a:lstStyle/>
+          <a:p>
+            <a:endParaRPr lang="tr-TR" dirty="0"/>
+          </a:p>
+        </p:txBody>
+      </p:sp>
+      <p:pic>
+        <p:nvPicPr>
+          <p:cNvPr id="5" name="Picture 4">
+            <a:extLst>
+              <a:ext uri="{FF2B5EF4-FFF2-40B4-BE49-F238E27FC236}">
+                <a16:creationId xmlns:a16="http://schemas.microsoft.com/office/drawing/2014/main" id="{8A26515F-6A5C-585B-2BE1-83D8831C9982}"/>
+              </a:ext>
+            </a:extLst>
+          </p:cNvPr>
+          <p:cNvPicPr>
+            <a:picLocks noChangeAspect="1"/>
+          </p:cNvPicPr>
+          <p:nvPr/>
+        </p:nvPicPr>
+        <p:blipFill>
+          <a:blip r:embed="rId2"/>
+          <a:stretch>
+            <a:fillRect/>
+          </a:stretch>
+        </p:blipFill>
+        <p:spPr>
+          <a:xfrm>
+            <a:off x="431510" y="1690688"/>
+            <a:ext cx="5565726" cy="4486275"/>
+          </a:xfrm>
+          <a:prstGeom prst="rect">
+            <a:avLst/>
+          </a:prstGeom>
+        </p:spPr>
+      </p:pic>
+    </p:spTree>
+    <p:extLst>
+      <p:ext uri="{BB962C8B-B14F-4D97-AF65-F5344CB8AC3E}">
+        <p14:creationId xmlns:p14="http://schemas.microsoft.com/office/powerpoint/2010/main" val="2778345729"/>
+      </p:ext>
+    </p:extLst>
+  </p:cSld>
+  <p:clrMapOvr>
+    <a:masterClrMapping/>
+  </p:clrMapOvr>
+</p:sld>
+</file>
+
+<file path=ppt/slides/slide23.xml><?xml version="1.0" encoding="utf-8"?>
+<p:sld xmlns:a="http://schemas.openxmlformats.org/drawingml/2006/main" xmlns:r="http://schemas.openxmlformats.org/officeDocument/2006/relationships" xmlns:p="http://schemas.openxmlformats.org/presentationml/2006/main">
+  <p:cSld>
+    <p:spTree>
+      <p:nvGrpSpPr>
+        <p:cNvPr id="1" name=""/>
+        <p:cNvGrpSpPr/>
+        <p:nvPr/>
+      </p:nvGrpSpPr>
+      <p:grpSpPr>
+        <a:xfrm>
+          <a:off x="0" y="0"/>
+          <a:ext cx="0" cy="0"/>
+          <a:chOff x="0" y="0"/>
+          <a:chExt cx="0" cy="0"/>
+        </a:xfrm>
+      </p:grpSpPr>
+      <p:sp>
+        <p:nvSpPr>
+          <p:cNvPr id="2" name="Title 1">
+            <a:extLst>
+              <a:ext uri="{FF2B5EF4-FFF2-40B4-BE49-F238E27FC236}">
+                <a16:creationId xmlns:a16="http://schemas.microsoft.com/office/drawing/2014/main" id="{8346BC14-9194-68D7-F9EA-69B4EFA03897}"/>
+              </a:ext>
+            </a:extLst>
+          </p:cNvPr>
+          <p:cNvSpPr>
+            <a:spLocks noGrp="1"/>
+          </p:cNvSpPr>
+          <p:nvPr>
+            <p:ph type="title"/>
+          </p:nvPr>
+        </p:nvSpPr>
+        <p:spPr/>
+        <p:txBody>
+          <a:bodyPr/>
+          <a:lstStyle/>
+          <a:p>
+            <a:r>
+              <a:rPr lang="en-US" dirty="0"/>
+              <a:t>NPC Under Fault Operation – Sa4/Q4 fault</a:t>
+            </a:r>
+            <a:endParaRPr lang="tr-TR" dirty="0"/>
+          </a:p>
+        </p:txBody>
+      </p:sp>
+      <p:sp>
+        <p:nvSpPr>
+          <p:cNvPr id="3" name="Content Placeholder 2">
+            <a:extLst>
+              <a:ext uri="{FF2B5EF4-FFF2-40B4-BE49-F238E27FC236}">
+                <a16:creationId xmlns:a16="http://schemas.microsoft.com/office/drawing/2014/main" id="{DCC7A0DC-1341-4EE0-4059-AD4596B49396}"/>
+              </a:ext>
+            </a:extLst>
+          </p:cNvPr>
+          <p:cNvSpPr>
+            <a:spLocks noGrp="1"/>
+          </p:cNvSpPr>
+          <p:nvPr>
+            <p:ph idx="1"/>
+          </p:nvPr>
+        </p:nvSpPr>
+        <p:spPr>
+          <a:xfrm>
+            <a:off x="6096000" y="1825625"/>
+            <a:ext cx="5257800" cy="4351338"/>
+          </a:xfrm>
+        </p:spPr>
+        <p:txBody>
+          <a:bodyPr/>
+          <a:lstStyle/>
+          <a:p>
+            <a:endParaRPr lang="tr-TR" dirty="0"/>
+          </a:p>
+        </p:txBody>
+      </p:sp>
+      <p:pic>
+        <p:nvPicPr>
+          <p:cNvPr id="7" name="Picture 6">
+            <a:extLst>
+              <a:ext uri="{FF2B5EF4-FFF2-40B4-BE49-F238E27FC236}">
+                <a16:creationId xmlns:a16="http://schemas.microsoft.com/office/drawing/2014/main" id="{8759ED0F-761D-F382-61D3-8E4CFFFFA610}"/>
+              </a:ext>
+            </a:extLst>
+          </p:cNvPr>
+          <p:cNvPicPr>
+            <a:picLocks noChangeAspect="1"/>
+          </p:cNvPicPr>
+          <p:nvPr/>
+        </p:nvPicPr>
+        <p:blipFill>
+          <a:blip r:embed="rId2"/>
+          <a:stretch>
+            <a:fillRect/>
+          </a:stretch>
+        </p:blipFill>
+        <p:spPr>
+          <a:xfrm>
+            <a:off x="1887071" y="1690688"/>
+            <a:ext cx="2595366" cy="4486275"/>
+          </a:xfrm>
+          <a:prstGeom prst="rect">
+            <a:avLst/>
+          </a:prstGeom>
+        </p:spPr>
+      </p:pic>
+    </p:spTree>
+    <p:extLst>
+      <p:ext uri="{BB962C8B-B14F-4D97-AF65-F5344CB8AC3E}">
+        <p14:creationId xmlns:p14="http://schemas.microsoft.com/office/powerpoint/2010/main" val="3423259882"/>
+      </p:ext>
+    </p:extLst>
+  </p:cSld>
+  <p:clrMapOvr>
+    <a:masterClrMapping/>
+  </p:clrMapOvr>
+</p:sld>
+</file>
+
+<file path=ppt/slides/slide24.xml><?xml version="1.0" encoding="utf-8"?>
+<p:sld xmlns:a="http://schemas.openxmlformats.org/drawingml/2006/main" xmlns:r="http://schemas.openxmlformats.org/officeDocument/2006/relationships" xmlns:p="http://schemas.openxmlformats.org/presentationml/2006/main">
+  <p:cSld>
+    <p:spTree>
+      <p:nvGrpSpPr>
+        <p:cNvPr id="1" name=""/>
+        <p:cNvGrpSpPr/>
+        <p:nvPr/>
+      </p:nvGrpSpPr>
+      <p:grpSpPr>
+        <a:xfrm>
+          <a:off x="0" y="0"/>
+          <a:ext cx="0" cy="0"/>
+          <a:chOff x="0" y="0"/>
+          <a:chExt cx="0" cy="0"/>
+        </a:xfrm>
+      </p:grpSpPr>
+      <p:sp>
+        <p:nvSpPr>
+          <p:cNvPr id="2" name="Title 1">
+            <a:extLst>
+              <a:ext uri="{FF2B5EF4-FFF2-40B4-BE49-F238E27FC236}">
+                <a16:creationId xmlns:a16="http://schemas.microsoft.com/office/drawing/2014/main" id="{47FD63BD-C7A4-C7B8-32D5-454E561B8B81}"/>
+              </a:ext>
+            </a:extLst>
+          </p:cNvPr>
+          <p:cNvSpPr>
+            <a:spLocks noGrp="1"/>
+          </p:cNvSpPr>
+          <p:nvPr>
+            <p:ph type="title"/>
+          </p:nvPr>
+        </p:nvSpPr>
+        <p:spPr/>
+        <p:txBody>
+          <a:bodyPr/>
+          <a:lstStyle/>
+          <a:p>
+            <a:r>
+              <a:rPr lang="en-US" dirty="0"/>
+              <a:t>NPC Under Fault Operation – Sa4/Q4 fault</a:t>
+            </a:r>
+            <a:endParaRPr lang="tr-TR" dirty="0"/>
+          </a:p>
+        </p:txBody>
+      </p:sp>
+      <p:sp>
+        <p:nvSpPr>
+          <p:cNvPr id="3" name="Content Placeholder 2">
+            <a:extLst>
+              <a:ext uri="{FF2B5EF4-FFF2-40B4-BE49-F238E27FC236}">
+                <a16:creationId xmlns:a16="http://schemas.microsoft.com/office/drawing/2014/main" id="{1B69ED5B-9953-B931-22F4-62395F291EDE}"/>
+              </a:ext>
+            </a:extLst>
+          </p:cNvPr>
+          <p:cNvSpPr>
+            <a:spLocks noGrp="1"/>
+          </p:cNvSpPr>
+          <p:nvPr>
+            <p:ph idx="1"/>
+          </p:nvPr>
+        </p:nvSpPr>
+        <p:spPr>
+          <a:xfrm>
+            <a:off x="6096000" y="1825625"/>
+            <a:ext cx="5257800" cy="4351338"/>
+          </a:xfrm>
+        </p:spPr>
+        <p:txBody>
+          <a:bodyPr/>
+          <a:lstStyle/>
+          <a:p>
+            <a:endParaRPr lang="tr-TR" dirty="0"/>
+          </a:p>
+        </p:txBody>
+      </p:sp>
+      <p:pic>
+        <p:nvPicPr>
+          <p:cNvPr id="5" name="Picture 4">
+            <a:extLst>
+              <a:ext uri="{FF2B5EF4-FFF2-40B4-BE49-F238E27FC236}">
+                <a16:creationId xmlns:a16="http://schemas.microsoft.com/office/drawing/2014/main" id="{83DBD3CB-7491-80D5-658B-DBADCB28EF3B}"/>
+              </a:ext>
+            </a:extLst>
+          </p:cNvPr>
+          <p:cNvPicPr>
+            <a:picLocks noChangeAspect="1"/>
+          </p:cNvPicPr>
+          <p:nvPr/>
+        </p:nvPicPr>
+        <p:blipFill>
+          <a:blip r:embed="rId2"/>
+          <a:stretch>
+            <a:fillRect/>
+          </a:stretch>
+        </p:blipFill>
+        <p:spPr>
+          <a:xfrm>
+            <a:off x="348304" y="1825625"/>
+            <a:ext cx="5374474" cy="4351338"/>
+          </a:xfrm>
+          <a:prstGeom prst="rect">
+            <a:avLst/>
+          </a:prstGeom>
+        </p:spPr>
+      </p:pic>
+    </p:spTree>
+    <p:extLst>
+      <p:ext uri="{BB962C8B-B14F-4D97-AF65-F5344CB8AC3E}">
+        <p14:creationId xmlns:p14="http://schemas.microsoft.com/office/powerpoint/2010/main" val="1528744949"/>
       </p:ext>
     </p:extLst>
   </p:cSld>

--- a/Reports/Fault_Tolerance.pptx
+++ b/Reports/Fault_Tolerance.pptx
@@ -266,7 +266,7 @@
           <a:p>
             <a:fld id="{524C83C5-A6E3-467E-88A3-7867E1892419}" type="datetimeFigureOut">
               <a:rPr lang="tr-TR" smtClean="0"/>
-              <a:t>27.02.2024</a:t>
+              <a:t>22.03.2024</a:t>
             </a:fld>
             <a:endParaRPr lang="tr-TR"/>
           </a:p>
@@ -436,7 +436,7 @@
           <a:p>
             <a:fld id="{524C83C5-A6E3-467E-88A3-7867E1892419}" type="datetimeFigureOut">
               <a:rPr lang="tr-TR" smtClean="0"/>
-              <a:t>27.02.2024</a:t>
+              <a:t>22.03.2024</a:t>
             </a:fld>
             <a:endParaRPr lang="tr-TR"/>
           </a:p>
@@ -616,7 +616,7 @@
           <a:p>
             <a:fld id="{524C83C5-A6E3-467E-88A3-7867E1892419}" type="datetimeFigureOut">
               <a:rPr lang="tr-TR" smtClean="0"/>
-              <a:t>27.02.2024</a:t>
+              <a:t>22.03.2024</a:t>
             </a:fld>
             <a:endParaRPr lang="tr-TR"/>
           </a:p>
@@ -786,7 +786,7 @@
           <a:p>
             <a:fld id="{524C83C5-A6E3-467E-88A3-7867E1892419}" type="datetimeFigureOut">
               <a:rPr lang="tr-TR" smtClean="0"/>
-              <a:t>27.02.2024</a:t>
+              <a:t>22.03.2024</a:t>
             </a:fld>
             <a:endParaRPr lang="tr-TR"/>
           </a:p>
@@ -1032,7 +1032,7 @@
           <a:p>
             <a:fld id="{524C83C5-A6E3-467E-88A3-7867E1892419}" type="datetimeFigureOut">
               <a:rPr lang="tr-TR" smtClean="0"/>
-              <a:t>27.02.2024</a:t>
+              <a:t>22.03.2024</a:t>
             </a:fld>
             <a:endParaRPr lang="tr-TR"/>
           </a:p>
@@ -1264,7 +1264,7 @@
           <a:p>
             <a:fld id="{524C83C5-A6E3-467E-88A3-7867E1892419}" type="datetimeFigureOut">
               <a:rPr lang="tr-TR" smtClean="0"/>
-              <a:t>27.02.2024</a:t>
+              <a:t>22.03.2024</a:t>
             </a:fld>
             <a:endParaRPr lang="tr-TR"/>
           </a:p>
@@ -1631,7 +1631,7 @@
           <a:p>
             <a:fld id="{524C83C5-A6E3-467E-88A3-7867E1892419}" type="datetimeFigureOut">
               <a:rPr lang="tr-TR" smtClean="0"/>
-              <a:t>27.02.2024</a:t>
+              <a:t>22.03.2024</a:t>
             </a:fld>
             <a:endParaRPr lang="tr-TR"/>
           </a:p>
@@ -1749,7 +1749,7 @@
           <a:p>
             <a:fld id="{524C83C5-A6E3-467E-88A3-7867E1892419}" type="datetimeFigureOut">
               <a:rPr lang="tr-TR" smtClean="0"/>
-              <a:t>27.02.2024</a:t>
+              <a:t>22.03.2024</a:t>
             </a:fld>
             <a:endParaRPr lang="tr-TR"/>
           </a:p>
@@ -1844,7 +1844,7 @@
           <a:p>
             <a:fld id="{524C83C5-A6E3-467E-88A3-7867E1892419}" type="datetimeFigureOut">
               <a:rPr lang="tr-TR" smtClean="0"/>
-              <a:t>27.02.2024</a:t>
+              <a:t>22.03.2024</a:t>
             </a:fld>
             <a:endParaRPr lang="tr-TR"/>
           </a:p>
@@ -2121,7 +2121,7 @@
           <a:p>
             <a:fld id="{524C83C5-A6E3-467E-88A3-7867E1892419}" type="datetimeFigureOut">
               <a:rPr lang="tr-TR" smtClean="0"/>
-              <a:t>27.02.2024</a:t>
+              <a:t>22.03.2024</a:t>
             </a:fld>
             <a:endParaRPr lang="tr-TR"/>
           </a:p>
@@ -2378,7 +2378,7 @@
           <a:p>
             <a:fld id="{524C83C5-A6E3-467E-88A3-7867E1892419}" type="datetimeFigureOut">
               <a:rPr lang="tr-TR" smtClean="0"/>
-              <a:t>27.02.2024</a:t>
+              <a:t>22.03.2024</a:t>
             </a:fld>
             <a:endParaRPr lang="tr-TR"/>
           </a:p>
@@ -2591,7 +2591,7 @@
           <a:p>
             <a:fld id="{524C83C5-A6E3-467E-88A3-7867E1892419}" type="datetimeFigureOut">
               <a:rPr lang="tr-TR" smtClean="0"/>
-              <a:t>27.02.2024</a:t>
+              <a:t>22.03.2024</a:t>
             </a:fld>
             <a:endParaRPr lang="tr-TR"/>
           </a:p>
@@ -8035,35 +8035,6 @@
       </p:sp>
       <p:pic>
         <p:nvPicPr>
-          <p:cNvPr id="8" name="Content Placeholder 7">
-            <a:extLst>
-              <a:ext uri="{FF2B5EF4-FFF2-40B4-BE49-F238E27FC236}">
-                <a16:creationId xmlns:a16="http://schemas.microsoft.com/office/drawing/2014/main" id="{2B0BF621-FBF7-CE5E-B65F-4718D7DC06C4}"/>
-              </a:ext>
-            </a:extLst>
-          </p:cNvPr>
-          <p:cNvPicPr>
-            <a:picLocks noGrp="1" noChangeAspect="1"/>
-          </p:cNvPicPr>
-          <p:nvPr>
-            <p:ph idx="1"/>
-          </p:nvPr>
-        </p:nvPicPr>
-        <p:blipFill>
-          <a:blip r:embed="rId2"/>
-          <a:stretch>
-            <a:fillRect/>
-          </a:stretch>
-        </p:blipFill>
-        <p:spPr>
-          <a:xfrm>
-            <a:off x="4527490" y="1831975"/>
-            <a:ext cx="2336920" cy="4076910"/>
-          </a:xfrm>
-        </p:spPr>
-      </p:pic>
-      <p:pic>
-        <p:nvPicPr>
           <p:cNvPr id="6" name="Picture 5">
             <a:extLst>
               <a:ext uri="{FF2B5EF4-FFF2-40B4-BE49-F238E27FC236}">
@@ -8077,7 +8048,7 @@
           <p:nvPr/>
         </p:nvPicPr>
         <p:blipFill rotWithShape="1">
-          <a:blip r:embed="rId3"/>
+          <a:blip r:embed="rId2"/>
           <a:srcRect r="1643"/>
           <a:stretch/>
         </p:blipFill>
@@ -8085,6 +8056,36 @@
           <a:xfrm>
             <a:off x="1200436" y="1825625"/>
             <a:ext cx="2304764" cy="4083260"/>
+          </a:xfrm>
+          <a:prstGeom prst="rect">
+            <a:avLst/>
+          </a:prstGeom>
+        </p:spPr>
+      </p:pic>
+      <p:pic>
+        <p:nvPicPr>
+          <p:cNvPr id="12" name="Picture 11">
+            <a:extLst>
+              <a:ext uri="{FF2B5EF4-FFF2-40B4-BE49-F238E27FC236}">
+                <a16:creationId xmlns:a16="http://schemas.microsoft.com/office/drawing/2014/main" id="{A740DB35-AEE5-E872-7980-C79BE5296544}"/>
+              </a:ext>
+            </a:extLst>
+          </p:cNvPr>
+          <p:cNvPicPr>
+            <a:picLocks noChangeAspect="1"/>
+          </p:cNvPicPr>
+          <p:nvPr/>
+        </p:nvPicPr>
+        <p:blipFill>
+          <a:blip r:embed="rId3"/>
+          <a:stretch>
+            <a:fillRect/>
+          </a:stretch>
+        </p:blipFill>
+        <p:spPr>
+          <a:xfrm>
+            <a:off x="4552870" y="1818783"/>
+            <a:ext cx="2467055" cy="4299579"/>
           </a:xfrm>
           <a:prstGeom prst="rect">
             <a:avLst/>

--- a/Reports/Fault_Tolerance.pptx
+++ b/Reports/Fault_Tolerance.pptx
@@ -266,7 +266,7 @@
           <a:p>
             <a:fld id="{524C83C5-A6E3-467E-88A3-7867E1892419}" type="datetimeFigureOut">
               <a:rPr lang="tr-TR" smtClean="0"/>
-              <a:t>22.03.2024</a:t>
+              <a:t>27.04.2024</a:t>
             </a:fld>
             <a:endParaRPr lang="tr-TR"/>
           </a:p>
@@ -436,7 +436,7 @@
           <a:p>
             <a:fld id="{524C83C5-A6E3-467E-88A3-7867E1892419}" type="datetimeFigureOut">
               <a:rPr lang="tr-TR" smtClean="0"/>
-              <a:t>22.03.2024</a:t>
+              <a:t>27.04.2024</a:t>
             </a:fld>
             <a:endParaRPr lang="tr-TR"/>
           </a:p>
@@ -616,7 +616,7 @@
           <a:p>
             <a:fld id="{524C83C5-A6E3-467E-88A3-7867E1892419}" type="datetimeFigureOut">
               <a:rPr lang="tr-TR" smtClean="0"/>
-              <a:t>22.03.2024</a:t>
+              <a:t>27.04.2024</a:t>
             </a:fld>
             <a:endParaRPr lang="tr-TR"/>
           </a:p>
@@ -786,7 +786,7 @@
           <a:p>
             <a:fld id="{524C83C5-A6E3-467E-88A3-7867E1892419}" type="datetimeFigureOut">
               <a:rPr lang="tr-TR" smtClean="0"/>
-              <a:t>22.03.2024</a:t>
+              <a:t>27.04.2024</a:t>
             </a:fld>
             <a:endParaRPr lang="tr-TR"/>
           </a:p>
@@ -1032,7 +1032,7 @@
           <a:p>
             <a:fld id="{524C83C5-A6E3-467E-88A3-7867E1892419}" type="datetimeFigureOut">
               <a:rPr lang="tr-TR" smtClean="0"/>
-              <a:t>22.03.2024</a:t>
+              <a:t>27.04.2024</a:t>
             </a:fld>
             <a:endParaRPr lang="tr-TR"/>
           </a:p>
@@ -1264,7 +1264,7 @@
           <a:p>
             <a:fld id="{524C83C5-A6E3-467E-88A3-7867E1892419}" type="datetimeFigureOut">
               <a:rPr lang="tr-TR" smtClean="0"/>
-              <a:t>22.03.2024</a:t>
+              <a:t>27.04.2024</a:t>
             </a:fld>
             <a:endParaRPr lang="tr-TR"/>
           </a:p>
@@ -1631,7 +1631,7 @@
           <a:p>
             <a:fld id="{524C83C5-A6E3-467E-88A3-7867E1892419}" type="datetimeFigureOut">
               <a:rPr lang="tr-TR" smtClean="0"/>
-              <a:t>22.03.2024</a:t>
+              <a:t>27.04.2024</a:t>
             </a:fld>
             <a:endParaRPr lang="tr-TR"/>
           </a:p>
@@ -1749,7 +1749,7 @@
           <a:p>
             <a:fld id="{524C83C5-A6E3-467E-88A3-7867E1892419}" type="datetimeFigureOut">
               <a:rPr lang="tr-TR" smtClean="0"/>
-              <a:t>22.03.2024</a:t>
+              <a:t>27.04.2024</a:t>
             </a:fld>
             <a:endParaRPr lang="tr-TR"/>
           </a:p>
@@ -1844,7 +1844,7 @@
           <a:p>
             <a:fld id="{524C83C5-A6E3-467E-88A3-7867E1892419}" type="datetimeFigureOut">
               <a:rPr lang="tr-TR" smtClean="0"/>
-              <a:t>22.03.2024</a:t>
+              <a:t>27.04.2024</a:t>
             </a:fld>
             <a:endParaRPr lang="tr-TR"/>
           </a:p>
@@ -2121,7 +2121,7 @@
           <a:p>
             <a:fld id="{524C83C5-A6E3-467E-88A3-7867E1892419}" type="datetimeFigureOut">
               <a:rPr lang="tr-TR" smtClean="0"/>
-              <a:t>22.03.2024</a:t>
+              <a:t>27.04.2024</a:t>
             </a:fld>
             <a:endParaRPr lang="tr-TR"/>
           </a:p>
@@ -2378,7 +2378,7 @@
           <a:p>
             <a:fld id="{524C83C5-A6E3-467E-88A3-7867E1892419}" type="datetimeFigureOut">
               <a:rPr lang="tr-TR" smtClean="0"/>
-              <a:t>22.03.2024</a:t>
+              <a:t>27.04.2024</a:t>
             </a:fld>
             <a:endParaRPr lang="tr-TR"/>
           </a:p>
@@ -2591,7 +2591,7 @@
           <a:p>
             <a:fld id="{524C83C5-A6E3-467E-88A3-7867E1892419}" type="datetimeFigureOut">
               <a:rPr lang="tr-TR" smtClean="0"/>
-              <a:t>22.03.2024</a:t>
+              <a:t>27.04.2024</a:t>
             </a:fld>
             <a:endParaRPr lang="tr-TR"/>
           </a:p>
@@ -4544,12 +4544,12 @@
                     <a:p>
                       <a:pPr algn="l" fontAlgn="b"/>
                       <a:r>
-                        <a:rPr lang="tr-TR" sz="1100" u="none" strike="noStrike">
+                        <a:rPr lang="tr-TR" sz="1100" u="none" strike="noStrike" dirty="0">
                           <a:effectLst/>
                         </a:rPr>
                         <a:t>Sa4</a:t>
                       </a:r>
-                      <a:endParaRPr lang="tr-TR" sz="1100" b="0" i="0" u="none" strike="noStrike">
+                      <a:endParaRPr lang="tr-TR" sz="1100" b="0" i="0" u="none" strike="noStrike" dirty="0">
                         <a:solidFill>
                           <a:srgbClr val="000000"/>
                         </a:solidFill>
@@ -7914,64 +7914,39 @@
           </a:p>
         </p:txBody>
       </p:sp>
-      <p:sp>
-        <p:nvSpPr>
-          <p:cNvPr id="3" name="Content Placeholder 2">
+      <p:pic>
+        <p:nvPicPr>
+          <p:cNvPr id="6" name="Content Placeholder 5" descr="A diagram of a hexagon with arrows&#10;&#10;Description automatically generated">
             <a:extLst>
               <a:ext uri="{FF2B5EF4-FFF2-40B4-BE49-F238E27FC236}">
-                <a16:creationId xmlns:a16="http://schemas.microsoft.com/office/drawing/2014/main" id="{CF8E0022-B8EE-F19E-87A2-ECFF1F7DC5DD}"/>
-              </a:ext>
-            </a:extLst>
-          </p:cNvPr>
-          <p:cNvSpPr>
-            <a:spLocks noGrp="1"/>
-          </p:cNvSpPr>
-          <p:nvPr>
-            <p:ph idx="1"/>
-          </p:nvPr>
-        </p:nvSpPr>
-        <p:spPr>
-          <a:xfrm>
-            <a:off x="6524624" y="1825625"/>
-            <a:ext cx="4829175" cy="4351338"/>
-          </a:xfrm>
-        </p:spPr>
-        <p:txBody>
-          <a:bodyPr/>
-          <a:lstStyle/>
-          <a:p>
-            <a:endParaRPr lang="tr-TR" dirty="0"/>
-          </a:p>
-        </p:txBody>
-      </p:sp>
-      <p:pic>
-        <p:nvPicPr>
-          <p:cNvPr id="5" name="Picture 4">
-            <a:extLst>
-              <a:ext uri="{FF2B5EF4-FFF2-40B4-BE49-F238E27FC236}">
-                <a16:creationId xmlns:a16="http://schemas.microsoft.com/office/drawing/2014/main" id="{AEED6DC9-CC9F-EC1B-9159-304A25BCF0A0}"/>
+                <a16:creationId xmlns:a16="http://schemas.microsoft.com/office/drawing/2014/main" id="{348C691E-EE63-770C-79BB-CC9FADFEFF99}"/>
               </a:ext>
             </a:extLst>
           </p:cNvPr>
           <p:cNvPicPr>
-            <a:picLocks noChangeAspect="1"/>
+            <a:picLocks noGrp="1" noChangeAspect="1"/>
           </p:cNvPicPr>
-          <p:nvPr/>
+          <p:nvPr>
+            <p:ph idx="1"/>
+          </p:nvPr>
         </p:nvPicPr>
         <p:blipFill>
-          <a:blip r:embed="rId2"/>
+          <a:blip r:embed="rId2">
+            <a:extLst>
+              <a:ext uri="{28A0092B-C50C-407E-A947-70E740481C1C}">
+                <a14:useLocalDpi xmlns:a14="http://schemas.microsoft.com/office/drawing/2010/main" val="0"/>
+              </a:ext>
+            </a:extLst>
+          </a:blip>
           <a:stretch>
             <a:fillRect/>
           </a:stretch>
         </p:blipFill>
         <p:spPr>
           <a:xfrm>
-            <a:off x="838200" y="1865091"/>
-            <a:ext cx="5442230" cy="4311872"/>
+            <a:off x="618095" y="2070114"/>
+            <a:ext cx="4829175" cy="3812934"/>
           </a:xfrm>
-          <a:prstGeom prst="rect">
-            <a:avLst/>
-          </a:prstGeom>
         </p:spPr>
       </p:pic>
     </p:spTree>
